--- a/ppt/Qt面试题3.pptx
+++ b/ppt/Qt面试题3.pptx
@@ -6,13 +6,12 @@
   </p:sldMasterIdLst>
   <p:sldIdLst>
     <p:sldId id="279" r:id="rId2"/>
-    <p:sldId id="286" r:id="rId3"/>
-    <p:sldId id="287" r:id="rId4"/>
-    <p:sldId id="290" r:id="rId5"/>
-    <p:sldId id="288" r:id="rId6"/>
-    <p:sldId id="289" r:id="rId7"/>
-    <p:sldId id="291" r:id="rId8"/>
-    <p:sldId id="292" r:id="rId9"/>
+    <p:sldId id="287" r:id="rId3"/>
+    <p:sldId id="288" r:id="rId4"/>
+    <p:sldId id="289" r:id="rId5"/>
+    <p:sldId id="290" r:id="rId6"/>
+    <p:sldId id="291" r:id="rId7"/>
+    <p:sldId id="292" r:id="rId8"/>
   </p:sldIdLst>
   <p:sldSz cx="12192000" cy="6858000"/>
   <p:notesSz cx="6858000" cy="9144000"/>
@@ -117,11 +116,10 @@
         <p14:section name="默认节" id="{706C435F-19F1-4E86-A51A-900D1EFB7C59}">
           <p14:sldIdLst>
             <p14:sldId id="279"/>
-            <p14:sldId id="286"/>
             <p14:sldId id="287"/>
-            <p14:sldId id="290"/>
             <p14:sldId id="288"/>
             <p14:sldId id="289"/>
+            <p14:sldId id="290"/>
             <p14:sldId id="291"/>
             <p14:sldId id="292"/>
           </p14:sldIdLst>
@@ -5869,7 +5867,7 @@
         </p:nvSpPr>
         <p:spPr>
           <a:xfrm>
-            <a:off x="4848100" y="3096728"/>
+            <a:off x="5695951" y="3113630"/>
             <a:ext cx="1826141" cy="338554"/>
           </a:xfrm>
           <a:prstGeom prst="rect">
@@ -5890,6 +5888,126 @@
                 </a:solidFill>
               </a:rPr>
               <a:t>注：资料源于网络</a:t>
+            </a:r>
+          </a:p>
+        </p:txBody>
+      </p:sp>
+      <p:sp>
+        <p:nvSpPr>
+          <p:cNvPr id="35" name="右大括号 34">
+            <a:extLst>
+              <a:ext uri="{FF2B5EF4-FFF2-40B4-BE49-F238E27FC236}">
+                <a16:creationId xmlns:a16="http://schemas.microsoft.com/office/drawing/2014/main" id="{4AF274DE-E39D-0AD8-2BF9-0943D8B43647}"/>
+              </a:ext>
+            </a:extLst>
+          </p:cNvPr>
+          <p:cNvSpPr/>
+          <p:nvPr/>
+        </p:nvSpPr>
+        <p:spPr>
+          <a:xfrm>
+            <a:off x="8823922" y="3840225"/>
+            <a:ext cx="1148699" cy="2603437"/>
+          </a:xfrm>
+          <a:prstGeom prst="rightBrace">
+            <a:avLst/>
+          </a:prstGeom>
+          <a:ln>
+            <a:solidFill>
+              <a:srgbClr val="855EC3"/>
+            </a:solidFill>
+          </a:ln>
+        </p:spPr>
+        <p:style>
+          <a:lnRef idx="2">
+            <a:schemeClr val="dk1"/>
+          </a:lnRef>
+          <a:fillRef idx="0">
+            <a:schemeClr val="dk1"/>
+          </a:fillRef>
+          <a:effectRef idx="1">
+            <a:schemeClr val="dk1"/>
+          </a:effectRef>
+          <a:fontRef idx="minor">
+            <a:schemeClr val="tx1"/>
+          </a:fontRef>
+        </p:style>
+        <p:txBody>
+          <a:bodyPr rtlCol="0" anchor="ctr"/>
+          <a:lstStyle/>
+          <a:p>
+            <a:pPr algn="ctr"/>
+            <a:endParaRPr kumimoji="1" lang="zh-CN" altLang="en-US"/>
+          </a:p>
+        </p:txBody>
+      </p:sp>
+      <p:sp>
+        <p:nvSpPr>
+          <p:cNvPr id="36" name="文本框 35">
+            <a:extLst>
+              <a:ext uri="{FF2B5EF4-FFF2-40B4-BE49-F238E27FC236}">
+                <a16:creationId xmlns:a16="http://schemas.microsoft.com/office/drawing/2014/main" id="{0D836F8D-938F-680D-E03C-21A37A280181}"/>
+              </a:ext>
+            </a:extLst>
+          </p:cNvPr>
+          <p:cNvSpPr txBox="1"/>
+          <p:nvPr/>
+        </p:nvSpPr>
+        <p:spPr>
+          <a:xfrm>
+            <a:off x="9995041" y="4934591"/>
+            <a:ext cx="1217000" cy="369332"/>
+          </a:xfrm>
+          <a:prstGeom prst="rect">
+            <a:avLst/>
+          </a:prstGeom>
+          <a:noFill/>
+        </p:spPr>
+        <p:txBody>
+          <a:bodyPr wrap="none" rtlCol="0">
+            <a:spAutoFit/>
+          </a:bodyPr>
+          <a:lstStyle/>
+          <a:p>
+            <a:r>
+              <a:rPr kumimoji="1" lang="en-US" altLang="zh-CN" b="1" dirty="0">
+                <a:solidFill>
+                  <a:srgbClr val="C00000"/>
+                </a:solidFill>
+                <a:latin typeface="Microsoft YaHei" panose="020B0503020204020204" pitchFamily="34" charset="-122"/>
+                <a:ea typeface="Microsoft YaHei" panose="020B0503020204020204" pitchFamily="34" charset="-122"/>
+              </a:rPr>
+              <a:t>11</a:t>
+            </a:r>
+            <a:r>
+              <a:rPr kumimoji="1" lang="zh-CN" altLang="en-US" b="1" dirty="0">
+                <a:solidFill>
+                  <a:srgbClr val="C00000"/>
+                </a:solidFill>
+                <a:latin typeface="Microsoft YaHei" panose="020B0503020204020204" pitchFamily="34" charset="-122"/>
+                <a:ea typeface="Microsoft YaHei" panose="020B0503020204020204" pitchFamily="34" charset="-122"/>
+              </a:rPr>
+              <a:t>～</a:t>
+            </a:r>
+            <a:r>
+              <a:rPr kumimoji="1" lang="en-US" altLang="zh-CN" b="1" dirty="0">
+                <a:solidFill>
+                  <a:srgbClr val="C00000"/>
+                </a:solidFill>
+                <a:latin typeface="Microsoft YaHei" panose="020B0503020204020204" pitchFamily="34" charset="-122"/>
+                <a:ea typeface="Microsoft YaHei" panose="020B0503020204020204" pitchFamily="34" charset="-122"/>
+              </a:rPr>
+              <a:t>20</a:t>
+            </a:r>
+            <a:r>
+              <a:rPr kumimoji="1" lang="zh-CN" altLang="en-US" b="1" dirty="0">
+                <a:solidFill>
+                  <a:srgbClr val="C00000"/>
+                </a:solidFill>
+                <a:latin typeface="Microsoft YaHei" panose="020B0503020204020204" pitchFamily="34" charset="-122"/>
+                <a:ea typeface="Microsoft YaHei" panose="020B0503020204020204" pitchFamily="34" charset="-122"/>
+              </a:rPr>
+              <a:t>题</a:t>
             </a:r>
           </a:p>
         </p:txBody>
@@ -6798,7 +6916,7 @@
         <p:spPr>
           <a:xfrm>
             <a:off x="753368" y="1280135"/>
-            <a:ext cx="6219138" cy="707886"/>
+            <a:ext cx="9902070" cy="1200329"/>
           </a:xfrm>
           <a:prstGeom prst="rect">
             <a:avLst/>
@@ -6811,52 +6929,49 @@
           </a:bodyPr>
           <a:lstStyle/>
           <a:p>
-            <a:r>
-              <a:rPr kumimoji="1" lang="en-US" altLang="zh-CN" sz="4000" b="1" dirty="0">
-                <a:latin typeface="Microsoft YaHei" panose="020B0503020204020204" pitchFamily="34" charset="-122"/>
-                <a:ea typeface="Microsoft YaHei" panose="020B0503020204020204" pitchFamily="34" charset="-122"/>
-              </a:rPr>
-              <a:t>4</a:t>
-            </a:r>
-            <a:r>
-              <a:rPr kumimoji="1" lang="zh-CN" altLang="en-US" sz="4000" b="1" dirty="0">
-                <a:latin typeface="Microsoft YaHei" panose="020B0503020204020204" pitchFamily="34" charset="-122"/>
-                <a:ea typeface="Microsoft YaHei" panose="020B0503020204020204" pitchFamily="34" charset="-122"/>
-              </a:rPr>
-              <a:t>、描述</a:t>
-            </a:r>
-            <a:r>
-              <a:rPr kumimoji="1" lang="en-US" altLang="zh-CN" sz="4000" b="1" dirty="0">
-                <a:latin typeface="Microsoft YaHei" panose="020B0503020204020204" pitchFamily="34" charset="-122"/>
-                <a:ea typeface="Microsoft YaHei" panose="020B0503020204020204" pitchFamily="34" charset="-122"/>
+            <a:pPr algn="l"/>
+            <a:r>
+              <a:rPr lang="en" altLang="zh-CN" sz="3600" b="1" i="0" dirty="0">
+                <a:effectLst/>
+                <a:latin typeface="-apple-system"/>
+              </a:rPr>
+              <a:t>11</a:t>
+            </a:r>
+            <a:r>
+              <a:rPr lang="zh-CN" altLang="en" sz="3600" b="1" i="0" dirty="0">
+                <a:effectLst/>
+                <a:latin typeface="-apple-system"/>
+              </a:rPr>
+              <a:t>、</a:t>
+            </a:r>
+            <a:r>
+              <a:rPr lang="en" altLang="zh-CN" sz="3600" b="1" i="0" dirty="0">
+                <a:effectLst/>
+                <a:latin typeface="-apple-system"/>
               </a:rPr>
               <a:t>Qt</a:t>
             </a:r>
             <a:r>
-              <a:rPr kumimoji="1" lang="zh-CN" altLang="en-US" sz="4000" b="1" dirty="0">
-                <a:latin typeface="Microsoft YaHei" panose="020B0503020204020204" pitchFamily="34" charset="-122"/>
-                <a:ea typeface="Microsoft YaHei" panose="020B0503020204020204" pitchFamily="34" charset="-122"/>
-              </a:rPr>
-              <a:t>的</a:t>
-            </a:r>
-            <a:r>
-              <a:rPr kumimoji="1" lang="en-US" altLang="zh-CN" sz="4000" b="1" dirty="0">
-                <a:latin typeface="Microsoft YaHei" panose="020B0503020204020204" pitchFamily="34" charset="-122"/>
-                <a:ea typeface="Microsoft YaHei" panose="020B0503020204020204" pitchFamily="34" charset="-122"/>
-              </a:rPr>
-              <a:t>TCP</a:t>
-            </a:r>
-            <a:r>
-              <a:rPr kumimoji="1" lang="zh-CN" altLang="en-US" sz="4000" b="1" dirty="0">
-                <a:latin typeface="Microsoft YaHei" panose="020B0503020204020204" pitchFamily="34" charset="-122"/>
-                <a:ea typeface="Microsoft YaHei" panose="020B0503020204020204" pitchFamily="34" charset="-122"/>
-              </a:rPr>
-              <a:t>通讯流程</a:t>
-            </a:r>
-            <a:endParaRPr kumimoji="1" lang="zh-CN" altLang="en-US" b="1" dirty="0">
-              <a:latin typeface="Microsoft YaHei" panose="020B0503020204020204" pitchFamily="34" charset="-122"/>
-              <a:ea typeface="Microsoft YaHei" panose="020B0503020204020204" pitchFamily="34" charset="-122"/>
+              <a:rPr lang="zh-CN" altLang="en-US" sz="3600" b="1" i="0" dirty="0">
+                <a:effectLst/>
+                <a:latin typeface="-apple-system"/>
+              </a:rPr>
+              <a:t>如果一个信号的处理方法一直未被执行，</a:t>
+            </a:r>
+            <a:endParaRPr lang="en-US" altLang="zh-CN" sz="3600" b="1" i="0" dirty="0">
+              <a:effectLst/>
+              <a:latin typeface="-apple-system"/>
             </a:endParaRPr>
+          </a:p>
+          <a:p>
+            <a:pPr algn="l"/>
+            <a:r>
+              <a:rPr lang="zh-CN" altLang="en-US" sz="3600" b="1" i="0" dirty="0">
+                <a:effectLst/>
+                <a:latin typeface="-apple-system"/>
+              </a:rPr>
+              <a:t>有哪些可能性？</a:t>
+            </a:r>
           </a:p>
         </p:txBody>
       </p:sp>
@@ -6874,8 +6989,8 @@
         </p:nvSpPr>
         <p:spPr>
           <a:xfrm>
-            <a:off x="885944" y="1978161"/>
-            <a:ext cx="11253249" cy="5016758"/>
+            <a:off x="838346" y="2570971"/>
+            <a:ext cx="11253249" cy="338554"/>
           </a:xfrm>
           <a:prstGeom prst="rect">
             <a:avLst/>
@@ -6888,627 +7003,13 @@
           </a:bodyPr>
           <a:lstStyle/>
           <a:p>
-            <a:endParaRPr lang="en-US" altLang="zh-CN" sz="1600" dirty="0">
-              <a:latin typeface="SimSun" panose="02010600030101010101" pitchFamily="2" charset="-122"/>
-              <a:ea typeface="SimSun" panose="02010600030101010101" pitchFamily="2" charset="-122"/>
-            </a:endParaRPr>
-          </a:p>
-          <a:p>
-            <a:r>
-              <a:rPr lang="zh-CN" altLang="en-US" sz="1600" b="1" dirty="0">
-                <a:solidFill>
-                  <a:srgbClr val="C00000"/>
-                </a:solidFill>
-                <a:latin typeface="Microsoft YaHei" panose="020B0503020204020204" pitchFamily="34" charset="-122"/>
-                <a:ea typeface="Microsoft YaHei" panose="020B0503020204020204" pitchFamily="34" charset="-122"/>
-              </a:rPr>
-              <a:t>服务端</a:t>
-            </a:r>
-            <a:r>
-              <a:rPr lang="zh-CN" altLang="en-US" sz="1600" dirty="0">
-                <a:latin typeface="SimSun" panose="02010600030101010101" pitchFamily="2" charset="-122"/>
-                <a:ea typeface="SimSun" panose="02010600030101010101" pitchFamily="2" charset="-122"/>
-                <a:sym typeface="Wingdings" pitchFamily="2" charset="2"/>
-              </a:rPr>
-              <a:t>：</a:t>
-            </a:r>
-            <a:r>
-              <a:rPr lang="en-US" altLang="zh-CN" sz="1600" dirty="0" err="1">
-                <a:latin typeface="SimSun" panose="02010600030101010101" pitchFamily="2" charset="-122"/>
-                <a:ea typeface="SimSun" panose="02010600030101010101" pitchFamily="2" charset="-122"/>
-                <a:sym typeface="Wingdings" pitchFamily="2" charset="2"/>
-              </a:rPr>
-              <a:t>QTcpServer</a:t>
-            </a:r>
-            <a:endParaRPr lang="en-US" altLang="zh-CN" sz="1600" dirty="0">
-              <a:latin typeface="SimSun" panose="02010600030101010101" pitchFamily="2" charset="-122"/>
-              <a:ea typeface="SimSun" panose="02010600030101010101" pitchFamily="2" charset="-122"/>
-              <a:sym typeface="Wingdings" pitchFamily="2" charset="2"/>
-            </a:endParaRPr>
-          </a:p>
-          <a:p>
-            <a:pPr marL="342900" indent="-342900">
-              <a:buFont typeface="+mj-ea"/>
-              <a:buAutoNum type="circleNumDbPlain"/>
-            </a:pPr>
-            <a:r>
-              <a:rPr lang="zh-CN" altLang="en-US" sz="1600" dirty="0">
-                <a:latin typeface="SimSun" panose="02010600030101010101" pitchFamily="2" charset="-122"/>
-                <a:ea typeface="SimSun" panose="02010600030101010101" pitchFamily="2" charset="-122"/>
-                <a:sym typeface="Wingdings" pitchFamily="2" charset="2"/>
-              </a:rPr>
-              <a:t>创建</a:t>
-            </a:r>
-            <a:r>
-              <a:rPr lang="en-US" altLang="zh-CN" sz="1600" dirty="0" err="1">
-                <a:latin typeface="SimSun" panose="02010600030101010101" pitchFamily="2" charset="-122"/>
-                <a:ea typeface="SimSun" panose="02010600030101010101" pitchFamily="2" charset="-122"/>
-                <a:sym typeface="Wingdings" pitchFamily="2" charset="2"/>
-              </a:rPr>
-              <a:t>QTcpSever</a:t>
-            </a:r>
-            <a:r>
-              <a:rPr lang="zh-CN" altLang="en-US" sz="1600" dirty="0">
-                <a:latin typeface="SimSun" panose="02010600030101010101" pitchFamily="2" charset="-122"/>
-                <a:ea typeface="SimSun" panose="02010600030101010101" pitchFamily="2" charset="-122"/>
-                <a:sym typeface="Wingdings" pitchFamily="2" charset="2"/>
-              </a:rPr>
-              <a:t>对象</a:t>
-            </a:r>
-            <a:endParaRPr lang="en-US" altLang="zh-CN" sz="1600" dirty="0">
-              <a:latin typeface="SimSun" panose="02010600030101010101" pitchFamily="2" charset="-122"/>
-              <a:ea typeface="SimSun" panose="02010600030101010101" pitchFamily="2" charset="-122"/>
-              <a:sym typeface="Wingdings" pitchFamily="2" charset="2"/>
-            </a:endParaRPr>
-          </a:p>
-          <a:p>
-            <a:pPr marL="342900" indent="-342900">
-              <a:buFont typeface="+mj-ea"/>
-              <a:buAutoNum type="circleNumDbPlain"/>
-            </a:pPr>
-            <a:r>
-              <a:rPr lang="zh-CN" altLang="en-US" sz="1600" dirty="0">
-                <a:latin typeface="SimSun" panose="02010600030101010101" pitchFamily="2" charset="-122"/>
-                <a:ea typeface="SimSun" panose="02010600030101010101" pitchFamily="2" charset="-122"/>
-                <a:sym typeface="Wingdings" pitchFamily="2" charset="2"/>
-              </a:rPr>
-              <a:t>监听</a:t>
-            </a:r>
-            <a:r>
-              <a:rPr lang="en-US" altLang="zh-CN" sz="1600" dirty="0">
-                <a:latin typeface="SimSun" panose="02010600030101010101" pitchFamily="2" charset="-122"/>
-                <a:ea typeface="SimSun" panose="02010600030101010101" pitchFamily="2" charset="-122"/>
-                <a:sym typeface="Wingdings" pitchFamily="2" charset="2"/>
-              </a:rPr>
-              <a:t>list</a:t>
-            </a:r>
-            <a:r>
-              <a:rPr lang="zh-CN" altLang="en-US" sz="1600" dirty="0">
-                <a:latin typeface="SimSun" panose="02010600030101010101" pitchFamily="2" charset="-122"/>
-                <a:ea typeface="SimSun" panose="02010600030101010101" pitchFamily="2" charset="-122"/>
-                <a:sym typeface="Wingdings" pitchFamily="2" charset="2"/>
-              </a:rPr>
-              <a:t>需要的参数是地址和端口号</a:t>
-            </a:r>
-            <a:endParaRPr lang="en-US" altLang="zh-CN" sz="1600" dirty="0">
-              <a:latin typeface="SimSun" panose="02010600030101010101" pitchFamily="2" charset="-122"/>
-              <a:ea typeface="SimSun" panose="02010600030101010101" pitchFamily="2" charset="-122"/>
-              <a:sym typeface="Wingdings" pitchFamily="2" charset="2"/>
-            </a:endParaRPr>
-          </a:p>
-          <a:p>
-            <a:pPr marL="342900" indent="-342900">
-              <a:buFont typeface="+mj-ea"/>
-              <a:buAutoNum type="circleNumDbPlain"/>
-            </a:pPr>
-            <a:r>
-              <a:rPr lang="zh-CN" altLang="en-US" sz="1600" dirty="0">
-                <a:latin typeface="SimSun" panose="02010600030101010101" pitchFamily="2" charset="-122"/>
-                <a:ea typeface="SimSun" panose="02010600030101010101" pitchFamily="2" charset="-122"/>
-                <a:sym typeface="Wingdings" pitchFamily="2" charset="2"/>
-              </a:rPr>
-              <a:t>当有新的客户端连接成功会发送</a:t>
-            </a:r>
-            <a:r>
-              <a:rPr lang="en-US" altLang="zh-CN" sz="1600" dirty="0" err="1">
-                <a:latin typeface="SimSun" panose="02010600030101010101" pitchFamily="2" charset="-122"/>
-                <a:ea typeface="SimSun" panose="02010600030101010101" pitchFamily="2" charset="-122"/>
-                <a:sym typeface="Wingdings" pitchFamily="2" charset="2"/>
-              </a:rPr>
-              <a:t>newConnect</a:t>
-            </a:r>
-            <a:r>
-              <a:rPr lang="zh-CN" altLang="en-US" sz="1600" dirty="0">
-                <a:latin typeface="SimSun" panose="02010600030101010101" pitchFamily="2" charset="-122"/>
-                <a:ea typeface="SimSun" panose="02010600030101010101" pitchFamily="2" charset="-122"/>
-                <a:sym typeface="Wingdings" pitchFamily="2" charset="2"/>
-              </a:rPr>
-              <a:t>信号</a:t>
-            </a:r>
-            <a:endParaRPr lang="en-US" altLang="zh-CN" sz="1600" dirty="0">
-              <a:latin typeface="SimSun" panose="02010600030101010101" pitchFamily="2" charset="-122"/>
-              <a:ea typeface="SimSun" panose="02010600030101010101" pitchFamily="2" charset="-122"/>
-              <a:sym typeface="Wingdings" pitchFamily="2" charset="2"/>
-            </a:endParaRPr>
-          </a:p>
-          <a:p>
-            <a:pPr marL="342900" indent="-342900">
-              <a:buFont typeface="+mj-ea"/>
-              <a:buAutoNum type="circleNumDbPlain"/>
-            </a:pPr>
-            <a:r>
-              <a:rPr lang="zh-CN" altLang="en-US" sz="1600" dirty="0">
-                <a:latin typeface="SimSun" panose="02010600030101010101" pitchFamily="2" charset="-122"/>
-                <a:ea typeface="SimSun" panose="02010600030101010101" pitchFamily="2" charset="-122"/>
-                <a:sym typeface="Wingdings" pitchFamily="2" charset="2"/>
-              </a:rPr>
-              <a:t>在</a:t>
-            </a:r>
-            <a:r>
-              <a:rPr lang="en-US" altLang="zh-CN" sz="1600" dirty="0" err="1">
-                <a:latin typeface="SimSun" panose="02010600030101010101" pitchFamily="2" charset="-122"/>
-                <a:ea typeface="SimSun" panose="02010600030101010101" pitchFamily="2" charset="-122"/>
-                <a:sym typeface="Wingdings" pitchFamily="2" charset="2"/>
-              </a:rPr>
-              <a:t>newConnection</a:t>
-            </a:r>
-            <a:r>
-              <a:rPr lang="zh-CN" altLang="en-US" sz="1600" dirty="0">
-                <a:latin typeface="SimSun" panose="02010600030101010101" pitchFamily="2" charset="-122"/>
-                <a:ea typeface="SimSun" panose="02010600030101010101" pitchFamily="2" charset="-122"/>
-                <a:sym typeface="Wingdings" pitchFamily="2" charset="2"/>
-              </a:rPr>
-              <a:t>信号槽函数中，调用</a:t>
-            </a:r>
-            <a:r>
-              <a:rPr lang="en-US" altLang="zh-CN" sz="1600" dirty="0" err="1">
-                <a:latin typeface="SimSun" panose="02010600030101010101" pitchFamily="2" charset="-122"/>
-                <a:ea typeface="SimSun" panose="02010600030101010101" pitchFamily="2" charset="-122"/>
-                <a:sym typeface="Wingdings" pitchFamily="2" charset="2"/>
-              </a:rPr>
-              <a:t>nextPendingConnection</a:t>
-            </a:r>
-            <a:r>
-              <a:rPr lang="zh-CN" altLang="en-US" sz="1600" dirty="0">
-                <a:latin typeface="SimSun" panose="02010600030101010101" pitchFamily="2" charset="-122"/>
-                <a:ea typeface="SimSun" panose="02010600030101010101" pitchFamily="2" charset="-122"/>
-                <a:sym typeface="Wingdings" pitchFamily="2" charset="2"/>
-              </a:rPr>
-              <a:t>函数获取</a:t>
-            </a:r>
-            <a:r>
-              <a:rPr lang="en-US" altLang="zh-CN" sz="1600" dirty="0" err="1">
-                <a:latin typeface="SimSun" panose="02010600030101010101" pitchFamily="2" charset="-122"/>
-                <a:ea typeface="SimSun" panose="02010600030101010101" pitchFamily="2" charset="-122"/>
-                <a:sym typeface="Wingdings" pitchFamily="2" charset="2"/>
-              </a:rPr>
-              <a:t>QTcpSocket</a:t>
-            </a:r>
-            <a:r>
-              <a:rPr lang="zh-CN" altLang="en-US" sz="1600" dirty="0">
-                <a:latin typeface="SimSun" panose="02010600030101010101" pitchFamily="2" charset="-122"/>
-                <a:ea typeface="SimSun" panose="02010600030101010101" pitchFamily="2" charset="-122"/>
-                <a:sym typeface="Wingdings" pitchFamily="2" charset="2"/>
-              </a:rPr>
-              <a:t>对象</a:t>
-            </a:r>
-            <a:endParaRPr lang="en-US" altLang="zh-CN" sz="1600" dirty="0">
-              <a:latin typeface="SimSun" panose="02010600030101010101" pitchFamily="2" charset="-122"/>
-              <a:ea typeface="SimSun" panose="02010600030101010101" pitchFamily="2" charset="-122"/>
-              <a:sym typeface="Wingdings" pitchFamily="2" charset="2"/>
-            </a:endParaRPr>
-          </a:p>
-          <a:p>
-            <a:pPr marL="342900" indent="-342900">
-              <a:buFont typeface="+mj-ea"/>
-              <a:buAutoNum type="circleNumDbPlain"/>
-            </a:pPr>
-            <a:r>
-              <a:rPr lang="zh-CN" altLang="en-US" sz="1600" dirty="0">
-                <a:latin typeface="SimSun" panose="02010600030101010101" pitchFamily="2" charset="-122"/>
-                <a:ea typeface="SimSun" panose="02010600030101010101" pitchFamily="2" charset="-122"/>
-                <a:sym typeface="Wingdings" pitchFamily="2" charset="2"/>
-              </a:rPr>
-              <a:t>连接</a:t>
-            </a:r>
-            <a:r>
-              <a:rPr lang="en-US" altLang="zh-CN" sz="1600" dirty="0" err="1">
-                <a:latin typeface="SimSun" panose="02010600030101010101" pitchFamily="2" charset="-122"/>
-                <a:ea typeface="SimSun" panose="02010600030101010101" pitchFamily="2" charset="-122"/>
-                <a:sym typeface="Wingdings" pitchFamily="2" charset="2"/>
-              </a:rPr>
-              <a:t>QTcpSocket</a:t>
-            </a:r>
-            <a:r>
-              <a:rPr lang="zh-CN" altLang="en-US" sz="1600" dirty="0">
-                <a:latin typeface="SimSun" panose="02010600030101010101" pitchFamily="2" charset="-122"/>
-                <a:ea typeface="SimSun" panose="02010600030101010101" pitchFamily="2" charset="-122"/>
-                <a:sym typeface="Wingdings" pitchFamily="2" charset="2"/>
-              </a:rPr>
-              <a:t>对象的</a:t>
-            </a:r>
-            <a:r>
-              <a:rPr lang="en-US" altLang="zh-CN" sz="1600" dirty="0" err="1">
-                <a:latin typeface="SimSun" panose="02010600030101010101" pitchFamily="2" charset="-122"/>
-                <a:ea typeface="SimSun" panose="02010600030101010101" pitchFamily="2" charset="-122"/>
-                <a:sym typeface="Wingdings" pitchFamily="2" charset="2"/>
-              </a:rPr>
-              <a:t>readRead</a:t>
-            </a:r>
-            <a:r>
-              <a:rPr lang="zh-CN" altLang="en-US" sz="1600" dirty="0">
-                <a:latin typeface="SimSun" panose="02010600030101010101" pitchFamily="2" charset="-122"/>
-                <a:ea typeface="SimSun" panose="02010600030101010101" pitchFamily="2" charset="-122"/>
-                <a:sym typeface="Wingdings" pitchFamily="2" charset="2"/>
-              </a:rPr>
-              <a:t>信号</a:t>
-            </a:r>
-            <a:endParaRPr lang="en-US" altLang="zh-CN" sz="1600" dirty="0">
-              <a:latin typeface="SimSun" panose="02010600030101010101" pitchFamily="2" charset="-122"/>
-              <a:ea typeface="SimSun" panose="02010600030101010101" pitchFamily="2" charset="-122"/>
-              <a:sym typeface="Wingdings" pitchFamily="2" charset="2"/>
-            </a:endParaRPr>
-          </a:p>
-          <a:p>
-            <a:pPr marL="342900" indent="-342900">
-              <a:buFont typeface="+mj-ea"/>
-              <a:buAutoNum type="circleNumDbPlain"/>
-            </a:pPr>
-            <a:r>
-              <a:rPr lang="zh-CN" altLang="en-US" sz="1600" dirty="0">
-                <a:latin typeface="SimSun" panose="02010600030101010101" pitchFamily="2" charset="-122"/>
-                <a:ea typeface="SimSun" panose="02010600030101010101" pitchFamily="2" charset="-122"/>
-                <a:sym typeface="Wingdings" pitchFamily="2" charset="2"/>
-              </a:rPr>
-              <a:t>在</a:t>
-            </a:r>
-            <a:r>
-              <a:rPr lang="en-US" altLang="zh-CN" sz="1600" dirty="0" err="1">
-                <a:latin typeface="SimSun" panose="02010600030101010101" pitchFamily="2" charset="-122"/>
-                <a:ea typeface="SimSun" panose="02010600030101010101" pitchFamily="2" charset="-122"/>
-                <a:sym typeface="Wingdings" pitchFamily="2" charset="2"/>
-              </a:rPr>
-              <a:t>readRead</a:t>
-            </a:r>
-            <a:r>
-              <a:rPr lang="zh-CN" altLang="en-US" sz="1600" dirty="0">
-                <a:latin typeface="SimSun" panose="02010600030101010101" pitchFamily="2" charset="-122"/>
-                <a:ea typeface="SimSun" panose="02010600030101010101" pitchFamily="2" charset="-122"/>
-                <a:sym typeface="Wingdings" pitchFamily="2" charset="2"/>
-              </a:rPr>
-              <a:t>信号的槽函数使用</a:t>
-            </a:r>
-            <a:r>
-              <a:rPr lang="en-US" altLang="zh-CN" sz="1600" dirty="0">
-                <a:latin typeface="SimSun" panose="02010600030101010101" pitchFamily="2" charset="-122"/>
-                <a:ea typeface="SimSun" panose="02010600030101010101" pitchFamily="2" charset="-122"/>
-                <a:sym typeface="Wingdings" pitchFamily="2" charset="2"/>
-              </a:rPr>
-              <a:t>read</a:t>
-            </a:r>
-            <a:r>
-              <a:rPr lang="zh-CN" altLang="en-US" sz="1600" dirty="0">
-                <a:latin typeface="SimSun" panose="02010600030101010101" pitchFamily="2" charset="-122"/>
-                <a:ea typeface="SimSun" panose="02010600030101010101" pitchFamily="2" charset="-122"/>
-                <a:sym typeface="Wingdings" pitchFamily="2" charset="2"/>
-              </a:rPr>
-              <a:t>接收数据</a:t>
-            </a:r>
-            <a:endParaRPr lang="en-US" altLang="zh-CN" sz="1600" dirty="0">
-              <a:latin typeface="SimSun" panose="02010600030101010101" pitchFamily="2" charset="-122"/>
-              <a:ea typeface="SimSun" panose="02010600030101010101" pitchFamily="2" charset="-122"/>
-              <a:sym typeface="Wingdings" pitchFamily="2" charset="2"/>
-            </a:endParaRPr>
-          </a:p>
-          <a:p>
-            <a:pPr marL="342900" indent="-342900">
-              <a:buFont typeface="+mj-ea"/>
-              <a:buAutoNum type="circleNumDbPlain"/>
-            </a:pPr>
-            <a:r>
-              <a:rPr lang="zh-CN" altLang="en-US" sz="1600" dirty="0">
-                <a:latin typeface="SimSun" panose="02010600030101010101" pitchFamily="2" charset="-122"/>
-                <a:ea typeface="SimSun" panose="02010600030101010101" pitchFamily="2" charset="-122"/>
-                <a:sym typeface="Wingdings" pitchFamily="2" charset="2"/>
-              </a:rPr>
-              <a:t>调用</a:t>
-            </a:r>
-            <a:r>
-              <a:rPr lang="en-US" altLang="zh-CN" sz="1600" dirty="0">
-                <a:latin typeface="SimSun" panose="02010600030101010101" pitchFamily="2" charset="-122"/>
-                <a:ea typeface="SimSun" panose="02010600030101010101" pitchFamily="2" charset="-122"/>
-                <a:sym typeface="Wingdings" pitchFamily="2" charset="2"/>
-              </a:rPr>
-              <a:t>write</a:t>
-            </a:r>
-            <a:r>
-              <a:rPr lang="zh-CN" altLang="en-US" sz="1600" dirty="0">
-                <a:latin typeface="SimSun" panose="02010600030101010101" pitchFamily="2" charset="-122"/>
-                <a:ea typeface="SimSun" panose="02010600030101010101" pitchFamily="2" charset="-122"/>
-                <a:sym typeface="Wingdings" pitchFamily="2" charset="2"/>
-              </a:rPr>
-              <a:t>成员函数发送数据</a:t>
-            </a:r>
-            <a:endParaRPr lang="en-US" altLang="zh-CN" sz="1600" dirty="0">
-              <a:latin typeface="SimSun" panose="02010600030101010101" pitchFamily="2" charset="-122"/>
-              <a:ea typeface="SimSun" panose="02010600030101010101" pitchFamily="2" charset="-122"/>
-              <a:sym typeface="Wingdings" pitchFamily="2" charset="2"/>
-            </a:endParaRPr>
-          </a:p>
-          <a:p>
-            <a:pPr marL="342900" indent="-342900">
-              <a:buFont typeface="+mj-ea"/>
-              <a:buAutoNum type="circleNumDbPlain"/>
-            </a:pPr>
-            <a:endParaRPr lang="en-US" altLang="zh-CN" sz="1600" dirty="0">
-              <a:latin typeface="SimSun" panose="02010600030101010101" pitchFamily="2" charset="-122"/>
-              <a:ea typeface="SimSun" panose="02010600030101010101" pitchFamily="2" charset="-122"/>
-              <a:sym typeface="Wingdings" pitchFamily="2" charset="2"/>
-            </a:endParaRPr>
-          </a:p>
-          <a:p>
-            <a:endParaRPr lang="en-US" altLang="zh-CN" sz="1600" dirty="0">
-              <a:latin typeface="SimSun" panose="02010600030101010101" pitchFamily="2" charset="-122"/>
-              <a:ea typeface="SimSun" panose="02010600030101010101" pitchFamily="2" charset="-122"/>
-              <a:sym typeface="Wingdings" pitchFamily="2" charset="2"/>
-            </a:endParaRPr>
-          </a:p>
-          <a:p>
-            <a:r>
-              <a:rPr lang="zh-CN" altLang="en-US" sz="1600" b="1" dirty="0">
-                <a:solidFill>
-                  <a:srgbClr val="C00000"/>
-                </a:solidFill>
-                <a:latin typeface="Microsoft YaHei" panose="020B0503020204020204" pitchFamily="34" charset="-122"/>
-                <a:ea typeface="Microsoft YaHei" panose="020B0503020204020204" pitchFamily="34" charset="-122"/>
-                <a:sym typeface="Wingdings" pitchFamily="2" charset="2"/>
-              </a:rPr>
-              <a:t>客户端</a:t>
-            </a:r>
-            <a:r>
-              <a:rPr lang="zh-CN" altLang="en-US" sz="1600" dirty="0">
-                <a:latin typeface="SimSun" panose="02010600030101010101" pitchFamily="2" charset="-122"/>
-                <a:ea typeface="SimSun" panose="02010600030101010101" pitchFamily="2" charset="-122"/>
-                <a:sym typeface="Wingdings" pitchFamily="2" charset="2"/>
-              </a:rPr>
-              <a:t>：</a:t>
-            </a:r>
-            <a:r>
-              <a:rPr lang="en-US" altLang="zh-CN" sz="1600" dirty="0" err="1">
-                <a:latin typeface="SimSun" panose="02010600030101010101" pitchFamily="2" charset="-122"/>
-                <a:ea typeface="SimSun" panose="02010600030101010101" pitchFamily="2" charset="-122"/>
-                <a:sym typeface="Wingdings" pitchFamily="2" charset="2"/>
-              </a:rPr>
-              <a:t>QTcpSocket</a:t>
-            </a:r>
-            <a:endParaRPr lang="en-US" altLang="zh-CN" sz="1600" dirty="0">
-              <a:latin typeface="SimSun" panose="02010600030101010101" pitchFamily="2" charset="-122"/>
-              <a:ea typeface="SimSun" panose="02010600030101010101" pitchFamily="2" charset="-122"/>
-              <a:sym typeface="Wingdings" pitchFamily="2" charset="2"/>
-            </a:endParaRPr>
-          </a:p>
-          <a:p>
-            <a:pPr marL="342900" indent="-342900">
-              <a:buFont typeface="+mj-ea"/>
-              <a:buAutoNum type="circleNumDbPlain"/>
-            </a:pPr>
-            <a:r>
-              <a:rPr lang="zh-CN" altLang="en-US" sz="1600" dirty="0">
-                <a:latin typeface="SimSun" panose="02010600030101010101" pitchFamily="2" charset="-122"/>
-                <a:ea typeface="SimSun" panose="02010600030101010101" pitchFamily="2" charset="-122"/>
-                <a:sym typeface="Wingdings" pitchFamily="2" charset="2"/>
-              </a:rPr>
-              <a:t>创建</a:t>
-            </a:r>
-            <a:r>
-              <a:rPr lang="en-US" altLang="zh-CN" sz="1600" dirty="0" err="1">
-                <a:latin typeface="SimSun" panose="02010600030101010101" pitchFamily="2" charset="-122"/>
-                <a:ea typeface="SimSun" panose="02010600030101010101" pitchFamily="2" charset="-122"/>
-                <a:sym typeface="Wingdings" pitchFamily="2" charset="2"/>
-              </a:rPr>
-              <a:t>QTcpSocket</a:t>
-            </a:r>
-            <a:r>
-              <a:rPr lang="zh-CN" altLang="en-US" sz="1600" dirty="0">
-                <a:latin typeface="SimSun" panose="02010600030101010101" pitchFamily="2" charset="-122"/>
-                <a:ea typeface="SimSun" panose="02010600030101010101" pitchFamily="2" charset="-122"/>
-                <a:sym typeface="Wingdings" pitchFamily="2" charset="2"/>
-              </a:rPr>
-              <a:t>对象</a:t>
-            </a:r>
-            <a:endParaRPr lang="en-US" altLang="zh-CN" sz="1600" dirty="0">
-              <a:latin typeface="SimSun" panose="02010600030101010101" pitchFamily="2" charset="-122"/>
-              <a:ea typeface="SimSun" panose="02010600030101010101" pitchFamily="2" charset="-122"/>
-              <a:sym typeface="Wingdings" pitchFamily="2" charset="2"/>
-            </a:endParaRPr>
-          </a:p>
-          <a:p>
-            <a:pPr marL="342900" indent="-342900">
-              <a:buFont typeface="+mj-ea"/>
-              <a:buAutoNum type="circleNumDbPlain"/>
-            </a:pPr>
-            <a:r>
-              <a:rPr lang="zh-CN" altLang="en-US" sz="1600" dirty="0">
-                <a:latin typeface="SimSun" panose="02010600030101010101" pitchFamily="2" charset="-122"/>
-                <a:ea typeface="SimSun" panose="02010600030101010101" pitchFamily="2" charset="-122"/>
-                <a:sym typeface="Wingdings" pitchFamily="2" charset="2"/>
-              </a:rPr>
-              <a:t>当对象与</a:t>
-            </a:r>
-            <a:r>
-              <a:rPr lang="en-US" altLang="zh-CN" sz="1600" dirty="0">
-                <a:latin typeface="SimSun" panose="02010600030101010101" pitchFamily="2" charset="-122"/>
-                <a:ea typeface="SimSun" panose="02010600030101010101" pitchFamily="2" charset="-122"/>
-                <a:sym typeface="Wingdings" pitchFamily="2" charset="2"/>
-              </a:rPr>
-              <a:t>Server</a:t>
-            </a:r>
-            <a:r>
-              <a:rPr lang="zh-CN" altLang="en-US" sz="1600" dirty="0">
-                <a:latin typeface="SimSun" panose="02010600030101010101" pitchFamily="2" charset="-122"/>
-                <a:ea typeface="SimSun" panose="02010600030101010101" pitchFamily="2" charset="-122"/>
-                <a:sym typeface="Wingdings" pitchFamily="2" charset="2"/>
-              </a:rPr>
-              <a:t>连接成功时会发送</a:t>
-            </a:r>
-            <a:r>
-              <a:rPr lang="en-US" altLang="zh-CN" sz="1600" dirty="0">
-                <a:latin typeface="SimSun" panose="02010600030101010101" pitchFamily="2" charset="-122"/>
-                <a:ea typeface="SimSun" panose="02010600030101010101" pitchFamily="2" charset="-122"/>
-                <a:sym typeface="Wingdings" pitchFamily="2" charset="2"/>
-              </a:rPr>
-              <a:t>connected</a:t>
-            </a:r>
-            <a:r>
-              <a:rPr lang="zh-CN" altLang="en-US" sz="1600" dirty="0">
-                <a:latin typeface="SimSun" panose="02010600030101010101" pitchFamily="2" charset="-122"/>
-                <a:ea typeface="SimSun" panose="02010600030101010101" pitchFamily="2" charset="-122"/>
-                <a:sym typeface="Wingdings" pitchFamily="2" charset="2"/>
-              </a:rPr>
-              <a:t>信号</a:t>
-            </a:r>
-            <a:endParaRPr lang="en-US" altLang="zh-CN" sz="1600" dirty="0">
-              <a:latin typeface="SimSun" panose="02010600030101010101" pitchFamily="2" charset="-122"/>
-              <a:ea typeface="SimSun" panose="02010600030101010101" pitchFamily="2" charset="-122"/>
-              <a:sym typeface="Wingdings" pitchFamily="2" charset="2"/>
-            </a:endParaRPr>
-          </a:p>
-          <a:p>
-            <a:pPr marL="342900" indent="-342900">
-              <a:buFont typeface="+mj-ea"/>
-              <a:buAutoNum type="circleNumDbPlain"/>
-            </a:pPr>
-            <a:r>
-              <a:rPr lang="zh-CN" altLang="en-US" sz="1600" dirty="0">
-                <a:latin typeface="SimSun" panose="02010600030101010101" pitchFamily="2" charset="-122"/>
-                <a:ea typeface="SimSun" panose="02010600030101010101" pitchFamily="2" charset="-122"/>
-                <a:sym typeface="Wingdings" pitchFamily="2" charset="2"/>
-              </a:rPr>
-              <a:t>调用成员函数</a:t>
-            </a:r>
-            <a:r>
-              <a:rPr lang="en-US" altLang="zh-CN" sz="1600" dirty="0" err="1">
-                <a:latin typeface="SimSun" panose="02010600030101010101" pitchFamily="2" charset="-122"/>
-                <a:ea typeface="SimSun" panose="02010600030101010101" pitchFamily="2" charset="-122"/>
-                <a:sym typeface="Wingdings" pitchFamily="2" charset="2"/>
-              </a:rPr>
-              <a:t>connectToHost</a:t>
-            </a:r>
-            <a:r>
-              <a:rPr lang="zh-CN" altLang="en-US" sz="1600" dirty="0">
-                <a:latin typeface="SimSun" panose="02010600030101010101" pitchFamily="2" charset="-122"/>
-                <a:ea typeface="SimSun" panose="02010600030101010101" pitchFamily="2" charset="-122"/>
-                <a:sym typeface="Wingdings" pitchFamily="2" charset="2"/>
-              </a:rPr>
-              <a:t>连接服务器，需要的参数是地址和端口号</a:t>
-            </a:r>
-            <a:endParaRPr lang="en-US" altLang="zh-CN" sz="1600" dirty="0">
-              <a:latin typeface="SimSun" panose="02010600030101010101" pitchFamily="2" charset="-122"/>
-              <a:ea typeface="SimSun" panose="02010600030101010101" pitchFamily="2" charset="-122"/>
-              <a:sym typeface="Wingdings" pitchFamily="2" charset="2"/>
-            </a:endParaRPr>
-          </a:p>
-          <a:p>
-            <a:pPr marL="342900" indent="-342900">
-              <a:buFont typeface="+mj-ea"/>
-              <a:buAutoNum type="circleNumDbPlain"/>
-            </a:pPr>
-            <a:r>
-              <a:rPr lang="en-US" altLang="zh-CN" sz="1600" dirty="0">
-                <a:latin typeface="SimSun" panose="02010600030101010101" pitchFamily="2" charset="-122"/>
-                <a:ea typeface="SimSun" panose="02010600030101010101" pitchFamily="2" charset="-122"/>
-                <a:sym typeface="Wingdings" pitchFamily="2" charset="2"/>
-              </a:rPr>
-              <a:t>connected</a:t>
-            </a:r>
-            <a:r>
-              <a:rPr lang="zh-CN" altLang="en-US" sz="1600" dirty="0">
-                <a:latin typeface="SimSun" panose="02010600030101010101" pitchFamily="2" charset="-122"/>
-                <a:ea typeface="SimSun" panose="02010600030101010101" pitchFamily="2" charset="-122"/>
-                <a:sym typeface="Wingdings" pitchFamily="2" charset="2"/>
-              </a:rPr>
-              <a:t>信号的槽函数开启发送数据</a:t>
-            </a:r>
-            <a:endParaRPr lang="en-US" altLang="zh-CN" sz="1600" dirty="0">
-              <a:latin typeface="SimSun" panose="02010600030101010101" pitchFamily="2" charset="-122"/>
-              <a:ea typeface="SimSun" panose="02010600030101010101" pitchFamily="2" charset="-122"/>
-              <a:sym typeface="Wingdings" pitchFamily="2" charset="2"/>
-            </a:endParaRPr>
-          </a:p>
-          <a:p>
-            <a:pPr marL="342900" indent="-342900">
-              <a:buFont typeface="+mj-ea"/>
-              <a:buAutoNum type="circleNumDbPlain"/>
-            </a:pPr>
-            <a:r>
-              <a:rPr lang="zh-CN" altLang="en-US" sz="1600" dirty="0">
-                <a:latin typeface="SimSun" panose="02010600030101010101" pitchFamily="2" charset="-122"/>
-                <a:ea typeface="SimSun" panose="02010600030101010101" pitchFamily="2" charset="-122"/>
-                <a:sym typeface="Wingdings" pitchFamily="2" charset="2"/>
-              </a:rPr>
-              <a:t>使用</a:t>
-            </a:r>
-            <a:r>
-              <a:rPr lang="en-US" altLang="zh-CN" sz="1600" dirty="0">
-                <a:latin typeface="SimSun" panose="02010600030101010101" pitchFamily="2" charset="-122"/>
-                <a:ea typeface="SimSun" panose="02010600030101010101" pitchFamily="2" charset="-122"/>
-                <a:sym typeface="Wingdings" pitchFamily="2" charset="2"/>
-              </a:rPr>
-              <a:t>write</a:t>
-            </a:r>
-            <a:r>
-              <a:rPr lang="zh-CN" altLang="en-US" sz="1600" dirty="0">
-                <a:latin typeface="SimSun" panose="02010600030101010101" pitchFamily="2" charset="-122"/>
-                <a:ea typeface="SimSun" panose="02010600030101010101" pitchFamily="2" charset="-122"/>
-                <a:sym typeface="Wingdings" pitchFamily="2" charset="2"/>
-              </a:rPr>
-              <a:t>发送数据，</a:t>
-            </a:r>
-            <a:r>
-              <a:rPr lang="en-US" altLang="zh-CN" sz="1600" dirty="0">
-                <a:latin typeface="SimSun" panose="02010600030101010101" pitchFamily="2" charset="-122"/>
-                <a:ea typeface="SimSun" panose="02010600030101010101" pitchFamily="2" charset="-122"/>
-                <a:sym typeface="Wingdings" pitchFamily="2" charset="2"/>
-              </a:rPr>
-              <a:t>read</a:t>
-            </a:r>
-            <a:r>
-              <a:rPr lang="zh-CN" altLang="en-US" sz="1600" dirty="0">
-                <a:latin typeface="SimSun" panose="02010600030101010101" pitchFamily="2" charset="-122"/>
-                <a:ea typeface="SimSun" panose="02010600030101010101" pitchFamily="2" charset="-122"/>
-                <a:sym typeface="Wingdings" pitchFamily="2" charset="2"/>
-              </a:rPr>
-              <a:t>接收数据</a:t>
-            </a:r>
-            <a:endParaRPr lang="en-US" altLang="zh-CN" sz="1600" dirty="0">
-              <a:latin typeface="SimSun" panose="02010600030101010101" pitchFamily="2" charset="-122"/>
-              <a:ea typeface="SimSun" panose="02010600030101010101" pitchFamily="2" charset="-122"/>
-              <a:sym typeface="Wingdings" pitchFamily="2" charset="2"/>
-            </a:endParaRPr>
-          </a:p>
-          <a:p>
-            <a:pPr marL="342900" indent="-342900">
-              <a:buFont typeface="+mj-ea"/>
-              <a:buAutoNum type="circleNumDbPlain"/>
-            </a:pPr>
-            <a:endParaRPr lang="en-US" altLang="zh-CN" sz="1600" dirty="0">
-              <a:latin typeface="SimSun" panose="02010600030101010101" pitchFamily="2" charset="-122"/>
-              <a:ea typeface="SimSun" panose="02010600030101010101" pitchFamily="2" charset="-122"/>
-              <a:sym typeface="Wingdings" pitchFamily="2" charset="2"/>
-            </a:endParaRPr>
-          </a:p>
-          <a:p>
-            <a:pPr marL="342900" indent="-342900">
-              <a:buFont typeface="+mj-ea"/>
-              <a:buAutoNum type="circleNumDbPlain"/>
-            </a:pPr>
-            <a:endParaRPr lang="en-US" altLang="zh-CN" sz="1600" dirty="0">
-              <a:latin typeface="SimSun" panose="02010600030101010101" pitchFamily="2" charset="-122"/>
-              <a:ea typeface="SimSun" panose="02010600030101010101" pitchFamily="2" charset="-122"/>
-              <a:sym typeface="Wingdings" pitchFamily="2" charset="2"/>
-            </a:endParaRPr>
-          </a:p>
-          <a:p>
+            <a:r>
+              <a:rPr lang="zh-CN" altLang="en-US" sz="1600" b="0" i="0" dirty="0">
+                <a:effectLst/>
+                <a:latin typeface="-apple-system"/>
+              </a:rPr>
+              <a:t>断开了，连接的时候失败了，多线程的时候再排队或者启动了锁死。</a:t>
+            </a:r>
             <a:endParaRPr lang="en-US" altLang="zh-CN" sz="1600" dirty="0">
               <a:latin typeface="SimSun" panose="02010600030101010101" pitchFamily="2" charset="-122"/>
               <a:ea typeface="SimSun" panose="02010600030101010101" pitchFamily="2" charset="-122"/>
@@ -7531,7 +7032,7 @@
         </p:nvSpPr>
         <p:spPr>
           <a:xfrm>
-            <a:off x="4759645" y="695093"/>
+            <a:off x="5305557" y="695092"/>
             <a:ext cx="2479355" cy="276999"/>
           </a:xfrm>
           <a:prstGeom prst="rect">
@@ -7546,14 +7047,14 @@
           <a:lstStyle/>
           <a:p>
             <a:r>
-              <a:rPr kumimoji="1" lang="en-US" altLang="zh-CN" sz="1200" dirty="0">
+              <a:rPr kumimoji="1" lang="zh-CN" altLang="en" sz="1200" dirty="0">
                 <a:solidFill>
                   <a:srgbClr val="5E90C4"/>
                 </a:solidFill>
                 <a:latin typeface="Microsoft YaHei" panose="020B0503020204020204" pitchFamily="34" charset="-122"/>
                 <a:ea typeface="Microsoft YaHei" panose="020B0503020204020204" pitchFamily="34" charset="-122"/>
               </a:rPr>
-              <a:t>1</a:t>
+              <a:t>续</a:t>
             </a:r>
             <a:r>
               <a:rPr kumimoji="1" lang="zh-CN" altLang="en-US" sz="1200" dirty="0">
@@ -7563,7 +7064,7 @@
                 <a:latin typeface="Microsoft YaHei" panose="020B0503020204020204" pitchFamily="34" charset="-122"/>
                 <a:ea typeface="Microsoft YaHei" panose="020B0503020204020204" pitchFamily="34" charset="-122"/>
               </a:rPr>
-              <a:t>、</a:t>
+              <a:t>上一个</a:t>
             </a:r>
             <a:r>
               <a:rPr kumimoji="1" lang="en-US" altLang="zh-CN" sz="1200" dirty="0">
@@ -7573,65 +7074,420 @@
                 <a:latin typeface="Microsoft YaHei" panose="020B0503020204020204" pitchFamily="34" charset="-122"/>
                 <a:ea typeface="Microsoft YaHei" panose="020B0503020204020204" pitchFamily="34" charset="-122"/>
               </a:rPr>
-              <a:t>2</a:t>
-            </a:r>
-            <a:r>
-              <a:rPr kumimoji="1" lang="zh-CN" altLang="en-US" sz="1200" dirty="0">
-                <a:solidFill>
-                  <a:srgbClr val="5E90C4"/>
-                </a:solidFill>
-                <a:latin typeface="Microsoft YaHei" panose="020B0503020204020204" pitchFamily="34" charset="-122"/>
-                <a:ea typeface="Microsoft YaHei" panose="020B0503020204020204" pitchFamily="34" charset="-122"/>
-              </a:rPr>
-              <a:t>、</a:t>
-            </a:r>
-            <a:r>
-              <a:rPr kumimoji="1" lang="en-US" altLang="zh-CN" sz="1200" dirty="0">
-                <a:solidFill>
-                  <a:srgbClr val="5E90C4"/>
-                </a:solidFill>
-                <a:latin typeface="Microsoft YaHei" panose="020B0503020204020204" pitchFamily="34" charset="-122"/>
-                <a:ea typeface="Microsoft YaHei" panose="020B0503020204020204" pitchFamily="34" charset="-122"/>
-              </a:rPr>
-              <a:t>3</a:t>
-            </a:r>
-            <a:r>
-              <a:rPr kumimoji="1" lang="zh-CN" altLang="en-US" sz="1200" dirty="0">
-                <a:solidFill>
-                  <a:srgbClr val="5E90C4"/>
-                </a:solidFill>
-                <a:latin typeface="Microsoft YaHei" panose="020B0503020204020204" pitchFamily="34" charset="-122"/>
-                <a:ea typeface="Microsoft YaHei" panose="020B0503020204020204" pitchFamily="34" charset="-122"/>
-              </a:rPr>
-              <a:t>题在上一个</a:t>
-            </a:r>
-            <a:r>
-              <a:rPr kumimoji="1" lang="en-US" altLang="zh-CN" sz="1200" dirty="0">
-                <a:solidFill>
-                  <a:srgbClr val="5E90C4"/>
-                </a:solidFill>
-                <a:latin typeface="Microsoft YaHei" panose="020B0503020204020204" pitchFamily="34" charset="-122"/>
-                <a:ea typeface="Microsoft YaHei" panose="020B0503020204020204" pitchFamily="34" charset="-122"/>
-              </a:rPr>
               <a:t>ppt</a:t>
             </a:r>
-            <a:r>
-              <a:rPr kumimoji="1" lang="zh-CN" altLang="en-US" sz="1200" dirty="0">
-                <a:solidFill>
-                  <a:srgbClr val="5E90C4"/>
-                </a:solidFill>
-                <a:latin typeface="Microsoft YaHei" panose="020B0503020204020204" pitchFamily="34" charset="-122"/>
-                <a:ea typeface="Microsoft YaHei" panose="020B0503020204020204" pitchFamily="34" charset="-122"/>
-              </a:rPr>
-              <a:t>中</a:t>
-            </a:r>
+            <a:endParaRPr kumimoji="1" lang="zh-CN" altLang="en-US" sz="1200" dirty="0">
+              <a:solidFill>
+                <a:srgbClr val="5E90C4"/>
+              </a:solidFill>
+              <a:latin typeface="Microsoft YaHei" panose="020B0503020204020204" pitchFamily="34" charset="-122"/>
+              <a:ea typeface="Microsoft YaHei" panose="020B0503020204020204" pitchFamily="34" charset="-122"/>
+            </a:endParaRPr>
+          </a:p>
+        </p:txBody>
+      </p:sp>
+      <p:sp>
+        <p:nvSpPr>
+          <p:cNvPr id="7" name="文本框 6">
+            <a:extLst>
+              <a:ext uri="{FF2B5EF4-FFF2-40B4-BE49-F238E27FC236}">
+                <a16:creationId xmlns:a16="http://schemas.microsoft.com/office/drawing/2014/main" id="{BFDDD51C-AA8F-611E-BC3B-50DA1411A443}"/>
+              </a:ext>
+            </a:extLst>
+          </p:cNvPr>
+          <p:cNvSpPr txBox="1"/>
+          <p:nvPr/>
+        </p:nvSpPr>
+        <p:spPr>
+          <a:xfrm>
+            <a:off x="753367" y="3076009"/>
+            <a:ext cx="10192214" cy="646331"/>
+          </a:xfrm>
+          <a:prstGeom prst="rect">
+            <a:avLst/>
+          </a:prstGeom>
+          <a:noFill/>
+        </p:spPr>
+        <p:txBody>
+          <a:bodyPr wrap="none" rtlCol="0">
+            <a:spAutoFit/>
+          </a:bodyPr>
+          <a:lstStyle/>
+          <a:p>
+            <a:pPr algn="l"/>
+            <a:r>
+              <a:rPr lang="en-US" altLang="zh-CN" sz="3600" b="1" i="0" dirty="0">
+                <a:effectLst/>
+                <a:latin typeface="-apple-system"/>
+              </a:rPr>
+              <a:t>12</a:t>
+            </a:r>
+            <a:r>
+              <a:rPr lang="zh-CN" altLang="en-US" sz="3600" b="1" i="0" dirty="0">
+                <a:effectLst/>
+                <a:latin typeface="-apple-system"/>
+              </a:rPr>
+              <a:t>、在</a:t>
+            </a:r>
+            <a:r>
+              <a:rPr lang="en" altLang="zh-CN" sz="3600" b="1" i="0" dirty="0">
+                <a:effectLst/>
+                <a:latin typeface="-apple-system"/>
+              </a:rPr>
+              <a:t>Qt5</a:t>
+            </a:r>
+            <a:r>
+              <a:rPr lang="zh-CN" altLang="en-US" sz="3600" b="1" i="0" dirty="0">
+                <a:effectLst/>
+                <a:latin typeface="-apple-system"/>
+              </a:rPr>
+              <a:t>的信号处理中，如何使用</a:t>
+            </a:r>
+            <a:r>
+              <a:rPr lang="en" altLang="zh-CN" sz="3600" b="1" i="0" dirty="0">
+                <a:effectLst/>
+                <a:latin typeface="-apple-system"/>
+              </a:rPr>
+              <a:t>lambda</a:t>
+            </a:r>
+            <a:r>
+              <a:rPr lang="zh-CN" altLang="en-US" sz="3600" b="1" i="0" dirty="0">
+                <a:effectLst/>
+                <a:latin typeface="-apple-system"/>
+              </a:rPr>
+              <a:t>机制？</a:t>
+            </a:r>
+          </a:p>
+        </p:txBody>
+      </p:sp>
+      <p:sp>
+        <p:nvSpPr>
+          <p:cNvPr id="8" name="文本框 7">
+            <a:extLst>
+              <a:ext uri="{FF2B5EF4-FFF2-40B4-BE49-F238E27FC236}">
+                <a16:creationId xmlns:a16="http://schemas.microsoft.com/office/drawing/2014/main" id="{6E1DF128-A760-9FAD-6414-62146FD9215C}"/>
+              </a:ext>
+            </a:extLst>
+          </p:cNvPr>
+          <p:cNvSpPr txBox="1"/>
+          <p:nvPr/>
+        </p:nvSpPr>
+        <p:spPr>
+          <a:xfrm>
+            <a:off x="838346" y="3729718"/>
+            <a:ext cx="11253249" cy="1077218"/>
+          </a:xfrm>
+          <a:prstGeom prst="rect">
+            <a:avLst/>
+          </a:prstGeom>
+          <a:noFill/>
+        </p:spPr>
+        <p:txBody>
+          <a:bodyPr wrap="square" rtlCol="0">
+            <a:spAutoFit/>
+          </a:bodyPr>
+          <a:lstStyle/>
+          <a:p>
+            <a:pPr algn="l"/>
+            <a:r>
+              <a:rPr lang="zh-CN" altLang="en-US" sz="1600" b="0" i="0" dirty="0">
+                <a:effectLst/>
+                <a:latin typeface="-apple-system"/>
+              </a:rPr>
+              <a:t>信号定义了，但是不写对应的槽函数，直接将函数写到槽的位置。</a:t>
+            </a:r>
+            <a:endParaRPr lang="en-US" altLang="zh-CN" sz="1600" b="0" i="0" dirty="0">
+              <a:effectLst/>
+              <a:latin typeface="-apple-system"/>
+            </a:endParaRPr>
+          </a:p>
+          <a:p>
+            <a:pPr algn="l"/>
+            <a:endParaRPr lang="zh-CN" altLang="en-US" sz="1600" b="0" i="0" dirty="0">
+              <a:effectLst/>
+              <a:latin typeface="-apple-system"/>
+            </a:endParaRPr>
+          </a:p>
+          <a:p>
+            <a:r>
+              <a:rPr lang="en" altLang="zh-CN" sz="1600" dirty="0">
+                <a:solidFill>
+                  <a:srgbClr val="4EC9B0"/>
+                </a:solidFill>
+                <a:effectLst/>
+              </a:rPr>
+              <a:t>connect</a:t>
+            </a:r>
+            <a:r>
+              <a:rPr lang="en" altLang="zh-CN" sz="1600" dirty="0"/>
+              <a:t>(</a:t>
+            </a:r>
+            <a:r>
+              <a:rPr lang="en" altLang="zh-CN" sz="1600" dirty="0" err="1"/>
+              <a:t>musicPlayer,</a:t>
+            </a:r>
+            <a:r>
+              <a:rPr lang="en" altLang="zh-CN" sz="1600" dirty="0" err="1">
+                <a:solidFill>
+                  <a:srgbClr val="4EC9B0"/>
+                </a:solidFill>
+                <a:effectLst/>
+              </a:rPr>
+              <a:t>SIGNAL</a:t>
+            </a:r>
+            <a:r>
+              <a:rPr lang="en" altLang="zh-CN" sz="1600" dirty="0"/>
+              <a:t>(</a:t>
+            </a:r>
+            <a:r>
+              <a:rPr lang="en" altLang="zh-CN" sz="1600" dirty="0" err="1">
+                <a:solidFill>
+                  <a:srgbClr val="4EC9B0"/>
+                </a:solidFill>
+                <a:effectLst/>
+              </a:rPr>
+              <a:t>positionChanged</a:t>
+            </a:r>
+            <a:r>
+              <a:rPr lang="en" altLang="zh-CN" sz="1600" dirty="0"/>
+              <a:t>(qint64)),</a:t>
+            </a:r>
+            <a:r>
+              <a:rPr lang="en" altLang="zh-CN" sz="1600" dirty="0" err="1">
+                <a:solidFill>
+                  <a:srgbClr val="569CD6"/>
+                </a:solidFill>
+                <a:effectLst/>
+              </a:rPr>
+              <a:t>this</a:t>
+            </a:r>
+            <a:r>
+              <a:rPr lang="en" altLang="zh-CN" sz="1600" dirty="0" err="1"/>
+              <a:t>,</a:t>
+            </a:r>
+            <a:r>
+              <a:rPr lang="en" altLang="zh-CN" sz="1600" dirty="0" err="1">
+                <a:solidFill>
+                  <a:srgbClr val="4EC9B0"/>
+                </a:solidFill>
+                <a:effectLst/>
+              </a:rPr>
+              <a:t>SLOT</a:t>
+            </a:r>
+            <a:r>
+              <a:rPr lang="en" altLang="zh-CN" sz="1600" dirty="0"/>
+              <a:t>(</a:t>
+            </a:r>
+            <a:r>
+              <a:rPr lang="en" altLang="zh-CN" sz="1600" dirty="0" err="1">
+                <a:solidFill>
+                  <a:srgbClr val="4EC9B0"/>
+                </a:solidFill>
+                <a:effectLst/>
+              </a:rPr>
+              <a:t>slotReflushStartTime</a:t>
+            </a:r>
+            <a:r>
+              <a:rPr lang="en" altLang="zh-CN" sz="1600" dirty="0"/>
+              <a:t>(qint64))); </a:t>
+            </a:r>
+            <a:r>
+              <a:rPr lang="en" altLang="zh-CN" sz="1600" dirty="0">
+                <a:solidFill>
+                  <a:srgbClr val="4EC9B0"/>
+                </a:solidFill>
+                <a:effectLst/>
+              </a:rPr>
+              <a:t>connect</a:t>
+            </a:r>
+            <a:r>
+              <a:rPr lang="en" altLang="zh-CN" sz="1600" dirty="0"/>
+              <a:t>(</a:t>
+            </a:r>
+            <a:r>
+              <a:rPr lang="en" altLang="zh-CN" sz="1600" dirty="0" err="1"/>
+              <a:t>musicPlayer,</a:t>
+            </a:r>
+            <a:r>
+              <a:rPr lang="en" altLang="zh-CN" sz="1600" dirty="0" err="1">
+                <a:solidFill>
+                  <a:srgbClr val="4EC9B0"/>
+                </a:solidFill>
+                <a:effectLst/>
+              </a:rPr>
+              <a:t>SIGNAL</a:t>
+            </a:r>
+            <a:r>
+              <a:rPr lang="en" altLang="zh-CN" sz="1600" dirty="0"/>
+              <a:t>(</a:t>
+            </a:r>
+            <a:r>
+              <a:rPr lang="en" altLang="zh-CN" sz="1600" dirty="0" err="1">
+                <a:solidFill>
+                  <a:srgbClr val="4EC9B0"/>
+                </a:solidFill>
+                <a:effectLst/>
+              </a:rPr>
+              <a:t>positionChanged</a:t>
+            </a:r>
+            <a:r>
+              <a:rPr lang="en" altLang="zh-CN" sz="1600" dirty="0"/>
+              <a:t>(qint64)),</a:t>
+            </a:r>
+            <a:r>
+              <a:rPr lang="en" altLang="zh-CN" sz="1600" dirty="0">
+                <a:solidFill>
+                  <a:srgbClr val="4EC9B0"/>
+                </a:solidFill>
+                <a:effectLst/>
+              </a:rPr>
+              <a:t>SLOT</a:t>
+            </a:r>
+            <a:r>
+              <a:rPr lang="en" altLang="zh-CN" sz="1600" dirty="0"/>
+              <a:t>(</a:t>
+            </a:r>
+            <a:r>
+              <a:rPr lang="en" altLang="zh-CN" sz="1600" dirty="0" err="1">
+                <a:solidFill>
+                  <a:srgbClr val="4EC9B0"/>
+                </a:solidFill>
+                <a:effectLst/>
+              </a:rPr>
+              <a:t>slotReflushStartTime</a:t>
+            </a:r>
+            <a:r>
+              <a:rPr lang="en" altLang="zh-CN" sz="1600" dirty="0"/>
+              <a:t>(qint64))); </a:t>
+            </a:r>
+            <a:endParaRPr lang="en-US" altLang="zh-CN" sz="1600" dirty="0">
+              <a:latin typeface="SimSun" panose="02010600030101010101" pitchFamily="2" charset="-122"/>
+              <a:ea typeface="SimSun" panose="02010600030101010101" pitchFamily="2" charset="-122"/>
+              <a:sym typeface="Wingdings" pitchFamily="2" charset="2"/>
+            </a:endParaRPr>
+          </a:p>
+        </p:txBody>
+      </p:sp>
+      <p:sp>
+        <p:nvSpPr>
+          <p:cNvPr id="9" name="文本框 8">
+            <a:extLst>
+              <a:ext uri="{FF2B5EF4-FFF2-40B4-BE49-F238E27FC236}">
+                <a16:creationId xmlns:a16="http://schemas.microsoft.com/office/drawing/2014/main" id="{FF36D64F-CD17-61F9-1738-045722014FC2}"/>
+              </a:ext>
+            </a:extLst>
+          </p:cNvPr>
+          <p:cNvSpPr txBox="1"/>
+          <p:nvPr/>
+        </p:nvSpPr>
+        <p:spPr>
+          <a:xfrm>
+            <a:off x="691315" y="5127544"/>
+            <a:ext cx="10809369" cy="646331"/>
+          </a:xfrm>
+          <a:prstGeom prst="rect">
+            <a:avLst/>
+          </a:prstGeom>
+          <a:noFill/>
+        </p:spPr>
+        <p:txBody>
+          <a:bodyPr wrap="none" rtlCol="0">
+            <a:spAutoFit/>
+          </a:bodyPr>
+          <a:lstStyle/>
+          <a:p>
+            <a:pPr algn="l"/>
+            <a:r>
+              <a:rPr lang="en-US" altLang="zh-CN" sz="3600" b="1" i="0" dirty="0">
+                <a:effectLst/>
+                <a:latin typeface="-apple-system"/>
+              </a:rPr>
+              <a:t>13</a:t>
+            </a:r>
+            <a:r>
+              <a:rPr lang="zh-CN" altLang="en-US" sz="3600" b="1" i="0" dirty="0">
+                <a:effectLst/>
+                <a:latin typeface="-apple-system"/>
+              </a:rPr>
+              <a:t>、段错误一般是什么原因造成的，如何快速排查？</a:t>
+            </a:r>
+          </a:p>
+        </p:txBody>
+      </p:sp>
+      <p:sp>
+        <p:nvSpPr>
+          <p:cNvPr id="21" name="文本框 20">
+            <a:extLst>
+              <a:ext uri="{FF2B5EF4-FFF2-40B4-BE49-F238E27FC236}">
+                <a16:creationId xmlns:a16="http://schemas.microsoft.com/office/drawing/2014/main" id="{B0193423-1F03-E036-2B40-A13F15F0AFF2}"/>
+              </a:ext>
+            </a:extLst>
+          </p:cNvPr>
+          <p:cNvSpPr txBox="1"/>
+          <p:nvPr/>
+        </p:nvSpPr>
+        <p:spPr>
+          <a:xfrm>
+            <a:off x="795857" y="5899790"/>
+            <a:ext cx="11253249" cy="338554"/>
+          </a:xfrm>
+          <a:prstGeom prst="rect">
+            <a:avLst/>
+          </a:prstGeom>
+          <a:noFill/>
+        </p:spPr>
+        <p:txBody>
+          <a:bodyPr wrap="square" rtlCol="0">
+            <a:spAutoFit/>
+          </a:bodyPr>
+          <a:lstStyle/>
+          <a:p>
+            <a:r>
+              <a:rPr lang="zh-CN" altLang="en-US" sz="1600" b="0" i="0" dirty="0">
+                <a:effectLst/>
+                <a:latin typeface="-apple-system"/>
+              </a:rPr>
+              <a:t>一般是指针的问题，出现野指针、空指针；用</a:t>
+            </a:r>
+            <a:r>
+              <a:rPr lang="zh-CN" altLang="en-US" sz="1600" b="0" i="0" dirty="0">
+                <a:solidFill>
+                  <a:srgbClr val="C00000"/>
+                </a:solidFill>
+                <a:effectLst/>
+                <a:latin typeface="-apple-system"/>
+              </a:rPr>
+              <a:t>点灯或者</a:t>
+            </a:r>
+            <a:r>
+              <a:rPr lang="en" altLang="zh-CN" sz="1600" b="0" i="0" dirty="0">
+                <a:solidFill>
+                  <a:srgbClr val="C00000"/>
+                </a:solidFill>
+                <a:effectLst/>
+                <a:latin typeface="-apple-system"/>
+              </a:rPr>
+              <a:t>Debug</a:t>
+            </a:r>
+            <a:r>
+              <a:rPr lang="zh-CN" altLang="en-US" sz="1600" b="0" i="0" dirty="0">
+                <a:effectLst/>
+                <a:latin typeface="-apple-system"/>
+              </a:rPr>
+              <a:t>去排查问题。</a:t>
+            </a:r>
+            <a:endParaRPr lang="en-US" altLang="zh-CN" sz="1600" dirty="0">
+              <a:latin typeface="SimSun" panose="02010600030101010101" pitchFamily="2" charset="-122"/>
+              <a:ea typeface="SimSun" panose="02010600030101010101" pitchFamily="2" charset="-122"/>
+              <a:sym typeface="Wingdings" pitchFamily="2" charset="2"/>
+            </a:endParaRPr>
           </a:p>
         </p:txBody>
       </p:sp>
     </p:spTree>
     <p:extLst>
       <p:ext uri="{BB962C8B-B14F-4D97-AF65-F5344CB8AC3E}">
-        <p14:creationId xmlns:p14="http://schemas.microsoft.com/office/powerpoint/2010/main" val="1080630401"/>
+        <p14:creationId xmlns:p14="http://schemas.microsoft.com/office/powerpoint/2010/main" val="2858433439"/>
       </p:ext>
     </p:extLst>
   </p:cSld>
@@ -8519,604 +8375,6 @@
       </p:sp>
       <p:sp>
         <p:nvSpPr>
-          <p:cNvPr id="3" name="文本框 2">
-            <a:extLst>
-              <a:ext uri="{FF2B5EF4-FFF2-40B4-BE49-F238E27FC236}">
-                <a16:creationId xmlns:a16="http://schemas.microsoft.com/office/drawing/2014/main" id="{CD53DA27-33D9-8583-2E17-7D43A1D86DEA}"/>
-              </a:ext>
-            </a:extLst>
-          </p:cNvPr>
-          <p:cNvSpPr txBox="1"/>
-          <p:nvPr/>
-        </p:nvSpPr>
-        <p:spPr>
-          <a:xfrm>
-            <a:off x="753368" y="1280135"/>
-            <a:ext cx="7518405" cy="707886"/>
-          </a:xfrm>
-          <a:prstGeom prst="rect">
-            <a:avLst/>
-          </a:prstGeom>
-          <a:noFill/>
-        </p:spPr>
-        <p:txBody>
-          <a:bodyPr wrap="none" rtlCol="0">
-            <a:spAutoFit/>
-          </a:bodyPr>
-          <a:lstStyle/>
-          <a:p>
-            <a:r>
-              <a:rPr kumimoji="1" lang="en-US" altLang="zh-CN" sz="4000" b="1" dirty="0">
-                <a:latin typeface="Microsoft YaHei" panose="020B0503020204020204" pitchFamily="34" charset="-122"/>
-                <a:ea typeface="Microsoft YaHei" panose="020B0503020204020204" pitchFamily="34" charset="-122"/>
-              </a:rPr>
-              <a:t>5</a:t>
-            </a:r>
-            <a:r>
-              <a:rPr kumimoji="1" lang="zh-CN" altLang="en-US" sz="4000" b="1" dirty="0">
-                <a:latin typeface="Microsoft YaHei" panose="020B0503020204020204" pitchFamily="34" charset="-122"/>
-                <a:ea typeface="Microsoft YaHei" panose="020B0503020204020204" pitchFamily="34" charset="-122"/>
-              </a:rPr>
-              <a:t>、描述</a:t>
-            </a:r>
-            <a:r>
-              <a:rPr kumimoji="1" lang="en-US" altLang="zh-CN" sz="4000" b="1" dirty="0">
-                <a:latin typeface="Microsoft YaHei" panose="020B0503020204020204" pitchFamily="34" charset="-122"/>
-                <a:ea typeface="Microsoft YaHei" panose="020B0503020204020204" pitchFamily="34" charset="-122"/>
-              </a:rPr>
-              <a:t>UDP</a:t>
-            </a:r>
-            <a:r>
-              <a:rPr kumimoji="1" lang="zh-CN" altLang="en-US" sz="4000" b="1" dirty="0">
-                <a:latin typeface="Microsoft YaHei" panose="020B0503020204020204" pitchFamily="34" charset="-122"/>
-                <a:ea typeface="Microsoft YaHei" panose="020B0503020204020204" pitchFamily="34" charset="-122"/>
-              </a:rPr>
-              <a:t>之</a:t>
-            </a:r>
-            <a:r>
-              <a:rPr kumimoji="1" lang="en-US" altLang="zh-CN" sz="4000" b="1" dirty="0" err="1">
-                <a:latin typeface="Microsoft YaHei" panose="020B0503020204020204" pitchFamily="34" charset="-122"/>
-                <a:ea typeface="Microsoft YaHei" panose="020B0503020204020204" pitchFamily="34" charset="-122"/>
-              </a:rPr>
-              <a:t>UdpSocket</a:t>
-            </a:r>
-            <a:r>
-              <a:rPr kumimoji="1" lang="zh-CN" altLang="en-US" sz="4000" b="1" dirty="0">
-                <a:latin typeface="Microsoft YaHei" panose="020B0503020204020204" pitchFamily="34" charset="-122"/>
-                <a:ea typeface="Microsoft YaHei" panose="020B0503020204020204" pitchFamily="34" charset="-122"/>
-              </a:rPr>
-              <a:t>通讯</a:t>
-            </a:r>
-            <a:endParaRPr kumimoji="1" lang="zh-CN" altLang="en-US" b="1" dirty="0">
-              <a:latin typeface="Microsoft YaHei" panose="020B0503020204020204" pitchFamily="34" charset="-122"/>
-              <a:ea typeface="Microsoft YaHei" panose="020B0503020204020204" pitchFamily="34" charset="-122"/>
-            </a:endParaRPr>
-          </a:p>
-        </p:txBody>
-      </p:sp>
-      <p:sp>
-        <p:nvSpPr>
-          <p:cNvPr id="4" name="文本框 3">
-            <a:extLst>
-              <a:ext uri="{FF2B5EF4-FFF2-40B4-BE49-F238E27FC236}">
-                <a16:creationId xmlns:a16="http://schemas.microsoft.com/office/drawing/2014/main" id="{CBB2A18A-B39F-8DB9-085B-36C53CD6C8BC}"/>
-              </a:ext>
-            </a:extLst>
-          </p:cNvPr>
-          <p:cNvSpPr txBox="1"/>
-          <p:nvPr/>
-        </p:nvSpPr>
-        <p:spPr>
-          <a:xfrm>
-            <a:off x="753368" y="2247833"/>
-            <a:ext cx="11253249" cy="3539430"/>
-          </a:xfrm>
-          <a:prstGeom prst="rect">
-            <a:avLst/>
-          </a:prstGeom>
-          <a:noFill/>
-        </p:spPr>
-        <p:txBody>
-          <a:bodyPr wrap="square" rtlCol="0">
-            <a:spAutoFit/>
-          </a:bodyPr>
-          <a:lstStyle/>
-          <a:p>
-            <a:r>
-              <a:rPr lang="en-US" altLang="zh-CN" sz="1600" dirty="0">
-                <a:latin typeface="SimSun" panose="02010600030101010101" pitchFamily="2" charset="-122"/>
-                <a:ea typeface="SimSun" panose="02010600030101010101" pitchFamily="2" charset="-122"/>
-                <a:sym typeface="Wingdings" pitchFamily="2" charset="2"/>
-              </a:rPr>
-              <a:t>UDP (User Datagram Protocol</a:t>
-            </a:r>
-            <a:r>
-              <a:rPr lang="zh-CN" altLang="en-US" sz="1600" dirty="0">
-                <a:latin typeface="SimSun" panose="02010600030101010101" pitchFamily="2" charset="-122"/>
-                <a:ea typeface="SimSun" panose="02010600030101010101" pitchFamily="2" charset="-122"/>
-                <a:sym typeface="Wingdings" pitchFamily="2" charset="2"/>
-              </a:rPr>
-              <a:t>即用户数据报协议）</a:t>
-            </a:r>
-            <a:r>
-              <a:rPr lang="zh-CN" altLang="en-US" sz="1600" b="1" dirty="0">
-                <a:solidFill>
-                  <a:srgbClr val="961F17"/>
-                </a:solidFill>
-                <a:latin typeface="SimSun" panose="02010600030101010101" pitchFamily="2" charset="-122"/>
-                <a:ea typeface="SimSun" panose="02010600030101010101" pitchFamily="2" charset="-122"/>
-                <a:sym typeface="Wingdings" pitchFamily="2" charset="2"/>
-              </a:rPr>
-              <a:t>是一个轻量级的，不可靠的，面向数据报的无连接</a:t>
-            </a:r>
-          </a:p>
-          <a:p>
-            <a:r>
-              <a:rPr lang="zh-CN" altLang="en-US" sz="1600" b="1" dirty="0">
-                <a:solidFill>
-                  <a:srgbClr val="961F17"/>
-                </a:solidFill>
-                <a:latin typeface="SimSun" panose="02010600030101010101" pitchFamily="2" charset="-122"/>
-                <a:ea typeface="SimSun" panose="02010600030101010101" pitchFamily="2" charset="-122"/>
-                <a:sym typeface="Wingdings" pitchFamily="2" charset="2"/>
-              </a:rPr>
-              <a:t>协议</a:t>
-            </a:r>
-            <a:r>
-              <a:rPr lang="zh-CN" altLang="en-US" sz="1600" dirty="0">
-                <a:latin typeface="SimSun" panose="02010600030101010101" pitchFamily="2" charset="-122"/>
-                <a:ea typeface="SimSun" panose="02010600030101010101" pitchFamily="2" charset="-122"/>
-                <a:sym typeface="Wingdings" pitchFamily="2" charset="2"/>
-              </a:rPr>
-              <a:t>。在网络质量令人十分不满意的环境下，</a:t>
-            </a:r>
-            <a:r>
-              <a:rPr lang="en-US" altLang="zh-CN" sz="1600" dirty="0">
-                <a:latin typeface="SimSun" panose="02010600030101010101" pitchFamily="2" charset="-122"/>
-                <a:ea typeface="SimSun" panose="02010600030101010101" pitchFamily="2" charset="-122"/>
-                <a:sym typeface="Wingdings" pitchFamily="2" charset="2"/>
-              </a:rPr>
-              <a:t>UDP</a:t>
-            </a:r>
-            <a:r>
-              <a:rPr lang="zh-CN" altLang="en-US" sz="1600" dirty="0">
-                <a:latin typeface="SimSun" panose="02010600030101010101" pitchFamily="2" charset="-122"/>
-                <a:ea typeface="SimSun" panose="02010600030101010101" pitchFamily="2" charset="-122"/>
-                <a:sym typeface="Wingdings" pitchFamily="2" charset="2"/>
-              </a:rPr>
-              <a:t>协议数据包丢失严重。</a:t>
-            </a:r>
-            <a:endParaRPr lang="en-US" altLang="zh-CN" sz="1600" dirty="0">
-              <a:latin typeface="SimSun" panose="02010600030101010101" pitchFamily="2" charset="-122"/>
-              <a:ea typeface="SimSun" panose="02010600030101010101" pitchFamily="2" charset="-122"/>
-              <a:sym typeface="Wingdings" pitchFamily="2" charset="2"/>
-            </a:endParaRPr>
-          </a:p>
-          <a:p>
-            <a:r>
-              <a:rPr lang="zh-CN" altLang="en-US" sz="1600" dirty="0">
-                <a:latin typeface="SimSun" panose="02010600030101010101" pitchFamily="2" charset="-122"/>
-                <a:ea typeface="SimSun" panose="02010600030101010101" pitchFamily="2" charset="-122"/>
-                <a:sym typeface="Wingdings" pitchFamily="2" charset="2"/>
-              </a:rPr>
-              <a:t>由于</a:t>
-            </a:r>
-            <a:r>
-              <a:rPr lang="en-US" altLang="zh-CN" sz="1600" dirty="0">
-                <a:latin typeface="SimSun" panose="02010600030101010101" pitchFamily="2" charset="-122"/>
-                <a:ea typeface="SimSun" panose="02010600030101010101" pitchFamily="2" charset="-122"/>
-                <a:sym typeface="Wingdings" pitchFamily="2" charset="2"/>
-              </a:rPr>
-              <a:t>UDP</a:t>
-            </a:r>
-            <a:r>
-              <a:rPr lang="zh-CN" altLang="en-US" sz="1600" dirty="0">
-                <a:latin typeface="SimSun" panose="02010600030101010101" pitchFamily="2" charset="-122"/>
-                <a:ea typeface="SimSun" panose="02010600030101010101" pitchFamily="2" charset="-122"/>
-                <a:sym typeface="Wingdings" pitchFamily="2" charset="2"/>
-              </a:rPr>
-              <a:t>的特性：它</a:t>
-            </a:r>
-            <a:r>
-              <a:rPr lang="zh-CN" altLang="en-US" sz="1600" b="1" dirty="0">
-                <a:solidFill>
-                  <a:srgbClr val="5E90C4"/>
-                </a:solidFill>
-                <a:latin typeface="SimSun" panose="02010600030101010101" pitchFamily="2" charset="-122"/>
-                <a:ea typeface="SimSun" panose="02010600030101010101" pitchFamily="2" charset="-122"/>
-                <a:sym typeface="Wingdings" pitchFamily="2" charset="2"/>
-              </a:rPr>
-              <a:t>不属于</a:t>
-            </a:r>
-            <a:r>
-              <a:rPr lang="zh-CN" altLang="en-US" sz="1600" dirty="0">
-                <a:latin typeface="SimSun" panose="02010600030101010101" pitchFamily="2" charset="-122"/>
-                <a:ea typeface="SimSun" panose="02010600030101010101" pitchFamily="2" charset="-122"/>
-                <a:sym typeface="Wingdings" pitchFamily="2" charset="2"/>
-              </a:rPr>
-              <a:t>连接型协议，因而具有资源消耗小，处理速度快的优点 ，所以通常音频、视频和普通数据在传送时使用</a:t>
-            </a:r>
-            <a:r>
-              <a:rPr lang="en-US" altLang="zh-CN" sz="1600" dirty="0">
-                <a:latin typeface="SimSun" panose="02010600030101010101" pitchFamily="2" charset="-122"/>
-                <a:ea typeface="SimSun" panose="02010600030101010101" pitchFamily="2" charset="-122"/>
-                <a:sym typeface="Wingdings" pitchFamily="2" charset="2"/>
-              </a:rPr>
-              <a:t>UDP</a:t>
-            </a:r>
-            <a:r>
-              <a:rPr lang="zh-CN" altLang="en-US" sz="1600" dirty="0">
-                <a:latin typeface="SimSun" panose="02010600030101010101" pitchFamily="2" charset="-122"/>
-                <a:ea typeface="SimSun" panose="02010600030101010101" pitchFamily="2" charset="-122"/>
-                <a:sym typeface="Wingdings" pitchFamily="2" charset="2"/>
-              </a:rPr>
-              <a:t>较多，因为它们即使偶尔丢失一两个数据包，也不会对接收结果产生太大影响。所以</a:t>
-            </a:r>
-            <a:r>
-              <a:rPr lang="en-US" altLang="zh-CN" sz="1600" dirty="0">
-                <a:latin typeface="SimSun" panose="02010600030101010101" pitchFamily="2" charset="-122"/>
-                <a:ea typeface="SimSun" panose="02010600030101010101" pitchFamily="2" charset="-122"/>
-                <a:sym typeface="Wingdings" pitchFamily="2" charset="2"/>
-              </a:rPr>
-              <a:t>QQ</a:t>
-            </a:r>
-            <a:r>
-              <a:rPr lang="zh-CN" altLang="en-US" sz="1600" dirty="0">
-                <a:latin typeface="SimSun" panose="02010600030101010101" pitchFamily="2" charset="-122"/>
-                <a:ea typeface="SimSun" panose="02010600030101010101" pitchFamily="2" charset="-122"/>
-                <a:sym typeface="Wingdings" pitchFamily="2" charset="2"/>
-              </a:rPr>
-              <a:t>这种对保密要求并不太高的聊天程序就是使用的</a:t>
-            </a:r>
-            <a:r>
-              <a:rPr lang="en-US" altLang="zh-CN" sz="1600" dirty="0">
-                <a:latin typeface="SimSun" panose="02010600030101010101" pitchFamily="2" charset="-122"/>
-                <a:ea typeface="SimSun" panose="02010600030101010101" pitchFamily="2" charset="-122"/>
-                <a:sym typeface="Wingdings" pitchFamily="2" charset="2"/>
-              </a:rPr>
-              <a:t>UDP</a:t>
-            </a:r>
-            <a:r>
-              <a:rPr lang="zh-CN" altLang="en-US" sz="1600" dirty="0">
-                <a:latin typeface="SimSun" panose="02010600030101010101" pitchFamily="2" charset="-122"/>
-                <a:ea typeface="SimSun" panose="02010600030101010101" pitchFamily="2" charset="-122"/>
-                <a:sym typeface="Wingdings" pitchFamily="2" charset="2"/>
-              </a:rPr>
-              <a:t>协议。</a:t>
-            </a:r>
-            <a:endParaRPr lang="en-US" altLang="zh-CN" sz="1600" dirty="0">
-              <a:latin typeface="SimSun" panose="02010600030101010101" pitchFamily="2" charset="-122"/>
-              <a:ea typeface="SimSun" panose="02010600030101010101" pitchFamily="2" charset="-122"/>
-              <a:sym typeface="Wingdings" pitchFamily="2" charset="2"/>
-            </a:endParaRPr>
-          </a:p>
-          <a:p>
-            <a:endParaRPr lang="en-US" altLang="zh-CN" sz="1600" dirty="0">
-              <a:latin typeface="SimSun" panose="02010600030101010101" pitchFamily="2" charset="-122"/>
-              <a:ea typeface="SimSun" panose="02010600030101010101" pitchFamily="2" charset="-122"/>
-              <a:sym typeface="Wingdings" pitchFamily="2" charset="2"/>
-            </a:endParaRPr>
-          </a:p>
-          <a:p>
-            <a:r>
-              <a:rPr lang="zh-CN" altLang="en-US" sz="1600" dirty="0">
-                <a:latin typeface="SimSun" panose="02010600030101010101" pitchFamily="2" charset="-122"/>
-                <a:ea typeface="SimSun" panose="02010600030101010101" pitchFamily="2" charset="-122"/>
-                <a:sym typeface="Wingdings" pitchFamily="2" charset="2"/>
-              </a:rPr>
-              <a:t>在</a:t>
-            </a:r>
-            <a:r>
-              <a:rPr lang="en-US" altLang="zh-CN" sz="1600" dirty="0">
-                <a:latin typeface="SimSun" panose="02010600030101010101" pitchFamily="2" charset="-122"/>
-                <a:ea typeface="SimSun" panose="02010600030101010101" pitchFamily="2" charset="-122"/>
-                <a:sym typeface="Wingdings" pitchFamily="2" charset="2"/>
-              </a:rPr>
-              <a:t>Qt</a:t>
-            </a:r>
-            <a:r>
-              <a:rPr lang="zh-CN" altLang="en-US" sz="1600" dirty="0">
-                <a:latin typeface="SimSun" panose="02010600030101010101" pitchFamily="2" charset="-122"/>
-                <a:ea typeface="SimSun" panose="02010600030101010101" pitchFamily="2" charset="-122"/>
-                <a:sym typeface="Wingdings" pitchFamily="2" charset="2"/>
-              </a:rPr>
-              <a:t>中提供了</a:t>
-            </a:r>
-            <a:r>
-              <a:rPr lang="en-US" altLang="zh-CN" sz="1600" dirty="0" err="1">
-                <a:latin typeface="SimSun" panose="02010600030101010101" pitchFamily="2" charset="-122"/>
-                <a:ea typeface="SimSun" panose="02010600030101010101" pitchFamily="2" charset="-122"/>
-                <a:sym typeface="Wingdings" pitchFamily="2" charset="2"/>
-              </a:rPr>
-              <a:t>QUdpsocket</a:t>
-            </a:r>
-            <a:r>
-              <a:rPr lang="en-US" altLang="zh-CN" sz="1600" dirty="0">
-                <a:latin typeface="SimSun" panose="02010600030101010101" pitchFamily="2" charset="-122"/>
-                <a:ea typeface="SimSun" panose="02010600030101010101" pitchFamily="2" charset="-122"/>
-                <a:sym typeface="Wingdings" pitchFamily="2" charset="2"/>
-              </a:rPr>
-              <a:t> </a:t>
-            </a:r>
-            <a:r>
-              <a:rPr lang="zh-CN" altLang="en-US" sz="1600" dirty="0">
-                <a:latin typeface="SimSun" panose="02010600030101010101" pitchFamily="2" charset="-122"/>
-                <a:ea typeface="SimSun" panose="02010600030101010101" pitchFamily="2" charset="-122"/>
-                <a:sym typeface="Wingdings" pitchFamily="2" charset="2"/>
-              </a:rPr>
-              <a:t>类来进行</a:t>
-            </a:r>
-            <a:r>
-              <a:rPr lang="en-US" altLang="zh-CN" sz="1600" b="1" dirty="0">
-                <a:solidFill>
-                  <a:srgbClr val="5B2287"/>
-                </a:solidFill>
-                <a:latin typeface="SimSun" panose="02010600030101010101" pitchFamily="2" charset="-122"/>
-                <a:ea typeface="SimSun" panose="02010600030101010101" pitchFamily="2" charset="-122"/>
-                <a:sym typeface="Wingdings" pitchFamily="2" charset="2"/>
-              </a:rPr>
-              <a:t>UDP</a:t>
-            </a:r>
-            <a:r>
-              <a:rPr lang="zh-CN" altLang="en-US" sz="1600" b="1" dirty="0">
-                <a:solidFill>
-                  <a:srgbClr val="5B2287"/>
-                </a:solidFill>
-                <a:latin typeface="SimSun" panose="02010600030101010101" pitchFamily="2" charset="-122"/>
-                <a:ea typeface="SimSun" panose="02010600030101010101" pitchFamily="2" charset="-122"/>
-                <a:sym typeface="Wingdings" pitchFamily="2" charset="2"/>
-              </a:rPr>
-              <a:t>数据报（</a:t>
-            </a:r>
-            <a:r>
-              <a:rPr lang="en-US" altLang="zh-CN" sz="1600" b="1" dirty="0" err="1">
-                <a:solidFill>
-                  <a:srgbClr val="5B2287"/>
-                </a:solidFill>
-                <a:latin typeface="SimSun" panose="02010600030101010101" pitchFamily="2" charset="-122"/>
-                <a:ea typeface="SimSun" panose="02010600030101010101" pitchFamily="2" charset="-122"/>
-                <a:sym typeface="Wingdings" pitchFamily="2" charset="2"/>
-              </a:rPr>
-              <a:t>dlatagrarns</a:t>
-            </a:r>
-            <a:r>
-              <a:rPr lang="zh-CN" altLang="en-US" sz="1600" b="1" dirty="0">
-                <a:solidFill>
-                  <a:srgbClr val="5B2287"/>
-                </a:solidFill>
-                <a:latin typeface="SimSun" panose="02010600030101010101" pitchFamily="2" charset="-122"/>
-                <a:ea typeface="SimSun" panose="02010600030101010101" pitchFamily="2" charset="-122"/>
-                <a:sym typeface="Wingdings" pitchFamily="2" charset="2"/>
-              </a:rPr>
-              <a:t>）的发送和接收</a:t>
-            </a:r>
-            <a:r>
-              <a:rPr lang="zh-CN" altLang="en-US" sz="1600" dirty="0">
-                <a:latin typeface="SimSun" panose="02010600030101010101" pitchFamily="2" charset="-122"/>
-                <a:ea typeface="SimSun" panose="02010600030101010101" pitchFamily="2" charset="-122"/>
-                <a:sym typeface="Wingdings" pitchFamily="2" charset="2"/>
-              </a:rPr>
-              <a:t>。</a:t>
-            </a:r>
-            <a:r>
-              <a:rPr lang="en-US" altLang="zh-CN" sz="1600" dirty="0">
-                <a:latin typeface="SimSun" panose="02010600030101010101" pitchFamily="2" charset="-122"/>
-                <a:ea typeface="SimSun" panose="02010600030101010101" pitchFamily="2" charset="-122"/>
-                <a:sym typeface="Wingdings" pitchFamily="2" charset="2"/>
-              </a:rPr>
-              <a:t>Socket</a:t>
-            </a:r>
-            <a:r>
-              <a:rPr lang="zh-CN" altLang="en-US" sz="1600" dirty="0">
-                <a:latin typeface="SimSun" panose="02010600030101010101" pitchFamily="2" charset="-122"/>
-                <a:ea typeface="SimSun" panose="02010600030101010101" pitchFamily="2" charset="-122"/>
-                <a:sym typeface="Wingdings" pitchFamily="2" charset="2"/>
-              </a:rPr>
-              <a:t>简单地说，就是</a:t>
-            </a:r>
-          </a:p>
-          <a:p>
-            <a:r>
-              <a:rPr lang="zh-CN" altLang="en-US" sz="1600" b="1" dirty="0">
-                <a:solidFill>
-                  <a:srgbClr val="5B2287"/>
-                </a:solidFill>
-                <a:latin typeface="SimSun" panose="02010600030101010101" pitchFamily="2" charset="-122"/>
-                <a:ea typeface="SimSun" panose="02010600030101010101" pitchFamily="2" charset="-122"/>
-                <a:sym typeface="Wingdings" pitchFamily="2" charset="2"/>
-              </a:rPr>
-              <a:t>一个</a:t>
-            </a:r>
-            <a:r>
-              <a:rPr lang="en-US" altLang="zh-CN" sz="1600" b="1" dirty="0">
-                <a:solidFill>
-                  <a:srgbClr val="5B2287"/>
-                </a:solidFill>
-                <a:latin typeface="SimSun" panose="02010600030101010101" pitchFamily="2" charset="-122"/>
-                <a:ea typeface="SimSun" panose="02010600030101010101" pitchFamily="2" charset="-122"/>
-                <a:sym typeface="Wingdings" pitchFamily="2" charset="2"/>
-              </a:rPr>
-              <a:t>IP</a:t>
-            </a:r>
-            <a:r>
-              <a:rPr lang="zh-CN" altLang="en-US" sz="1600" b="1" dirty="0">
-                <a:solidFill>
-                  <a:srgbClr val="5B2287"/>
-                </a:solidFill>
-                <a:latin typeface="SimSun" panose="02010600030101010101" pitchFamily="2" charset="-122"/>
-                <a:ea typeface="SimSun" panose="02010600030101010101" pitchFamily="2" charset="-122"/>
-                <a:sym typeface="Wingdings" pitchFamily="2" charset="2"/>
-              </a:rPr>
-              <a:t>地址加一个</a:t>
-            </a:r>
-            <a:r>
-              <a:rPr lang="en-US" altLang="zh-CN" sz="1600" b="1" dirty="0">
-                <a:solidFill>
-                  <a:srgbClr val="5B2287"/>
-                </a:solidFill>
-                <a:latin typeface="SimSun" panose="02010600030101010101" pitchFamily="2" charset="-122"/>
-                <a:ea typeface="SimSun" panose="02010600030101010101" pitchFamily="2" charset="-122"/>
-                <a:sym typeface="Wingdings" pitchFamily="2" charset="2"/>
-              </a:rPr>
-              <a:t>port</a:t>
-            </a:r>
-            <a:r>
-              <a:rPr lang="zh-CN" altLang="en-US" sz="1600" b="1" dirty="0">
-                <a:solidFill>
-                  <a:srgbClr val="5B2287"/>
-                </a:solidFill>
-                <a:latin typeface="SimSun" panose="02010600030101010101" pitchFamily="2" charset="-122"/>
-                <a:ea typeface="SimSun" panose="02010600030101010101" pitchFamily="2" charset="-122"/>
-                <a:sym typeface="Wingdings" pitchFamily="2" charset="2"/>
-              </a:rPr>
-              <a:t>端口</a:t>
-            </a:r>
-            <a:r>
-              <a:rPr lang="zh-CN" altLang="en-US" sz="1600" dirty="0">
-                <a:latin typeface="SimSun" panose="02010600030101010101" pitchFamily="2" charset="-122"/>
-                <a:ea typeface="SimSun" panose="02010600030101010101" pitchFamily="2" charset="-122"/>
-                <a:sym typeface="Wingdings" pitchFamily="2" charset="2"/>
-              </a:rPr>
-              <a:t>。</a:t>
-            </a:r>
-            <a:endParaRPr lang="en-US" altLang="zh-CN" sz="1600" dirty="0">
-              <a:latin typeface="SimSun" panose="02010600030101010101" pitchFamily="2" charset="-122"/>
-              <a:ea typeface="SimSun" panose="02010600030101010101" pitchFamily="2" charset="-122"/>
-              <a:sym typeface="Wingdings" pitchFamily="2" charset="2"/>
-            </a:endParaRPr>
-          </a:p>
-          <a:p>
-            <a:endParaRPr lang="zh-CN" altLang="en-US" sz="1600" dirty="0">
-              <a:latin typeface="SimSun" panose="02010600030101010101" pitchFamily="2" charset="-122"/>
-              <a:ea typeface="SimSun" panose="02010600030101010101" pitchFamily="2" charset="-122"/>
-              <a:sym typeface="Wingdings" pitchFamily="2" charset="2"/>
-            </a:endParaRPr>
-          </a:p>
-          <a:p>
-            <a:r>
-              <a:rPr lang="zh-CN" altLang="en-US" sz="1600" b="1" dirty="0">
-                <a:solidFill>
-                  <a:srgbClr val="C00000"/>
-                </a:solidFill>
-                <a:latin typeface="Microsoft YaHei" panose="020B0503020204020204" pitchFamily="34" charset="-122"/>
-                <a:ea typeface="Microsoft YaHei" panose="020B0503020204020204" pitchFamily="34" charset="-122"/>
-                <a:sym typeface="Wingdings" pitchFamily="2" charset="2"/>
-              </a:rPr>
-              <a:t>流程：</a:t>
-            </a:r>
-            <a:endParaRPr lang="en-US" altLang="zh-CN" sz="1600" b="1" dirty="0">
-              <a:solidFill>
-                <a:srgbClr val="C00000"/>
-              </a:solidFill>
-              <a:latin typeface="Microsoft YaHei" panose="020B0503020204020204" pitchFamily="34" charset="-122"/>
-              <a:ea typeface="Microsoft YaHei" panose="020B0503020204020204" pitchFamily="34" charset="-122"/>
-              <a:sym typeface="Wingdings" pitchFamily="2" charset="2"/>
-            </a:endParaRPr>
-          </a:p>
-          <a:p>
-            <a:r>
-              <a:rPr lang="zh-CN" altLang="en-US" sz="1600" dirty="0">
-                <a:latin typeface="SimSun" panose="02010600030101010101" pitchFamily="2" charset="-122"/>
-                <a:ea typeface="SimSun" panose="02010600030101010101" pitchFamily="2" charset="-122"/>
-                <a:sym typeface="Wingdings" pitchFamily="2" charset="2"/>
-              </a:rPr>
-              <a:t>①创建</a:t>
-            </a:r>
-            <a:r>
-              <a:rPr lang="en-US" altLang="zh-CN" sz="1600" dirty="0" err="1">
-                <a:latin typeface="SimSun" panose="02010600030101010101" pitchFamily="2" charset="-122"/>
-                <a:ea typeface="SimSun" panose="02010600030101010101" pitchFamily="2" charset="-122"/>
-                <a:sym typeface="Wingdings" pitchFamily="2" charset="2"/>
-              </a:rPr>
-              <a:t>QUdpsocket</a:t>
-            </a:r>
-            <a:r>
-              <a:rPr lang="zh-CN" altLang="en-US" sz="1600" dirty="0">
-                <a:latin typeface="SimSun" panose="02010600030101010101" pitchFamily="2" charset="-122"/>
-                <a:ea typeface="SimSun" panose="02010600030101010101" pitchFamily="2" charset="-122"/>
-                <a:sym typeface="Wingdings" pitchFamily="2" charset="2"/>
-              </a:rPr>
-              <a:t>套接字对象 </a:t>
-            </a:r>
-            <a:endParaRPr lang="en-US" altLang="zh-CN" sz="1600" dirty="0">
-              <a:latin typeface="SimSun" panose="02010600030101010101" pitchFamily="2" charset="-122"/>
-              <a:ea typeface="SimSun" panose="02010600030101010101" pitchFamily="2" charset="-122"/>
-              <a:sym typeface="Wingdings" pitchFamily="2" charset="2"/>
-            </a:endParaRPr>
-          </a:p>
-          <a:p>
-            <a:r>
-              <a:rPr lang="zh-CN" altLang="en-US" sz="1600" dirty="0">
-                <a:latin typeface="SimSun" panose="02010600030101010101" pitchFamily="2" charset="-122"/>
-                <a:ea typeface="SimSun" panose="02010600030101010101" pitchFamily="2" charset="-122"/>
-                <a:sym typeface="Wingdings" pitchFamily="2" charset="2"/>
-              </a:rPr>
-              <a:t>②如果需要接收数据，必须绑定端口 </a:t>
-            </a:r>
-            <a:endParaRPr lang="en-US" altLang="zh-CN" sz="1600" dirty="0">
-              <a:latin typeface="SimSun" panose="02010600030101010101" pitchFamily="2" charset="-122"/>
-              <a:ea typeface="SimSun" panose="02010600030101010101" pitchFamily="2" charset="-122"/>
-              <a:sym typeface="Wingdings" pitchFamily="2" charset="2"/>
-            </a:endParaRPr>
-          </a:p>
-          <a:p>
-            <a:r>
-              <a:rPr lang="zh-CN" altLang="en-US" sz="1600" dirty="0">
-                <a:latin typeface="SimSun" panose="02010600030101010101" pitchFamily="2" charset="-122"/>
-                <a:ea typeface="SimSun" panose="02010600030101010101" pitchFamily="2" charset="-122"/>
-                <a:sym typeface="Wingdings" pitchFamily="2" charset="2"/>
-              </a:rPr>
-              <a:t>③发送数据用</a:t>
-            </a:r>
-            <a:r>
-              <a:rPr lang="en-US" altLang="zh-CN" sz="1600" dirty="0" err="1">
-                <a:latin typeface="SimSun" panose="02010600030101010101" pitchFamily="2" charset="-122"/>
-                <a:ea typeface="SimSun" panose="02010600030101010101" pitchFamily="2" charset="-122"/>
-                <a:sym typeface="Wingdings" pitchFamily="2" charset="2"/>
-              </a:rPr>
-              <a:t>writeDatagram</a:t>
-            </a:r>
-            <a:r>
-              <a:rPr lang="zh-CN" altLang="en-US" sz="1600" dirty="0">
-                <a:latin typeface="SimSun" panose="02010600030101010101" pitchFamily="2" charset="-122"/>
-                <a:ea typeface="SimSun" panose="02010600030101010101" pitchFamily="2" charset="-122"/>
-                <a:sym typeface="Wingdings" pitchFamily="2" charset="2"/>
-              </a:rPr>
-              <a:t>，接收数据用 </a:t>
-            </a:r>
-            <a:r>
-              <a:rPr lang="en-US" altLang="zh-CN" sz="1600" dirty="0" err="1">
-                <a:latin typeface="SimSun" panose="02010600030101010101" pitchFamily="2" charset="-122"/>
-                <a:ea typeface="SimSun" panose="02010600030101010101" pitchFamily="2" charset="-122"/>
-                <a:sym typeface="Wingdings" pitchFamily="2" charset="2"/>
-              </a:rPr>
-              <a:t>readDatagram</a:t>
-            </a:r>
-            <a:r>
-              <a:rPr lang="zh-CN" altLang="en-US" sz="1600" dirty="0">
-                <a:latin typeface="SimSun" panose="02010600030101010101" pitchFamily="2" charset="-122"/>
-                <a:ea typeface="SimSun" panose="02010600030101010101" pitchFamily="2" charset="-122"/>
-                <a:sym typeface="Wingdings" pitchFamily="2" charset="2"/>
-              </a:rPr>
-              <a:t>。</a:t>
-            </a:r>
-            <a:endParaRPr lang="en-US" altLang="zh-CN" sz="1600" dirty="0">
-              <a:latin typeface="SimSun" panose="02010600030101010101" pitchFamily="2" charset="-122"/>
-              <a:ea typeface="SimSun" panose="02010600030101010101" pitchFamily="2" charset="-122"/>
-              <a:sym typeface="Wingdings" pitchFamily="2" charset="2"/>
-            </a:endParaRPr>
-          </a:p>
-          <a:p>
-            <a:endParaRPr lang="en-US" altLang="zh-CN" sz="1600" dirty="0">
-              <a:latin typeface="SimSun" panose="02010600030101010101" pitchFamily="2" charset="-122"/>
-              <a:ea typeface="SimSun" panose="02010600030101010101" pitchFamily="2" charset="-122"/>
-              <a:sym typeface="Wingdings" pitchFamily="2" charset="2"/>
-            </a:endParaRPr>
-          </a:p>
-        </p:txBody>
-      </p:sp>
-      <p:sp>
-        <p:nvSpPr>
           <p:cNvPr id="5" name="文本框 4">
             <a:extLst>
               <a:ext uri="{FF2B5EF4-FFF2-40B4-BE49-F238E27FC236}">
@@ -9129,7 +8387,7 @@
         </p:nvSpPr>
         <p:spPr>
           <a:xfrm>
-            <a:off x="4759645" y="695093"/>
+            <a:off x="5305557" y="695092"/>
             <a:ext cx="2479355" cy="276999"/>
           </a:xfrm>
           <a:prstGeom prst="rect">
@@ -9144,14 +8402,14 @@
           <a:lstStyle/>
           <a:p>
             <a:r>
-              <a:rPr kumimoji="1" lang="en-US" altLang="zh-CN" sz="1200" dirty="0">
+              <a:rPr kumimoji="1" lang="zh-CN" altLang="en" sz="1200" dirty="0">
                 <a:solidFill>
                   <a:srgbClr val="5E90C4"/>
                 </a:solidFill>
                 <a:latin typeface="Microsoft YaHei" panose="020B0503020204020204" pitchFamily="34" charset="-122"/>
                 <a:ea typeface="Microsoft YaHei" panose="020B0503020204020204" pitchFamily="34" charset="-122"/>
               </a:rPr>
-              <a:t>1</a:t>
+              <a:t>续</a:t>
             </a:r>
             <a:r>
               <a:rPr kumimoji="1" lang="zh-CN" altLang="en-US" sz="1200" dirty="0">
@@ -9161,7 +8419,7 @@
                 <a:latin typeface="Microsoft YaHei" panose="020B0503020204020204" pitchFamily="34" charset="-122"/>
                 <a:ea typeface="Microsoft YaHei" panose="020B0503020204020204" pitchFamily="34" charset="-122"/>
               </a:rPr>
-              <a:t>、</a:t>
+              <a:t>上一个</a:t>
             </a:r>
             <a:r>
               <a:rPr kumimoji="1" lang="en-US" altLang="zh-CN" sz="1200" dirty="0">
@@ -9171,57 +8429,714 @@
                 <a:latin typeface="Microsoft YaHei" panose="020B0503020204020204" pitchFamily="34" charset="-122"/>
                 <a:ea typeface="Microsoft YaHei" panose="020B0503020204020204" pitchFamily="34" charset="-122"/>
               </a:rPr>
-              <a:t>2</a:t>
-            </a:r>
-            <a:r>
-              <a:rPr kumimoji="1" lang="zh-CN" altLang="en-US" sz="1200" dirty="0">
+              <a:t>ppt</a:t>
+            </a:r>
+            <a:endParaRPr kumimoji="1" lang="zh-CN" altLang="en-US" sz="1200" dirty="0">
+              <a:solidFill>
+                <a:srgbClr val="5E90C4"/>
+              </a:solidFill>
+              <a:latin typeface="Microsoft YaHei" panose="020B0503020204020204" pitchFamily="34" charset="-122"/>
+              <a:ea typeface="Microsoft YaHei" panose="020B0503020204020204" pitchFamily="34" charset="-122"/>
+            </a:endParaRPr>
+          </a:p>
+        </p:txBody>
+      </p:sp>
+      <p:sp>
+        <p:nvSpPr>
+          <p:cNvPr id="7" name="文本框 6">
+            <a:extLst>
+              <a:ext uri="{FF2B5EF4-FFF2-40B4-BE49-F238E27FC236}">
+                <a16:creationId xmlns:a16="http://schemas.microsoft.com/office/drawing/2014/main" id="{BFDDD51C-AA8F-611E-BC3B-50DA1411A443}"/>
+              </a:ext>
+            </a:extLst>
+          </p:cNvPr>
+          <p:cNvSpPr txBox="1"/>
+          <p:nvPr/>
+        </p:nvSpPr>
+        <p:spPr>
+          <a:xfrm>
+            <a:off x="447241" y="1318899"/>
+            <a:ext cx="11287064" cy="646331"/>
+          </a:xfrm>
+          <a:prstGeom prst="rect">
+            <a:avLst/>
+          </a:prstGeom>
+          <a:noFill/>
+        </p:spPr>
+        <p:txBody>
+          <a:bodyPr wrap="none" rtlCol="0">
+            <a:spAutoFit/>
+          </a:bodyPr>
+          <a:lstStyle/>
+          <a:p>
+            <a:pPr algn="l"/>
+            <a:r>
+              <a:rPr lang="en" altLang="zh-CN" sz="3600" b="1" i="0" dirty="0">
+                <a:effectLst/>
+                <a:latin typeface="-apple-system"/>
+              </a:rPr>
+              <a:t>14</a:t>
+            </a:r>
+            <a:r>
+              <a:rPr lang="zh-CN" altLang="en" sz="3600" b="1" i="0" dirty="0">
+                <a:effectLst/>
+                <a:latin typeface="-apple-system"/>
+              </a:rPr>
+              <a:t>、</a:t>
+            </a:r>
+            <a:r>
+              <a:rPr lang="en" altLang="zh-CN" sz="3600" b="1" i="0" dirty="0">
+                <a:effectLst/>
+                <a:latin typeface="-apple-system"/>
+              </a:rPr>
+              <a:t>Qt</a:t>
+            </a:r>
+            <a:r>
+              <a:rPr lang="zh-CN" altLang="en-US" sz="3600" b="1" i="0" dirty="0">
+                <a:effectLst/>
+                <a:latin typeface="-apple-system"/>
+              </a:rPr>
+              <a:t>三大核心机制：信号槽、元对象系统、事件模型</a:t>
+            </a:r>
+          </a:p>
+        </p:txBody>
+      </p:sp>
+      <p:sp>
+        <p:nvSpPr>
+          <p:cNvPr id="8" name="文本框 7">
+            <a:extLst>
+              <a:ext uri="{FF2B5EF4-FFF2-40B4-BE49-F238E27FC236}">
+                <a16:creationId xmlns:a16="http://schemas.microsoft.com/office/drawing/2014/main" id="{6E1DF128-A760-9FAD-6414-62146FD9215C}"/>
+              </a:ext>
+            </a:extLst>
+          </p:cNvPr>
+          <p:cNvSpPr txBox="1"/>
+          <p:nvPr/>
+        </p:nvSpPr>
+        <p:spPr>
+          <a:xfrm>
+            <a:off x="506029" y="2013462"/>
+            <a:ext cx="11253249" cy="4585871"/>
+          </a:xfrm>
+          <a:prstGeom prst="rect">
+            <a:avLst/>
+          </a:prstGeom>
+          <a:noFill/>
+        </p:spPr>
+        <p:txBody>
+          <a:bodyPr wrap="square" rtlCol="0">
+            <a:spAutoFit/>
+          </a:bodyPr>
+          <a:lstStyle/>
+          <a:p>
+            <a:pPr algn="l"/>
+            <a:r>
+              <a:rPr lang="zh-CN" altLang="en-US" b="1" i="0" dirty="0">
+                <a:solidFill>
+                  <a:srgbClr val="C00000"/>
+                </a:solidFill>
+                <a:effectLst/>
+                <a:latin typeface="-apple-system"/>
+              </a:rPr>
+              <a:t>信号槽</a:t>
+            </a:r>
+          </a:p>
+          <a:p>
+            <a:pPr algn="l"/>
+            <a:r>
+              <a:rPr lang="zh-CN" altLang="en-US" sz="1400" b="0" i="0" dirty="0">
+                <a:effectLst/>
+                <a:latin typeface="-apple-system"/>
+              </a:rPr>
+              <a:t>信号槽有五种连接方式；</a:t>
+            </a:r>
+            <a:r>
+              <a:rPr lang="en-US" altLang="zh-CN" sz="1400" b="0" i="0" dirty="0">
+                <a:effectLst/>
+                <a:latin typeface="-apple-system"/>
+              </a:rPr>
+              <a:t>(</a:t>
+            </a:r>
+            <a:r>
+              <a:rPr lang="zh-CN" altLang="en-US" sz="1400" b="0" i="0" dirty="0">
+                <a:effectLst/>
+                <a:latin typeface="-apple-system"/>
+              </a:rPr>
+              <a:t>参考第</a:t>
+            </a:r>
+            <a:r>
+              <a:rPr lang="en-US" altLang="zh-CN" sz="1400" b="0" i="0" dirty="0">
+                <a:effectLst/>
+                <a:latin typeface="-apple-system"/>
+              </a:rPr>
+              <a:t>17</a:t>
+            </a:r>
+            <a:r>
+              <a:rPr lang="zh-CN" altLang="en-US" sz="1400" b="0" i="0" dirty="0">
+                <a:effectLst/>
+                <a:latin typeface="-apple-system"/>
+              </a:rPr>
+              <a:t>题</a:t>
+            </a:r>
+            <a:r>
+              <a:rPr lang="en-US" altLang="zh-CN" sz="1400" b="0" i="0">
+                <a:effectLst/>
+                <a:latin typeface="-apple-system"/>
+              </a:rPr>
+              <a:t>) </a:t>
+            </a:r>
+          </a:p>
+          <a:p>
+            <a:pPr algn="l"/>
+            <a:r>
+              <a:rPr lang="en" altLang="zh-CN" sz="1400" b="0" i="0">
+                <a:effectLst/>
+                <a:latin typeface="-apple-system"/>
+              </a:rPr>
+              <a:t>connect</a:t>
+            </a:r>
+            <a:r>
+              <a:rPr lang="en" altLang="zh-CN" sz="1400" b="0" i="0" dirty="0">
+                <a:effectLst/>
+                <a:latin typeface="-apple-system"/>
+              </a:rPr>
+              <a:t>(</a:t>
+            </a:r>
+            <a:r>
+              <a:rPr lang="zh-CN" altLang="en-US" sz="1400" b="0" i="0" dirty="0">
+                <a:effectLst/>
+                <a:latin typeface="-apple-system"/>
+              </a:rPr>
+              <a:t>信号发出者，信号，信号接收者，槽，连接方式</a:t>
+            </a:r>
+            <a:r>
+              <a:rPr lang="en-US" altLang="zh-CN" sz="1400" b="0" i="0" dirty="0">
+                <a:effectLst/>
+                <a:latin typeface="-apple-system"/>
+              </a:rPr>
+              <a:t>(</a:t>
+            </a:r>
+            <a:r>
+              <a:rPr lang="zh-CN" altLang="en-US" sz="1400" b="0" i="0" dirty="0">
+                <a:effectLst/>
+                <a:latin typeface="-apple-system"/>
+              </a:rPr>
+              <a:t>隐藏默认自动连接</a:t>
+            </a:r>
+            <a:r>
+              <a:rPr lang="en-US" altLang="zh-CN" sz="1400" b="0" i="0" dirty="0">
+                <a:effectLst/>
+                <a:latin typeface="-apple-system"/>
+              </a:rPr>
+              <a:t>));</a:t>
+            </a:r>
+          </a:p>
+          <a:p>
+            <a:pPr algn="l"/>
+            <a:endParaRPr lang="en-US" altLang="zh-CN" sz="1400" b="0" i="0" dirty="0">
+              <a:effectLst/>
+              <a:latin typeface="-apple-system"/>
+            </a:endParaRPr>
+          </a:p>
+          <a:p>
+            <a:pPr algn="l"/>
+            <a:r>
+              <a:rPr lang="zh-CN" altLang="en-US" b="1" i="0" dirty="0">
+                <a:solidFill>
+                  <a:srgbClr val="C00000"/>
+                </a:solidFill>
+                <a:effectLst/>
+                <a:latin typeface="-apple-system"/>
+              </a:rPr>
+              <a:t>元对象系统</a:t>
+            </a:r>
+          </a:p>
+          <a:p>
+            <a:pPr algn="l"/>
+            <a:r>
+              <a:rPr lang="zh-CN" altLang="en-US" sz="1400" b="0" i="0" dirty="0">
+                <a:effectLst/>
+                <a:latin typeface="-apple-system"/>
+              </a:rPr>
+              <a:t>元对象系统分为三大类：</a:t>
+            </a:r>
+            <a:r>
+              <a:rPr lang="en" altLang="zh-CN" sz="1400" b="0" i="0" dirty="0" err="1">
+                <a:effectLst/>
+                <a:latin typeface="-apple-system"/>
+              </a:rPr>
+              <a:t>QObject</a:t>
+            </a:r>
+            <a:r>
+              <a:rPr lang="zh-CN" altLang="en-US" sz="1400" b="0" i="0" dirty="0">
+                <a:effectLst/>
+                <a:latin typeface="-apple-system"/>
+              </a:rPr>
+              <a:t>类、</a:t>
+            </a:r>
+            <a:r>
+              <a:rPr lang="en" altLang="zh-CN" sz="1400" b="0" i="0" dirty="0">
+                <a:effectLst/>
+                <a:latin typeface="-apple-system"/>
+              </a:rPr>
+              <a:t>Q_OBJECT</a:t>
+            </a:r>
+            <a:r>
+              <a:rPr lang="zh-CN" altLang="en-US" sz="1400" b="0" i="0" dirty="0">
+                <a:effectLst/>
+                <a:latin typeface="-apple-system"/>
+              </a:rPr>
+              <a:t>宏和元对象编译器</a:t>
+            </a:r>
+            <a:r>
+              <a:rPr lang="en" altLang="zh-CN" sz="1400" b="0" i="0" dirty="0" err="1">
+                <a:effectLst/>
+                <a:latin typeface="-apple-system"/>
+              </a:rPr>
+              <a:t>moc</a:t>
+            </a:r>
+            <a:r>
+              <a:rPr lang="en" altLang="zh-CN" sz="1400" b="0" i="0" dirty="0">
+                <a:effectLst/>
+                <a:latin typeface="-apple-system"/>
+              </a:rPr>
+              <a:t>; Qt</a:t>
+            </a:r>
+            <a:r>
+              <a:rPr lang="zh-CN" altLang="en-US" sz="1400" b="0" i="0" dirty="0">
+                <a:effectLst/>
+                <a:latin typeface="-apple-system"/>
+              </a:rPr>
+              <a:t>的类包含</a:t>
+            </a:r>
+            <a:r>
+              <a:rPr lang="en" altLang="zh-CN" sz="1400" b="0" i="0" dirty="0">
+                <a:effectLst/>
+                <a:latin typeface="-apple-system"/>
+              </a:rPr>
+              <a:t>Q_OBJECT</a:t>
+            </a:r>
+            <a:r>
+              <a:rPr lang="zh-CN" altLang="en-US" sz="1400" b="0" i="0" dirty="0">
+                <a:effectLst/>
+                <a:latin typeface="-apple-system"/>
+              </a:rPr>
+              <a:t>宏，</a:t>
+            </a:r>
+            <a:r>
+              <a:rPr lang="en" altLang="zh-CN" sz="1400" b="0" i="0" dirty="0" err="1">
+                <a:effectLst/>
+                <a:latin typeface="-apple-system"/>
+              </a:rPr>
+              <a:t>moc</a:t>
+            </a:r>
+            <a:r>
+              <a:rPr lang="zh-CN" altLang="en-US" sz="1400" b="0" i="0" dirty="0">
+                <a:effectLst/>
+                <a:latin typeface="-apple-system"/>
+              </a:rPr>
+              <a:t>编译器会对该类编译成标准的</a:t>
+            </a:r>
+            <a:r>
+              <a:rPr lang="en" altLang="zh-CN" sz="1400" b="0" i="0" dirty="0">
+                <a:effectLst/>
+                <a:latin typeface="-apple-system"/>
+              </a:rPr>
+              <a:t>C++</a:t>
+            </a:r>
+            <a:r>
+              <a:rPr lang="zh-CN" altLang="en-US" sz="1400" b="0" i="0" dirty="0">
+                <a:effectLst/>
+                <a:latin typeface="-apple-system"/>
+              </a:rPr>
+              <a:t>代码。</a:t>
+            </a:r>
+            <a:endParaRPr lang="en-US" altLang="zh-CN" sz="1400" b="0" i="0" dirty="0">
+              <a:effectLst/>
+              <a:latin typeface="-apple-system"/>
+            </a:endParaRPr>
+          </a:p>
+          <a:p>
+            <a:pPr algn="l"/>
+            <a:endParaRPr lang="zh-CN" altLang="en-US" sz="1400" b="0" i="0" dirty="0">
+              <a:effectLst/>
+              <a:latin typeface="-apple-system"/>
+            </a:endParaRPr>
+          </a:p>
+          <a:p>
+            <a:pPr algn="l"/>
+            <a:r>
+              <a:rPr lang="zh-CN" altLang="en-US" b="1" i="0" dirty="0">
+                <a:solidFill>
+                  <a:srgbClr val="C00000"/>
+                </a:solidFill>
+                <a:effectLst/>
+                <a:latin typeface="-apple-system"/>
+              </a:rPr>
+              <a:t>事件模型</a:t>
+            </a:r>
+            <a:endParaRPr lang="zh-CN" altLang="en-US" sz="1400" b="1" i="0" dirty="0">
+              <a:solidFill>
+                <a:srgbClr val="C00000"/>
+              </a:solidFill>
+              <a:effectLst/>
+              <a:latin typeface="-apple-system"/>
+            </a:endParaRPr>
+          </a:p>
+          <a:p>
+            <a:pPr algn="l"/>
+            <a:r>
+              <a:rPr lang="zh-CN" altLang="en-US" sz="1400" b="1" i="0" dirty="0">
+                <a:solidFill>
+                  <a:srgbClr val="855EC3"/>
+                </a:solidFill>
+                <a:effectLst/>
+                <a:latin typeface="-apple-system"/>
+              </a:rPr>
+              <a:t>事件的创建</a:t>
+            </a:r>
+          </a:p>
+          <a:p>
+            <a:pPr algn="l"/>
+            <a:r>
+              <a:rPr lang="zh-CN" altLang="en-US" sz="1400" b="0" i="0" dirty="0">
+                <a:effectLst/>
+                <a:latin typeface="-apple-system"/>
+              </a:rPr>
+              <a:t>鼠标事件、键盘事件、窗口调整事件、模拟事件</a:t>
+            </a:r>
+            <a:endParaRPr lang="en-US" altLang="zh-CN" sz="1400" b="0" i="0" dirty="0">
+              <a:effectLst/>
+              <a:latin typeface="-apple-system"/>
+            </a:endParaRPr>
+          </a:p>
+          <a:p>
+            <a:pPr algn="l"/>
+            <a:endParaRPr lang="zh-CN" altLang="en-US" sz="1400" b="0" i="0" dirty="0">
+              <a:effectLst/>
+              <a:latin typeface="-apple-system"/>
+            </a:endParaRPr>
+          </a:p>
+          <a:p>
+            <a:pPr algn="l"/>
+            <a:r>
+              <a:rPr lang="zh-CN" altLang="en-US" sz="1400" b="1" i="0" dirty="0">
+                <a:solidFill>
+                  <a:srgbClr val="855EC3"/>
+                </a:solidFill>
+                <a:effectLst/>
+                <a:latin typeface="-apple-system"/>
+              </a:rPr>
+              <a:t>事件的交付</a:t>
+            </a:r>
+          </a:p>
+          <a:p>
+            <a:pPr algn="l"/>
+            <a:r>
+              <a:rPr lang="en" altLang="zh-CN" sz="1400" b="0" i="0" dirty="0">
+                <a:effectLst/>
+                <a:latin typeface="-apple-system"/>
+              </a:rPr>
+              <a:t>Qt</a:t>
+            </a:r>
+            <a:r>
+              <a:rPr lang="zh-CN" altLang="en-US" sz="1400" b="0" i="0" dirty="0">
+                <a:effectLst/>
+                <a:latin typeface="-apple-system"/>
+              </a:rPr>
+              <a:t>通过调用虚函数</a:t>
+            </a:r>
+            <a:r>
+              <a:rPr lang="en" altLang="zh-CN" sz="1400" b="0" i="0" dirty="0" err="1">
+                <a:effectLst/>
+                <a:latin typeface="-apple-system"/>
+              </a:rPr>
+              <a:t>QObject</a:t>
+            </a:r>
+            <a:r>
+              <a:rPr lang="en" altLang="zh-CN" sz="1400" b="0" i="0" dirty="0">
+                <a:effectLst/>
+                <a:latin typeface="-apple-system"/>
+              </a:rPr>
+              <a:t>::event()</a:t>
+            </a:r>
+            <a:r>
+              <a:rPr lang="zh-CN" altLang="en-US" sz="1400" b="0" i="0" dirty="0">
+                <a:effectLst/>
+                <a:latin typeface="-apple-system"/>
+              </a:rPr>
+              <a:t>来交付事件。</a:t>
+            </a:r>
+            <a:endParaRPr lang="en-US" altLang="zh-CN" sz="1400" b="0" i="0" dirty="0">
+              <a:effectLst/>
+              <a:latin typeface="-apple-system"/>
+            </a:endParaRPr>
+          </a:p>
+          <a:p>
+            <a:pPr algn="l"/>
+            <a:endParaRPr lang="zh-CN" altLang="en-US" sz="1400" b="0" i="0" dirty="0">
+              <a:effectLst/>
+              <a:latin typeface="-apple-system"/>
+            </a:endParaRPr>
+          </a:p>
+          <a:p>
+            <a:pPr algn="l"/>
+            <a:r>
+              <a:rPr lang="zh-CN" altLang="en-US" sz="1400" b="1" i="0" dirty="0">
+                <a:solidFill>
+                  <a:srgbClr val="855EC3"/>
+                </a:solidFill>
+                <a:effectLst/>
+                <a:latin typeface="-apple-system"/>
+              </a:rPr>
+              <a:t>事件循环模型</a:t>
+            </a:r>
+          </a:p>
+          <a:p>
+            <a:pPr algn="l"/>
+            <a:r>
+              <a:rPr lang="zh-CN" altLang="en-US" sz="1400" b="0" i="0" dirty="0">
+                <a:effectLst/>
+                <a:latin typeface="-apple-system"/>
+              </a:rPr>
+              <a:t>主事件循环通过调用</a:t>
+            </a:r>
+            <a:r>
+              <a:rPr lang="en" altLang="zh-CN" sz="1400" b="0" i="0" dirty="0" err="1">
+                <a:effectLst/>
+                <a:latin typeface="-apple-system"/>
+              </a:rPr>
+              <a:t>QCoreApplicat</a:t>
+            </a:r>
+            <a:r>
+              <a:rPr lang="en" altLang="zh-CN" sz="1400" b="0" i="0" dirty="0">
+                <a:effectLst/>
+                <a:latin typeface="-apple-system"/>
+              </a:rPr>
+              <a:t>::exec()</a:t>
+            </a:r>
+            <a:r>
+              <a:rPr lang="zh-CN" altLang="en-US" sz="1400" b="0" i="0" dirty="0">
+                <a:effectLst/>
+                <a:latin typeface="-apple-system"/>
+              </a:rPr>
+              <a:t>启动，随着</a:t>
+            </a:r>
+            <a:r>
+              <a:rPr lang="en" altLang="zh-CN" sz="1400" b="0" i="0" dirty="0" err="1">
+                <a:effectLst/>
+                <a:latin typeface="-apple-system"/>
+              </a:rPr>
+              <a:t>QCoreApplication</a:t>
+            </a:r>
+            <a:r>
+              <a:rPr lang="en" altLang="zh-CN" sz="1400" b="0" i="0" dirty="0">
+                <a:effectLst/>
+                <a:latin typeface="-apple-system"/>
+              </a:rPr>
+              <a:t>::exit()</a:t>
+            </a:r>
+            <a:r>
+              <a:rPr lang="zh-CN" altLang="en-US" sz="1400" b="0" i="0" dirty="0">
+                <a:effectLst/>
+                <a:latin typeface="-apple-system"/>
+              </a:rPr>
+              <a:t>结束，本地的事件循环可利用</a:t>
+            </a:r>
+            <a:r>
+              <a:rPr lang="en" altLang="zh-CN" sz="1400" b="0" i="0" dirty="0" err="1">
+                <a:effectLst/>
+                <a:latin typeface="-apple-system"/>
+              </a:rPr>
+              <a:t>QEventLoop</a:t>
+            </a:r>
+            <a:r>
+              <a:rPr lang="zh-CN" altLang="en-US" sz="1400" b="0" i="0" dirty="0">
+                <a:effectLst/>
+                <a:latin typeface="-apple-system"/>
+              </a:rPr>
+              <a:t>构建。 一般来说，</a:t>
+            </a:r>
+            <a:r>
+              <a:rPr lang="zh-CN" altLang="en-US" sz="1400" b="0" i="0" dirty="0">
                 <a:solidFill>
                   <a:srgbClr val="5E90C4"/>
                 </a:solidFill>
-                <a:latin typeface="Microsoft YaHei" panose="020B0503020204020204" pitchFamily="34" charset="-122"/>
-                <a:ea typeface="Microsoft YaHei" panose="020B0503020204020204" pitchFamily="34" charset="-122"/>
-              </a:rPr>
-              <a:t>、</a:t>
-            </a:r>
-            <a:r>
-              <a:rPr kumimoji="1" lang="en-US" altLang="zh-CN" sz="1200" dirty="0">
-                <a:solidFill>
-                  <a:srgbClr val="5E90C4"/>
-                </a:solidFill>
-                <a:latin typeface="Microsoft YaHei" panose="020B0503020204020204" pitchFamily="34" charset="-122"/>
-                <a:ea typeface="Microsoft YaHei" panose="020B0503020204020204" pitchFamily="34" charset="-122"/>
-              </a:rPr>
-              <a:t>3</a:t>
-            </a:r>
-            <a:r>
-              <a:rPr kumimoji="1" lang="zh-CN" altLang="en-US" sz="1200" dirty="0">
-                <a:solidFill>
-                  <a:srgbClr val="5E90C4"/>
-                </a:solidFill>
-                <a:latin typeface="Microsoft YaHei" panose="020B0503020204020204" pitchFamily="34" charset="-122"/>
-                <a:ea typeface="Microsoft YaHei" panose="020B0503020204020204" pitchFamily="34" charset="-122"/>
-              </a:rPr>
-              <a:t>题在上一个</a:t>
-            </a:r>
-            <a:r>
-              <a:rPr kumimoji="1" lang="en-US" altLang="zh-CN" sz="1200" dirty="0">
-                <a:solidFill>
-                  <a:srgbClr val="5E90C4"/>
-                </a:solidFill>
-                <a:latin typeface="Microsoft YaHei" panose="020B0503020204020204" pitchFamily="34" charset="-122"/>
-                <a:ea typeface="Microsoft YaHei" panose="020B0503020204020204" pitchFamily="34" charset="-122"/>
-              </a:rPr>
-              <a:t>ppt</a:t>
-            </a:r>
-            <a:r>
-              <a:rPr kumimoji="1" lang="zh-CN" altLang="en-US" sz="1200" dirty="0">
-                <a:solidFill>
-                  <a:srgbClr val="5E90C4"/>
-                </a:solidFill>
-                <a:latin typeface="Microsoft YaHei" panose="020B0503020204020204" pitchFamily="34" charset="-122"/>
-                <a:ea typeface="Microsoft YaHei" panose="020B0503020204020204" pitchFamily="34" charset="-122"/>
-              </a:rPr>
-              <a:t>中</a:t>
+                <a:effectLst/>
+                <a:latin typeface="-apple-system"/>
+              </a:rPr>
+              <a:t>事件是由出发当前的窗口系统产生的</a:t>
+            </a:r>
+            <a:r>
+              <a:rPr lang="zh-CN" altLang="en-US" sz="1400" b="0" i="0" dirty="0">
+                <a:effectLst/>
+                <a:latin typeface="-apple-system"/>
+              </a:rPr>
+              <a:t>，但也可以通过使用</a:t>
+            </a:r>
+            <a:r>
+              <a:rPr lang="en" altLang="zh-CN" sz="1400" b="0" i="0" dirty="0" err="1">
+                <a:effectLst/>
+                <a:latin typeface="-apple-system"/>
+              </a:rPr>
+              <a:t>QCoreApplication</a:t>
+            </a:r>
+            <a:r>
+              <a:rPr lang="en" altLang="zh-CN" sz="1400" b="0" i="0" dirty="0">
+                <a:effectLst/>
+                <a:latin typeface="-apple-system"/>
+              </a:rPr>
+              <a:t>::</a:t>
+            </a:r>
+            <a:r>
+              <a:rPr lang="en" altLang="zh-CN" sz="1400" b="0" i="0" dirty="0" err="1">
+                <a:effectLst/>
+                <a:latin typeface="-apple-system"/>
+              </a:rPr>
+              <a:t>sendEvent</a:t>
+            </a:r>
+            <a:r>
+              <a:rPr lang="en" altLang="zh-CN" sz="1400" b="0" i="0" dirty="0">
+                <a:effectLst/>
+                <a:latin typeface="-apple-system"/>
+              </a:rPr>
+              <a:t>()</a:t>
+            </a:r>
+            <a:r>
+              <a:rPr lang="zh-CN" altLang="en-US" sz="1400" b="0" i="0" dirty="0">
+                <a:effectLst/>
+                <a:latin typeface="-apple-system"/>
+              </a:rPr>
+              <a:t>和</a:t>
+            </a:r>
+            <a:r>
+              <a:rPr lang="en" altLang="zh-CN" sz="1400" b="0" i="0" dirty="0" err="1">
+                <a:effectLst/>
+                <a:latin typeface="-apple-system"/>
+              </a:rPr>
+              <a:t>QCoreApplication</a:t>
+            </a:r>
+            <a:r>
+              <a:rPr lang="en" altLang="zh-CN" sz="1400" b="0" i="0" dirty="0">
+                <a:effectLst/>
+                <a:latin typeface="-apple-system"/>
+              </a:rPr>
+              <a:t>::</a:t>
+            </a:r>
+            <a:r>
+              <a:rPr lang="en" altLang="zh-CN" sz="1400" b="0" i="0" dirty="0" err="1">
+                <a:effectLst/>
+                <a:latin typeface="-apple-system"/>
+              </a:rPr>
+              <a:t>postEvent</a:t>
+            </a:r>
+            <a:r>
+              <a:rPr lang="en" altLang="zh-CN" sz="1400" b="0" i="0" dirty="0">
+                <a:effectLst/>
+                <a:latin typeface="-apple-system"/>
+              </a:rPr>
+              <a:t>()</a:t>
+            </a:r>
+            <a:r>
+              <a:rPr lang="zh-CN" altLang="en-US" sz="1400" b="0" i="0" dirty="0">
+                <a:effectLst/>
+                <a:latin typeface="-apple-system"/>
+              </a:rPr>
+              <a:t>来手工产生事件。需要说明的是</a:t>
+            </a:r>
+            <a:r>
+              <a:rPr lang="en" altLang="zh-CN" sz="1400" b="0" i="0" dirty="0" err="1">
+                <a:effectLst/>
+                <a:latin typeface="-apple-system"/>
+              </a:rPr>
+              <a:t>QCoreApplication</a:t>
+            </a:r>
+            <a:r>
+              <a:rPr lang="en" altLang="zh-CN" sz="1400" b="0" i="0" dirty="0">
+                <a:effectLst/>
+                <a:latin typeface="-apple-system"/>
+              </a:rPr>
+              <a:t>::</a:t>
+            </a:r>
+            <a:r>
+              <a:rPr lang="en" altLang="zh-CN" sz="1400" b="0" i="0" dirty="0" err="1">
+                <a:effectLst/>
+                <a:latin typeface="-apple-system"/>
+              </a:rPr>
+              <a:t>sendEvent</a:t>
+            </a:r>
+            <a:r>
+              <a:rPr lang="en" altLang="zh-CN" sz="1400" b="0" i="0" dirty="0">
+                <a:effectLst/>
+                <a:latin typeface="-apple-system"/>
+              </a:rPr>
+              <a:t>()</a:t>
+            </a:r>
+            <a:r>
+              <a:rPr lang="zh-CN" altLang="en-US" sz="1400" b="0" i="0" dirty="0">
+                <a:effectLst/>
+                <a:latin typeface="-apple-system"/>
+              </a:rPr>
+              <a:t>会立即发送事件，</a:t>
+            </a:r>
+            <a:r>
+              <a:rPr lang="en" altLang="zh-CN" sz="1400" b="0" i="0" dirty="0" err="1">
+                <a:effectLst/>
+                <a:latin typeface="-apple-system"/>
+              </a:rPr>
+              <a:t>QCoreApplication</a:t>
+            </a:r>
+            <a:r>
+              <a:rPr lang="en" altLang="zh-CN" sz="1400" b="0" i="0" dirty="0">
+                <a:effectLst/>
+                <a:latin typeface="-apple-system"/>
+              </a:rPr>
+              <a:t>::</a:t>
+            </a:r>
+            <a:r>
+              <a:rPr lang="en" altLang="zh-CN" sz="1400" b="0" i="0" dirty="0" err="1">
+                <a:effectLst/>
+                <a:latin typeface="-apple-system"/>
+              </a:rPr>
+              <a:t>postEvent</a:t>
+            </a:r>
+            <a:r>
+              <a:rPr lang="en" altLang="zh-CN" sz="1400" b="0" i="0" dirty="0">
+                <a:effectLst/>
+                <a:latin typeface="-apple-system"/>
+              </a:rPr>
+              <a:t>()</a:t>
+            </a:r>
+            <a:r>
+              <a:rPr lang="zh-CN" altLang="en-US" sz="1400" b="0" i="0" dirty="0">
+                <a:effectLst/>
+                <a:latin typeface="-apple-system"/>
+              </a:rPr>
+              <a:t>则会将事件放在事件队列分发。</a:t>
+            </a:r>
+            <a:endParaRPr lang="en-US" altLang="zh-CN" sz="1400" b="0" i="0" dirty="0">
+              <a:effectLst/>
+              <a:latin typeface="-apple-system"/>
+            </a:endParaRPr>
+          </a:p>
+          <a:p>
+            <a:pPr algn="l"/>
+            <a:endParaRPr lang="zh-CN" altLang="en-US" sz="1400" b="0" i="0" dirty="0">
+              <a:effectLst/>
+              <a:latin typeface="-apple-system"/>
+            </a:endParaRPr>
+          </a:p>
+          <a:p>
+            <a:pPr algn="l"/>
+            <a:r>
+              <a:rPr lang="zh-CN" altLang="en-US" sz="1400" b="1" i="0" dirty="0">
+                <a:solidFill>
+                  <a:srgbClr val="855EC3"/>
+                </a:solidFill>
+                <a:effectLst/>
+                <a:latin typeface="-apple-system"/>
+              </a:rPr>
+              <a:t>自定义事件</a:t>
             </a:r>
           </a:p>
         </p:txBody>
@@ -9229,7 +9144,7 @@
     </p:spTree>
     <p:extLst>
       <p:ext uri="{BB962C8B-B14F-4D97-AF65-F5344CB8AC3E}">
-        <p14:creationId xmlns:p14="http://schemas.microsoft.com/office/powerpoint/2010/main" val="3272684510"/>
+        <p14:creationId xmlns:p14="http://schemas.microsoft.com/office/powerpoint/2010/main" val="3479975363"/>
       </p:ext>
     </p:extLst>
   </p:cSld>
@@ -10129,8 +10044,8 @@
         </p:nvSpPr>
         <p:spPr>
           <a:xfrm>
-            <a:off x="753368" y="1280135"/>
-            <a:ext cx="4604146" cy="707886"/>
+            <a:off x="506029" y="1280135"/>
+            <a:ext cx="2667718" cy="584775"/>
           </a:xfrm>
           <a:prstGeom prst="rect">
             <a:avLst/>
@@ -10143,24 +10058,35 @@
           </a:bodyPr>
           <a:lstStyle/>
           <a:p>
-            <a:r>
-              <a:rPr kumimoji="1" lang="en-US" altLang="zh-CN" sz="4000" b="1" dirty="0">
-                <a:latin typeface="Microsoft YaHei" panose="020B0503020204020204" pitchFamily="34" charset="-122"/>
-                <a:ea typeface="Microsoft YaHei" panose="020B0503020204020204" pitchFamily="34" charset="-122"/>
-              </a:rPr>
-              <a:t>6</a:t>
-            </a:r>
-            <a:r>
-              <a:rPr kumimoji="1" lang="zh-CN" altLang="en-US" sz="4000" b="1" dirty="0">
-                <a:latin typeface="Microsoft YaHei" panose="020B0503020204020204" pitchFamily="34" charset="-122"/>
-                <a:ea typeface="Microsoft YaHei" panose="020B0503020204020204" pitchFamily="34" charset="-122"/>
-              </a:rPr>
-              <a:t>、多线程使用方法</a:t>
-            </a:r>
-            <a:endParaRPr kumimoji="1" lang="zh-CN" altLang="en-US" b="1" dirty="0">
-              <a:latin typeface="Microsoft YaHei" panose="020B0503020204020204" pitchFamily="34" charset="-122"/>
-              <a:ea typeface="Microsoft YaHei" panose="020B0503020204020204" pitchFamily="34" charset="-122"/>
-            </a:endParaRPr>
+            <a:pPr algn="l"/>
+            <a:r>
+              <a:rPr lang="en" altLang="zh-CN" sz="3200" b="1" i="0" dirty="0">
+                <a:effectLst/>
+                <a:latin typeface="-apple-system"/>
+              </a:rPr>
+              <a:t>15</a:t>
+            </a:r>
+            <a:r>
+              <a:rPr lang="zh-CN" altLang="en" sz="3200" b="1" i="0" dirty="0">
+                <a:effectLst/>
+                <a:latin typeface="-apple-system"/>
+              </a:rPr>
+              <a:t>、</a:t>
+            </a:r>
+            <a:r>
+              <a:rPr lang="en" altLang="zh-CN" sz="3200" b="1" i="0" dirty="0">
+                <a:effectLst/>
+                <a:latin typeface="-apple-system"/>
+              </a:rPr>
+              <a:t>Qt</a:t>
+            </a:r>
+            <a:r>
+              <a:rPr lang="zh-CN" altLang="en-US" sz="3200" b="1" i="0" dirty="0">
+                <a:effectLst/>
+                <a:latin typeface="-apple-system"/>
+              </a:rPr>
+              <a:t>对象树</a:t>
+            </a:r>
           </a:p>
         </p:txBody>
       </p:sp>
@@ -10178,8 +10104,8 @@
         </p:nvSpPr>
         <p:spPr>
           <a:xfrm>
-            <a:off x="753368" y="2106695"/>
-            <a:ext cx="11253249" cy="4278094"/>
+            <a:off x="506029" y="1770524"/>
+            <a:ext cx="11253249" cy="2308324"/>
           </a:xfrm>
           <a:prstGeom prst="rect">
             <a:avLst/>
@@ -10193,409 +10119,259 @@
           <a:lstStyle/>
           <a:p>
             <a:r>
-              <a:rPr lang="zh-CN" altLang="en-US" sz="1600" dirty="0">
+              <a:rPr lang="en" altLang="zh-CN" sz="1600" b="0" i="0" dirty="0">
+                <a:effectLst/>
+                <a:latin typeface="-apple-system"/>
+              </a:rPr>
+              <a:t>QT</a:t>
+            </a:r>
+            <a:r>
+              <a:rPr lang="zh-CN" altLang="en-US" sz="1600" b="0" i="0" dirty="0">
+                <a:effectLst/>
+                <a:latin typeface="-apple-system"/>
+              </a:rPr>
+              <a:t>提供了对象树机制，能够自动、有效的组织和管理继承自</a:t>
+            </a:r>
+            <a:r>
+              <a:rPr lang="en" altLang="zh-CN" sz="1600" b="0" i="0" dirty="0" err="1">
+                <a:effectLst/>
+                <a:latin typeface="-apple-system"/>
+              </a:rPr>
+              <a:t>QObject</a:t>
+            </a:r>
+            <a:r>
+              <a:rPr lang="zh-CN" altLang="en-US" sz="1600" b="0" i="0" dirty="0">
+                <a:effectLst/>
+                <a:latin typeface="-apple-system"/>
+              </a:rPr>
+              <a:t>的对象。 </a:t>
+            </a:r>
+            <a:endParaRPr lang="en-US" altLang="zh-CN" sz="1600" b="0" i="0" dirty="0">
+              <a:effectLst/>
+              <a:latin typeface="-apple-system"/>
+            </a:endParaRPr>
+          </a:p>
+          <a:p>
+            <a:endParaRPr lang="en-US" altLang="zh-CN" sz="1600" b="0" i="0" dirty="0">
+              <a:effectLst/>
+              <a:latin typeface="-apple-system"/>
+            </a:endParaRPr>
+          </a:p>
+          <a:p>
+            <a:r>
+              <a:rPr lang="zh-CN" altLang="en-US" sz="1600" b="0" i="0" dirty="0">
+                <a:effectLst/>
+                <a:latin typeface="-apple-system"/>
+              </a:rPr>
+              <a:t>每个继承自</a:t>
+            </a:r>
+            <a:r>
+              <a:rPr lang="en" altLang="zh-CN" sz="1600" b="0" i="0" dirty="0" err="1">
+                <a:effectLst/>
+                <a:latin typeface="-apple-system"/>
+              </a:rPr>
+              <a:t>QObject</a:t>
+            </a:r>
+            <a:r>
+              <a:rPr lang="zh-CN" altLang="en-US" sz="1600" b="0" i="0" dirty="0">
+                <a:effectLst/>
+                <a:latin typeface="-apple-system"/>
+              </a:rPr>
+              <a:t>类的对象通过链表</a:t>
+            </a:r>
+            <a:r>
+              <a:rPr lang="en-US" altLang="zh-CN" sz="1600" b="0" i="0" dirty="0">
+                <a:effectLst/>
+                <a:latin typeface="-apple-system"/>
+              </a:rPr>
+              <a:t>(</a:t>
+            </a:r>
+            <a:r>
+              <a:rPr lang="en" altLang="zh-CN" sz="1600" b="0" i="0" dirty="0" err="1">
+                <a:effectLst/>
+                <a:latin typeface="-apple-system"/>
+              </a:rPr>
+              <a:t>QObjectList</a:t>
+            </a:r>
+            <a:r>
+              <a:rPr lang="en" altLang="zh-CN" sz="1600" b="0" i="0" dirty="0">
+                <a:effectLst/>
+                <a:latin typeface="-apple-system"/>
+              </a:rPr>
+              <a:t>)</a:t>
+            </a:r>
+            <a:r>
+              <a:rPr lang="zh-CN" altLang="en-US" sz="1600" b="0" i="0" dirty="0">
+                <a:effectLst/>
+                <a:latin typeface="-apple-system"/>
+              </a:rPr>
+              <a:t>来管理子类对象，当用户创建一个字对象时，其对象链表相应更新子类对象的信息，对象链表可通过</a:t>
+            </a:r>
+            <a:r>
+              <a:rPr lang="en" altLang="zh-CN" sz="1600" b="0" i="0" dirty="0">
+                <a:effectLst/>
+                <a:latin typeface="-apple-system"/>
+              </a:rPr>
+              <a:t>children()</a:t>
+            </a:r>
+            <a:r>
+              <a:rPr lang="zh-CN" altLang="en-US" sz="1600" b="0" i="0" dirty="0">
+                <a:effectLst/>
+                <a:latin typeface="-apple-system"/>
+              </a:rPr>
+              <a:t>获取。 </a:t>
+            </a:r>
+            <a:endParaRPr lang="en-US" altLang="zh-CN" sz="1600" b="0" i="0" dirty="0">
+              <a:effectLst/>
+              <a:latin typeface="-apple-system"/>
+            </a:endParaRPr>
+          </a:p>
+          <a:p>
+            <a:endParaRPr lang="en-US" altLang="zh-CN" sz="1600" b="0" i="0" dirty="0">
+              <a:effectLst/>
+              <a:latin typeface="-apple-system"/>
+            </a:endParaRPr>
+          </a:p>
+          <a:p>
+            <a:r>
+              <a:rPr lang="zh-CN" altLang="en-US" sz="1600" b="0" i="0" dirty="0">
+                <a:effectLst/>
+                <a:latin typeface="-apple-system"/>
+              </a:rPr>
+              <a:t>当每个父类对象析构的时候，其对象链表中的所有</a:t>
+            </a:r>
+            <a:r>
+              <a:rPr lang="en-US" altLang="zh-CN" sz="1600" b="0" i="0" dirty="0">
+                <a:effectLst/>
+                <a:latin typeface="-apple-system"/>
+              </a:rPr>
+              <a:t>(</a:t>
+            </a:r>
+            <a:r>
+              <a:rPr lang="zh-CN" altLang="en-US" sz="1600" b="0" i="0" dirty="0">
+                <a:effectLst/>
+                <a:latin typeface="-apple-system"/>
+              </a:rPr>
+              <a:t>子类</a:t>
+            </a:r>
+            <a:r>
+              <a:rPr lang="en-US" altLang="zh-CN" sz="1600" b="0" i="0" dirty="0">
+                <a:effectLst/>
+                <a:latin typeface="-apple-system"/>
+              </a:rPr>
+              <a:t>)</a:t>
+            </a:r>
+            <a:r>
+              <a:rPr lang="zh-CN" altLang="en-US" sz="1600" b="0" i="0" dirty="0">
+                <a:effectLst/>
+                <a:latin typeface="-apple-system"/>
+              </a:rPr>
+              <a:t>对象也会被析构，父对象会自动，将其从父对象列表中删除，</a:t>
+            </a:r>
+            <a:r>
+              <a:rPr lang="en" altLang="zh-CN" sz="1600" b="0" i="0" dirty="0">
+                <a:effectLst/>
+                <a:latin typeface="-apple-system"/>
+              </a:rPr>
+              <a:t>QT</a:t>
+            </a:r>
+            <a:r>
+              <a:rPr lang="zh-CN" altLang="en-US" sz="1600" b="0" i="0" dirty="0">
+                <a:effectLst/>
+                <a:latin typeface="-apple-system"/>
+              </a:rPr>
+              <a:t>保证没有对象会被</a:t>
+            </a:r>
+            <a:r>
+              <a:rPr lang="en" altLang="zh-CN" sz="1600" b="0" i="0" dirty="0">
+                <a:effectLst/>
+                <a:latin typeface="-apple-system"/>
+              </a:rPr>
+              <a:t>delete</a:t>
+            </a:r>
+            <a:r>
+              <a:rPr lang="zh-CN" altLang="en-US" sz="1600" b="0" i="0" dirty="0">
+                <a:effectLst/>
+                <a:latin typeface="-apple-system"/>
+              </a:rPr>
+              <a:t>两次。</a:t>
+            </a:r>
+            <a:endParaRPr lang="en-US" altLang="zh-CN" sz="1600" b="0" i="0" dirty="0">
+              <a:effectLst/>
+              <a:latin typeface="-apple-system"/>
+            </a:endParaRPr>
+          </a:p>
+          <a:p>
+            <a:endParaRPr lang="en-US" altLang="zh-CN" sz="1600" b="0" i="0" dirty="0">
+              <a:effectLst/>
+              <a:latin typeface="-apple-system"/>
+            </a:endParaRPr>
+          </a:p>
+          <a:p>
+            <a:r>
+              <a:rPr lang="zh-CN" altLang="en-US" sz="1600" b="0" i="0" dirty="0">
+                <a:effectLst/>
+                <a:latin typeface="-apple-system"/>
+              </a:rPr>
+              <a:t>开发中手动回收资源时建议使用</a:t>
+            </a:r>
+            <a:r>
+              <a:rPr lang="en" altLang="zh-CN" sz="1600" b="0" i="0" dirty="0" err="1">
                 <a:solidFill>
                   <a:srgbClr val="C00000"/>
                 </a:solidFill>
-                <a:latin typeface="SimSun" panose="02010600030101010101" pitchFamily="2" charset="-122"/>
-                <a:ea typeface="SimSun" panose="02010600030101010101" pitchFamily="2" charset="-122"/>
-                <a:sym typeface="Wingdings" pitchFamily="2" charset="2"/>
-              </a:rPr>
-              <a:t>方法一：</a:t>
-            </a:r>
-            <a:endParaRPr lang="en-US" altLang="zh-CN" sz="1600" dirty="0">
-              <a:solidFill>
-                <a:srgbClr val="C00000"/>
-              </a:solidFill>
-              <a:latin typeface="SimSun" panose="02010600030101010101" pitchFamily="2" charset="-122"/>
-              <a:ea typeface="SimSun" panose="02010600030101010101" pitchFamily="2" charset="-122"/>
-              <a:sym typeface="Wingdings" pitchFamily="2" charset="2"/>
-            </a:endParaRPr>
-          </a:p>
-          <a:p>
-            <a:pPr marL="342900" indent="-342900">
-              <a:buFont typeface="+mj-ea"/>
-              <a:buAutoNum type="circleNumDbPlain"/>
-            </a:pPr>
-            <a:r>
-              <a:rPr lang="zh-CN" altLang="en-US" sz="1600" dirty="0">
-                <a:latin typeface="SimSun" panose="02010600030101010101" pitchFamily="2" charset="-122"/>
-                <a:ea typeface="SimSun" panose="02010600030101010101" pitchFamily="2" charset="-122"/>
-                <a:sym typeface="Wingdings" pitchFamily="2" charset="2"/>
-              </a:rPr>
-              <a:t>创建一个类从</a:t>
-            </a:r>
-            <a:r>
-              <a:rPr lang="en-US" altLang="zh-CN" sz="1600" dirty="0" err="1">
-                <a:latin typeface="SimSun" panose="02010600030101010101" pitchFamily="2" charset="-122"/>
-                <a:ea typeface="SimSun" panose="02010600030101010101" pitchFamily="2" charset="-122"/>
-                <a:sym typeface="Wingdings" pitchFamily="2" charset="2"/>
-              </a:rPr>
-              <a:t>QThread</a:t>
-            </a:r>
-            <a:r>
-              <a:rPr lang="zh-CN" altLang="en-US" sz="1600" dirty="0">
-                <a:latin typeface="SimSun" panose="02010600030101010101" pitchFamily="2" charset="-122"/>
-                <a:ea typeface="SimSun" panose="02010600030101010101" pitchFamily="2" charset="-122"/>
-                <a:sym typeface="Wingdings" pitchFamily="2" charset="2"/>
-              </a:rPr>
-              <a:t>类派生</a:t>
-            </a:r>
-            <a:endParaRPr lang="en-US" altLang="zh-CN" sz="1600" dirty="0">
-              <a:latin typeface="SimSun" panose="02010600030101010101" pitchFamily="2" charset="-122"/>
-              <a:ea typeface="SimSun" panose="02010600030101010101" pitchFamily="2" charset="-122"/>
-              <a:sym typeface="Wingdings" pitchFamily="2" charset="2"/>
-            </a:endParaRPr>
-          </a:p>
-          <a:p>
-            <a:pPr marL="342900" indent="-342900">
-              <a:buFont typeface="+mj-ea"/>
-              <a:buAutoNum type="circleNumDbPlain"/>
-            </a:pPr>
-            <a:r>
-              <a:rPr lang="zh-CN" altLang="en-US" sz="1600" dirty="0">
-                <a:latin typeface="SimSun" panose="02010600030101010101" pitchFamily="2" charset="-122"/>
-                <a:ea typeface="SimSun" panose="02010600030101010101" pitchFamily="2" charset="-122"/>
-                <a:sym typeface="Wingdings" pitchFamily="2" charset="2"/>
-              </a:rPr>
-              <a:t>在子线程类中重写 </a:t>
-            </a:r>
-            <a:r>
-              <a:rPr lang="en-US" altLang="zh-CN" sz="1600" dirty="0">
-                <a:latin typeface="SimSun" panose="02010600030101010101" pitchFamily="2" charset="-122"/>
-                <a:ea typeface="SimSun" panose="02010600030101010101" pitchFamily="2" charset="-122"/>
-                <a:sym typeface="Wingdings" pitchFamily="2" charset="2"/>
-              </a:rPr>
-              <a:t>run </a:t>
-            </a:r>
-            <a:r>
-              <a:rPr lang="zh-CN" altLang="en-US" sz="1600" dirty="0">
-                <a:latin typeface="SimSun" panose="02010600030101010101" pitchFamily="2" charset="-122"/>
-                <a:ea typeface="SimSun" panose="02010600030101010101" pitchFamily="2" charset="-122"/>
-                <a:sym typeface="Wingdings" pitchFamily="2" charset="2"/>
-              </a:rPr>
-              <a:t>函数，将处理操作写入该函数中 </a:t>
-            </a:r>
-            <a:endParaRPr lang="en-US" altLang="zh-CN" sz="1600" dirty="0">
-              <a:latin typeface="SimSun" panose="02010600030101010101" pitchFamily="2" charset="-122"/>
-              <a:ea typeface="SimSun" panose="02010600030101010101" pitchFamily="2" charset="-122"/>
-              <a:sym typeface="Wingdings" pitchFamily="2" charset="2"/>
-            </a:endParaRPr>
-          </a:p>
-          <a:p>
-            <a:pPr marL="342900" indent="-342900">
-              <a:buFont typeface="+mj-ea"/>
-              <a:buAutoNum type="circleNumDbPlain"/>
-            </a:pPr>
-            <a:r>
-              <a:rPr lang="zh-CN" altLang="en-US" sz="1600" dirty="0">
-                <a:latin typeface="SimSun" panose="02010600030101010101" pitchFamily="2" charset="-122"/>
-                <a:ea typeface="SimSun" panose="02010600030101010101" pitchFamily="2" charset="-122"/>
-                <a:sym typeface="Wingdings" pitchFamily="2" charset="2"/>
-              </a:rPr>
-              <a:t>在主线程中创建子线程对象，启动子线程，调用</a:t>
-            </a:r>
-            <a:r>
-              <a:rPr lang="en-US" altLang="zh-CN" sz="1600" dirty="0">
-                <a:latin typeface="SimSun" panose="02010600030101010101" pitchFamily="2" charset="-122"/>
-                <a:ea typeface="SimSun" panose="02010600030101010101" pitchFamily="2" charset="-122"/>
-                <a:sym typeface="Wingdings" pitchFamily="2" charset="2"/>
-              </a:rPr>
-              <a:t>start0</a:t>
-            </a:r>
-            <a:r>
-              <a:rPr lang="zh-CN" altLang="en-US" sz="1600" dirty="0">
-                <a:latin typeface="SimSun" panose="02010600030101010101" pitchFamily="2" charset="-122"/>
-                <a:ea typeface="SimSun" panose="02010600030101010101" pitchFamily="2" charset="-122"/>
-                <a:sym typeface="Wingdings" pitchFamily="2" charset="2"/>
-              </a:rPr>
-              <a:t>函数</a:t>
-            </a:r>
-            <a:endParaRPr lang="en-US" altLang="zh-CN" sz="1600" dirty="0">
-              <a:latin typeface="SimSun" panose="02010600030101010101" pitchFamily="2" charset="-122"/>
-              <a:ea typeface="SimSun" panose="02010600030101010101" pitchFamily="2" charset="-122"/>
-              <a:sym typeface="Wingdings" pitchFamily="2" charset="2"/>
-            </a:endParaRPr>
-          </a:p>
-          <a:p>
-            <a:endParaRPr lang="zh-CN" altLang="en-US" sz="1600" dirty="0">
-              <a:latin typeface="SimSun" panose="02010600030101010101" pitchFamily="2" charset="-122"/>
-              <a:ea typeface="SimSun" panose="02010600030101010101" pitchFamily="2" charset="-122"/>
-              <a:sym typeface="Wingdings" pitchFamily="2" charset="2"/>
-            </a:endParaRPr>
-          </a:p>
-          <a:p>
-            <a:r>
-              <a:rPr lang="zh-CN" altLang="en-US" sz="1600" dirty="0">
+                <a:effectLst/>
+                <a:latin typeface="-apple-system"/>
+              </a:rPr>
+              <a:t>deleteLater</a:t>
+            </a:r>
+            <a:r>
+              <a:rPr lang="zh-CN" altLang="en-US" sz="1600" b="0" i="0" dirty="0">
                 <a:solidFill>
                   <a:srgbClr val="C00000"/>
                 </a:solidFill>
-                <a:latin typeface="SimSun" panose="02010600030101010101" pitchFamily="2" charset="-122"/>
-                <a:ea typeface="SimSun" panose="02010600030101010101" pitchFamily="2" charset="-122"/>
-                <a:sym typeface="Wingdings" pitchFamily="2" charset="2"/>
-              </a:rPr>
-              <a:t>方法二：</a:t>
-            </a:r>
-            <a:r>
-              <a:rPr lang="zh-CN" altLang="en-US" sz="1600" dirty="0">
-                <a:latin typeface="SimSun" panose="02010600030101010101" pitchFamily="2" charset="-122"/>
-                <a:ea typeface="SimSun" panose="02010600030101010101" pitchFamily="2" charset="-122"/>
-                <a:sym typeface="Wingdings" pitchFamily="2" charset="2"/>
-              </a:rPr>
-              <a:t> </a:t>
-            </a:r>
-            <a:endParaRPr lang="en-US" altLang="zh-CN" sz="1600" dirty="0">
-              <a:latin typeface="SimSun" panose="02010600030101010101" pitchFamily="2" charset="-122"/>
-              <a:ea typeface="SimSun" panose="02010600030101010101" pitchFamily="2" charset="-122"/>
-              <a:sym typeface="Wingdings" pitchFamily="2" charset="2"/>
-            </a:endParaRPr>
-          </a:p>
-          <a:p>
-            <a:pPr marL="342900" indent="-342900">
-              <a:buFont typeface="+mj-ea"/>
-              <a:buAutoNum type="circleNumDbPlain"/>
-            </a:pPr>
-            <a:r>
-              <a:rPr lang="zh-CN" altLang="en-US" sz="1600" dirty="0">
-                <a:latin typeface="SimSun" panose="02010600030101010101" pitchFamily="2" charset="-122"/>
-                <a:ea typeface="SimSun" panose="02010600030101010101" pitchFamily="2" charset="-122"/>
-                <a:sym typeface="Wingdings" pitchFamily="2" charset="2"/>
-              </a:rPr>
-              <a:t>将业务处理抽象成一个业务类，在该类中创建一个业务处理函数</a:t>
-            </a:r>
-            <a:endParaRPr lang="en-US" altLang="zh-CN" sz="1600" dirty="0">
-              <a:latin typeface="SimSun" panose="02010600030101010101" pitchFamily="2" charset="-122"/>
-              <a:ea typeface="SimSun" panose="02010600030101010101" pitchFamily="2" charset="-122"/>
-              <a:sym typeface="Wingdings" pitchFamily="2" charset="2"/>
-            </a:endParaRPr>
-          </a:p>
-          <a:p>
-            <a:pPr marL="342900" indent="-342900">
-              <a:buFont typeface="+mj-ea"/>
-              <a:buAutoNum type="circleNumDbPlain"/>
-            </a:pPr>
-            <a:r>
-              <a:rPr lang="zh-CN" altLang="en-US" sz="1600" dirty="0">
-                <a:latin typeface="SimSun" panose="02010600030101010101" pitchFamily="2" charset="-122"/>
-                <a:ea typeface="SimSun" panose="02010600030101010101" pitchFamily="2" charset="-122"/>
-                <a:sym typeface="Wingdings" pitchFamily="2" charset="2"/>
-              </a:rPr>
-              <a:t>在主线程中创建一</a:t>
-            </a:r>
-            <a:r>
-              <a:rPr lang="en-US" altLang="zh-CN" sz="1600" dirty="0" err="1">
-                <a:latin typeface="SimSun" panose="02010600030101010101" pitchFamily="2" charset="-122"/>
-                <a:ea typeface="SimSun" panose="02010600030101010101" pitchFamily="2" charset="-122"/>
-                <a:sym typeface="Wingdings" pitchFamily="2" charset="2"/>
-              </a:rPr>
-              <a:t>QThread</a:t>
-            </a:r>
-            <a:r>
-              <a:rPr lang="zh-CN" altLang="en-US" sz="1600" dirty="0">
-                <a:latin typeface="SimSun" panose="02010600030101010101" pitchFamily="2" charset="-122"/>
-                <a:ea typeface="SimSun" panose="02010600030101010101" pitchFamily="2" charset="-122"/>
-                <a:sym typeface="Wingdings" pitchFamily="2" charset="2"/>
-              </a:rPr>
-              <a:t>类对象</a:t>
-            </a:r>
-            <a:endParaRPr lang="en-US" altLang="zh-CN" sz="1600" dirty="0">
-              <a:latin typeface="SimSun" panose="02010600030101010101" pitchFamily="2" charset="-122"/>
-              <a:ea typeface="SimSun" panose="02010600030101010101" pitchFamily="2" charset="-122"/>
-              <a:sym typeface="Wingdings" pitchFamily="2" charset="2"/>
-            </a:endParaRPr>
-          </a:p>
-          <a:p>
-            <a:pPr marL="342900" indent="-342900">
-              <a:buFont typeface="+mj-ea"/>
-              <a:buAutoNum type="circleNumDbPlain"/>
-            </a:pPr>
-            <a:r>
-              <a:rPr lang="zh-CN" altLang="en-US" sz="1600" dirty="0">
-                <a:latin typeface="SimSun" panose="02010600030101010101" pitchFamily="2" charset="-122"/>
-                <a:ea typeface="SimSun" panose="02010600030101010101" pitchFamily="2" charset="-122"/>
-                <a:sym typeface="Wingdings" pitchFamily="2" charset="2"/>
-              </a:rPr>
-              <a:t>在主线程中创建一个业务类对象</a:t>
-            </a:r>
-            <a:endParaRPr lang="en-US" altLang="zh-CN" sz="1600" dirty="0">
-              <a:latin typeface="SimSun" panose="02010600030101010101" pitchFamily="2" charset="-122"/>
-              <a:ea typeface="SimSun" panose="02010600030101010101" pitchFamily="2" charset="-122"/>
-              <a:sym typeface="Wingdings" pitchFamily="2" charset="2"/>
-            </a:endParaRPr>
-          </a:p>
-          <a:p>
-            <a:pPr marL="342900" indent="-342900">
-              <a:buFont typeface="+mj-ea"/>
-              <a:buAutoNum type="circleNumDbPlain"/>
-            </a:pPr>
-            <a:r>
-              <a:rPr lang="zh-CN" altLang="en-US" sz="1600" dirty="0">
-                <a:latin typeface="SimSun" panose="02010600030101010101" pitchFamily="2" charset="-122"/>
-                <a:ea typeface="SimSun" panose="02010600030101010101" pitchFamily="2" charset="-122"/>
-                <a:sym typeface="Wingdings" pitchFamily="2" charset="2"/>
-              </a:rPr>
-              <a:t>将业务类对象移动到子线程中</a:t>
-            </a:r>
-            <a:endParaRPr lang="en-US" altLang="zh-CN" sz="1600" dirty="0">
-              <a:latin typeface="SimSun" panose="02010600030101010101" pitchFamily="2" charset="-122"/>
-              <a:ea typeface="SimSun" panose="02010600030101010101" pitchFamily="2" charset="-122"/>
-              <a:sym typeface="Wingdings" pitchFamily="2" charset="2"/>
-            </a:endParaRPr>
-          </a:p>
-          <a:p>
-            <a:pPr marL="342900" indent="-342900">
-              <a:buFont typeface="+mj-ea"/>
-              <a:buAutoNum type="circleNumDbPlain"/>
-            </a:pPr>
-            <a:r>
-              <a:rPr lang="zh-CN" altLang="en-US" sz="1600" dirty="0">
-                <a:latin typeface="SimSun" panose="02010600030101010101" pitchFamily="2" charset="-122"/>
-                <a:ea typeface="SimSun" panose="02010600030101010101" pitchFamily="2" charset="-122"/>
-                <a:sym typeface="Wingdings" pitchFamily="2" charset="2"/>
-              </a:rPr>
-              <a:t>在主线程中启动子线程 </a:t>
-            </a:r>
-            <a:endParaRPr lang="en-US" altLang="zh-CN" sz="1600" dirty="0">
-              <a:latin typeface="SimSun" panose="02010600030101010101" pitchFamily="2" charset="-122"/>
-              <a:ea typeface="SimSun" panose="02010600030101010101" pitchFamily="2" charset="-122"/>
-              <a:sym typeface="Wingdings" pitchFamily="2" charset="2"/>
-            </a:endParaRPr>
-          </a:p>
-          <a:p>
-            <a:pPr marL="342900" indent="-342900">
-              <a:buFont typeface="+mj-ea"/>
-              <a:buAutoNum type="circleNumDbPlain"/>
-            </a:pPr>
-            <a:r>
-              <a:rPr lang="zh-CN" altLang="en-US" sz="1600" dirty="0">
-                <a:latin typeface="SimSun" panose="02010600030101010101" pitchFamily="2" charset="-122"/>
-                <a:ea typeface="SimSun" panose="02010600030101010101" pitchFamily="2" charset="-122"/>
-                <a:sym typeface="Wingdings" pitchFamily="2" charset="2"/>
-              </a:rPr>
-              <a:t>通过信号槽的方式</a:t>
-            </a:r>
-            <a:r>
-              <a:rPr lang="en-US" altLang="zh-CN" sz="1600" dirty="0">
-                <a:latin typeface="SimSun" panose="02010600030101010101" pitchFamily="2" charset="-122"/>
-                <a:ea typeface="SimSun" panose="02010600030101010101" pitchFamily="2" charset="-122"/>
-                <a:sym typeface="Wingdings" pitchFamily="2" charset="2"/>
-              </a:rPr>
-              <a:t>,</a:t>
-            </a:r>
-            <a:r>
-              <a:rPr lang="zh-CN" altLang="en-US" sz="1600" dirty="0">
-                <a:latin typeface="SimSun" panose="02010600030101010101" pitchFamily="2" charset="-122"/>
-                <a:ea typeface="SimSun" panose="02010600030101010101" pitchFamily="2" charset="-122"/>
-                <a:sym typeface="Wingdings" pitchFamily="2" charset="2"/>
-              </a:rPr>
-              <a:t>执行业务类中的业务处理函数</a:t>
-            </a:r>
-            <a:endParaRPr lang="en-US" altLang="zh-CN" sz="1600" dirty="0">
-              <a:latin typeface="SimSun" panose="02010600030101010101" pitchFamily="2" charset="-122"/>
-              <a:ea typeface="SimSun" panose="02010600030101010101" pitchFamily="2" charset="-122"/>
-              <a:sym typeface="Wingdings" pitchFamily="2" charset="2"/>
-            </a:endParaRPr>
-          </a:p>
-          <a:p>
-            <a:endParaRPr lang="zh-CN" altLang="en-US" sz="1600" dirty="0">
-              <a:latin typeface="SimSun" panose="02010600030101010101" pitchFamily="2" charset="-122"/>
-              <a:ea typeface="SimSun" panose="02010600030101010101" pitchFamily="2" charset="-122"/>
-              <a:sym typeface="Wingdings" pitchFamily="2" charset="2"/>
-            </a:endParaRPr>
-          </a:p>
-          <a:p>
-            <a:r>
-              <a:rPr lang="zh-CN" altLang="en-US" sz="1600" b="1" dirty="0">
+                <a:effectLst/>
+                <a:latin typeface="-apple-system"/>
+              </a:rPr>
+              <a:t>代替</a:t>
+            </a:r>
+            <a:r>
+              <a:rPr lang="en" altLang="zh-CN" sz="1600" b="0" i="0" dirty="0">
                 <a:solidFill>
                   <a:srgbClr val="C00000"/>
                 </a:solidFill>
-                <a:latin typeface="SimSun" panose="02010600030101010101" pitchFamily="2" charset="-122"/>
-                <a:ea typeface="SimSun" panose="02010600030101010101" pitchFamily="2" charset="-122"/>
-                <a:sym typeface="Wingdings" pitchFamily="2" charset="2"/>
-              </a:rPr>
-              <a:t>多线程使用注意事项：</a:t>
-            </a:r>
-          </a:p>
-          <a:p>
-            <a:pPr marL="285750" indent="-285750">
-              <a:buFont typeface="Wingdings" pitchFamily="2" charset="2"/>
-              <a:buChar char="n"/>
-            </a:pPr>
-            <a:r>
-              <a:rPr lang="zh-CN" altLang="en-US" sz="1600" dirty="0">
-                <a:latin typeface="SimSun" panose="02010600030101010101" pitchFamily="2" charset="-122"/>
-                <a:ea typeface="SimSun" panose="02010600030101010101" pitchFamily="2" charset="-122"/>
-                <a:sym typeface="Wingdings" pitchFamily="2" charset="2"/>
-              </a:rPr>
-              <a:t>业务对象，构造的时候不能指定父对象</a:t>
-            </a:r>
-          </a:p>
-          <a:p>
-            <a:pPr marL="285750" indent="-285750">
-              <a:buFont typeface="Wingdings" pitchFamily="2" charset="2"/>
-              <a:buChar char="n"/>
-            </a:pPr>
-            <a:r>
-              <a:rPr lang="zh-CN" altLang="en-US" sz="1600" dirty="0">
-                <a:latin typeface="SimSun" panose="02010600030101010101" pitchFamily="2" charset="-122"/>
-                <a:ea typeface="SimSun" panose="02010600030101010101" pitchFamily="2" charset="-122"/>
-                <a:sym typeface="Wingdings" pitchFamily="2" charset="2"/>
-              </a:rPr>
-              <a:t>子线程中不能处理</a:t>
-            </a:r>
-            <a:r>
-              <a:rPr lang="en-US" altLang="zh-CN" sz="1600" dirty="0" err="1">
-                <a:latin typeface="SimSun" panose="02010600030101010101" pitchFamily="2" charset="-122"/>
-                <a:ea typeface="SimSun" panose="02010600030101010101" pitchFamily="2" charset="-122"/>
-                <a:sym typeface="Wingdings" pitchFamily="2" charset="2"/>
-              </a:rPr>
-              <a:t>ui</a:t>
-            </a:r>
-            <a:r>
-              <a:rPr lang="zh-CN" altLang="en-US" sz="1600" dirty="0">
-                <a:latin typeface="SimSun" panose="02010600030101010101" pitchFamily="2" charset="-122"/>
-                <a:ea typeface="SimSun" panose="02010600030101010101" pitchFamily="2" charset="-122"/>
-                <a:sym typeface="Wingdings" pitchFamily="2" charset="2"/>
-              </a:rPr>
-              <a:t>窗口</a:t>
-            </a:r>
-            <a:r>
-              <a:rPr lang="en-US" altLang="zh-CN" sz="1600" dirty="0">
-                <a:latin typeface="SimSun" panose="02010600030101010101" pitchFamily="2" charset="-122"/>
-                <a:ea typeface="SimSun" panose="02010600030101010101" pitchFamily="2" charset="-122"/>
-                <a:sym typeface="Wingdings" pitchFamily="2" charset="2"/>
-              </a:rPr>
-              <a:t>(</a:t>
-            </a:r>
-            <a:r>
-              <a:rPr lang="en-US" altLang="zh-CN" sz="1600" dirty="0" err="1">
-                <a:latin typeface="SimSun" panose="02010600030101010101" pitchFamily="2" charset="-122"/>
-                <a:ea typeface="SimSun" panose="02010600030101010101" pitchFamily="2" charset="-122"/>
-                <a:sym typeface="Wingdings" pitchFamily="2" charset="2"/>
-              </a:rPr>
-              <a:t>ui</a:t>
-            </a:r>
-            <a:r>
-              <a:rPr lang="zh-CN" altLang="en-US" sz="1600" dirty="0">
-                <a:latin typeface="SimSun" panose="02010600030101010101" pitchFamily="2" charset="-122"/>
-                <a:ea typeface="SimSun" panose="02010600030101010101" pitchFamily="2" charset="-122"/>
-                <a:sym typeface="Wingdings" pitchFamily="2" charset="2"/>
-              </a:rPr>
-              <a:t>相关的类）</a:t>
-            </a:r>
-          </a:p>
-          <a:p>
-            <a:pPr marL="285750" indent="-285750">
-              <a:buFont typeface="Wingdings" pitchFamily="2" charset="2"/>
-              <a:buChar char="n"/>
-            </a:pPr>
-            <a:r>
-              <a:rPr lang="zh-CN" altLang="en-US" sz="1600" dirty="0">
-                <a:latin typeface="SimSun" panose="02010600030101010101" pitchFamily="2" charset="-122"/>
-                <a:ea typeface="SimSun" panose="02010600030101010101" pitchFamily="2" charset="-122"/>
-                <a:sym typeface="Wingdings" pitchFamily="2" charset="2"/>
-              </a:rPr>
-              <a:t>子线程中只能处理一些数据相关的操作，不能涉及窗口</a:t>
+                <a:effectLst/>
+                <a:latin typeface="-apple-system"/>
+              </a:rPr>
+              <a:t>delete</a:t>
+            </a:r>
+            <a:r>
+              <a:rPr lang="zh-CN" altLang="en" sz="1600" b="0" i="0" dirty="0">
+                <a:effectLst/>
+                <a:latin typeface="-apple-system"/>
+              </a:rPr>
+              <a:t>，</a:t>
+            </a:r>
+            <a:r>
+              <a:rPr lang="zh-CN" altLang="en-US" sz="1600" b="0" i="0" dirty="0">
+                <a:effectLst/>
+                <a:latin typeface="-apple-system"/>
+              </a:rPr>
+              <a:t>因为</a:t>
+            </a:r>
+            <a:r>
+              <a:rPr lang="en" altLang="zh-CN" sz="1600" b="0" i="0" dirty="0" err="1">
+                <a:effectLst/>
+                <a:latin typeface="-apple-system"/>
+              </a:rPr>
+              <a:t>deleteLater</a:t>
+            </a:r>
+            <a:r>
+              <a:rPr lang="zh-CN" altLang="en-US" sz="1600" b="0" i="0" dirty="0">
+                <a:effectLst/>
+                <a:latin typeface="-apple-system"/>
+              </a:rPr>
+              <a:t>多次时安全的。</a:t>
             </a:r>
             <a:endParaRPr lang="en-US" altLang="zh-CN" sz="1600" dirty="0">
               <a:latin typeface="SimSun" panose="02010600030101010101" pitchFamily="2" charset="-122"/>
@@ -10619,7 +10395,7 @@
         </p:nvSpPr>
         <p:spPr>
           <a:xfrm>
-            <a:off x="4759645" y="695093"/>
+            <a:off x="5305557" y="695092"/>
             <a:ext cx="2479355" cy="276999"/>
           </a:xfrm>
           <a:prstGeom prst="rect">
@@ -10634,14 +10410,14 @@
           <a:lstStyle/>
           <a:p>
             <a:r>
-              <a:rPr kumimoji="1" lang="en-US" altLang="zh-CN" sz="1200" dirty="0">
+              <a:rPr kumimoji="1" lang="zh-CN" altLang="en" sz="1200" dirty="0">
                 <a:solidFill>
                   <a:srgbClr val="5E90C4"/>
                 </a:solidFill>
                 <a:latin typeface="Microsoft YaHei" panose="020B0503020204020204" pitchFamily="34" charset="-122"/>
                 <a:ea typeface="Microsoft YaHei" panose="020B0503020204020204" pitchFamily="34" charset="-122"/>
               </a:rPr>
-              <a:t>1</a:t>
+              <a:t>续</a:t>
             </a:r>
             <a:r>
               <a:rPr kumimoji="1" lang="zh-CN" altLang="en-US" sz="1200" dirty="0">
@@ -10651,7 +10427,7 @@
                 <a:latin typeface="Microsoft YaHei" panose="020B0503020204020204" pitchFamily="34" charset="-122"/>
                 <a:ea typeface="Microsoft YaHei" panose="020B0503020204020204" pitchFamily="34" charset="-122"/>
               </a:rPr>
-              <a:t>、</a:t>
+              <a:t>上一个</a:t>
             </a:r>
             <a:r>
               <a:rPr kumimoji="1" lang="en-US" altLang="zh-CN" sz="1200" dirty="0">
@@ -10661,65 +10437,210 @@
                 <a:latin typeface="Microsoft YaHei" panose="020B0503020204020204" pitchFamily="34" charset="-122"/>
                 <a:ea typeface="Microsoft YaHei" panose="020B0503020204020204" pitchFamily="34" charset="-122"/>
               </a:rPr>
-              <a:t>2</a:t>
-            </a:r>
-            <a:r>
-              <a:rPr kumimoji="1" lang="zh-CN" altLang="en-US" sz="1200" dirty="0">
-                <a:solidFill>
-                  <a:srgbClr val="5E90C4"/>
-                </a:solidFill>
-                <a:latin typeface="Microsoft YaHei" panose="020B0503020204020204" pitchFamily="34" charset="-122"/>
-                <a:ea typeface="Microsoft YaHei" panose="020B0503020204020204" pitchFamily="34" charset="-122"/>
+              <a:t>ppt</a:t>
+            </a:r>
+            <a:endParaRPr kumimoji="1" lang="zh-CN" altLang="en-US" sz="1200" dirty="0">
+              <a:solidFill>
+                <a:srgbClr val="5E90C4"/>
+              </a:solidFill>
+              <a:latin typeface="Microsoft YaHei" panose="020B0503020204020204" pitchFamily="34" charset="-122"/>
+              <a:ea typeface="Microsoft YaHei" panose="020B0503020204020204" pitchFamily="34" charset="-122"/>
+            </a:endParaRPr>
+          </a:p>
+        </p:txBody>
+      </p:sp>
+      <p:sp>
+        <p:nvSpPr>
+          <p:cNvPr id="7" name="文本框 6">
+            <a:extLst>
+              <a:ext uri="{FF2B5EF4-FFF2-40B4-BE49-F238E27FC236}">
+                <a16:creationId xmlns:a16="http://schemas.microsoft.com/office/drawing/2014/main" id="{BFDDD51C-AA8F-611E-BC3B-50DA1411A443}"/>
+              </a:ext>
+            </a:extLst>
+          </p:cNvPr>
+          <p:cNvSpPr txBox="1"/>
+          <p:nvPr/>
+        </p:nvSpPr>
+        <p:spPr>
+          <a:xfrm>
+            <a:off x="447241" y="4573117"/>
+            <a:ext cx="10767435" cy="584775"/>
+          </a:xfrm>
+          <a:prstGeom prst="rect">
+            <a:avLst/>
+          </a:prstGeom>
+          <a:noFill/>
+        </p:spPr>
+        <p:txBody>
+          <a:bodyPr wrap="none" rtlCol="0">
+            <a:spAutoFit/>
+          </a:bodyPr>
+          <a:lstStyle/>
+          <a:p>
+            <a:pPr algn="l"/>
+            <a:r>
+              <a:rPr lang="en-US" altLang="zh-CN" sz="3200" b="1" i="0" dirty="0">
+                <a:effectLst/>
+                <a:latin typeface="-apple-system"/>
+              </a:rPr>
+              <a:t>16</a:t>
+            </a:r>
+            <a:r>
+              <a:rPr lang="zh-CN" altLang="en-US" sz="3200" b="1" i="0" dirty="0">
+                <a:effectLst/>
+                <a:latin typeface="-apple-system"/>
+              </a:rPr>
+              <a:t>、描述</a:t>
+            </a:r>
+            <a:r>
+              <a:rPr lang="en" altLang="zh-CN" sz="3200" b="1" i="0" dirty="0" err="1">
+                <a:effectLst/>
+                <a:latin typeface="-apple-system"/>
+              </a:rPr>
+              <a:t>QTextSTream</a:t>
+            </a:r>
+            <a:r>
+              <a:rPr lang="en" altLang="zh-CN" sz="3200" b="1" i="0" dirty="0">
+                <a:effectLst/>
+                <a:latin typeface="-apple-system"/>
+              </a:rPr>
+              <a:t>(</a:t>
+            </a:r>
+            <a:r>
+              <a:rPr lang="zh-CN" altLang="en-US" sz="3200" b="1" i="0" dirty="0">
+                <a:effectLst/>
+                <a:latin typeface="-apple-system"/>
+              </a:rPr>
+              <a:t>文件流</a:t>
+            </a:r>
+            <a:r>
+              <a:rPr lang="en-US" altLang="zh-CN" sz="3200" b="1" i="0" dirty="0">
+                <a:effectLst/>
+                <a:latin typeface="-apple-system"/>
+              </a:rPr>
+              <a:t>)</a:t>
+            </a:r>
+            <a:r>
+              <a:rPr lang="zh-CN" altLang="en-US" sz="3200" b="1" i="0" dirty="0">
+                <a:effectLst/>
+                <a:latin typeface="-apple-system"/>
+              </a:rPr>
+              <a:t>和</a:t>
+            </a:r>
+            <a:r>
+              <a:rPr lang="en" altLang="zh-CN" sz="3200" b="1" i="0" dirty="0" err="1">
+                <a:effectLst/>
+                <a:latin typeface="-apple-system"/>
+              </a:rPr>
+              <a:t>QDataStram</a:t>
+            </a:r>
+            <a:r>
+              <a:rPr lang="en" altLang="zh-CN" sz="3200" b="1" i="0" dirty="0">
+                <a:effectLst/>
+                <a:latin typeface="-apple-system"/>
+              </a:rPr>
+              <a:t>(</a:t>
+            </a:r>
+            <a:r>
+              <a:rPr lang="zh-CN" altLang="en-US" sz="3200" b="1" i="0" dirty="0">
+                <a:effectLst/>
+                <a:latin typeface="-apple-system"/>
+              </a:rPr>
+              <a:t>数据流</a:t>
+            </a:r>
+            <a:r>
+              <a:rPr lang="en-US" altLang="zh-CN" sz="3200" b="1" i="0" dirty="0">
+                <a:effectLst/>
+                <a:latin typeface="-apple-system"/>
+              </a:rPr>
+              <a:t>)</a:t>
+            </a:r>
+            <a:r>
+              <a:rPr lang="zh-CN" altLang="en-US" sz="3200" b="1" i="0" dirty="0">
+                <a:effectLst/>
+                <a:latin typeface="-apple-system"/>
+              </a:rPr>
+              <a:t>的区别</a:t>
+            </a:r>
+          </a:p>
+        </p:txBody>
+      </p:sp>
+      <p:sp>
+        <p:nvSpPr>
+          <p:cNvPr id="8" name="文本框 7">
+            <a:extLst>
+              <a:ext uri="{FF2B5EF4-FFF2-40B4-BE49-F238E27FC236}">
+                <a16:creationId xmlns:a16="http://schemas.microsoft.com/office/drawing/2014/main" id="{6E1DF128-A760-9FAD-6414-62146FD9215C}"/>
+              </a:ext>
+            </a:extLst>
+          </p:cNvPr>
+          <p:cNvSpPr txBox="1"/>
+          <p:nvPr/>
+        </p:nvSpPr>
+        <p:spPr>
+          <a:xfrm>
+            <a:off x="470893" y="5252902"/>
+            <a:ext cx="11253249" cy="584775"/>
+          </a:xfrm>
+          <a:prstGeom prst="rect">
+            <a:avLst/>
+          </a:prstGeom>
+          <a:noFill/>
+        </p:spPr>
+        <p:txBody>
+          <a:bodyPr wrap="square" rtlCol="0">
+            <a:spAutoFit/>
+          </a:bodyPr>
+          <a:lstStyle/>
+          <a:p>
+            <a:pPr algn="l"/>
+            <a:r>
+              <a:rPr lang="zh-CN" altLang="en-US" sz="1600" b="0" i="0" dirty="0">
+                <a:effectLst/>
+                <a:latin typeface="-apple-system"/>
+              </a:rPr>
+              <a:t>文本流用来操作轻量级的数据，比如内置的</a:t>
+            </a:r>
+            <a:r>
+              <a:rPr lang="en" altLang="zh-CN" sz="1600" b="0" i="0" dirty="0">
+                <a:effectLst/>
+                <a:latin typeface="-apple-system"/>
+              </a:rPr>
+              <a:t>int</a:t>
+            </a:r>
+            <a:r>
+              <a:rPr lang="zh-CN" altLang="en" sz="1600" b="0" i="0" dirty="0">
+                <a:effectLst/>
+                <a:latin typeface="-apple-system"/>
               </a:rPr>
               <a:t>、</a:t>
             </a:r>
             <a:r>
-              <a:rPr kumimoji="1" lang="en-US" altLang="zh-CN" sz="1200" dirty="0">
-                <a:solidFill>
-                  <a:srgbClr val="5E90C4"/>
-                </a:solidFill>
-                <a:latin typeface="Microsoft YaHei" panose="020B0503020204020204" pitchFamily="34" charset="-122"/>
-                <a:ea typeface="Microsoft YaHei" panose="020B0503020204020204" pitchFamily="34" charset="-122"/>
-              </a:rPr>
-              <a:t>3</a:t>
-            </a:r>
-            <a:r>
-              <a:rPr kumimoji="1" lang="zh-CN" altLang="en-US" sz="1200" dirty="0">
-                <a:solidFill>
-                  <a:srgbClr val="5E90C4"/>
-                </a:solidFill>
-                <a:latin typeface="Microsoft YaHei" panose="020B0503020204020204" pitchFamily="34" charset="-122"/>
-                <a:ea typeface="Microsoft YaHei" panose="020B0503020204020204" pitchFamily="34" charset="-122"/>
-              </a:rPr>
-              <a:t>题在上一个</a:t>
-            </a:r>
-            <a:r>
-              <a:rPr kumimoji="1" lang="en-US" altLang="zh-CN" sz="1200" dirty="0">
-                <a:solidFill>
-                  <a:srgbClr val="5E90C4"/>
-                </a:solidFill>
-                <a:latin typeface="Microsoft YaHei" panose="020B0503020204020204" pitchFamily="34" charset="-122"/>
-                <a:ea typeface="Microsoft YaHei" panose="020B0503020204020204" pitchFamily="34" charset="-122"/>
-              </a:rPr>
-              <a:t>ppt</a:t>
-            </a:r>
-            <a:r>
-              <a:rPr kumimoji="1" lang="zh-CN" altLang="en-US" sz="1200" dirty="0">
-                <a:solidFill>
-                  <a:srgbClr val="5E90C4"/>
-                </a:solidFill>
-                <a:latin typeface="Microsoft YaHei" panose="020B0503020204020204" pitchFamily="34" charset="-122"/>
-                <a:ea typeface="Microsoft YaHei" panose="020B0503020204020204" pitchFamily="34" charset="-122"/>
-              </a:rPr>
-              <a:t>中</a:t>
-            </a:r>
+              <a:rPr lang="en" altLang="zh-CN" sz="1600" b="0" i="0" dirty="0" err="1">
+                <a:effectLst/>
+                <a:latin typeface="-apple-system"/>
+              </a:rPr>
+              <a:t>QString</a:t>
+            </a:r>
+            <a:r>
+              <a:rPr lang="zh-CN" altLang="en-US" sz="1600" b="0" i="0" dirty="0">
+                <a:effectLst/>
+                <a:latin typeface="-apple-system"/>
+              </a:rPr>
+              <a:t>等，写入文件以后文本的方式呈现数据流，可以操作各种类型数据，总之，两者都可以进行操作磁盘文件以及内存数据。</a:t>
+            </a:r>
+            <a:endParaRPr lang="en-US" altLang="zh-CN" sz="1600" dirty="0">
+              <a:latin typeface="SimSun" panose="02010600030101010101" pitchFamily="2" charset="-122"/>
+              <a:ea typeface="SimSun" panose="02010600030101010101" pitchFamily="2" charset="-122"/>
+              <a:sym typeface="Wingdings" pitchFamily="2" charset="2"/>
+            </a:endParaRPr>
           </a:p>
         </p:txBody>
       </p:sp>
     </p:spTree>
     <p:extLst>
       <p:ext uri="{BB962C8B-B14F-4D97-AF65-F5344CB8AC3E}">
-        <p14:creationId xmlns:p14="http://schemas.microsoft.com/office/powerpoint/2010/main" val="1041179335"/>
+        <p14:creationId xmlns:p14="http://schemas.microsoft.com/office/powerpoint/2010/main" val="2842821509"/>
       </p:ext>
     </p:extLst>
   </p:cSld>
@@ -11619,8 +11540,8 @@
         </p:nvSpPr>
         <p:spPr>
           <a:xfrm>
-            <a:off x="753369" y="1280135"/>
-            <a:ext cx="10575032" cy="1323439"/>
+            <a:off x="1131082" y="1280135"/>
+            <a:ext cx="7577715" cy="584775"/>
           </a:xfrm>
           <a:prstGeom prst="rect">
             <a:avLst/>
@@ -11628,29 +11549,26 @@
           <a:noFill/>
         </p:spPr>
         <p:txBody>
-          <a:bodyPr wrap="square" rtlCol="0">
+          <a:bodyPr wrap="none" rtlCol="0">
             <a:spAutoFit/>
           </a:bodyPr>
           <a:lstStyle/>
           <a:p>
-            <a:r>
-              <a:rPr kumimoji="1" lang="en-US" altLang="zh-CN" sz="4000" b="1" dirty="0">
-                <a:latin typeface="Microsoft YaHei" panose="020B0503020204020204" pitchFamily="34" charset="-122"/>
-                <a:ea typeface="Microsoft YaHei" panose="020B0503020204020204" pitchFamily="34" charset="-122"/>
-              </a:rPr>
-              <a:t>7</a:t>
-            </a:r>
-            <a:r>
-              <a:rPr kumimoji="1" lang="zh-CN" altLang="en-US" sz="4000" b="1" dirty="0">
-                <a:latin typeface="Microsoft YaHei" panose="020B0503020204020204" pitchFamily="34" charset="-122"/>
-                <a:ea typeface="Microsoft YaHei" panose="020B0503020204020204" pitchFamily="34" charset="-122"/>
-              </a:rPr>
-              <a:t>、多线程下，信号槽分别在什么线程中执行，如何控制？</a:t>
-            </a:r>
-            <a:endParaRPr kumimoji="1" lang="zh-CN" altLang="en-US" b="1" dirty="0">
-              <a:latin typeface="Microsoft YaHei" panose="020B0503020204020204" pitchFamily="34" charset="-122"/>
-              <a:ea typeface="Microsoft YaHei" panose="020B0503020204020204" pitchFamily="34" charset="-122"/>
-            </a:endParaRPr>
+            <a:pPr algn="l"/>
+            <a:r>
+              <a:rPr lang="en-US" altLang="zh-CN" sz="3200" b="1" i="0" dirty="0">
+                <a:effectLst/>
+                <a:latin typeface="-apple-system"/>
+              </a:rPr>
+              <a:t>17</a:t>
+            </a:r>
+            <a:r>
+              <a:rPr lang="zh-CN" altLang="en-US" sz="3200" b="1" i="0" dirty="0">
+                <a:effectLst/>
+                <a:latin typeface="-apple-system"/>
+              </a:rPr>
+              <a:t>、信号槽的四种写法和五种连接方式？</a:t>
+            </a:r>
           </a:p>
         </p:txBody>
       </p:sp>
@@ -11668,8 +11586,8 @@
         </p:nvSpPr>
         <p:spPr>
           <a:xfrm>
-            <a:off x="885944" y="3346486"/>
-            <a:ext cx="11253249" cy="1815882"/>
+            <a:off x="1095946" y="1752398"/>
+            <a:ext cx="11253249" cy="5262979"/>
           </a:xfrm>
           <a:prstGeom prst="rect">
             <a:avLst/>
@@ -11682,300 +11600,1246 @@
           </a:bodyPr>
           <a:lstStyle/>
           <a:p>
-            <a:r>
-              <a:rPr lang="zh-CN" altLang="en-US" sz="1600" dirty="0">
-                <a:latin typeface="SimSun" panose="02010600030101010101" pitchFamily="2" charset="-122"/>
-                <a:ea typeface="SimSun" panose="02010600030101010101" pitchFamily="2" charset="-122"/>
-                <a:sym typeface="Wingdings" pitchFamily="2" charset="2"/>
-              </a:rPr>
-              <a:t>可以通过</a:t>
-            </a:r>
-            <a:r>
-              <a:rPr lang="en" altLang="zh-CN" sz="1600" dirty="0">
-                <a:latin typeface="SimSun" panose="02010600030101010101" pitchFamily="2" charset="-122"/>
-                <a:ea typeface="SimSun" panose="02010600030101010101" pitchFamily="2" charset="-122"/>
-                <a:sym typeface="Wingdings" pitchFamily="2" charset="2"/>
+            <a:pPr algn="l"/>
+            <a:r>
+              <a:rPr lang="en" altLang="zh-CN" sz="1600" b="0" i="0" dirty="0">
+                <a:effectLst/>
+                <a:latin typeface="-apple-system"/>
+              </a:rPr>
+              <a:t>connect(</a:t>
+            </a:r>
+            <a:r>
+              <a:rPr lang="zh-CN" altLang="en-US" sz="1600" b="0" i="0" dirty="0">
+                <a:effectLst/>
+                <a:latin typeface="-apple-system"/>
+              </a:rPr>
+              <a:t>信号发出者</a:t>
+            </a:r>
+            <a:r>
+              <a:rPr lang="en-US" altLang="zh-CN" sz="1600" b="0" i="0" dirty="0">
+                <a:effectLst/>
+                <a:latin typeface="-apple-system"/>
+              </a:rPr>
+              <a:t>,</a:t>
+            </a:r>
+            <a:r>
+              <a:rPr lang="zh-CN" altLang="en-US" sz="1600" b="0" i="0" dirty="0">
+                <a:effectLst/>
+                <a:latin typeface="-apple-system"/>
+              </a:rPr>
+              <a:t>信号</a:t>
+            </a:r>
+            <a:r>
+              <a:rPr lang="en-US" altLang="zh-CN" sz="1600" b="0" i="0" dirty="0">
+                <a:effectLst/>
+                <a:latin typeface="-apple-system"/>
+              </a:rPr>
+              <a:t>,</a:t>
+            </a:r>
+            <a:r>
+              <a:rPr lang="zh-CN" altLang="en-US" sz="1600" b="0" i="0" dirty="0">
+                <a:effectLst/>
+                <a:latin typeface="-apple-system"/>
+              </a:rPr>
+              <a:t>信号接收者</a:t>
+            </a:r>
+            <a:r>
+              <a:rPr lang="en-US" altLang="zh-CN" sz="1600" b="0" i="0" dirty="0">
+                <a:effectLst/>
+                <a:latin typeface="-apple-system"/>
+              </a:rPr>
+              <a:t>,</a:t>
+            </a:r>
+            <a:r>
+              <a:rPr lang="zh-CN" altLang="en-US" sz="1600" b="0" i="0" dirty="0">
+                <a:effectLst/>
+                <a:latin typeface="-apple-system"/>
+              </a:rPr>
+              <a:t>槽</a:t>
+            </a:r>
+            <a:r>
+              <a:rPr lang="en-US" altLang="zh-CN" sz="1600" b="0" i="0" dirty="0">
+                <a:effectLst/>
+                <a:latin typeface="-apple-system"/>
+              </a:rPr>
+              <a:t>,</a:t>
+            </a:r>
+            <a:r>
+              <a:rPr lang="zh-CN" altLang="en-US" sz="1600" b="0" i="0" dirty="0">
+                <a:effectLst/>
+                <a:latin typeface="-apple-system"/>
+              </a:rPr>
+              <a:t>连接方式</a:t>
+            </a:r>
+            <a:r>
+              <a:rPr lang="en-US" altLang="zh-CN" sz="1600" b="0" i="0" dirty="0">
+                <a:effectLst/>
+                <a:latin typeface="-apple-system"/>
+              </a:rPr>
+              <a:t>(</a:t>
+            </a:r>
+            <a:r>
+              <a:rPr lang="zh-CN" altLang="en-US" sz="1600" b="0" i="0" dirty="0">
+                <a:effectLst/>
+                <a:latin typeface="-apple-system"/>
+              </a:rPr>
+              <a:t>隐藏默认自动连接</a:t>
+            </a:r>
+            <a:r>
+              <a:rPr lang="en-US" altLang="zh-CN" sz="1600" b="0" i="0" dirty="0">
+                <a:effectLst/>
+                <a:latin typeface="-apple-system"/>
+              </a:rPr>
+              <a:t>)) // </a:t>
+            </a:r>
+            <a:r>
+              <a:rPr lang="zh-CN" altLang="en-US" sz="1600" b="0" i="0" dirty="0">
+                <a:effectLst/>
+                <a:latin typeface="-apple-system"/>
+              </a:rPr>
+              <a:t>五个参数 四种写法：</a:t>
+            </a:r>
+          </a:p>
+          <a:p>
+            <a:pPr marL="342900" indent="-342900" algn="l">
+              <a:buFont typeface="+mj-ea"/>
+              <a:buAutoNum type="circleNumDbPlain"/>
+            </a:pPr>
+            <a:r>
+              <a:rPr lang="zh-CN" altLang="en-US" sz="1600" b="0" i="0" dirty="0">
+                <a:effectLst/>
+                <a:latin typeface="-apple-system"/>
+              </a:rPr>
+              <a:t>用宏：</a:t>
+            </a:r>
+            <a:endParaRPr lang="en-US" altLang="zh-CN" sz="1600" b="0" i="0" dirty="0">
+              <a:effectLst/>
+              <a:latin typeface="-apple-system"/>
+            </a:endParaRPr>
+          </a:p>
+          <a:p>
+            <a:pPr algn="l"/>
+            <a:r>
+              <a:rPr lang="en" altLang="zh-CN" sz="1600" b="0" i="0" dirty="0">
+                <a:solidFill>
+                  <a:srgbClr val="4EC9B0"/>
+                </a:solidFill>
+                <a:effectLst/>
+                <a:latin typeface="-apple-system"/>
               </a:rPr>
               <a:t>connect</a:t>
             </a:r>
             <a:r>
-              <a:rPr lang="zh-CN" altLang="en-US" sz="1600" dirty="0">
-                <a:latin typeface="SimSun" panose="02010600030101010101" pitchFamily="2" charset="-122"/>
-                <a:ea typeface="SimSun" panose="02010600030101010101" pitchFamily="2" charset="-122"/>
-                <a:sym typeface="Wingdings" pitchFamily="2" charset="2"/>
-              </a:rPr>
-              <a:t>的</a:t>
-            </a:r>
-            <a:r>
-              <a:rPr lang="zh-CN" altLang="en-US" sz="1600" b="1" dirty="0">
+              <a:rPr lang="en" altLang="zh-CN" sz="1600" b="0" i="0" dirty="0">
+                <a:solidFill>
+                  <a:srgbClr val="855EC3"/>
+                </a:solidFill>
+                <a:effectLst/>
+                <a:latin typeface="-apple-system"/>
+              </a:rPr>
+              <a:t>(</a:t>
+            </a:r>
+            <a:r>
+              <a:rPr lang="en" altLang="zh-CN" sz="1600" b="0" i="0" dirty="0" err="1">
+                <a:solidFill>
+                  <a:srgbClr val="569CD6"/>
+                </a:solidFill>
+                <a:effectLst/>
+                <a:latin typeface="-apple-system"/>
+              </a:rPr>
+              <a:t>this</a:t>
+            </a:r>
+            <a:r>
+              <a:rPr lang="en" altLang="zh-CN" sz="1600" b="0" i="0" dirty="0" err="1">
+                <a:solidFill>
+                  <a:srgbClr val="855EC3"/>
+                </a:solidFill>
+                <a:effectLst/>
+                <a:latin typeface="-apple-system"/>
+              </a:rPr>
+              <a:t>,</a:t>
+            </a:r>
+            <a:r>
+              <a:rPr lang="en" altLang="zh-CN" sz="1600" b="0" i="0" dirty="0" err="1">
+                <a:solidFill>
+                  <a:srgbClr val="4EC9B0"/>
+                </a:solidFill>
+                <a:effectLst/>
+                <a:latin typeface="-apple-system"/>
+              </a:rPr>
+              <a:t>SIGNAL</a:t>
+            </a:r>
+            <a:r>
+              <a:rPr lang="en" altLang="zh-CN" sz="1600" b="0" i="0" dirty="0">
+                <a:solidFill>
+                  <a:srgbClr val="855EC3"/>
+                </a:solidFill>
+                <a:effectLst/>
+                <a:latin typeface="-apple-system"/>
+              </a:rPr>
+              <a:t>(</a:t>
+            </a:r>
+            <a:r>
+              <a:rPr lang="en" altLang="zh-CN" sz="1600" b="0" i="0" dirty="0">
+                <a:solidFill>
+                  <a:srgbClr val="4EC9B0"/>
+                </a:solidFill>
+                <a:effectLst/>
+                <a:latin typeface="-apple-system"/>
+              </a:rPr>
+              <a:t>clicked</a:t>
+            </a:r>
+            <a:r>
+              <a:rPr lang="en" altLang="zh-CN" sz="1600" b="0" i="0" dirty="0">
+                <a:solidFill>
+                  <a:srgbClr val="855EC3"/>
+                </a:solidFill>
+                <a:effectLst/>
+                <a:latin typeface="-apple-system"/>
+              </a:rPr>
+              <a:t>()),</a:t>
+            </a:r>
+            <a:r>
+              <a:rPr lang="en" altLang="zh-CN" sz="1600" b="0" i="0" dirty="0" err="1">
+                <a:solidFill>
+                  <a:srgbClr val="569CD6"/>
+                </a:solidFill>
+                <a:effectLst/>
+                <a:latin typeface="-apple-system"/>
+              </a:rPr>
+              <a:t>this</a:t>
+            </a:r>
+            <a:r>
+              <a:rPr lang="en" altLang="zh-CN" sz="1600" b="0" i="0" dirty="0" err="1">
+                <a:solidFill>
+                  <a:srgbClr val="855EC3"/>
+                </a:solidFill>
+                <a:effectLst/>
+                <a:latin typeface="-apple-system"/>
+              </a:rPr>
+              <a:t>,</a:t>
+            </a:r>
+            <a:r>
+              <a:rPr lang="en" altLang="zh-CN" sz="1600" b="0" i="0" dirty="0" err="1">
+                <a:solidFill>
+                  <a:srgbClr val="4EC9B0"/>
+                </a:solidFill>
+                <a:effectLst/>
+                <a:latin typeface="-apple-system"/>
+              </a:rPr>
+              <a:t>SLOT</a:t>
+            </a:r>
+            <a:r>
+              <a:rPr lang="en" altLang="zh-CN" sz="1600" b="0" i="0" dirty="0">
+                <a:solidFill>
+                  <a:srgbClr val="855EC3"/>
+                </a:solidFill>
+                <a:effectLst/>
+                <a:latin typeface="-apple-system"/>
+              </a:rPr>
+              <a:t>(</a:t>
+            </a:r>
+            <a:r>
+              <a:rPr lang="en" altLang="zh-CN" sz="1600" b="0" i="0" dirty="0">
+                <a:solidFill>
+                  <a:srgbClr val="4EC9B0"/>
+                </a:solidFill>
+                <a:effectLst/>
+                <a:latin typeface="-apple-system"/>
+              </a:rPr>
+              <a:t>close</a:t>
+            </a:r>
+            <a:r>
+              <a:rPr lang="en" altLang="zh-CN" sz="1600" b="0" i="0" dirty="0">
+                <a:solidFill>
+                  <a:srgbClr val="855EC3"/>
+                </a:solidFill>
+                <a:effectLst/>
+                <a:latin typeface="-apple-system"/>
+              </a:rPr>
+              <a:t>())); </a:t>
+            </a:r>
+            <a:r>
+              <a:rPr lang="en" altLang="zh-CN" sz="1600" b="0" i="1" dirty="0">
+                <a:solidFill>
+                  <a:srgbClr val="57A64A"/>
+                </a:solidFill>
+                <a:effectLst/>
+                <a:latin typeface="-apple-system"/>
+              </a:rPr>
+              <a:t>// </a:t>
+            </a:r>
+            <a:r>
+              <a:rPr lang="zh-CN" altLang="en-US" sz="1600" b="0" i="1" dirty="0">
+                <a:solidFill>
+                  <a:srgbClr val="57A64A"/>
+                </a:solidFill>
+                <a:effectLst/>
+                <a:latin typeface="-apple-system"/>
+              </a:rPr>
+              <a:t>连接方式</a:t>
+            </a:r>
+            <a:r>
+              <a:rPr lang="en-US" altLang="zh-CN" sz="1600" b="0" i="1" dirty="0">
+                <a:solidFill>
+                  <a:srgbClr val="57A64A"/>
+                </a:solidFill>
+                <a:effectLst/>
+                <a:latin typeface="-apple-system"/>
+              </a:rPr>
+              <a:t>(</a:t>
+            </a:r>
+            <a:r>
+              <a:rPr lang="zh-CN" altLang="en-US" sz="1600" b="0" i="1" dirty="0">
+                <a:solidFill>
+                  <a:srgbClr val="57A64A"/>
+                </a:solidFill>
+                <a:effectLst/>
+                <a:latin typeface="-apple-system"/>
+              </a:rPr>
+              <a:t>隐藏默认自动连接</a:t>
+            </a:r>
+            <a:r>
+              <a:rPr lang="en-US" altLang="zh-CN" sz="1600" b="0" i="1" dirty="0">
+                <a:solidFill>
+                  <a:srgbClr val="57A64A"/>
+                </a:solidFill>
+                <a:effectLst/>
+                <a:latin typeface="-apple-system"/>
+              </a:rPr>
+              <a:t>)</a:t>
+            </a:r>
+            <a:r>
+              <a:rPr lang="zh-CN" altLang="en-US" sz="1600" b="0" i="0" dirty="0">
+                <a:solidFill>
+                  <a:srgbClr val="CCCCCC"/>
+                </a:solidFill>
+                <a:effectLst/>
+                <a:latin typeface="-apple-system"/>
+              </a:rPr>
+              <a:t> </a:t>
+            </a:r>
+            <a:endParaRPr lang="en-US" altLang="zh-CN" sz="1600" b="0" i="0" dirty="0">
+              <a:solidFill>
+                <a:srgbClr val="CCCCCC"/>
+              </a:solidFill>
+              <a:effectLst/>
+              <a:latin typeface="-apple-system"/>
+            </a:endParaRPr>
+          </a:p>
+          <a:p>
+            <a:pPr algn="l"/>
+            <a:endParaRPr lang="zh-CN" altLang="en-US" sz="1600" b="0" i="0" dirty="0">
+              <a:solidFill>
+                <a:srgbClr val="CCCCCC"/>
+              </a:solidFill>
+              <a:effectLst/>
+              <a:latin typeface="-apple-system"/>
+            </a:endParaRPr>
+          </a:p>
+          <a:p>
+            <a:pPr marL="342900" indent="-342900" algn="l">
+              <a:buFont typeface="+mj-ea"/>
+              <a:buAutoNum type="circleNumDbPlain" startAt="2"/>
+            </a:pPr>
+            <a:r>
+              <a:rPr lang="zh-CN" altLang="en-US" sz="1600" b="0" i="0" dirty="0">
+                <a:effectLst/>
+                <a:latin typeface="-apple-system"/>
+              </a:rPr>
+              <a:t>用函数指针</a:t>
+            </a:r>
+            <a:r>
+              <a:rPr lang="en-US" altLang="zh-CN" sz="1600" b="0" i="0" dirty="0">
+                <a:effectLst/>
+                <a:latin typeface="-apple-system"/>
+              </a:rPr>
+              <a:t>:</a:t>
+            </a:r>
+          </a:p>
+          <a:p>
+            <a:pPr algn="l"/>
+            <a:r>
+              <a:rPr lang="en" altLang="zh-CN" sz="1600" b="0" i="0" dirty="0">
+                <a:solidFill>
+                  <a:srgbClr val="4EC9B0"/>
+                </a:solidFill>
+                <a:effectLst/>
+                <a:latin typeface="-apple-system"/>
+              </a:rPr>
+              <a:t>connect</a:t>
+            </a:r>
+            <a:r>
+              <a:rPr lang="en" altLang="zh-CN" sz="1600" b="0" i="0" dirty="0">
+                <a:solidFill>
+                  <a:srgbClr val="855EC3"/>
+                </a:solidFill>
+                <a:effectLst/>
+                <a:latin typeface="-apple-system"/>
+              </a:rPr>
+              <a:t>(</a:t>
+            </a:r>
+            <a:r>
+              <a:rPr lang="en" altLang="zh-CN" sz="1600" b="0" i="0" dirty="0">
+                <a:solidFill>
+                  <a:srgbClr val="569CD6"/>
+                </a:solidFill>
+                <a:effectLst/>
+                <a:latin typeface="-apple-system"/>
+              </a:rPr>
+              <a:t>this</a:t>
+            </a:r>
+            <a:r>
+              <a:rPr lang="en" altLang="zh-CN" sz="1600" b="0" i="0" dirty="0">
+                <a:solidFill>
+                  <a:srgbClr val="855EC3"/>
+                </a:solidFill>
+                <a:effectLst/>
+                <a:latin typeface="-apple-system"/>
+              </a:rPr>
+              <a:t>,&amp;</a:t>
+            </a:r>
+            <a:r>
+              <a:rPr lang="en" altLang="zh-CN" sz="1600" b="0" i="0" dirty="0" err="1">
+                <a:solidFill>
+                  <a:srgbClr val="855EC3"/>
+                </a:solidFill>
+                <a:effectLst/>
+                <a:latin typeface="-apple-system"/>
+              </a:rPr>
+              <a:t>mainwindow</a:t>
+            </a:r>
+            <a:r>
+              <a:rPr lang="en" altLang="zh-CN" sz="1600" b="0" i="0" dirty="0">
+                <a:solidFill>
+                  <a:srgbClr val="855EC3"/>
+                </a:solidFill>
+                <a:effectLst/>
+                <a:latin typeface="-apple-system"/>
+              </a:rPr>
+              <a:t>::my_signal,</a:t>
+            </a:r>
+            <a:r>
+              <a:rPr lang="en" altLang="zh-CN" sz="1600" b="0" i="0" dirty="0">
+                <a:solidFill>
+                  <a:srgbClr val="569CD6"/>
+                </a:solidFill>
+                <a:effectLst/>
+                <a:latin typeface="-apple-system"/>
+              </a:rPr>
+              <a:t>this</a:t>
+            </a:r>
+            <a:r>
+              <a:rPr lang="en" altLang="zh-CN" sz="1600" b="0" i="0" dirty="0">
+                <a:solidFill>
+                  <a:srgbClr val="855EC3"/>
+                </a:solidFill>
+                <a:effectLst/>
+                <a:latin typeface="-apple-system"/>
+              </a:rPr>
+              <a:t>,&amp;</a:t>
+            </a:r>
+            <a:r>
+              <a:rPr lang="en" altLang="zh-CN" sz="1600" b="0" i="0" dirty="0" err="1">
+                <a:solidFill>
+                  <a:srgbClr val="855EC3"/>
+                </a:solidFill>
+                <a:effectLst/>
+                <a:latin typeface="-apple-system"/>
+              </a:rPr>
+              <a:t>mainwindow</a:t>
+            </a:r>
+            <a:r>
+              <a:rPr lang="en" altLang="zh-CN" sz="1600" b="0" i="0" dirty="0">
+                <a:solidFill>
+                  <a:srgbClr val="855EC3"/>
+                </a:solidFill>
+                <a:effectLst/>
+                <a:latin typeface="-apple-system"/>
+              </a:rPr>
+              <a:t>::</a:t>
+            </a:r>
+            <a:r>
+              <a:rPr lang="en" altLang="zh-CN" sz="1600" b="0" i="0" dirty="0" err="1">
+                <a:solidFill>
+                  <a:srgbClr val="855EC3"/>
+                </a:solidFill>
+                <a:effectLst/>
+                <a:latin typeface="-apple-system"/>
+              </a:rPr>
+              <a:t>my_slot</a:t>
+            </a:r>
+            <a:r>
+              <a:rPr lang="en" altLang="zh-CN" sz="1600" b="0" i="0" dirty="0">
+                <a:solidFill>
+                  <a:srgbClr val="855EC3"/>
+                </a:solidFill>
+                <a:effectLst/>
+                <a:latin typeface="-apple-system"/>
+              </a:rPr>
+              <a:t>); </a:t>
+            </a:r>
+          </a:p>
+          <a:p>
+            <a:pPr algn="l"/>
+            <a:endParaRPr lang="en" altLang="zh-CN" sz="1600" b="0" i="0" dirty="0">
+              <a:solidFill>
+                <a:srgbClr val="CCCCCC"/>
+              </a:solidFill>
+              <a:effectLst/>
+              <a:latin typeface="-apple-system"/>
+            </a:endParaRPr>
+          </a:p>
+          <a:p>
+            <a:pPr marL="342900" indent="-342900" algn="l">
+              <a:buFont typeface="+mj-ea"/>
+              <a:buAutoNum type="circleNumDbPlain" startAt="3"/>
+            </a:pPr>
+            <a:r>
+              <a:rPr lang="zh-CN" altLang="en-US" sz="1600" b="0" i="0" dirty="0">
+                <a:effectLst/>
+                <a:latin typeface="-apple-system"/>
+              </a:rPr>
+              <a:t>用重载函数指针</a:t>
+            </a:r>
+            <a:r>
+              <a:rPr lang="en" altLang="zh-CN" sz="1600" b="0" i="0" dirty="0">
+                <a:effectLst/>
+                <a:latin typeface="-apple-system"/>
+              </a:rPr>
+              <a:t>Q</a:t>
+            </a:r>
+            <a:r>
+              <a:rPr lang="en-US" altLang="zh-CN" sz="1600" dirty="0">
+                <a:latin typeface="-apple-system"/>
+              </a:rPr>
+              <a:t>o</a:t>
+            </a:r>
+            <a:r>
+              <a:rPr lang="en" altLang="zh-CN" sz="1600" b="0" i="0" dirty="0" err="1">
+                <a:effectLst/>
+                <a:latin typeface="-apple-system"/>
+              </a:rPr>
+              <a:t>verload</a:t>
+            </a:r>
+            <a:r>
+              <a:rPr lang="en-US" altLang="zh-CN" sz="1600" b="0" i="0" dirty="0">
+                <a:effectLst/>
+                <a:latin typeface="-apple-system"/>
+              </a:rPr>
+              <a:t>:</a:t>
+            </a:r>
+          </a:p>
+          <a:p>
+            <a:pPr algn="l"/>
+            <a:r>
+              <a:rPr lang="en" altLang="zh-CN" sz="1600" b="0" i="0" dirty="0">
+                <a:solidFill>
+                  <a:srgbClr val="4EC9B0"/>
+                </a:solidFill>
+                <a:effectLst/>
+                <a:latin typeface="-apple-system"/>
+              </a:rPr>
+              <a:t>connect</a:t>
+            </a:r>
+            <a:r>
+              <a:rPr lang="en" altLang="zh-CN" sz="1600" b="0" i="0" dirty="0">
+                <a:solidFill>
+                  <a:srgbClr val="855EC3"/>
+                </a:solidFill>
+                <a:effectLst/>
+                <a:latin typeface="-apple-system"/>
+              </a:rPr>
+              <a:t>(</a:t>
+            </a:r>
+            <a:r>
+              <a:rPr lang="en" altLang="zh-CN" sz="1600" b="0" i="0" dirty="0" err="1">
+                <a:solidFill>
+                  <a:srgbClr val="569CD6"/>
+                </a:solidFill>
+                <a:effectLst/>
+                <a:latin typeface="-apple-system"/>
+              </a:rPr>
+              <a:t>this</a:t>
+            </a:r>
+            <a:r>
+              <a:rPr lang="en" altLang="zh-CN" sz="1600" b="0" i="0" dirty="0" err="1">
+                <a:solidFill>
+                  <a:srgbClr val="CCCCCC"/>
+                </a:solidFill>
+                <a:effectLst/>
+                <a:latin typeface="-apple-system"/>
+              </a:rPr>
+              <a:t>,</a:t>
+            </a:r>
+            <a:r>
+              <a:rPr lang="en" altLang="zh-CN" sz="1600" b="0" i="0" dirty="0" err="1">
+                <a:solidFill>
+                  <a:srgbClr val="855EC3"/>
+                </a:solidFill>
+                <a:effectLst/>
+                <a:latin typeface="-apple-system"/>
+              </a:rPr>
+              <a:t>Qoverload</a:t>
+            </a:r>
+            <a:r>
+              <a:rPr lang="en" altLang="zh-CN" sz="1600" b="0" i="0" dirty="0">
+                <a:solidFill>
+                  <a:srgbClr val="855EC3"/>
+                </a:solidFill>
+                <a:effectLst/>
+                <a:latin typeface="-apple-system"/>
+              </a:rPr>
+              <a:t>&lt;</a:t>
+            </a:r>
+            <a:r>
+              <a:rPr lang="zh-CN" altLang="en-US" sz="1600" b="0" i="0" dirty="0">
+                <a:solidFill>
+                  <a:srgbClr val="C00000"/>
+                </a:solidFill>
+                <a:effectLst/>
+                <a:latin typeface="-apple-system"/>
+              </a:rPr>
+              <a:t>参数</a:t>
+            </a:r>
+            <a:r>
+              <a:rPr lang="en-US" altLang="zh-CN" sz="1600" b="0" i="0" dirty="0">
+                <a:solidFill>
+                  <a:srgbClr val="855EC3"/>
+                </a:solidFill>
+                <a:effectLst/>
+                <a:latin typeface="-apple-system"/>
+              </a:rPr>
+              <a:t>&gt;::</a:t>
+            </a:r>
+            <a:r>
+              <a:rPr lang="en" altLang="zh-CN" sz="1600" b="0" i="0" dirty="0">
+                <a:solidFill>
+                  <a:srgbClr val="4EC9B0"/>
+                </a:solidFill>
+                <a:effectLst/>
+                <a:latin typeface="-apple-system"/>
+              </a:rPr>
+              <a:t>of</a:t>
+            </a:r>
+            <a:r>
+              <a:rPr lang="en" altLang="zh-CN" sz="1600" b="0" i="0" dirty="0">
+                <a:solidFill>
+                  <a:srgbClr val="855EC3"/>
+                </a:solidFill>
+                <a:effectLst/>
+                <a:latin typeface="-apple-system"/>
+              </a:rPr>
+              <a:t>(&amp;</a:t>
+            </a:r>
+            <a:r>
+              <a:rPr lang="en" altLang="zh-CN" sz="1600" b="0" i="0" dirty="0" err="1">
+                <a:solidFill>
+                  <a:srgbClr val="855EC3"/>
+                </a:solidFill>
+                <a:effectLst/>
+                <a:latin typeface="-apple-system"/>
+              </a:rPr>
+              <a:t>mainwindow</a:t>
+            </a:r>
+            <a:r>
+              <a:rPr lang="en" altLang="zh-CN" sz="1600" b="0" i="0" dirty="0">
+                <a:solidFill>
+                  <a:srgbClr val="855EC3"/>
+                </a:solidFill>
+                <a:effectLst/>
+                <a:latin typeface="-apple-system"/>
+              </a:rPr>
+              <a:t>::</a:t>
+            </a:r>
+            <a:r>
+              <a:rPr lang="en" altLang="zh-CN" sz="1600" b="0" i="0" dirty="0" err="1">
+                <a:solidFill>
+                  <a:srgbClr val="855EC3"/>
+                </a:solidFill>
+                <a:effectLst/>
+                <a:latin typeface="-apple-system"/>
+              </a:rPr>
+              <a:t>my_signal</a:t>
+            </a:r>
+            <a:r>
+              <a:rPr lang="en" altLang="zh-CN" sz="1600" b="0" i="0" dirty="0">
+                <a:solidFill>
+                  <a:srgbClr val="855EC3"/>
+                </a:solidFill>
+                <a:effectLst/>
+                <a:latin typeface="-apple-system"/>
+              </a:rPr>
+              <a:t>),</a:t>
+            </a:r>
+            <a:r>
+              <a:rPr lang="en" altLang="zh-CN" sz="1600" b="0" i="0" dirty="0" err="1">
+                <a:solidFill>
+                  <a:srgbClr val="569CD6"/>
+                </a:solidFill>
+                <a:effectLst/>
+                <a:latin typeface="-apple-system"/>
+              </a:rPr>
+              <a:t>this</a:t>
+            </a:r>
+            <a:r>
+              <a:rPr lang="en" altLang="zh-CN" sz="1600" b="0" i="0" dirty="0" err="1">
+                <a:solidFill>
+                  <a:srgbClr val="855EC3"/>
+                </a:solidFill>
+                <a:effectLst/>
+                <a:latin typeface="-apple-system"/>
+              </a:rPr>
+              <a:t>,Q</a:t>
+            </a:r>
+            <a:r>
+              <a:rPr lang="en-US" altLang="zh-CN" sz="1600" dirty="0">
+                <a:solidFill>
+                  <a:srgbClr val="855EC3"/>
+                </a:solidFill>
+                <a:latin typeface="-apple-system"/>
+              </a:rPr>
+              <a:t>o</a:t>
+            </a:r>
+            <a:r>
+              <a:rPr lang="en" altLang="zh-CN" sz="1600" b="0" i="0" dirty="0" err="1">
+                <a:solidFill>
+                  <a:srgbClr val="855EC3"/>
+                </a:solidFill>
+                <a:effectLst/>
+                <a:latin typeface="-apple-system"/>
+              </a:rPr>
+              <a:t>verload</a:t>
+            </a:r>
+            <a:r>
+              <a:rPr lang="en" altLang="zh-CN" sz="1600" b="0" i="0" dirty="0">
+                <a:solidFill>
+                  <a:srgbClr val="855EC3"/>
+                </a:solidFill>
+                <a:effectLst/>
+                <a:latin typeface="-apple-system"/>
+              </a:rPr>
+              <a:t>&lt;</a:t>
+            </a:r>
+            <a:r>
+              <a:rPr lang="zh-CN" altLang="en-US" sz="1600" b="0" i="0" dirty="0">
+                <a:solidFill>
+                  <a:srgbClr val="C00000"/>
+                </a:solidFill>
+                <a:effectLst/>
+                <a:latin typeface="-apple-system"/>
+              </a:rPr>
+              <a:t>参数</a:t>
+            </a:r>
+            <a:r>
+              <a:rPr lang="en-US" altLang="zh-CN" sz="1600" b="0" i="0" dirty="0">
+                <a:solidFill>
+                  <a:srgbClr val="855EC3"/>
+                </a:solidFill>
+                <a:effectLst/>
+                <a:latin typeface="-apple-system"/>
+              </a:rPr>
+              <a:t>&gt;::</a:t>
+            </a:r>
+            <a:r>
+              <a:rPr lang="en" altLang="zh-CN" sz="1600" b="0" i="0" dirty="0">
+                <a:solidFill>
+                  <a:srgbClr val="4EC9B0"/>
+                </a:solidFill>
+                <a:effectLst/>
+                <a:latin typeface="-apple-system"/>
+              </a:rPr>
+              <a:t>of</a:t>
+            </a:r>
+            <a:r>
+              <a:rPr lang="en" altLang="zh-CN" sz="1600" b="0" i="0" dirty="0">
+                <a:solidFill>
+                  <a:srgbClr val="855EC3"/>
+                </a:solidFill>
+                <a:effectLst/>
+                <a:latin typeface="-apple-system"/>
+              </a:rPr>
+              <a:t>(&amp;</a:t>
+            </a:r>
+            <a:r>
+              <a:rPr lang="en" altLang="zh-CN" sz="1600" b="0" i="0" dirty="0" err="1">
+                <a:solidFill>
+                  <a:srgbClr val="855EC3"/>
+                </a:solidFill>
+                <a:effectLst/>
+                <a:latin typeface="-apple-system"/>
+              </a:rPr>
+              <a:t>mainwindow</a:t>
+            </a:r>
+            <a:r>
+              <a:rPr lang="en" altLang="zh-CN" sz="1600" b="0" i="0" dirty="0">
+                <a:solidFill>
+                  <a:srgbClr val="855EC3"/>
+                </a:solidFill>
+                <a:effectLst/>
+                <a:latin typeface="-apple-system"/>
+              </a:rPr>
+              <a:t>::</a:t>
+            </a:r>
+            <a:r>
+              <a:rPr lang="en" altLang="zh-CN" sz="1600" b="0" i="0" dirty="0" err="1">
+                <a:solidFill>
+                  <a:srgbClr val="855EC3"/>
+                </a:solidFill>
+                <a:effectLst/>
+                <a:latin typeface="-apple-system"/>
+              </a:rPr>
+              <a:t>my_slot</a:t>
+            </a:r>
+            <a:r>
+              <a:rPr lang="en" altLang="zh-CN" sz="1600" b="0" i="0" dirty="0">
+                <a:solidFill>
+                  <a:srgbClr val="855EC3"/>
+                </a:solidFill>
+                <a:effectLst/>
+                <a:latin typeface="-apple-system"/>
+              </a:rPr>
+              <a:t>));</a:t>
+            </a:r>
+          </a:p>
+          <a:p>
+            <a:pPr algn="l"/>
+            <a:r>
+              <a:rPr lang="en" altLang="zh-CN" sz="1600" b="0" i="0" dirty="0">
+                <a:solidFill>
+                  <a:srgbClr val="CCCCCC"/>
+                </a:solidFill>
+                <a:effectLst/>
+                <a:latin typeface="-apple-system"/>
+              </a:rPr>
+              <a:t> </a:t>
+            </a:r>
+          </a:p>
+          <a:p>
+            <a:pPr marL="342900" indent="-342900" algn="l">
+              <a:buFont typeface="+mj-ea"/>
+              <a:buAutoNum type="circleNumDbPlain" startAt="3"/>
+            </a:pPr>
+            <a:r>
+              <a:rPr lang="en" altLang="zh-CN" sz="1600" b="0" i="0" dirty="0">
+                <a:effectLst/>
+                <a:latin typeface="-apple-system"/>
+              </a:rPr>
+              <a:t>lambda</a:t>
+            </a:r>
+            <a:r>
+              <a:rPr lang="zh-CN" altLang="en-US" sz="1600" b="0" i="0" dirty="0">
+                <a:effectLst/>
+                <a:latin typeface="-apple-system"/>
+              </a:rPr>
+              <a:t>表达式</a:t>
+            </a:r>
+            <a:r>
+              <a:rPr lang="en-US" altLang="zh-CN" sz="1600" b="0" i="0" dirty="0">
+                <a:effectLst/>
+                <a:latin typeface="-apple-system"/>
+              </a:rPr>
+              <a:t>(</a:t>
+            </a:r>
+            <a:r>
+              <a:rPr lang="zh-CN" altLang="en-US" sz="1600" b="0" i="0" dirty="0">
+                <a:effectLst/>
+                <a:latin typeface="-apple-system"/>
+              </a:rPr>
+              <a:t>匿名函数</a:t>
+            </a:r>
+            <a:r>
+              <a:rPr lang="en-US" altLang="zh-CN" sz="1600" b="0" i="0" dirty="0">
+                <a:effectLst/>
+                <a:latin typeface="-apple-system"/>
+              </a:rPr>
+              <a:t>)</a:t>
+            </a:r>
+            <a:r>
+              <a:rPr lang="zh-CN" altLang="en-US" sz="1600" b="0" i="0" dirty="0">
+                <a:effectLst/>
+                <a:latin typeface="-apple-system"/>
+              </a:rPr>
+              <a:t>匿名函数代替槽</a:t>
+            </a:r>
+            <a:r>
+              <a:rPr lang="en-US" altLang="zh-CN" sz="1600" b="0" i="0" dirty="0">
+                <a:effectLst/>
+                <a:latin typeface="-apple-system"/>
+              </a:rPr>
+              <a:t>:</a:t>
+            </a:r>
+          </a:p>
+          <a:p>
+            <a:pPr algn="l"/>
+            <a:r>
+              <a:rPr lang="en" altLang="zh-CN" sz="1600" b="0" i="0" dirty="0">
+                <a:solidFill>
+                  <a:srgbClr val="4EC9B0"/>
+                </a:solidFill>
+                <a:effectLst/>
+                <a:latin typeface="-apple-system"/>
+              </a:rPr>
+              <a:t>connect</a:t>
+            </a:r>
+            <a:r>
+              <a:rPr lang="en" altLang="zh-CN" sz="1600" b="0" i="0" dirty="0">
+                <a:solidFill>
+                  <a:srgbClr val="855EC3"/>
+                </a:solidFill>
+                <a:effectLst/>
+                <a:latin typeface="-apple-system"/>
+              </a:rPr>
+              <a:t>(</a:t>
+            </a:r>
+            <a:r>
+              <a:rPr lang="en" altLang="zh-CN" sz="1600" b="0" i="0" dirty="0">
+                <a:solidFill>
+                  <a:srgbClr val="569CD6"/>
+                </a:solidFill>
+                <a:effectLst/>
+                <a:latin typeface="-apple-system"/>
+              </a:rPr>
+              <a:t>this</a:t>
+            </a:r>
+            <a:r>
+              <a:rPr lang="en" altLang="zh-CN" sz="1600" b="0" i="0" dirty="0">
+                <a:solidFill>
+                  <a:srgbClr val="855EC3"/>
+                </a:solidFill>
+                <a:effectLst/>
+                <a:latin typeface="-apple-system"/>
+              </a:rPr>
+              <a:t>,&amp;</a:t>
+            </a:r>
+            <a:r>
+              <a:rPr lang="en" altLang="zh-CN" sz="1600" b="0" i="0" dirty="0" err="1">
+                <a:solidFill>
+                  <a:srgbClr val="855EC3"/>
+                </a:solidFill>
+                <a:effectLst/>
+                <a:latin typeface="-apple-system"/>
+              </a:rPr>
+              <a:t>mainwindow</a:t>
+            </a:r>
+            <a:r>
+              <a:rPr lang="en" altLang="zh-CN" sz="1600" b="0" i="0" dirty="0">
+                <a:solidFill>
+                  <a:srgbClr val="855EC3"/>
+                </a:solidFill>
+                <a:effectLst/>
+                <a:latin typeface="-apple-system"/>
+              </a:rPr>
+              <a:t>::</a:t>
+            </a:r>
+            <a:r>
+              <a:rPr lang="en" altLang="zh-CN" sz="1600" b="0" i="0" dirty="0" err="1">
+                <a:solidFill>
+                  <a:srgbClr val="855EC3"/>
+                </a:solidFill>
+                <a:effectLst/>
+                <a:latin typeface="-apple-system"/>
+              </a:rPr>
+              <a:t>my_signal,</a:t>
+            </a:r>
+            <a:r>
+              <a:rPr lang="en" altLang="zh-CN" sz="1600" b="0" i="0" dirty="0" err="1">
+                <a:solidFill>
+                  <a:srgbClr val="569CD6"/>
+                </a:solidFill>
+                <a:effectLst/>
+                <a:latin typeface="-apple-system"/>
+              </a:rPr>
+              <a:t>this</a:t>
+            </a:r>
+            <a:r>
+              <a:rPr lang="en" altLang="zh-CN" sz="1600" b="0" i="0" dirty="0">
+                <a:solidFill>
+                  <a:srgbClr val="855EC3"/>
+                </a:solidFill>
+                <a:effectLst/>
+                <a:latin typeface="-apple-system"/>
+              </a:rPr>
+              <a:t>,[=]{</a:t>
+            </a:r>
+            <a:r>
+              <a:rPr lang="en" altLang="zh-CN" sz="1600" b="0" i="0" dirty="0" err="1">
+                <a:solidFill>
+                  <a:srgbClr val="4EC9B0"/>
+                </a:solidFill>
+                <a:effectLst/>
+                <a:latin typeface="-apple-system"/>
+              </a:rPr>
+              <a:t>qDebug</a:t>
+            </a:r>
+            <a:r>
+              <a:rPr lang="en" altLang="zh-CN" sz="1600" b="0" i="0" dirty="0">
+                <a:solidFill>
+                  <a:srgbClr val="855EC3"/>
+                </a:solidFill>
+                <a:effectLst/>
+                <a:latin typeface="-apple-system"/>
+              </a:rPr>
+              <a:t>()&lt;&lt;</a:t>
+            </a:r>
+            <a:r>
+              <a:rPr lang="en" altLang="zh-CN" sz="1600" b="0" i="0" dirty="0">
+                <a:solidFill>
+                  <a:srgbClr val="B8D7A3"/>
+                </a:solidFill>
+                <a:effectLst/>
+                <a:latin typeface="-apple-system"/>
+              </a:rPr>
+              <a:t>100</a:t>
+            </a:r>
+            <a:r>
+              <a:rPr lang="en" altLang="zh-CN" sz="1600" b="0" i="0" dirty="0">
+                <a:solidFill>
+                  <a:srgbClr val="855EC3"/>
+                </a:solidFill>
+                <a:effectLst/>
+                <a:latin typeface="-apple-system"/>
+              </a:rPr>
+              <a:t>;}); </a:t>
+            </a:r>
+          </a:p>
+          <a:p>
+            <a:pPr algn="l">
+              <a:buFont typeface="+mj-lt"/>
+              <a:buAutoNum type="arabicPeriod"/>
+            </a:pPr>
+            <a:endParaRPr lang="en" altLang="zh-CN" sz="1600" b="0" i="0" dirty="0">
+              <a:solidFill>
+                <a:srgbClr val="CCCCCC"/>
+              </a:solidFill>
+              <a:effectLst/>
+              <a:latin typeface="-apple-system"/>
+            </a:endParaRPr>
+          </a:p>
+          <a:p>
+            <a:pPr algn="l"/>
+            <a:r>
+              <a:rPr lang="zh-CN" altLang="en-US" b="1" i="0" dirty="0">
+                <a:effectLst/>
+                <a:latin typeface="-apple-system"/>
+              </a:rPr>
+              <a:t>连接方式：</a:t>
+            </a:r>
+          </a:p>
+          <a:p>
+            <a:pPr algn="l">
+              <a:buFont typeface="Arial" panose="020B0604020202020204" pitchFamily="34" charset="0"/>
+              <a:buChar char="•"/>
+            </a:pPr>
+            <a:r>
+              <a:rPr lang="zh-CN" altLang="en-US" sz="1600" b="0" i="0" dirty="0">
                 <a:solidFill>
                   <a:srgbClr val="5E90C4"/>
                 </a:solidFill>
-                <a:latin typeface="Microsoft YaHei" panose="020B0503020204020204" pitchFamily="34" charset="-122"/>
-                <a:ea typeface="Microsoft YaHei" panose="020B0503020204020204" pitchFamily="34" charset="-122"/>
-                <a:sym typeface="Wingdings" pitchFamily="2" charset="2"/>
-              </a:rPr>
-              <a:t>第五个参数</a:t>
-            </a:r>
-            <a:r>
-              <a:rPr lang="zh-CN" altLang="en-US" sz="1600" dirty="0">
-                <a:latin typeface="SimSun" panose="02010600030101010101" pitchFamily="2" charset="-122"/>
-                <a:ea typeface="SimSun" panose="02010600030101010101" pitchFamily="2" charset="-122"/>
-                <a:sym typeface="Wingdings" pitchFamily="2" charset="2"/>
-              </a:rPr>
-              <a:t>进行控制</a:t>
-            </a:r>
-            <a:r>
-              <a:rPr lang="zh-CN" altLang="en-US" sz="1600" b="1" dirty="0">
-                <a:solidFill>
-                  <a:srgbClr val="5B2287"/>
-                </a:solidFill>
-                <a:latin typeface="SimSun" panose="02010600030101010101" pitchFamily="2" charset="-122"/>
-                <a:ea typeface="SimSun" panose="02010600030101010101" pitchFamily="2" charset="-122"/>
-                <a:sym typeface="Wingdings" pitchFamily="2" charset="2"/>
-              </a:rPr>
-              <a:t>信号槽执行时所在的线程</a:t>
-            </a:r>
-            <a:endParaRPr lang="en-US" altLang="zh-CN" sz="1600" b="1" dirty="0">
-              <a:solidFill>
-                <a:srgbClr val="5B2287"/>
-              </a:solidFill>
-              <a:latin typeface="SimSun" panose="02010600030101010101" pitchFamily="2" charset="-122"/>
-              <a:ea typeface="SimSun" panose="02010600030101010101" pitchFamily="2" charset="-122"/>
-              <a:sym typeface="Wingdings" pitchFamily="2" charset="2"/>
-            </a:endParaRPr>
-          </a:p>
-          <a:p>
-            <a:endParaRPr lang="en-US" altLang="zh-CN" sz="1600" dirty="0">
-              <a:latin typeface="SimSun" panose="02010600030101010101" pitchFamily="2" charset="-122"/>
-              <a:ea typeface="SimSun" panose="02010600030101010101" pitchFamily="2" charset="-122"/>
-              <a:sym typeface="Wingdings" pitchFamily="2" charset="2"/>
-            </a:endParaRPr>
-          </a:p>
-          <a:p>
-            <a:r>
-              <a:rPr lang="en-US" altLang="zh-CN" sz="1600" dirty="0">
-                <a:latin typeface="SimSun" panose="02010600030101010101" pitchFamily="2" charset="-122"/>
-                <a:ea typeface="SimSun" panose="02010600030101010101" pitchFamily="2" charset="-122"/>
-                <a:sym typeface="Wingdings" pitchFamily="2" charset="2"/>
-              </a:rPr>
-              <a:t>connect</a:t>
-            </a:r>
-            <a:r>
-              <a:rPr lang="zh-CN" altLang="en-US" sz="1600" dirty="0">
-                <a:latin typeface="SimSun" panose="02010600030101010101" pitchFamily="2" charset="-122"/>
-                <a:ea typeface="SimSun" panose="02010600030101010101" pitchFamily="2" charset="-122"/>
-                <a:sym typeface="Wingdings" pitchFamily="2" charset="2"/>
-              </a:rPr>
-              <a:t>有几种连接方式，</a:t>
-            </a:r>
-            <a:r>
-              <a:rPr lang="zh-CN" altLang="en-US" sz="1600" dirty="0">
-                <a:solidFill>
-                  <a:srgbClr val="961F17"/>
-                </a:solidFill>
-                <a:latin typeface="SimSun" panose="02010600030101010101" pitchFamily="2" charset="-122"/>
-                <a:ea typeface="SimSun" panose="02010600030101010101" pitchFamily="2" charset="-122"/>
-                <a:sym typeface="Wingdings" pitchFamily="2" charset="2"/>
-              </a:rPr>
-              <a:t>直接连接和队列连接、自动连接</a:t>
-            </a:r>
-            <a:endParaRPr lang="en-US" altLang="zh-CN" sz="1600" dirty="0">
-              <a:solidFill>
-                <a:srgbClr val="961F17"/>
-              </a:solidFill>
-              <a:latin typeface="SimSun" panose="02010600030101010101" pitchFamily="2" charset="-122"/>
-              <a:ea typeface="SimSun" panose="02010600030101010101" pitchFamily="2" charset="-122"/>
-              <a:sym typeface="Wingdings" pitchFamily="2" charset="2"/>
-            </a:endParaRPr>
-          </a:p>
-          <a:p>
-            <a:endParaRPr lang="en-US" altLang="zh-CN" sz="1600" dirty="0">
-              <a:latin typeface="SimSun" panose="02010600030101010101" pitchFamily="2" charset="-122"/>
-              <a:ea typeface="SimSun" panose="02010600030101010101" pitchFamily="2" charset="-122"/>
-              <a:sym typeface="Wingdings" pitchFamily="2" charset="2"/>
-            </a:endParaRPr>
-          </a:p>
-          <a:p>
-            <a:r>
-              <a:rPr lang="zh-CN" altLang="en-US" sz="1600" b="1" dirty="0">
+                <a:effectLst/>
+                <a:latin typeface="-apple-system"/>
+              </a:rPr>
+              <a:t>自动连接</a:t>
+            </a:r>
+            <a:r>
+              <a:rPr lang="en-US" altLang="zh-CN" sz="1600" b="0" i="0" dirty="0">
                 <a:solidFill>
                   <a:srgbClr val="5E90C4"/>
                 </a:solidFill>
-                <a:latin typeface="Microsoft YaHei" panose="020B0503020204020204" pitchFamily="34" charset="-122"/>
-                <a:ea typeface="Microsoft YaHei" panose="020B0503020204020204" pitchFamily="34" charset="-122"/>
-                <a:sym typeface="Wingdings" pitchFamily="2" charset="2"/>
-              </a:rPr>
-              <a:t>直接连接 </a:t>
-            </a:r>
-            <a:r>
-              <a:rPr lang="en-US" altLang="zh-CN" sz="1600" dirty="0">
-                <a:latin typeface="SimSun" panose="02010600030101010101" pitchFamily="2" charset="-122"/>
-                <a:ea typeface="SimSun" panose="02010600030101010101" pitchFamily="2" charset="-122"/>
-                <a:sym typeface="Wingdings" pitchFamily="2" charset="2"/>
+                <a:effectLst/>
+                <a:latin typeface="-apple-system"/>
               </a:rPr>
               <a:t>(</a:t>
             </a:r>
             <a:r>
-              <a:rPr lang="en-US" altLang="zh-CN" sz="1600" dirty="0" err="1">
-                <a:latin typeface="SimSun" panose="02010600030101010101" pitchFamily="2" charset="-122"/>
-                <a:ea typeface="SimSun" panose="02010600030101010101" pitchFamily="2" charset="-122"/>
-                <a:sym typeface="Wingdings" pitchFamily="2" charset="2"/>
-              </a:rPr>
-              <a:t>Ot</a:t>
-            </a:r>
-            <a:r>
-              <a:rPr lang="en-US" altLang="zh-CN" sz="1600" dirty="0">
-                <a:latin typeface="SimSun" panose="02010600030101010101" pitchFamily="2" charset="-122"/>
-                <a:ea typeface="SimSun" panose="02010600030101010101" pitchFamily="2" charset="-122"/>
-                <a:sym typeface="Wingdings" pitchFamily="2" charset="2"/>
-              </a:rPr>
-              <a:t>::</a:t>
-            </a:r>
-            <a:r>
-              <a:rPr lang="en-US" altLang="zh-CN" sz="1600" dirty="0" err="1">
-                <a:latin typeface="SimSun" panose="02010600030101010101" pitchFamily="2" charset="-122"/>
-                <a:ea typeface="SimSun" panose="02010600030101010101" pitchFamily="2" charset="-122"/>
-                <a:sym typeface="Wingdings" pitchFamily="2" charset="2"/>
-              </a:rPr>
-              <a:t>DirectConnection</a:t>
-            </a:r>
-            <a:r>
-              <a:rPr lang="zh-CN" altLang="en-US" sz="1600" dirty="0">
-                <a:latin typeface="SimSun" panose="02010600030101010101" pitchFamily="2" charset="-122"/>
-                <a:ea typeface="SimSun" panose="02010600030101010101" pitchFamily="2" charset="-122"/>
-                <a:sym typeface="Wingdings" pitchFamily="2" charset="2"/>
-              </a:rPr>
-              <a:t>）：信号槽在信号发出者所在的线程中执行</a:t>
-            </a:r>
-          </a:p>
-          <a:p>
-            <a:r>
-              <a:rPr lang="zh-CN" altLang="en-US" sz="1600" b="1" dirty="0">
+              <a:rPr lang="zh-CN" altLang="en-US" sz="1600" b="0" i="0" dirty="0">
                 <a:solidFill>
                   <a:srgbClr val="5E90C4"/>
                 </a:solidFill>
-                <a:latin typeface="Microsoft YaHei" panose="020B0503020204020204" pitchFamily="34" charset="-122"/>
-                <a:ea typeface="Microsoft YaHei" panose="020B0503020204020204" pitchFamily="34" charset="-122"/>
-                <a:sym typeface="Wingdings" pitchFamily="2" charset="2"/>
-              </a:rPr>
-              <a:t>队列连接 </a:t>
-            </a:r>
-            <a:r>
-              <a:rPr lang="en-US" altLang="zh-CN" sz="1600" dirty="0">
-                <a:latin typeface="SimSun" panose="02010600030101010101" pitchFamily="2" charset="-122"/>
-                <a:ea typeface="SimSun" panose="02010600030101010101" pitchFamily="2" charset="-122"/>
-                <a:sym typeface="Wingdings" pitchFamily="2" charset="2"/>
-              </a:rPr>
-              <a:t>(Qt::</a:t>
-            </a:r>
-            <a:r>
-              <a:rPr lang="en-US" altLang="zh-CN" sz="1600" dirty="0" err="1">
-                <a:latin typeface="SimSun" panose="02010600030101010101" pitchFamily="2" charset="-122"/>
-                <a:ea typeface="SimSun" panose="02010600030101010101" pitchFamily="2" charset="-122"/>
-                <a:sym typeface="Wingdings" pitchFamily="2" charset="2"/>
-              </a:rPr>
-              <a:t>QueuedConnection</a:t>
-            </a:r>
-            <a:r>
-              <a:rPr lang="en-US" altLang="zh-CN" sz="1600" dirty="0">
-                <a:latin typeface="SimSun" panose="02010600030101010101" pitchFamily="2" charset="-122"/>
-                <a:ea typeface="SimSun" panose="02010600030101010101" pitchFamily="2" charset="-122"/>
-                <a:sym typeface="Wingdings" pitchFamily="2" charset="2"/>
+                <a:effectLst/>
+                <a:latin typeface="-apple-system"/>
+              </a:rPr>
+              <a:t>默认连接方式</a:t>
+            </a:r>
+            <a:r>
+              <a:rPr lang="en-US" altLang="zh-CN" sz="1600" b="0" i="0" dirty="0">
+                <a:solidFill>
+                  <a:srgbClr val="5E90C4"/>
+                </a:solidFill>
+                <a:effectLst/>
+                <a:latin typeface="-apple-system"/>
               </a:rPr>
               <a:t>)</a:t>
             </a:r>
-            <a:r>
-              <a:rPr lang="zh-CN" altLang="en-US" sz="1600" dirty="0">
-                <a:latin typeface="SimSun" panose="02010600030101010101" pitchFamily="2" charset="-122"/>
-                <a:ea typeface="SimSun" panose="02010600030101010101" pitchFamily="2" charset="-122"/>
-                <a:sym typeface="Wingdings" pitchFamily="2" charset="2"/>
-              </a:rPr>
-              <a:t>：信号在信号发出者所在的线程中执行，槽函数在信号接收者所在的线程中执行</a:t>
-            </a:r>
-          </a:p>
-          <a:p>
-            <a:r>
-              <a:rPr lang="zh-CN" altLang="en-US" sz="1600" b="1" dirty="0">
+          </a:p>
+          <a:p>
+            <a:pPr algn="l">
+              <a:buFont typeface="Arial" panose="020B0604020202020204" pitchFamily="34" charset="0"/>
+              <a:buChar char="•"/>
+            </a:pPr>
+            <a:r>
+              <a:rPr lang="zh-CN" altLang="en-US" sz="1600" b="0" i="0" dirty="0">
                 <a:solidFill>
                   <a:srgbClr val="5E90C4"/>
                 </a:solidFill>
-                <a:latin typeface="Microsoft YaHei" panose="020B0503020204020204" pitchFamily="34" charset="-122"/>
-                <a:ea typeface="Microsoft YaHei" panose="020B0503020204020204" pitchFamily="34" charset="-122"/>
-                <a:sym typeface="Wingdings" pitchFamily="2" charset="2"/>
-              </a:rPr>
-              <a:t>自动连接 </a:t>
-            </a:r>
-            <a:r>
-              <a:rPr lang="en-US" altLang="zh-CN" sz="1600" dirty="0">
-                <a:latin typeface="SimSun" panose="02010600030101010101" pitchFamily="2" charset="-122"/>
-                <a:ea typeface="SimSun" panose="02010600030101010101" pitchFamily="2" charset="-122"/>
-                <a:sym typeface="Wingdings" pitchFamily="2" charset="2"/>
-              </a:rPr>
-              <a:t>(Qt::</a:t>
-            </a:r>
-            <a:r>
-              <a:rPr lang="en-US" altLang="zh-CN" sz="1600" dirty="0" err="1">
-                <a:latin typeface="SimSun" panose="02010600030101010101" pitchFamily="2" charset="-122"/>
-                <a:ea typeface="SimSun" panose="02010600030101010101" pitchFamily="2" charset="-122"/>
-                <a:sym typeface="Wingdings" pitchFamily="2" charset="2"/>
-              </a:rPr>
-              <a:t>AutoConnection</a:t>
-            </a:r>
-            <a:r>
-              <a:rPr lang="en-US" altLang="zh-CN" sz="1600" dirty="0">
-                <a:latin typeface="SimSun" panose="02010600030101010101" pitchFamily="2" charset="-122"/>
-                <a:ea typeface="SimSun" panose="02010600030101010101" pitchFamily="2" charset="-122"/>
-                <a:sym typeface="Wingdings" pitchFamily="2" charset="2"/>
+                <a:effectLst/>
+                <a:latin typeface="-apple-system"/>
+              </a:rPr>
+              <a:t>直接连接</a:t>
+            </a:r>
+            <a:r>
+              <a:rPr lang="en-US" altLang="zh-CN" sz="1600" b="0" i="0" dirty="0">
+                <a:solidFill>
+                  <a:srgbClr val="5E90C4"/>
+                </a:solidFill>
+                <a:effectLst/>
+                <a:latin typeface="-apple-system"/>
+              </a:rPr>
+              <a:t>(</a:t>
+            </a:r>
+            <a:r>
+              <a:rPr lang="zh-CN" altLang="en-US" sz="1600" b="0" i="0" dirty="0">
+                <a:solidFill>
+                  <a:srgbClr val="5E90C4"/>
+                </a:solidFill>
+                <a:effectLst/>
+                <a:latin typeface="-apple-system"/>
+              </a:rPr>
+              <a:t>用于单线程，自动匹配</a:t>
+            </a:r>
+            <a:r>
+              <a:rPr lang="en-US" altLang="zh-CN" sz="1600" b="0" i="0" dirty="0">
+                <a:solidFill>
+                  <a:srgbClr val="5E90C4"/>
+                </a:solidFill>
+                <a:effectLst/>
+                <a:latin typeface="-apple-system"/>
               </a:rPr>
               <a:t>)</a:t>
             </a:r>
-            <a:r>
-              <a:rPr lang="zh-CN" altLang="en-US" sz="1600" dirty="0">
-                <a:latin typeface="SimSun" panose="02010600030101010101" pitchFamily="2" charset="-122"/>
-                <a:ea typeface="SimSun" panose="02010600030101010101" pitchFamily="2" charset="-122"/>
-                <a:sym typeface="Wingdings" pitchFamily="2" charset="2"/>
-              </a:rPr>
-              <a:t>：多线程时为</a:t>
-            </a:r>
-            <a:r>
-              <a:rPr lang="zh-CN" altLang="en-US" sz="1600" b="1" dirty="0">
-                <a:solidFill>
-                  <a:srgbClr val="961F17"/>
-                </a:solidFill>
-                <a:latin typeface="SimSun" panose="02010600030101010101" pitchFamily="2" charset="-122"/>
-                <a:ea typeface="SimSun" panose="02010600030101010101" pitchFamily="2" charset="-122"/>
-                <a:sym typeface="Wingdings" pitchFamily="2" charset="2"/>
-              </a:rPr>
-              <a:t>队列</a:t>
-            </a:r>
-            <a:r>
-              <a:rPr lang="zh-CN" altLang="en-US" sz="1600" dirty="0">
-                <a:latin typeface="SimSun" panose="02010600030101010101" pitchFamily="2" charset="-122"/>
-                <a:ea typeface="SimSun" panose="02010600030101010101" pitchFamily="2" charset="-122"/>
-                <a:sym typeface="Wingdings" pitchFamily="2" charset="2"/>
-              </a:rPr>
-              <a:t>连接函数，单线程时为</a:t>
-            </a:r>
-            <a:r>
-              <a:rPr lang="zh-CN" altLang="en-US" sz="1600" b="1" dirty="0">
-                <a:solidFill>
-                  <a:srgbClr val="961F17"/>
-                </a:solidFill>
-                <a:latin typeface="SimSun" panose="02010600030101010101" pitchFamily="2" charset="-122"/>
-                <a:ea typeface="SimSun" panose="02010600030101010101" pitchFamily="2" charset="-122"/>
-                <a:sym typeface="Wingdings" pitchFamily="2" charset="2"/>
-              </a:rPr>
-              <a:t>直接</a:t>
-            </a:r>
-            <a:r>
-              <a:rPr lang="zh-CN" altLang="en-US" sz="1600" dirty="0">
-                <a:latin typeface="SimSun" panose="02010600030101010101" pitchFamily="2" charset="-122"/>
-                <a:ea typeface="SimSun" panose="02010600030101010101" pitchFamily="2" charset="-122"/>
-                <a:sym typeface="Wingdings" pitchFamily="2" charset="2"/>
-              </a:rPr>
-              <a:t>连接函数</a:t>
-            </a:r>
+          </a:p>
+          <a:p>
+            <a:pPr algn="l">
+              <a:buFont typeface="Arial" panose="020B0604020202020204" pitchFamily="34" charset="0"/>
+              <a:buChar char="•"/>
+            </a:pPr>
+            <a:r>
+              <a:rPr lang="zh-CN" altLang="en-US" sz="1600" b="0" i="0" dirty="0">
+                <a:solidFill>
+                  <a:srgbClr val="5E90C4"/>
+                </a:solidFill>
+                <a:effectLst/>
+                <a:latin typeface="-apple-system"/>
+              </a:rPr>
+              <a:t>队列（用于多线程也可以用于单线程，自动匹配</a:t>
+            </a:r>
+            <a:r>
+              <a:rPr lang="en-US" altLang="zh-CN" sz="1600" b="0" i="0" dirty="0">
+                <a:solidFill>
+                  <a:srgbClr val="5E90C4"/>
+                </a:solidFill>
+                <a:effectLst/>
+                <a:latin typeface="-apple-system"/>
+              </a:rPr>
+              <a:t>)</a:t>
+            </a:r>
+          </a:p>
+          <a:p>
+            <a:pPr algn="l">
+              <a:buFont typeface="Arial" panose="020B0604020202020204" pitchFamily="34" charset="0"/>
+              <a:buChar char="•"/>
+            </a:pPr>
+            <a:r>
+              <a:rPr lang="zh-CN" altLang="en-US" sz="1600" b="0" i="0" dirty="0">
+                <a:solidFill>
+                  <a:srgbClr val="5E90C4"/>
+                </a:solidFill>
+                <a:effectLst/>
+                <a:latin typeface="-apple-system"/>
+              </a:rPr>
+              <a:t>阻塞队列</a:t>
+            </a:r>
+            <a:r>
+              <a:rPr lang="en-US" altLang="zh-CN" sz="1600" b="0" i="0" dirty="0">
+                <a:solidFill>
+                  <a:srgbClr val="5E90C4"/>
+                </a:solidFill>
+                <a:effectLst/>
+                <a:latin typeface="-apple-system"/>
+              </a:rPr>
+              <a:t>(</a:t>
+            </a:r>
+            <a:r>
+              <a:rPr lang="zh-CN" altLang="en-US" sz="1600" b="0" i="0" dirty="0">
+                <a:solidFill>
+                  <a:srgbClr val="5E90C4"/>
+                </a:solidFill>
+                <a:effectLst/>
+                <a:latin typeface="-apple-system"/>
+              </a:rPr>
+              <a:t>跨线程，多线程</a:t>
+            </a:r>
+            <a:r>
+              <a:rPr lang="en-US" altLang="zh-CN" sz="1600" b="0" i="0" dirty="0">
+                <a:solidFill>
+                  <a:srgbClr val="5E90C4"/>
+                </a:solidFill>
+                <a:effectLst/>
+                <a:latin typeface="-apple-system"/>
+              </a:rPr>
+              <a:t>)</a:t>
+            </a:r>
+          </a:p>
+          <a:p>
+            <a:pPr algn="l">
+              <a:buFont typeface="Arial" panose="020B0604020202020204" pitchFamily="34" charset="0"/>
+              <a:buChar char="•"/>
+            </a:pPr>
+            <a:r>
+              <a:rPr lang="zh-CN" altLang="en-US" sz="1600" b="0" i="0" dirty="0">
+                <a:solidFill>
+                  <a:srgbClr val="5E90C4"/>
+                </a:solidFill>
+                <a:effectLst/>
+                <a:latin typeface="-apple-system"/>
+              </a:rPr>
+              <a:t>唯一连接</a:t>
+            </a:r>
+            <a:r>
+              <a:rPr lang="en-US" altLang="zh-CN" sz="1600" b="0" i="0" dirty="0">
+                <a:solidFill>
+                  <a:srgbClr val="5E90C4"/>
+                </a:solidFill>
+                <a:effectLst/>
+                <a:latin typeface="-apple-system"/>
+              </a:rPr>
+              <a:t>(</a:t>
+            </a:r>
+            <a:r>
+              <a:rPr lang="zh-CN" altLang="en-US" sz="1600" b="0" i="0" dirty="0">
+                <a:solidFill>
+                  <a:srgbClr val="5E90C4"/>
+                </a:solidFill>
+                <a:effectLst/>
+                <a:latin typeface="-apple-system"/>
+              </a:rPr>
+              <a:t>跨线程，多线程</a:t>
+            </a:r>
+            <a:r>
+              <a:rPr lang="en-US" altLang="zh-CN" sz="1600" b="0" i="0" dirty="0">
+                <a:solidFill>
+                  <a:srgbClr val="5E90C4"/>
+                </a:solidFill>
+                <a:effectLst/>
+                <a:latin typeface="-apple-system"/>
+              </a:rPr>
+              <a:t>)</a:t>
+            </a:r>
+          </a:p>
+          <a:p>
+            <a:br>
+              <a:rPr lang="zh-CN" altLang="en-US" sz="1600" dirty="0"/>
+            </a:br>
             <a:endParaRPr lang="en-US" altLang="zh-CN" sz="1600" dirty="0">
               <a:latin typeface="SimSun" panose="02010600030101010101" pitchFamily="2" charset="-122"/>
               <a:ea typeface="SimSun" panose="02010600030101010101" pitchFamily="2" charset="-122"/>
@@ -11998,7 +12862,7 @@
         </p:nvSpPr>
         <p:spPr>
           <a:xfrm>
-            <a:off x="4759645" y="695093"/>
+            <a:off x="5305557" y="695092"/>
             <a:ext cx="2479355" cy="276999"/>
           </a:xfrm>
           <a:prstGeom prst="rect">
@@ -12013,14 +12877,14 @@
           <a:lstStyle/>
           <a:p>
             <a:r>
-              <a:rPr kumimoji="1" lang="en-US" altLang="zh-CN" sz="1200" dirty="0">
+              <a:rPr kumimoji="1" lang="zh-CN" altLang="en" sz="1200" dirty="0">
                 <a:solidFill>
                   <a:srgbClr val="5E90C4"/>
                 </a:solidFill>
                 <a:latin typeface="Microsoft YaHei" panose="020B0503020204020204" pitchFamily="34" charset="-122"/>
                 <a:ea typeface="Microsoft YaHei" panose="020B0503020204020204" pitchFamily="34" charset="-122"/>
               </a:rPr>
-              <a:t>1</a:t>
+              <a:t>续</a:t>
             </a:r>
             <a:r>
               <a:rPr kumimoji="1" lang="zh-CN" altLang="en-US" sz="1200" dirty="0">
@@ -12030,7 +12894,7 @@
                 <a:latin typeface="Microsoft YaHei" panose="020B0503020204020204" pitchFamily="34" charset="-122"/>
                 <a:ea typeface="Microsoft YaHei" panose="020B0503020204020204" pitchFamily="34" charset="-122"/>
               </a:rPr>
-              <a:t>、</a:t>
+              <a:t>上一个</a:t>
             </a:r>
             <a:r>
               <a:rPr kumimoji="1" lang="en-US" altLang="zh-CN" sz="1200" dirty="0">
@@ -12040,65 +12904,22 @@
                 <a:latin typeface="Microsoft YaHei" panose="020B0503020204020204" pitchFamily="34" charset="-122"/>
                 <a:ea typeface="Microsoft YaHei" panose="020B0503020204020204" pitchFamily="34" charset="-122"/>
               </a:rPr>
-              <a:t>2</a:t>
-            </a:r>
-            <a:r>
-              <a:rPr kumimoji="1" lang="zh-CN" altLang="en-US" sz="1200" dirty="0">
-                <a:solidFill>
-                  <a:srgbClr val="5E90C4"/>
-                </a:solidFill>
-                <a:latin typeface="Microsoft YaHei" panose="020B0503020204020204" pitchFamily="34" charset="-122"/>
-                <a:ea typeface="Microsoft YaHei" panose="020B0503020204020204" pitchFamily="34" charset="-122"/>
-              </a:rPr>
-              <a:t>、</a:t>
-            </a:r>
-            <a:r>
-              <a:rPr kumimoji="1" lang="en-US" altLang="zh-CN" sz="1200" dirty="0">
-                <a:solidFill>
-                  <a:srgbClr val="5E90C4"/>
-                </a:solidFill>
-                <a:latin typeface="Microsoft YaHei" panose="020B0503020204020204" pitchFamily="34" charset="-122"/>
-                <a:ea typeface="Microsoft YaHei" panose="020B0503020204020204" pitchFamily="34" charset="-122"/>
-              </a:rPr>
-              <a:t>3</a:t>
-            </a:r>
-            <a:r>
-              <a:rPr kumimoji="1" lang="zh-CN" altLang="en-US" sz="1200" dirty="0">
-                <a:solidFill>
-                  <a:srgbClr val="5E90C4"/>
-                </a:solidFill>
-                <a:latin typeface="Microsoft YaHei" panose="020B0503020204020204" pitchFamily="34" charset="-122"/>
-                <a:ea typeface="Microsoft YaHei" panose="020B0503020204020204" pitchFamily="34" charset="-122"/>
-              </a:rPr>
-              <a:t>题在上一个</a:t>
-            </a:r>
-            <a:r>
-              <a:rPr kumimoji="1" lang="en-US" altLang="zh-CN" sz="1200" dirty="0">
-                <a:solidFill>
-                  <a:srgbClr val="5E90C4"/>
-                </a:solidFill>
-                <a:latin typeface="Microsoft YaHei" panose="020B0503020204020204" pitchFamily="34" charset="-122"/>
-                <a:ea typeface="Microsoft YaHei" panose="020B0503020204020204" pitchFamily="34" charset="-122"/>
-              </a:rPr>
               <a:t>ppt</a:t>
             </a:r>
-            <a:r>
-              <a:rPr kumimoji="1" lang="zh-CN" altLang="en-US" sz="1200" dirty="0">
-                <a:solidFill>
-                  <a:srgbClr val="5E90C4"/>
-                </a:solidFill>
-                <a:latin typeface="Microsoft YaHei" panose="020B0503020204020204" pitchFamily="34" charset="-122"/>
-                <a:ea typeface="Microsoft YaHei" panose="020B0503020204020204" pitchFamily="34" charset="-122"/>
-              </a:rPr>
-              <a:t>中</a:t>
-            </a:r>
+            <a:endParaRPr kumimoji="1" lang="zh-CN" altLang="en-US" sz="1200" dirty="0">
+              <a:solidFill>
+                <a:srgbClr val="5E90C4"/>
+              </a:solidFill>
+              <a:latin typeface="Microsoft YaHei" panose="020B0503020204020204" pitchFamily="34" charset="-122"/>
+              <a:ea typeface="Microsoft YaHei" panose="020B0503020204020204" pitchFamily="34" charset="-122"/>
+            </a:endParaRPr>
           </a:p>
         </p:txBody>
       </p:sp>
     </p:spTree>
     <p:extLst>
       <p:ext uri="{BB962C8B-B14F-4D97-AF65-F5344CB8AC3E}">
-        <p14:creationId xmlns:p14="http://schemas.microsoft.com/office/powerpoint/2010/main" val="1972330473"/>
+        <p14:creationId xmlns:p14="http://schemas.microsoft.com/office/powerpoint/2010/main" val="2457309399"/>
       </p:ext>
     </p:extLst>
   </p:cSld>
@@ -12998,8 +13819,8 @@
         </p:nvSpPr>
         <p:spPr>
           <a:xfrm>
-            <a:off x="753368" y="1280135"/>
-            <a:ext cx="4604146" cy="707886"/>
+            <a:off x="1080921" y="1263508"/>
+            <a:ext cx="2354112" cy="584775"/>
           </a:xfrm>
           <a:prstGeom prst="rect">
             <a:avLst/>
@@ -13007,24 +13828,39 @@
           <a:noFill/>
         </p:spPr>
         <p:txBody>
-          <a:bodyPr wrap="none" rtlCol="0">
+          <a:bodyPr wrap="square" rtlCol="0">
             <a:spAutoFit/>
           </a:bodyPr>
           <a:lstStyle/>
           <a:p>
-            <a:r>
-              <a:rPr kumimoji="1" lang="en-US" altLang="zh-CN" sz="4000" b="1" dirty="0">
-                <a:latin typeface="Microsoft YaHei" panose="020B0503020204020204" pitchFamily="34" charset="-122"/>
-                <a:ea typeface="Microsoft YaHei" panose="020B0503020204020204" pitchFamily="34" charset="-122"/>
-              </a:rPr>
-              <a:t>8</a:t>
-            </a:r>
-            <a:r>
-              <a:rPr kumimoji="1" lang="zh-CN" altLang="en-US" sz="4000" b="1" dirty="0">
-                <a:latin typeface="Microsoft YaHei" panose="020B0503020204020204" pitchFamily="34" charset="-122"/>
-                <a:ea typeface="Microsoft YaHei" panose="020B0503020204020204" pitchFamily="34" charset="-122"/>
-              </a:rPr>
-              <a:t>，自定义控件流程</a:t>
+            <a:pPr algn="l"/>
+            <a:r>
+              <a:rPr lang="en" altLang="zh-CN" sz="3200" b="1" i="0" dirty="0">
+                <a:effectLst/>
+                <a:latin typeface="-apple-system"/>
+              </a:rPr>
+              <a:t>18</a:t>
+            </a:r>
+            <a:r>
+              <a:rPr lang="zh-CN" altLang="en" sz="3200" b="1" i="0" dirty="0">
+                <a:effectLst/>
+                <a:latin typeface="-apple-system"/>
+              </a:rPr>
+              <a:t>、</a:t>
+            </a:r>
+            <a:r>
+              <a:rPr lang="en" altLang="zh-CN" sz="3200" b="1" i="0" dirty="0">
+                <a:effectLst/>
+                <a:latin typeface="-apple-system"/>
+              </a:rPr>
+              <a:t>Qt</a:t>
+            </a:r>
+            <a:r>
+              <a:rPr lang="zh-CN" altLang="en-US" sz="3200" b="1" i="0" dirty="0">
+                <a:effectLst/>
+                <a:latin typeface="-apple-system"/>
+              </a:rPr>
+              <a:t>模型</a:t>
             </a:r>
           </a:p>
         </p:txBody>
@@ -13043,8 +13879,8 @@
         </p:nvSpPr>
         <p:spPr>
           <a:xfrm>
-            <a:off x="753368" y="2886183"/>
-            <a:ext cx="11253249" cy="1815882"/>
+            <a:off x="1080921" y="2048419"/>
+            <a:ext cx="11253249" cy="584775"/>
           </a:xfrm>
           <a:prstGeom prst="rect">
             <a:avLst/>
@@ -13058,132 +13894,176 @@
           <a:lstStyle/>
           <a:p>
             <a:r>
-              <a:rPr lang="zh-CN" altLang="en-US" sz="1600" dirty="0">
-                <a:latin typeface="SimSun" panose="02010600030101010101" pitchFamily="2" charset="-122"/>
-                <a:ea typeface="SimSun" panose="02010600030101010101" pitchFamily="2" charset="-122"/>
-                <a:sym typeface="Wingdings" pitchFamily="2" charset="2"/>
-              </a:rPr>
-              <a:t>继承需要自定义的控件类，如</a:t>
-            </a:r>
-            <a:r>
-              <a:rPr lang="en-US" altLang="zh-CN" sz="1600" dirty="0" err="1">
-                <a:latin typeface="SimSun" panose="02010600030101010101" pitchFamily="2" charset="-122"/>
-                <a:ea typeface="SimSun" panose="02010600030101010101" pitchFamily="2" charset="-122"/>
-                <a:sym typeface="Wingdings" pitchFamily="2" charset="2"/>
-              </a:rPr>
-              <a:t>QPushButton</a:t>
-            </a:r>
-            <a:r>
-              <a:rPr lang="zh-CN" altLang="en-US" sz="1600" dirty="0">
-                <a:latin typeface="SimSun" panose="02010600030101010101" pitchFamily="2" charset="-122"/>
-                <a:ea typeface="SimSun" panose="02010600030101010101" pitchFamily="2" charset="-122"/>
-                <a:sym typeface="Wingdings" pitchFamily="2" charset="2"/>
-              </a:rPr>
-              <a:t>；</a:t>
-            </a:r>
-            <a:endParaRPr lang="en-US" altLang="zh-CN" sz="1600" dirty="0">
-              <a:latin typeface="SimSun" panose="02010600030101010101" pitchFamily="2" charset="-122"/>
-              <a:ea typeface="SimSun" panose="02010600030101010101" pitchFamily="2" charset="-122"/>
-              <a:sym typeface="Wingdings" pitchFamily="2" charset="2"/>
-            </a:endParaRPr>
-          </a:p>
-          <a:p>
-            <a:endParaRPr lang="en-US" altLang="zh-CN" sz="1600" dirty="0">
-              <a:latin typeface="SimSun" panose="02010600030101010101" pitchFamily="2" charset="-122"/>
-              <a:ea typeface="SimSun" panose="02010600030101010101" pitchFamily="2" charset="-122"/>
-              <a:sym typeface="Wingdings" pitchFamily="2" charset="2"/>
-            </a:endParaRPr>
-          </a:p>
-          <a:p>
-            <a:r>
-              <a:rPr lang="zh-CN" altLang="en-US" sz="1600" dirty="0">
-                <a:latin typeface="SimSun" panose="02010600030101010101" pitchFamily="2" charset="-122"/>
-                <a:ea typeface="SimSun" panose="02010600030101010101" pitchFamily="2" charset="-122"/>
-                <a:sym typeface="Wingdings" pitchFamily="2" charset="2"/>
-              </a:rPr>
-              <a:t>从外观设计上：</a:t>
-            </a:r>
-            <a:endParaRPr lang="en-US" altLang="zh-CN" sz="1600" dirty="0">
-              <a:latin typeface="SimSun" panose="02010600030101010101" pitchFamily="2" charset="-122"/>
-              <a:ea typeface="SimSun" panose="02010600030101010101" pitchFamily="2" charset="-122"/>
-              <a:sym typeface="Wingdings" pitchFamily="2" charset="2"/>
-            </a:endParaRPr>
-          </a:p>
-          <a:p>
-            <a:r>
-              <a:rPr lang="en-US" altLang="zh-CN" sz="1600" dirty="0">
-                <a:latin typeface="SimSun" panose="02010600030101010101" pitchFamily="2" charset="-122"/>
-                <a:ea typeface="SimSun" panose="02010600030101010101" pitchFamily="2" charset="-122"/>
-                <a:sym typeface="Wingdings" pitchFamily="2" charset="2"/>
-              </a:rPr>
-              <a:t>QSS</a:t>
-            </a:r>
-            <a:r>
-              <a:rPr lang="zh-CN" altLang="en-US" sz="1600" dirty="0">
-                <a:latin typeface="SimSun" panose="02010600030101010101" pitchFamily="2" charset="-122"/>
-                <a:ea typeface="SimSun" panose="02010600030101010101" pitchFamily="2" charset="-122"/>
-                <a:sym typeface="Wingdings" pitchFamily="2" charset="2"/>
-              </a:rPr>
-              <a:t>、继承绘制函数重绘、继承</a:t>
-            </a:r>
-            <a:r>
-              <a:rPr lang="en-US" altLang="zh-CN" sz="1600" dirty="0" err="1">
-                <a:latin typeface="SimSun" panose="02010600030101010101" pitchFamily="2" charset="-122"/>
-                <a:ea typeface="SimSun" panose="02010600030101010101" pitchFamily="2" charset="-122"/>
-                <a:sym typeface="Wingdings" pitchFamily="2" charset="2"/>
-              </a:rPr>
-              <a:t>QStyle</a:t>
-            </a:r>
-            <a:r>
-              <a:rPr lang="zh-CN" altLang="en-US" sz="1600" dirty="0">
-                <a:latin typeface="SimSun" panose="02010600030101010101" pitchFamily="2" charset="-122"/>
-                <a:ea typeface="SimSun" panose="02010600030101010101" pitchFamily="2" charset="-122"/>
-                <a:sym typeface="Wingdings" pitchFamily="2" charset="2"/>
-              </a:rPr>
-              <a:t>相关类重绘、组合拼装等等；</a:t>
-            </a:r>
-            <a:endParaRPr lang="en-US" altLang="zh-CN" sz="1600" dirty="0">
-              <a:latin typeface="SimSun" panose="02010600030101010101" pitchFamily="2" charset="-122"/>
-              <a:ea typeface="SimSun" panose="02010600030101010101" pitchFamily="2" charset="-122"/>
-              <a:sym typeface="Wingdings" pitchFamily="2" charset="2"/>
-            </a:endParaRPr>
-          </a:p>
-          <a:p>
-            <a:endParaRPr lang="en-US" altLang="zh-CN" sz="1600" dirty="0">
-              <a:latin typeface="SimSun" panose="02010600030101010101" pitchFamily="2" charset="-122"/>
-              <a:ea typeface="SimSun" panose="02010600030101010101" pitchFamily="2" charset="-122"/>
-              <a:sym typeface="Wingdings" pitchFamily="2" charset="2"/>
-            </a:endParaRPr>
-          </a:p>
-          <a:p>
-            <a:r>
-              <a:rPr lang="zh-CN" altLang="en-US" sz="1600" dirty="0">
-                <a:latin typeface="SimSun" panose="02010600030101010101" pitchFamily="2" charset="-122"/>
-                <a:ea typeface="SimSun" panose="02010600030101010101" pitchFamily="2" charset="-122"/>
-                <a:sym typeface="Wingdings" pitchFamily="2" charset="2"/>
-              </a:rPr>
-              <a:t>从功能行为上：</a:t>
-            </a:r>
-            <a:endParaRPr lang="en-US" altLang="zh-CN" sz="1600" dirty="0">
-              <a:latin typeface="SimSun" panose="02010600030101010101" pitchFamily="2" charset="-122"/>
-              <a:ea typeface="SimSun" panose="02010600030101010101" pitchFamily="2" charset="-122"/>
-              <a:sym typeface="Wingdings" pitchFamily="2" charset="2"/>
-            </a:endParaRPr>
-          </a:p>
-          <a:p>
-            <a:r>
-              <a:rPr lang="zh-CN" altLang="en-US" sz="1600" dirty="0">
-                <a:latin typeface="SimSun" panose="02010600030101010101" pitchFamily="2" charset="-122"/>
-                <a:ea typeface="SimSun" panose="02010600030101010101" pitchFamily="2" charset="-122"/>
-                <a:sym typeface="Wingdings" pitchFamily="2" charset="2"/>
-              </a:rPr>
-              <a:t>重写事件西数、添加或者修改信号和槽等等。</a:t>
-            </a:r>
-            <a:endParaRPr lang="en-US" altLang="zh-CN" sz="1600" dirty="0">
-              <a:latin typeface="SimSun" panose="02010600030101010101" pitchFamily="2" charset="-122"/>
-              <a:ea typeface="SimSun" panose="02010600030101010101" pitchFamily="2" charset="-122"/>
-              <a:sym typeface="Wingdings" pitchFamily="2" charset="2"/>
-            </a:endParaRPr>
+              <a:rPr lang="en" altLang="zh-CN" sz="1600" b="0" i="0" dirty="0">
+                <a:effectLst/>
+                <a:latin typeface="-apple-system"/>
+              </a:rPr>
+              <a:t>Qt</a:t>
+            </a:r>
+            <a:r>
+              <a:rPr lang="zh-CN" altLang="en-US" sz="1600" b="0" i="0" dirty="0">
+                <a:effectLst/>
+                <a:latin typeface="-apple-system"/>
+              </a:rPr>
+              <a:t>的</a:t>
+            </a:r>
+            <a:r>
+              <a:rPr lang="en" altLang="zh-CN" sz="1600" b="0" i="0" dirty="0">
+                <a:effectLst/>
+                <a:latin typeface="-apple-system"/>
+              </a:rPr>
+              <a:t>View</a:t>
+            </a:r>
+            <a:r>
+              <a:rPr lang="zh-CN" altLang="en-US" sz="1600" b="0" i="0" dirty="0">
+                <a:effectLst/>
+                <a:latin typeface="-apple-system"/>
+              </a:rPr>
+              <a:t>主要有三种</a:t>
+            </a:r>
+            <a:r>
+              <a:rPr lang="en" altLang="zh-CN" sz="1600" b="1" i="0" dirty="0" err="1">
+                <a:solidFill>
+                  <a:srgbClr val="C00000"/>
+                </a:solidFill>
+                <a:effectLst/>
+                <a:latin typeface="-apple-system"/>
+              </a:rPr>
+              <a:t>QListView</a:t>
+            </a:r>
+            <a:r>
+              <a:rPr lang="en" altLang="zh-CN" sz="1600" b="1" i="0" dirty="0">
+                <a:solidFill>
+                  <a:srgbClr val="C00000"/>
+                </a:solidFill>
+                <a:effectLst/>
+                <a:latin typeface="-apple-system"/>
+              </a:rPr>
+              <a:t>, </a:t>
+            </a:r>
+            <a:r>
+              <a:rPr lang="en" altLang="zh-CN" sz="1600" b="1" i="0" dirty="0" err="1">
+                <a:solidFill>
+                  <a:srgbClr val="C00000"/>
+                </a:solidFill>
+                <a:effectLst/>
+                <a:latin typeface="-apple-system"/>
+              </a:rPr>
+              <a:t>QTreeView</a:t>
+            </a:r>
+            <a:r>
+              <a:rPr lang="en" altLang="zh-CN" sz="1600" b="1" i="0" dirty="0">
+                <a:solidFill>
+                  <a:srgbClr val="C00000"/>
+                </a:solidFill>
+                <a:effectLst/>
+                <a:latin typeface="-apple-system"/>
+              </a:rPr>
+              <a:t>, </a:t>
+            </a:r>
+            <a:r>
+              <a:rPr lang="en" altLang="zh-CN" sz="1600" b="1" i="0" dirty="0" err="1">
+                <a:solidFill>
+                  <a:srgbClr val="C00000"/>
+                </a:solidFill>
+                <a:effectLst/>
+                <a:latin typeface="-apple-system"/>
+              </a:rPr>
+              <a:t>QTabelView</a:t>
+            </a:r>
+            <a:r>
+              <a:rPr lang="en" altLang="zh-CN" sz="1600" b="1" i="0" dirty="0">
+                <a:solidFill>
+                  <a:srgbClr val="C00000"/>
+                </a:solidFill>
+                <a:effectLst/>
+                <a:latin typeface="-apple-system"/>
+              </a:rPr>
+              <a:t> </a:t>
+            </a:r>
+          </a:p>
+          <a:p>
+            <a:r>
+              <a:rPr lang="zh-CN" altLang="en-US" sz="1600" b="0" i="0" dirty="0">
+                <a:effectLst/>
+                <a:latin typeface="-apple-system"/>
+              </a:rPr>
+              <a:t>而对应的</a:t>
+            </a:r>
+            <a:r>
+              <a:rPr lang="en" altLang="zh-CN" sz="1600" b="0" i="0" dirty="0">
+                <a:effectLst/>
+                <a:latin typeface="-apple-system"/>
+              </a:rPr>
+              <a:t>Model</a:t>
+            </a:r>
+            <a:r>
+              <a:rPr lang="zh-CN" altLang="en-US" sz="1600" b="0" i="0" dirty="0">
+                <a:effectLst/>
+                <a:latin typeface="-apple-system"/>
+              </a:rPr>
+              <a:t>是：</a:t>
+            </a:r>
+            <a:r>
+              <a:rPr lang="en" altLang="zh-CN" sz="1600" b="1" i="0" dirty="0" err="1">
+                <a:solidFill>
+                  <a:srgbClr val="5E90C4"/>
+                </a:solidFill>
+                <a:effectLst/>
+                <a:latin typeface="-apple-system"/>
+              </a:rPr>
+              <a:t>QStringListModel</a:t>
+            </a:r>
+            <a:r>
+              <a:rPr lang="en" altLang="zh-CN" sz="1600" b="1" i="0" dirty="0">
+                <a:solidFill>
+                  <a:srgbClr val="5E90C4"/>
+                </a:solidFill>
+                <a:effectLst/>
+                <a:latin typeface="-apple-system"/>
+              </a:rPr>
+              <a:t>, </a:t>
+            </a:r>
+            <a:r>
+              <a:rPr lang="en" altLang="zh-CN" sz="1600" b="1" i="0" dirty="0" err="1">
+                <a:solidFill>
+                  <a:srgbClr val="5E90C4"/>
+                </a:solidFill>
+                <a:effectLst/>
+                <a:latin typeface="-apple-system"/>
+              </a:rPr>
+              <a:t>QAbstractltemModel</a:t>
+            </a:r>
+            <a:r>
+              <a:rPr lang="en" altLang="zh-CN" sz="1600" b="1" i="0" dirty="0">
+                <a:solidFill>
+                  <a:srgbClr val="5E90C4"/>
+                </a:solidFill>
+                <a:effectLst/>
+                <a:latin typeface="-apple-system"/>
+              </a:rPr>
+              <a:t>, </a:t>
+            </a:r>
+            <a:r>
+              <a:rPr lang="en" altLang="zh-CN" sz="1600" b="1" i="0" dirty="0" err="1">
+                <a:solidFill>
+                  <a:srgbClr val="5E90C4"/>
+                </a:solidFill>
+                <a:effectLst/>
+                <a:latin typeface="-apple-system"/>
+              </a:rPr>
+              <a:t>QStandarItemModel</a:t>
+            </a:r>
+            <a:r>
+              <a:rPr lang="en" altLang="zh-CN" sz="1600" b="1" i="0" dirty="0">
+                <a:solidFill>
+                  <a:srgbClr val="5E90C4"/>
+                </a:solidFill>
+                <a:effectLst/>
+                <a:latin typeface="-apple-system"/>
+              </a:rPr>
+              <a:t>. </a:t>
+            </a:r>
           </a:p>
         </p:txBody>
       </p:sp>
@@ -13201,7 +14081,7 @@
         </p:nvSpPr>
         <p:spPr>
           <a:xfrm>
-            <a:off x="4759645" y="695093"/>
+            <a:off x="5305557" y="695092"/>
             <a:ext cx="2479355" cy="276999"/>
           </a:xfrm>
           <a:prstGeom prst="rect">
@@ -13216,14 +14096,14 @@
           <a:lstStyle/>
           <a:p>
             <a:r>
-              <a:rPr kumimoji="1" lang="en-US" altLang="zh-CN" sz="1200" dirty="0">
+              <a:rPr kumimoji="1" lang="zh-CN" altLang="en" sz="1200" dirty="0">
                 <a:solidFill>
                   <a:srgbClr val="5E90C4"/>
                 </a:solidFill>
                 <a:latin typeface="Microsoft YaHei" panose="020B0503020204020204" pitchFamily="34" charset="-122"/>
                 <a:ea typeface="Microsoft YaHei" panose="020B0503020204020204" pitchFamily="34" charset="-122"/>
               </a:rPr>
-              <a:t>1</a:t>
+              <a:t>续</a:t>
             </a:r>
             <a:r>
               <a:rPr kumimoji="1" lang="zh-CN" altLang="en-US" sz="1200" dirty="0">
@@ -13233,7 +14113,7 @@
                 <a:latin typeface="Microsoft YaHei" panose="020B0503020204020204" pitchFamily="34" charset="-122"/>
                 <a:ea typeface="Microsoft YaHei" panose="020B0503020204020204" pitchFamily="34" charset="-122"/>
               </a:rPr>
-              <a:t>、</a:t>
+              <a:t>上一个</a:t>
             </a:r>
             <a:r>
               <a:rPr kumimoji="1" lang="en-US" altLang="zh-CN" sz="1200" dirty="0">
@@ -13243,65 +14123,582 @@
                 <a:latin typeface="Microsoft YaHei" panose="020B0503020204020204" pitchFamily="34" charset="-122"/>
                 <a:ea typeface="Microsoft YaHei" panose="020B0503020204020204" pitchFamily="34" charset="-122"/>
               </a:rPr>
-              <a:t>2</a:t>
-            </a:r>
-            <a:r>
-              <a:rPr kumimoji="1" lang="zh-CN" altLang="en-US" sz="1200" dirty="0">
-                <a:solidFill>
-                  <a:srgbClr val="5E90C4"/>
-                </a:solidFill>
-                <a:latin typeface="Microsoft YaHei" panose="020B0503020204020204" pitchFamily="34" charset="-122"/>
-                <a:ea typeface="Microsoft YaHei" panose="020B0503020204020204" pitchFamily="34" charset="-122"/>
+              <a:t>ppt</a:t>
+            </a:r>
+            <a:endParaRPr kumimoji="1" lang="zh-CN" altLang="en-US" sz="1200" dirty="0">
+              <a:solidFill>
+                <a:srgbClr val="5E90C4"/>
+              </a:solidFill>
+              <a:latin typeface="Microsoft YaHei" panose="020B0503020204020204" pitchFamily="34" charset="-122"/>
+              <a:ea typeface="Microsoft YaHei" panose="020B0503020204020204" pitchFamily="34" charset="-122"/>
+            </a:endParaRPr>
+          </a:p>
+        </p:txBody>
+      </p:sp>
+      <p:sp>
+        <p:nvSpPr>
+          <p:cNvPr id="7" name="文本框 6">
+            <a:extLst>
+              <a:ext uri="{FF2B5EF4-FFF2-40B4-BE49-F238E27FC236}">
+                <a16:creationId xmlns:a16="http://schemas.microsoft.com/office/drawing/2014/main" id="{BFDDD51C-AA8F-611E-BC3B-50DA1411A443}"/>
+              </a:ext>
+            </a:extLst>
+          </p:cNvPr>
+          <p:cNvSpPr txBox="1"/>
+          <p:nvPr/>
+        </p:nvSpPr>
+        <p:spPr>
+          <a:xfrm>
+            <a:off x="1080921" y="3238001"/>
+            <a:ext cx="4758034" cy="584775"/>
+          </a:xfrm>
+          <a:prstGeom prst="rect">
+            <a:avLst/>
+          </a:prstGeom>
+          <a:noFill/>
+        </p:spPr>
+        <p:txBody>
+          <a:bodyPr wrap="none" rtlCol="0">
+            <a:spAutoFit/>
+          </a:bodyPr>
+          <a:lstStyle/>
+          <a:p>
+            <a:r>
+              <a:rPr lang="en" altLang="zh-CN" sz="3200" b="1" i="0" dirty="0">
+                <a:effectLst/>
+                <a:latin typeface="-apple-system"/>
+              </a:rPr>
+              <a:t>19</a:t>
+            </a:r>
+            <a:r>
+              <a:rPr lang="zh-CN" altLang="en" sz="3200" b="1" i="0" dirty="0">
+                <a:effectLst/>
+                <a:latin typeface="-apple-system"/>
               </a:rPr>
               <a:t>、</a:t>
             </a:r>
             <a:r>
-              <a:rPr kumimoji="1" lang="en-US" altLang="zh-CN" sz="1200" dirty="0">
-                <a:solidFill>
-                  <a:srgbClr val="5E90C4"/>
-                </a:solidFill>
-                <a:latin typeface="Microsoft YaHei" panose="020B0503020204020204" pitchFamily="34" charset="-122"/>
-                <a:ea typeface="Microsoft YaHei" panose="020B0503020204020204" pitchFamily="34" charset="-122"/>
-              </a:rPr>
-              <a:t>3</a:t>
-            </a:r>
-            <a:r>
-              <a:rPr kumimoji="1" lang="zh-CN" altLang="en-US" sz="1200" dirty="0">
-                <a:solidFill>
-                  <a:srgbClr val="5E90C4"/>
-                </a:solidFill>
-                <a:latin typeface="Microsoft YaHei" panose="020B0503020204020204" pitchFamily="34" charset="-122"/>
-                <a:ea typeface="Microsoft YaHei" panose="020B0503020204020204" pitchFamily="34" charset="-122"/>
-              </a:rPr>
-              <a:t>题在上一个</a:t>
-            </a:r>
-            <a:r>
-              <a:rPr kumimoji="1" lang="en-US" altLang="zh-CN" sz="1200" dirty="0">
-                <a:solidFill>
-                  <a:srgbClr val="5E90C4"/>
-                </a:solidFill>
-                <a:latin typeface="Microsoft YaHei" panose="020B0503020204020204" pitchFamily="34" charset="-122"/>
-                <a:ea typeface="Microsoft YaHei" panose="020B0503020204020204" pitchFamily="34" charset="-122"/>
-              </a:rPr>
-              <a:t>ppt</a:t>
-            </a:r>
-            <a:r>
-              <a:rPr kumimoji="1" lang="zh-CN" altLang="en-US" sz="1200" dirty="0">
-                <a:solidFill>
-                  <a:srgbClr val="5E90C4"/>
-                </a:solidFill>
-                <a:latin typeface="Microsoft YaHei" panose="020B0503020204020204" pitchFamily="34" charset="-122"/>
-                <a:ea typeface="Microsoft YaHei" panose="020B0503020204020204" pitchFamily="34" charset="-122"/>
-              </a:rPr>
-              <a:t>中</a:t>
-            </a:r>
+              <a:rPr lang="en" altLang="zh-CN" sz="3200" b="1" i="0" dirty="0">
+                <a:effectLst/>
+                <a:latin typeface="-apple-system"/>
+              </a:rPr>
+              <a:t>Qt</a:t>
+            </a:r>
+            <a:r>
+              <a:rPr lang="zh-CN" altLang="en-US" sz="3200" b="1" i="0" dirty="0">
+                <a:effectLst/>
+                <a:latin typeface="-apple-system"/>
+              </a:rPr>
+              <a:t>中的</a:t>
+            </a:r>
+            <a:r>
+              <a:rPr lang="en" altLang="zh-CN" sz="3200" b="1" i="0" dirty="0">
+                <a:effectLst/>
+                <a:latin typeface="-apple-system"/>
+              </a:rPr>
+              <a:t>MVD</a:t>
+            </a:r>
+            <a:r>
+              <a:rPr lang="zh-CN" altLang="en-US" sz="3200" b="1" i="0" dirty="0">
+                <a:effectLst/>
+                <a:latin typeface="-apple-system"/>
+              </a:rPr>
+              <a:t>了解吧？</a:t>
+            </a:r>
+          </a:p>
+        </p:txBody>
+      </p:sp>
+      <p:sp>
+        <p:nvSpPr>
+          <p:cNvPr id="8" name="文本框 7">
+            <a:extLst>
+              <a:ext uri="{FF2B5EF4-FFF2-40B4-BE49-F238E27FC236}">
+                <a16:creationId xmlns:a16="http://schemas.microsoft.com/office/drawing/2014/main" id="{6E1DF128-A760-9FAD-6414-62146FD9215C}"/>
+              </a:ext>
+            </a:extLst>
+          </p:cNvPr>
+          <p:cNvSpPr txBox="1"/>
+          <p:nvPr/>
+        </p:nvSpPr>
+        <p:spPr>
+          <a:xfrm>
+            <a:off x="1173286" y="4022912"/>
+            <a:ext cx="10740965" cy="2308324"/>
+          </a:xfrm>
+          <a:prstGeom prst="rect">
+            <a:avLst/>
+          </a:prstGeom>
+          <a:noFill/>
+        </p:spPr>
+        <p:txBody>
+          <a:bodyPr wrap="square" rtlCol="0">
+            <a:spAutoFit/>
+          </a:bodyPr>
+          <a:lstStyle/>
+          <a:p>
+            <a:pPr algn="l"/>
+            <a:r>
+              <a:rPr lang="en" altLang="zh-CN" sz="1600" b="0" i="0" dirty="0">
+                <a:effectLst/>
+                <a:latin typeface="-apple-system"/>
+              </a:rPr>
+              <a:t>Qt</a:t>
+            </a:r>
+            <a:r>
+              <a:rPr lang="zh-CN" altLang="en-US" sz="1600" b="0" i="0" dirty="0">
+                <a:effectLst/>
+                <a:latin typeface="-apple-system"/>
+              </a:rPr>
+              <a:t>的</a:t>
+            </a:r>
+            <a:r>
+              <a:rPr lang="en" altLang="zh-CN" sz="1600" b="0" i="0" dirty="0">
+                <a:effectLst/>
+                <a:latin typeface="-apple-system"/>
+              </a:rPr>
+              <a:t>MVD</a:t>
+            </a:r>
+            <a:r>
+              <a:rPr lang="zh-CN" altLang="en-US" sz="1600" b="0" i="0" dirty="0">
+                <a:effectLst/>
+                <a:latin typeface="-apple-system"/>
+              </a:rPr>
+              <a:t>包含三个部分</a:t>
+            </a:r>
+            <a:r>
+              <a:rPr lang="en" altLang="zh-CN" sz="1600" b="1" i="0" dirty="0">
+                <a:solidFill>
+                  <a:srgbClr val="C00000"/>
+                </a:solidFill>
+                <a:effectLst/>
+                <a:latin typeface="-apple-system"/>
+              </a:rPr>
+              <a:t>Model(</a:t>
+            </a:r>
+            <a:r>
+              <a:rPr lang="zh-CN" altLang="en-US" sz="1600" b="1" i="0" dirty="0">
+                <a:solidFill>
+                  <a:srgbClr val="C00000"/>
+                </a:solidFill>
+                <a:effectLst/>
+                <a:latin typeface="-apple-system"/>
+              </a:rPr>
+              <a:t>模型</a:t>
+            </a:r>
+            <a:r>
+              <a:rPr lang="en-US" altLang="zh-CN" sz="1600" b="1" i="0" dirty="0">
+                <a:solidFill>
+                  <a:srgbClr val="C00000"/>
+                </a:solidFill>
+                <a:effectLst/>
+                <a:latin typeface="-apple-system"/>
+              </a:rPr>
+              <a:t>)</a:t>
+            </a:r>
+            <a:r>
+              <a:rPr lang="zh-CN" altLang="en-US" sz="1600" b="1" i="0" dirty="0">
+                <a:solidFill>
+                  <a:srgbClr val="C00000"/>
+                </a:solidFill>
+                <a:effectLst/>
+                <a:latin typeface="-apple-system"/>
+              </a:rPr>
+              <a:t>，</a:t>
+            </a:r>
+            <a:r>
+              <a:rPr lang="en" altLang="zh-CN" sz="1600" b="1" i="0" dirty="0">
+                <a:solidFill>
+                  <a:srgbClr val="C00000"/>
+                </a:solidFill>
+                <a:effectLst/>
+                <a:latin typeface="-apple-system"/>
+              </a:rPr>
+              <a:t>View(</a:t>
+            </a:r>
+            <a:r>
+              <a:rPr lang="zh-CN" altLang="en-US" sz="1600" b="1" i="0" dirty="0">
+                <a:solidFill>
+                  <a:srgbClr val="C00000"/>
+                </a:solidFill>
+                <a:effectLst/>
+                <a:latin typeface="-apple-system"/>
+              </a:rPr>
+              <a:t>视图</a:t>
+            </a:r>
+            <a:r>
+              <a:rPr lang="en-US" altLang="zh-CN" sz="1600" b="1" i="0" dirty="0">
+                <a:solidFill>
+                  <a:srgbClr val="C00000"/>
+                </a:solidFill>
+                <a:effectLst/>
+                <a:latin typeface="-apple-system"/>
+              </a:rPr>
+              <a:t>)</a:t>
+            </a:r>
+            <a:r>
+              <a:rPr lang="zh-CN" altLang="en-US" sz="1600" b="1" i="0" dirty="0">
+                <a:solidFill>
+                  <a:srgbClr val="C00000"/>
+                </a:solidFill>
+                <a:effectLst/>
+                <a:latin typeface="-apple-system"/>
+              </a:rPr>
+              <a:t>，代理</a:t>
+            </a:r>
+            <a:r>
+              <a:rPr lang="en-US" altLang="zh-CN" sz="1600" b="1" i="0" dirty="0">
+                <a:solidFill>
+                  <a:srgbClr val="C00000"/>
+                </a:solidFill>
+                <a:effectLst/>
+                <a:latin typeface="-apple-system"/>
+              </a:rPr>
+              <a:t>(</a:t>
+            </a:r>
+            <a:r>
+              <a:rPr lang="en" altLang="zh-CN" sz="1600" b="1" i="0" dirty="0">
+                <a:solidFill>
+                  <a:srgbClr val="C00000"/>
+                </a:solidFill>
+                <a:effectLst/>
+                <a:latin typeface="-apple-system"/>
+              </a:rPr>
+              <a:t>Delegate</a:t>
+            </a:r>
+            <a:r>
+              <a:rPr lang="en" altLang="zh-CN" sz="1600" b="0" i="0" dirty="0">
+                <a:effectLst/>
+                <a:latin typeface="-apple-system"/>
+              </a:rPr>
+              <a:t>)</a:t>
+            </a:r>
+            <a:r>
+              <a:rPr lang="zh-CN" altLang="en" sz="1600" b="0" i="0" dirty="0">
+                <a:effectLst/>
+                <a:latin typeface="-apple-system"/>
+              </a:rPr>
+              <a:t>。</a:t>
+            </a:r>
+            <a:endParaRPr lang="en-US" altLang="zh-CN" sz="1600" b="0" i="0" dirty="0">
+              <a:effectLst/>
+              <a:latin typeface="-apple-system"/>
+            </a:endParaRPr>
+          </a:p>
+          <a:p>
+            <a:pPr algn="l"/>
+            <a:endParaRPr lang="en-US" altLang="zh-CN" sz="1600" b="0" i="0" dirty="0">
+              <a:effectLst/>
+              <a:latin typeface="-apple-system"/>
+            </a:endParaRPr>
+          </a:p>
+          <a:p>
+            <a:pPr algn="l"/>
+            <a:r>
+              <a:rPr lang="en" altLang="zh-CN" sz="1600" b="0" i="0" dirty="0">
+                <a:effectLst/>
+                <a:latin typeface="-apple-system"/>
+              </a:rPr>
+              <a:t>Model</a:t>
+            </a:r>
+            <a:r>
+              <a:rPr lang="zh-CN" altLang="en-US" sz="1600" b="0" i="0" dirty="0">
+                <a:effectLst/>
+                <a:latin typeface="-apple-system"/>
+              </a:rPr>
+              <a:t>否则保存数据，</a:t>
+            </a:r>
+            <a:r>
+              <a:rPr lang="en" altLang="zh-CN" sz="1600" b="0" i="0" dirty="0">
+                <a:effectLst/>
+                <a:latin typeface="-apple-system"/>
+              </a:rPr>
+              <a:t>View</a:t>
+            </a:r>
+            <a:r>
+              <a:rPr lang="zh-CN" altLang="en-US" sz="1600" b="0" i="0" dirty="0">
+                <a:effectLst/>
+                <a:latin typeface="-apple-system"/>
+              </a:rPr>
+              <a:t>负责展示数据，</a:t>
+            </a:r>
+            <a:r>
+              <a:rPr lang="en" altLang="zh-CN" sz="1600" b="0" i="0" dirty="0">
+                <a:effectLst/>
+                <a:latin typeface="-apple-system"/>
+              </a:rPr>
+              <a:t>Delegate</a:t>
+            </a:r>
+            <a:r>
+              <a:rPr lang="zh-CN" altLang="en-US" sz="1600" b="0" i="0" dirty="0">
+                <a:effectLst/>
+                <a:latin typeface="-apple-system"/>
+              </a:rPr>
+              <a:t>负责</a:t>
+            </a:r>
+            <a:r>
+              <a:rPr lang="en" altLang="zh-CN" sz="1600" b="0" i="0" dirty="0">
+                <a:effectLst/>
+                <a:latin typeface="-apple-system"/>
+              </a:rPr>
+              <a:t>Item</a:t>
+            </a:r>
+            <a:r>
+              <a:rPr lang="zh-CN" altLang="en-US" sz="1600" b="0" i="0" dirty="0">
+                <a:effectLst/>
+                <a:latin typeface="-apple-system"/>
+              </a:rPr>
+              <a:t>样式绘制或处理输入。</a:t>
+            </a:r>
+            <a:endParaRPr lang="en-US" altLang="zh-CN" sz="1600" b="0" i="0" dirty="0">
+              <a:effectLst/>
+              <a:latin typeface="-apple-system"/>
+            </a:endParaRPr>
+          </a:p>
+          <a:p>
+            <a:pPr algn="l"/>
+            <a:endParaRPr lang="en-US" altLang="zh-CN" sz="1600" b="0" i="0" dirty="0">
+              <a:effectLst/>
+              <a:latin typeface="-apple-system"/>
+            </a:endParaRPr>
+          </a:p>
+          <a:p>
+            <a:pPr algn="l"/>
+            <a:r>
+              <a:rPr lang="zh-CN" altLang="en-US" sz="1600" b="0" i="0" dirty="0">
+                <a:effectLst/>
+                <a:latin typeface="-apple-system"/>
+              </a:rPr>
+              <a:t>这三部分通过信号来进行通信，当</a:t>
+            </a:r>
+            <a:r>
+              <a:rPr lang="en" altLang="zh-CN" sz="1600" b="0" i="0" dirty="0">
+                <a:effectLst/>
+                <a:latin typeface="-apple-system"/>
+              </a:rPr>
+              <a:t>Model</a:t>
+            </a:r>
+            <a:r>
+              <a:rPr lang="zh-CN" altLang="en-US" sz="1600" b="0" i="0" dirty="0">
+                <a:effectLst/>
+                <a:latin typeface="-apple-system"/>
+              </a:rPr>
+              <a:t>中数据发生变化时，将会发送信号到</a:t>
+            </a:r>
+            <a:r>
+              <a:rPr lang="en" altLang="zh-CN" sz="1600" b="0" i="0" dirty="0">
+                <a:effectLst/>
+                <a:latin typeface="-apple-system"/>
+              </a:rPr>
+              <a:t>View</a:t>
+            </a:r>
+            <a:r>
+              <a:rPr lang="zh-CN" altLang="en" sz="1600" b="0" i="0" dirty="0">
+                <a:effectLst/>
+                <a:latin typeface="-apple-system"/>
+              </a:rPr>
+              <a:t>，</a:t>
+            </a:r>
+            <a:r>
+              <a:rPr lang="zh-CN" altLang="en-US" sz="1600" b="0" i="0" dirty="0">
+                <a:effectLst/>
+                <a:latin typeface="-apple-system"/>
+              </a:rPr>
+              <a:t>在</a:t>
+            </a:r>
+            <a:r>
+              <a:rPr lang="en" altLang="zh-CN" sz="1600" b="0" i="0" dirty="0">
+                <a:effectLst/>
+                <a:latin typeface="-apple-system"/>
+              </a:rPr>
+              <a:t>View</a:t>
+            </a:r>
+            <a:r>
+              <a:rPr lang="zh-CN" altLang="en-US" sz="1600" b="0" i="0" dirty="0">
+                <a:effectLst/>
+                <a:latin typeface="-apple-system"/>
+              </a:rPr>
+              <a:t>中编辑数据时，</a:t>
+            </a:r>
+            <a:r>
+              <a:rPr lang="en" altLang="zh-CN" sz="1600" b="0" i="0" dirty="0">
+                <a:effectLst/>
+                <a:latin typeface="-apple-system"/>
+              </a:rPr>
+              <a:t>Delegate</a:t>
+            </a:r>
+            <a:r>
+              <a:rPr lang="zh-CN" altLang="en-US" sz="1600" b="0" i="0" dirty="0">
+                <a:effectLst/>
+                <a:latin typeface="-apple-system"/>
+              </a:rPr>
+              <a:t>负责将编辑状态发送给</a:t>
+            </a:r>
+            <a:r>
+              <a:rPr lang="en" altLang="zh-CN" sz="1600" b="0" i="0" dirty="0">
+                <a:effectLst/>
+                <a:latin typeface="-apple-system"/>
+              </a:rPr>
+              <a:t>Model</a:t>
+            </a:r>
+            <a:r>
+              <a:rPr lang="zh-CN" altLang="en-US" sz="1600" b="0" i="0" dirty="0">
+                <a:effectLst/>
+                <a:latin typeface="-apple-system"/>
+              </a:rPr>
+              <a:t>层。</a:t>
+            </a:r>
+            <a:endParaRPr lang="en-US" altLang="zh-CN" sz="1600" b="0" i="0" dirty="0">
+              <a:effectLst/>
+              <a:latin typeface="-apple-system"/>
+            </a:endParaRPr>
+          </a:p>
+          <a:p>
+            <a:pPr algn="l"/>
+            <a:endParaRPr lang="en-US" altLang="zh-CN" sz="1600" b="0" i="0" dirty="0">
+              <a:effectLst/>
+              <a:latin typeface="-apple-system"/>
+            </a:endParaRPr>
+          </a:p>
+          <a:p>
+            <a:pPr algn="l"/>
+            <a:r>
+              <a:rPr lang="zh-CN" altLang="en-US" sz="1600" b="0" i="0" dirty="0">
+                <a:effectLst/>
+                <a:latin typeface="-apple-system"/>
+              </a:rPr>
+              <a:t>基类分别为</a:t>
+            </a:r>
+            <a:r>
+              <a:rPr lang="en" altLang="zh-CN" sz="1600" b="0" i="0" dirty="0" err="1">
+                <a:effectLst/>
+                <a:latin typeface="-apple-system"/>
+              </a:rPr>
+              <a:t>QAbstracItemModel</a:t>
+            </a:r>
+            <a:r>
+              <a:rPr lang="zh-CN" altLang="en" sz="1600" b="0" i="0" dirty="0">
+                <a:effectLst/>
+                <a:latin typeface="-apple-system"/>
+              </a:rPr>
+              <a:t>、</a:t>
+            </a:r>
+            <a:r>
+              <a:rPr lang="en" altLang="zh-CN" sz="1600" b="0" i="0" dirty="0" err="1">
+                <a:effectLst/>
+                <a:latin typeface="-apple-system"/>
+              </a:rPr>
+              <a:t>QAbstractItemView</a:t>
+            </a:r>
+            <a:r>
+              <a:rPr lang="zh-CN" altLang="en" sz="1600" b="0" i="0" dirty="0">
+                <a:effectLst/>
+                <a:latin typeface="-apple-system"/>
+              </a:rPr>
+              <a:t>、</a:t>
+            </a:r>
+            <a:r>
+              <a:rPr lang="en" altLang="zh-CN" sz="1600" b="0" i="0" dirty="0" err="1">
+                <a:effectLst/>
+                <a:latin typeface="-apple-system"/>
+              </a:rPr>
+              <a:t>QAbstractItemDelegate</a:t>
+            </a:r>
+            <a:r>
+              <a:rPr lang="zh-CN" altLang="en" sz="1600" b="0" i="0" dirty="0">
+                <a:effectLst/>
+                <a:latin typeface="-apple-system"/>
+              </a:rPr>
+              <a:t>。</a:t>
+            </a:r>
+            <a:endParaRPr lang="en-US" altLang="zh-CN" sz="1600" b="0" i="0" dirty="0">
+              <a:effectLst/>
+              <a:latin typeface="-apple-system"/>
+            </a:endParaRPr>
+          </a:p>
+          <a:p>
+            <a:pPr algn="l"/>
+            <a:r>
+              <a:rPr lang="en" altLang="zh-CN" sz="1600" b="0" i="0" dirty="0">
+                <a:effectLst/>
+                <a:latin typeface="-apple-system"/>
+              </a:rPr>
+              <a:t>Qt</a:t>
+            </a:r>
+            <a:r>
+              <a:rPr lang="zh-CN" altLang="en-US" sz="1600" b="0" i="0" dirty="0">
+                <a:effectLst/>
+                <a:latin typeface="-apple-system"/>
+              </a:rPr>
+              <a:t>中提供了默认实现的</a:t>
+            </a:r>
+            <a:r>
+              <a:rPr lang="en" altLang="zh-CN" sz="1600" b="0" i="0" dirty="0">
+                <a:effectLst/>
+                <a:latin typeface="-apple-system"/>
+              </a:rPr>
+              <a:t>MVD</a:t>
+            </a:r>
+            <a:r>
+              <a:rPr lang="zh-CN" altLang="en-US" sz="1600" b="0" i="0" dirty="0">
+                <a:effectLst/>
+                <a:latin typeface="-apple-system"/>
+              </a:rPr>
+              <a:t>类，如</a:t>
+            </a:r>
+            <a:r>
+              <a:rPr lang="en" altLang="zh-CN" sz="1600" b="0" i="0" dirty="0" err="1">
+                <a:effectLst/>
+                <a:latin typeface="-apple-system"/>
+              </a:rPr>
+              <a:t>QTableWidget</a:t>
+            </a:r>
+            <a:r>
+              <a:rPr lang="zh-CN" altLang="en" sz="1600" b="0" i="0" dirty="0">
+                <a:effectLst/>
+                <a:latin typeface="-apple-system"/>
+              </a:rPr>
+              <a:t>、</a:t>
+            </a:r>
+            <a:r>
+              <a:rPr lang="en" altLang="zh-CN" sz="1600" b="0" i="0" dirty="0" err="1">
+                <a:effectLst/>
+                <a:latin typeface="-apple-system"/>
+              </a:rPr>
+              <a:t>QListWidget</a:t>
+            </a:r>
+            <a:r>
+              <a:rPr lang="zh-CN" altLang="en" sz="1600" b="0" i="0" dirty="0">
+                <a:effectLst/>
+                <a:latin typeface="-apple-system"/>
+              </a:rPr>
+              <a:t>、</a:t>
+            </a:r>
+            <a:r>
+              <a:rPr lang="en" altLang="zh-CN" sz="1600" b="0" i="0" dirty="0" err="1">
+                <a:effectLst/>
+                <a:latin typeface="-apple-system"/>
+              </a:rPr>
+              <a:t>QTreeWidget</a:t>
+            </a:r>
+            <a:r>
+              <a:rPr lang="zh-CN" altLang="en-US" sz="1600" b="0" i="0" dirty="0">
+                <a:effectLst/>
+                <a:latin typeface="-apple-system"/>
+              </a:rPr>
+              <a:t>等。</a:t>
+            </a:r>
+            <a:endParaRPr lang="en-US" altLang="zh-CN" sz="1600" dirty="0">
+              <a:latin typeface="SimSun" panose="02010600030101010101" pitchFamily="2" charset="-122"/>
+              <a:ea typeface="SimSun" panose="02010600030101010101" pitchFamily="2" charset="-122"/>
+              <a:sym typeface="Wingdings" pitchFamily="2" charset="2"/>
+            </a:endParaRPr>
           </a:p>
         </p:txBody>
       </p:sp>
     </p:spTree>
     <p:extLst>
       <p:ext uri="{BB962C8B-B14F-4D97-AF65-F5344CB8AC3E}">
-        <p14:creationId xmlns:p14="http://schemas.microsoft.com/office/powerpoint/2010/main" val="2138884655"/>
+        <p14:creationId xmlns:p14="http://schemas.microsoft.com/office/powerpoint/2010/main" val="2813372517"/>
       </p:ext>
     </p:extLst>
   </p:cSld>
@@ -14201,8 +15598,8 @@
         </p:nvSpPr>
         <p:spPr>
           <a:xfrm>
-            <a:off x="753368" y="1280135"/>
-            <a:ext cx="5178021" cy="707886"/>
+            <a:off x="1080921" y="1263508"/>
+            <a:ext cx="10030158" cy="1077218"/>
           </a:xfrm>
           <a:prstGeom prst="rect">
             <a:avLst/>
@@ -14210,38 +15607,67 @@
           <a:noFill/>
         </p:spPr>
         <p:txBody>
-          <a:bodyPr wrap="none" rtlCol="0">
+          <a:bodyPr wrap="square" rtlCol="0">
             <a:spAutoFit/>
           </a:bodyPr>
           <a:lstStyle/>
           <a:p>
-            <a:r>
-              <a:rPr kumimoji="1" lang="en-US" altLang="zh-CN" sz="4000" b="1" dirty="0">
-                <a:latin typeface="Microsoft YaHei" panose="020B0503020204020204" pitchFamily="34" charset="-122"/>
-                <a:ea typeface="Microsoft YaHei" panose="020B0503020204020204" pitchFamily="34" charset="-122"/>
-              </a:rPr>
-              <a:t>9</a:t>
-            </a:r>
-            <a:r>
-              <a:rPr kumimoji="1" lang="zh-CN" altLang="en-US" sz="4000" b="1" dirty="0">
-                <a:latin typeface="Microsoft YaHei" panose="020B0503020204020204" pitchFamily="34" charset="-122"/>
-                <a:ea typeface="Microsoft YaHei" panose="020B0503020204020204" pitchFamily="34" charset="-122"/>
-              </a:rPr>
-              <a:t>、对</a:t>
-            </a:r>
-            <a:r>
-              <a:rPr kumimoji="1" lang="en-US" altLang="zh-CN" sz="4000" b="1" dirty="0" err="1">
-                <a:latin typeface="Microsoft YaHei" panose="020B0503020204020204" pitchFamily="34" charset="-122"/>
-                <a:ea typeface="Microsoft YaHei" panose="020B0503020204020204" pitchFamily="34" charset="-122"/>
-              </a:rPr>
-              <a:t>QObject</a:t>
-            </a:r>
-            <a:r>
-              <a:rPr kumimoji="1" lang="zh-CN" altLang="en-US" sz="4000" b="1" dirty="0">
-                <a:latin typeface="Microsoft YaHei" panose="020B0503020204020204" pitchFamily="34" charset="-122"/>
-                <a:ea typeface="Microsoft YaHei" panose="020B0503020204020204" pitchFamily="34" charset="-122"/>
-              </a:rPr>
-              <a:t>的理解</a:t>
+            <a:pPr algn="l"/>
+            <a:r>
+              <a:rPr lang="en" altLang="zh-CN" sz="3200" b="1" i="0" dirty="0">
+                <a:effectLst/>
+                <a:latin typeface="-apple-system"/>
+              </a:rPr>
+              <a:t>20</a:t>
+            </a:r>
+            <a:r>
+              <a:rPr lang="zh-CN" altLang="en" sz="3200" b="1" i="0" dirty="0">
+                <a:effectLst/>
+                <a:latin typeface="-apple-system"/>
+              </a:rPr>
+              <a:t>、</a:t>
+            </a:r>
+            <a:r>
+              <a:rPr lang="en" altLang="zh-CN" sz="3200" b="1" i="0" dirty="0">
+                <a:effectLst/>
+                <a:latin typeface="-apple-system"/>
+              </a:rPr>
+              <a:t>Qt</a:t>
+            </a:r>
+            <a:r>
+              <a:rPr lang="zh-CN" altLang="en-US" sz="3200" b="1" i="0" dirty="0">
+                <a:effectLst/>
+                <a:latin typeface="-apple-system"/>
+              </a:rPr>
+              <a:t>如果要进行网络编程首先需要在</a:t>
+            </a:r>
+            <a:r>
+              <a:rPr lang="en-US" altLang="zh-CN" sz="3200" b="1" i="0" dirty="0">
+                <a:effectLst/>
+                <a:latin typeface="-apple-system"/>
+              </a:rPr>
+              <a:t>.</a:t>
+            </a:r>
+            <a:r>
+              <a:rPr lang="en" altLang="zh-CN" sz="3200" b="1" i="0" dirty="0">
+                <a:effectLst/>
+                <a:latin typeface="-apple-system"/>
+              </a:rPr>
+              <a:t>pro</a:t>
+            </a:r>
+            <a:r>
+              <a:rPr lang="zh-CN" altLang="en-US" sz="3200" b="1" i="0" dirty="0">
+                <a:effectLst/>
+                <a:latin typeface="-apple-system"/>
+              </a:rPr>
+              <a:t>中添加如下代码</a:t>
+            </a:r>
+            <a:r>
+              <a:rPr lang="en" altLang="zh-CN" sz="3200" b="1" i="0" dirty="0">
+                <a:effectLst/>
+                <a:latin typeface="-apple-system"/>
+              </a:rPr>
+              <a:t>QT network</a:t>
             </a:r>
           </a:p>
         </p:txBody>
@@ -14260,8 +15686,8 @@
         </p:nvSpPr>
         <p:spPr>
           <a:xfrm>
-            <a:off x="753368" y="2040728"/>
-            <a:ext cx="11048235" cy="4401205"/>
+            <a:off x="1080921" y="2583911"/>
+            <a:ext cx="11253249" cy="2308324"/>
           </a:xfrm>
           <a:prstGeom prst="rect">
             <a:avLst/>
@@ -14274,952 +15700,324 @@
           </a:bodyPr>
           <a:lstStyle/>
           <a:p>
-            <a:r>
-              <a:rPr lang="en" altLang="zh-CN" sz="1400" b="1" dirty="0" err="1">
-                <a:solidFill>
-                  <a:srgbClr val="961F17"/>
-                </a:solidFill>
-                <a:latin typeface="Microsoft YaHei" panose="020B0503020204020204" pitchFamily="34" charset="-122"/>
-                <a:ea typeface="Microsoft YaHei" panose="020B0503020204020204" pitchFamily="34" charset="-122"/>
-                <a:sym typeface="Wingdings" pitchFamily="2" charset="2"/>
-              </a:rPr>
-              <a:t>QObject</a:t>
-            </a:r>
-            <a:r>
-              <a:rPr lang="en" altLang="zh-CN" sz="1400" b="1" dirty="0">
-                <a:solidFill>
-                  <a:srgbClr val="961F17"/>
-                </a:solidFill>
-                <a:latin typeface="Microsoft YaHei" panose="020B0503020204020204" pitchFamily="34" charset="-122"/>
-                <a:ea typeface="Microsoft YaHei" panose="020B0503020204020204" pitchFamily="34" charset="-122"/>
-                <a:sym typeface="Wingdings" pitchFamily="2" charset="2"/>
-              </a:rPr>
-              <a:t> </a:t>
-            </a:r>
-            <a:r>
-              <a:rPr lang="zh-CN" altLang="en-US" sz="1400" b="1" dirty="0">
-                <a:solidFill>
-                  <a:srgbClr val="961F17"/>
-                </a:solidFill>
-                <a:latin typeface="Microsoft YaHei" panose="020B0503020204020204" pitchFamily="34" charset="-122"/>
-                <a:ea typeface="Microsoft YaHei" panose="020B0503020204020204" pitchFamily="34" charset="-122"/>
-                <a:sym typeface="Wingdings" pitchFamily="2" charset="2"/>
-              </a:rPr>
-              <a:t>类是</a:t>
-            </a:r>
-            <a:r>
-              <a:rPr lang="en" altLang="zh-CN" sz="1400" b="1" dirty="0">
-                <a:solidFill>
-                  <a:srgbClr val="961F17"/>
-                </a:solidFill>
-                <a:latin typeface="Microsoft YaHei" panose="020B0503020204020204" pitchFamily="34" charset="-122"/>
-                <a:ea typeface="Microsoft YaHei" panose="020B0503020204020204" pitchFamily="34" charset="-122"/>
-                <a:sym typeface="Wingdings" pitchFamily="2" charset="2"/>
-              </a:rPr>
-              <a:t>Qt </a:t>
-            </a:r>
-            <a:r>
-              <a:rPr lang="zh-CN" altLang="en-US" sz="1400" b="1" dirty="0">
-                <a:solidFill>
-                  <a:srgbClr val="961F17"/>
-                </a:solidFill>
-                <a:latin typeface="Microsoft YaHei" panose="020B0503020204020204" pitchFamily="34" charset="-122"/>
-                <a:ea typeface="Microsoft YaHei" panose="020B0503020204020204" pitchFamily="34" charset="-122"/>
-                <a:sym typeface="Wingdings" pitchFamily="2" charset="2"/>
-              </a:rPr>
-              <a:t>所有类的基类。</a:t>
-            </a:r>
-          </a:p>
-          <a:p>
-            <a:r>
-              <a:rPr lang="en" altLang="zh-CN" sz="1400" dirty="0" err="1">
-                <a:solidFill>
-                  <a:srgbClr val="855EC3"/>
-                </a:solidFill>
-                <a:latin typeface="SimSun" panose="02010600030101010101" pitchFamily="2" charset="-122"/>
-                <a:ea typeface="SimSun" panose="02010600030101010101" pitchFamily="2" charset="-122"/>
-                <a:sym typeface="Wingdings" pitchFamily="2" charset="2"/>
-              </a:rPr>
-              <a:t>QObject</a:t>
-            </a:r>
-            <a:r>
-              <a:rPr lang="zh-CN" altLang="en-US" sz="1400" dirty="0">
-                <a:solidFill>
-                  <a:srgbClr val="855EC3"/>
-                </a:solidFill>
-                <a:latin typeface="SimSun" panose="02010600030101010101" pitchFamily="2" charset="-122"/>
-                <a:ea typeface="SimSun" panose="02010600030101010101" pitchFamily="2" charset="-122"/>
-                <a:sym typeface="Wingdings" pitchFamily="2" charset="2"/>
-              </a:rPr>
-              <a:t>是</a:t>
-            </a:r>
-            <a:r>
-              <a:rPr lang="en" altLang="zh-CN" sz="1400" dirty="0">
-                <a:solidFill>
-                  <a:srgbClr val="855EC3"/>
-                </a:solidFill>
-                <a:latin typeface="SimSun" panose="02010600030101010101" pitchFamily="2" charset="-122"/>
-                <a:ea typeface="SimSun" panose="02010600030101010101" pitchFamily="2" charset="-122"/>
-                <a:sym typeface="Wingdings" pitchFamily="2" charset="2"/>
-              </a:rPr>
-              <a:t>Qt</a:t>
-            </a:r>
-            <a:r>
-              <a:rPr lang="zh-CN" altLang="en-US" sz="1400" dirty="0">
-                <a:solidFill>
-                  <a:srgbClr val="855EC3"/>
-                </a:solidFill>
-                <a:latin typeface="SimSun" panose="02010600030101010101" pitchFamily="2" charset="-122"/>
-                <a:ea typeface="SimSun" panose="02010600030101010101" pitchFamily="2" charset="-122"/>
-                <a:sym typeface="Wingdings" pitchFamily="2" charset="2"/>
-              </a:rPr>
-              <a:t>对象模型的核心</a:t>
-            </a:r>
-            <a:r>
-              <a:rPr lang="zh-CN" altLang="en-US" sz="1400" dirty="0">
-                <a:latin typeface="SimSun" panose="02010600030101010101" pitchFamily="2" charset="-122"/>
-                <a:ea typeface="SimSun" panose="02010600030101010101" pitchFamily="2" charset="-122"/>
-                <a:sym typeface="Wingdings" pitchFamily="2" charset="2"/>
-              </a:rPr>
-              <a:t>。这个模型的中心要素就是一种强大的叫做信号与槽无缝对象沟通机制。你可以</a:t>
-            </a:r>
-            <a:r>
-              <a:rPr lang="en" altLang="zh-CN" sz="1400" dirty="0">
-                <a:latin typeface="SimSun" panose="02010600030101010101" pitchFamily="2" charset="-122"/>
-                <a:ea typeface="SimSun" panose="02010600030101010101" pitchFamily="2" charset="-122"/>
-                <a:sym typeface="Wingdings" pitchFamily="2" charset="2"/>
+            <a:pPr marL="342900" indent="-342900" algn="l">
+              <a:buFont typeface="+mj-lt"/>
+              <a:buAutoNum type="arabicPeriod"/>
+            </a:pPr>
+            <a:r>
+              <a:rPr lang="zh-CN" altLang="en-US" sz="1600" b="0" i="0" dirty="0">
+                <a:effectLst/>
+                <a:latin typeface="-apple-system"/>
+              </a:rPr>
+              <a:t>在头文件中包含相关头文件：</a:t>
+            </a:r>
+          </a:p>
+          <a:p>
+            <a:pPr algn="l"/>
+            <a:r>
+              <a:rPr lang="en-US" altLang="zh-CN" sz="1600" dirty="0">
+                <a:solidFill>
+                  <a:srgbClr val="9B9B9B"/>
+                </a:solidFill>
+                <a:effectLst/>
+              </a:rPr>
+              <a:t>#</a:t>
+            </a:r>
+            <a:r>
+              <a:rPr lang="en" altLang="zh-CN" sz="1600" dirty="0">
+                <a:solidFill>
+                  <a:srgbClr val="569CD6"/>
+                </a:solidFill>
+                <a:effectLst/>
+              </a:rPr>
+              <a:t>include</a:t>
+            </a:r>
+            <a:r>
+              <a:rPr lang="en" altLang="zh-CN" sz="1600" dirty="0">
+                <a:solidFill>
+                  <a:srgbClr val="9B9B9B"/>
+                </a:solidFill>
+                <a:effectLst/>
+              </a:rPr>
+              <a:t> </a:t>
+            </a:r>
+            <a:r>
+              <a:rPr lang="en" altLang="zh-CN" sz="1600" dirty="0">
+                <a:solidFill>
+                  <a:srgbClr val="D69D85"/>
+                </a:solidFill>
+                <a:effectLst/>
+              </a:rPr>
+              <a:t>&lt;</a:t>
+            </a:r>
+            <a:r>
+              <a:rPr lang="en" altLang="zh-CN" sz="1600" dirty="0" err="1">
+                <a:solidFill>
+                  <a:srgbClr val="D69D85"/>
+                </a:solidFill>
+                <a:effectLst/>
+              </a:rPr>
+              <a:t>QHostInfo</a:t>
+            </a:r>
+            <a:r>
+              <a:rPr lang="en" altLang="zh-CN" sz="1600" dirty="0">
+                <a:solidFill>
+                  <a:srgbClr val="D69D85"/>
+                </a:solidFill>
+                <a:effectLst/>
+              </a:rPr>
+              <a:t>&gt;</a:t>
+            </a:r>
+            <a:r>
+              <a:rPr lang="en" altLang="zh-CN" sz="1600" dirty="0"/>
+              <a:t> </a:t>
+            </a:r>
+          </a:p>
+          <a:p>
+            <a:pPr algn="l"/>
+            <a:r>
+              <a:rPr lang="en" altLang="zh-CN" sz="1600" dirty="0">
+                <a:solidFill>
+                  <a:srgbClr val="9B9B9B"/>
+                </a:solidFill>
+                <a:effectLst/>
+              </a:rPr>
+              <a:t>#</a:t>
+            </a:r>
+            <a:r>
+              <a:rPr lang="en" altLang="zh-CN" sz="1600" dirty="0">
+                <a:solidFill>
+                  <a:srgbClr val="569CD6"/>
+                </a:solidFill>
+                <a:effectLst/>
+              </a:rPr>
+              <a:t>include</a:t>
+            </a:r>
+            <a:r>
+              <a:rPr lang="en" altLang="zh-CN" sz="1600" dirty="0">
+                <a:solidFill>
+                  <a:srgbClr val="9B9B9B"/>
+                </a:solidFill>
+                <a:effectLst/>
+              </a:rPr>
+              <a:t> </a:t>
+            </a:r>
+            <a:r>
+              <a:rPr lang="en" altLang="zh-CN" sz="1600" dirty="0">
+                <a:solidFill>
+                  <a:srgbClr val="D69D85"/>
+                </a:solidFill>
+                <a:effectLst/>
+              </a:rPr>
+              <a:t>&lt;</a:t>
+            </a:r>
+            <a:r>
+              <a:rPr lang="en" altLang="zh-CN" sz="1600" dirty="0" err="1">
+                <a:solidFill>
+                  <a:srgbClr val="D69D85"/>
+                </a:solidFill>
+                <a:effectLst/>
+              </a:rPr>
+              <a:t>QNetworkInterface</a:t>
+            </a:r>
+            <a:r>
+              <a:rPr lang="en" altLang="zh-CN" sz="1600" dirty="0">
+                <a:solidFill>
+                  <a:srgbClr val="D69D85"/>
+                </a:solidFill>
+                <a:effectLst/>
+              </a:rPr>
+              <a:t>&gt;</a:t>
+            </a:r>
+            <a:r>
+              <a:rPr lang="en" altLang="zh-CN" sz="1600" dirty="0"/>
+              <a:t> </a:t>
+            </a:r>
+          </a:p>
+          <a:p>
+            <a:pPr algn="l"/>
+            <a:endParaRPr lang="en" altLang="zh-CN" sz="1600" dirty="0"/>
+          </a:p>
+          <a:p>
+            <a:pPr marL="342900" indent="-342900" algn="l">
+              <a:buFont typeface="+mj-lt"/>
+              <a:buAutoNum type="arabicPeriod" startAt="2"/>
+            </a:pPr>
+            <a:r>
+              <a:rPr lang="en" altLang="zh-CN" sz="1600" b="0" i="0" dirty="0">
+                <a:effectLst/>
+                <a:latin typeface="-apple-system"/>
+              </a:rPr>
+              <a:t>QT</a:t>
+            </a:r>
+            <a:r>
+              <a:rPr lang="zh-CN" altLang="en-US" sz="1600" b="0" i="0" dirty="0">
+                <a:effectLst/>
+                <a:latin typeface="-apple-system"/>
+              </a:rPr>
+              <a:t>的</a:t>
+            </a:r>
+            <a:r>
+              <a:rPr lang="en" altLang="zh-CN" sz="1600" b="0" i="0" dirty="0" err="1">
+                <a:effectLst/>
+                <a:latin typeface="-apple-system"/>
+              </a:rPr>
+              <a:t>UdpSocket</a:t>
+            </a:r>
+            <a:r>
+              <a:rPr lang="zh-CN" altLang="en-US" sz="1600" b="0" i="0" dirty="0">
+                <a:effectLst/>
+                <a:latin typeface="-apple-system"/>
+              </a:rPr>
+              <a:t>接收消息使用原则</a:t>
+            </a:r>
+          </a:p>
+          <a:p>
+            <a:pPr algn="l">
+              <a:buFont typeface="Arial" panose="020B0604020202020204" pitchFamily="34" charset="0"/>
+              <a:buChar char="•"/>
+            </a:pPr>
+            <a:r>
+              <a:rPr lang="zh-CN" altLang="en-US" sz="1600" b="0" i="0" dirty="0">
+                <a:effectLst/>
+                <a:latin typeface="-apple-system"/>
+              </a:rPr>
+              <a:t>第一步：</a:t>
+            </a:r>
+            <a:r>
+              <a:rPr lang="en" altLang="zh-CN" sz="1600" b="0" i="0" dirty="0">
+                <a:effectLst/>
+                <a:latin typeface="-apple-system"/>
+              </a:rPr>
+              <a:t>new</a:t>
+            </a:r>
+            <a:r>
+              <a:rPr lang="zh-CN" altLang="en-US" sz="1600" b="0" i="0" dirty="0">
+                <a:effectLst/>
+                <a:latin typeface="-apple-system"/>
+              </a:rPr>
+              <a:t>一个</a:t>
+            </a:r>
+            <a:r>
+              <a:rPr lang="en" altLang="zh-CN" sz="1600" b="0" i="0" dirty="0" err="1">
+                <a:effectLst/>
+                <a:latin typeface="-apple-system"/>
+              </a:rPr>
+              <a:t>UdpSocket</a:t>
+            </a:r>
+            <a:endParaRPr lang="en" altLang="zh-CN" sz="1600" b="0" i="0" dirty="0">
+              <a:effectLst/>
+              <a:latin typeface="-apple-system"/>
+            </a:endParaRPr>
+          </a:p>
+          <a:p>
+            <a:pPr algn="l">
+              <a:buFont typeface="Arial" panose="020B0604020202020204" pitchFamily="34" charset="0"/>
+              <a:buChar char="•"/>
+            </a:pPr>
+            <a:r>
+              <a:rPr lang="zh-CN" altLang="en-US" sz="1600" b="0" i="0" dirty="0">
+                <a:effectLst/>
+                <a:latin typeface="-apple-system"/>
+              </a:rPr>
+              <a:t>第二步：调用</a:t>
+            </a:r>
+            <a:r>
+              <a:rPr lang="en" altLang="zh-CN" sz="1600" b="0" i="0" dirty="0" err="1">
+                <a:effectLst/>
+                <a:latin typeface="-apple-system"/>
+              </a:rPr>
+              <a:t>UdpSocket</a:t>
+            </a:r>
+            <a:r>
+              <a:rPr lang="zh-CN" altLang="en-US" sz="1600" b="0" i="0" dirty="0">
+                <a:effectLst/>
+                <a:latin typeface="-apple-system"/>
+              </a:rPr>
+              <a:t>的</a:t>
+            </a:r>
+            <a:r>
+              <a:rPr lang="en" altLang="zh-CN" sz="1600" b="0" i="0" dirty="0">
+                <a:effectLst/>
+                <a:latin typeface="-apple-system"/>
+              </a:rPr>
+              <a:t>bind</a:t>
+            </a:r>
+            <a:r>
+              <a:rPr lang="zh-CN" altLang="en-US" sz="1600" b="0" i="0" dirty="0">
+                <a:effectLst/>
+                <a:latin typeface="-apple-system"/>
+              </a:rPr>
+              <a:t>方法，同时指定端口号</a:t>
+            </a:r>
+          </a:p>
+          <a:p>
+            <a:pPr algn="l">
+              <a:buFont typeface="Arial" panose="020B0604020202020204" pitchFamily="34" charset="0"/>
+              <a:buChar char="•"/>
+            </a:pPr>
+            <a:r>
+              <a:rPr lang="zh-CN" altLang="en-US" sz="1600" b="0" i="0" dirty="0">
+                <a:effectLst/>
+                <a:latin typeface="-apple-system"/>
+              </a:rPr>
+              <a:t>第三步：使用</a:t>
+            </a:r>
+            <a:r>
+              <a:rPr lang="en" altLang="zh-CN" sz="1600" b="0" i="0" dirty="0">
+                <a:effectLst/>
+                <a:latin typeface="-apple-system"/>
               </a:rPr>
               <a:t>connect</a:t>
             </a:r>
             <a:r>
-              <a:rPr lang="en-US" altLang="zh-CN" sz="1400" dirty="0">
-                <a:latin typeface="SimSun" panose="02010600030101010101" pitchFamily="2" charset="-122"/>
-                <a:ea typeface="SimSun" panose="02010600030101010101" pitchFamily="2" charset="-122"/>
-                <a:sym typeface="Wingdings" pitchFamily="2" charset="2"/>
-              </a:rPr>
-              <a:t>()</a:t>
-            </a:r>
-            <a:r>
-              <a:rPr lang="zh-CN" altLang="en-US" sz="1400" dirty="0">
-                <a:latin typeface="SimSun" panose="02010600030101010101" pitchFamily="2" charset="-122"/>
-                <a:ea typeface="SimSun" panose="02010600030101010101" pitchFamily="2" charset="-122"/>
-                <a:sym typeface="Wingdings" pitchFamily="2" charset="2"/>
-              </a:rPr>
-              <a:t>函数来把一个信号连接到槽，也可以用</a:t>
-            </a:r>
-            <a:r>
-              <a:rPr lang="en" altLang="zh-CN" sz="1400" dirty="0">
-                <a:latin typeface="SimSun" panose="02010600030101010101" pitchFamily="2" charset="-122"/>
-                <a:ea typeface="SimSun" panose="02010600030101010101" pitchFamily="2" charset="-122"/>
-                <a:sym typeface="Wingdings" pitchFamily="2" charset="2"/>
-              </a:rPr>
-              <a:t>disconnect</a:t>
-            </a:r>
-            <a:r>
-              <a:rPr lang="en-US" altLang="zh-CN" sz="1400" dirty="0">
-                <a:latin typeface="SimSun" panose="02010600030101010101" pitchFamily="2" charset="-122"/>
-                <a:ea typeface="SimSun" panose="02010600030101010101" pitchFamily="2" charset="-122"/>
-                <a:sym typeface="Wingdings" pitchFamily="2" charset="2"/>
-              </a:rPr>
-              <a:t>()</a:t>
-            </a:r>
-            <a:r>
-              <a:rPr lang="en" altLang="zh-CN" sz="1400" dirty="0">
-                <a:latin typeface="SimSun" panose="02010600030101010101" pitchFamily="2" charset="-122"/>
-                <a:ea typeface="SimSun" panose="02010600030101010101" pitchFamily="2" charset="-122"/>
-                <a:sym typeface="Wingdings" pitchFamily="2" charset="2"/>
-              </a:rPr>
-              <a:t> </a:t>
-            </a:r>
-            <a:r>
-              <a:rPr lang="zh-CN" altLang="en-US" sz="1400" dirty="0">
-                <a:latin typeface="SimSun" panose="02010600030101010101" pitchFamily="2" charset="-122"/>
-                <a:ea typeface="SimSun" panose="02010600030101010101" pitchFamily="2" charset="-122"/>
-                <a:sym typeface="Wingdings" pitchFamily="2" charset="2"/>
-              </a:rPr>
-              <a:t>函数来破坏这个连接。为了避免永无止境的通知循环，你可</a:t>
-            </a:r>
-            <a:r>
-              <a:rPr lang="en" altLang="zh-CN" sz="1400" dirty="0" err="1">
-                <a:solidFill>
-                  <a:srgbClr val="5E90C4"/>
-                </a:solidFill>
-                <a:latin typeface="SimSun" panose="02010600030101010101" pitchFamily="2" charset="-122"/>
-                <a:ea typeface="SimSun" panose="02010600030101010101" pitchFamily="2" charset="-122"/>
-                <a:sym typeface="Wingdings" pitchFamily="2" charset="2"/>
-              </a:rPr>
-              <a:t>blockSignal</a:t>
-            </a:r>
-            <a:r>
-              <a:rPr lang="en-US" altLang="zh-CN" sz="1400" dirty="0">
-                <a:solidFill>
-                  <a:srgbClr val="5E90C4"/>
-                </a:solidFill>
-                <a:latin typeface="SimSun" panose="02010600030101010101" pitchFamily="2" charset="-122"/>
-                <a:ea typeface="SimSun" panose="02010600030101010101" pitchFamily="2" charset="-122"/>
-                <a:sym typeface="Wingdings" pitchFamily="2" charset="2"/>
-              </a:rPr>
-              <a:t>()</a:t>
-            </a:r>
-            <a:r>
-              <a:rPr lang="zh-CN" altLang="en-US" sz="1400" dirty="0">
-                <a:solidFill>
-                  <a:srgbClr val="5E90C4"/>
-                </a:solidFill>
-                <a:latin typeface="SimSun" panose="02010600030101010101" pitchFamily="2" charset="-122"/>
-                <a:ea typeface="SimSun" panose="02010600030101010101" pitchFamily="2" charset="-122"/>
-                <a:sym typeface="Wingdings" pitchFamily="2" charset="2"/>
-              </a:rPr>
-              <a:t>函数来暂时阻塞信号</a:t>
-            </a:r>
-            <a:r>
-              <a:rPr lang="zh-CN" altLang="en-US" sz="1400" dirty="0">
-                <a:latin typeface="SimSun" panose="02010600030101010101" pitchFamily="2" charset="-122"/>
-                <a:ea typeface="SimSun" panose="02010600030101010101" pitchFamily="2" charset="-122"/>
-                <a:sym typeface="Wingdings" pitchFamily="2" charset="2"/>
-              </a:rPr>
-              <a:t>。保护函数 </a:t>
-            </a:r>
-            <a:r>
-              <a:rPr lang="en" altLang="zh-CN" sz="1400" dirty="0" err="1">
-                <a:latin typeface="SimSun" panose="02010600030101010101" pitchFamily="2" charset="-122"/>
-                <a:ea typeface="SimSun" panose="02010600030101010101" pitchFamily="2" charset="-122"/>
-                <a:sym typeface="Wingdings" pitchFamily="2" charset="2"/>
-              </a:rPr>
-              <a:t>connectNotify</a:t>
-            </a:r>
-            <a:r>
-              <a:rPr lang="en-US" altLang="zh-CN" sz="1400" dirty="0">
-                <a:latin typeface="SimSun" panose="02010600030101010101" pitchFamily="2" charset="-122"/>
-                <a:ea typeface="SimSun" panose="02010600030101010101" pitchFamily="2" charset="-122"/>
-                <a:sym typeface="Wingdings" pitchFamily="2" charset="2"/>
-              </a:rPr>
-              <a:t>()</a:t>
-            </a:r>
-            <a:r>
-              <a:rPr lang="zh-CN" altLang="en-US" sz="1400" dirty="0">
-                <a:latin typeface="SimSun" panose="02010600030101010101" pitchFamily="2" charset="-122"/>
-                <a:ea typeface="SimSun" panose="02010600030101010101" pitchFamily="2" charset="-122"/>
-                <a:sym typeface="Wingdings" pitchFamily="2" charset="2"/>
-              </a:rPr>
-              <a:t>和</a:t>
-            </a:r>
-            <a:r>
-              <a:rPr lang="en" altLang="zh-CN" sz="1400" dirty="0" err="1">
-                <a:latin typeface="SimSun" panose="02010600030101010101" pitchFamily="2" charset="-122"/>
-                <a:ea typeface="SimSun" panose="02010600030101010101" pitchFamily="2" charset="-122"/>
-                <a:sym typeface="Wingdings" pitchFamily="2" charset="2"/>
-              </a:rPr>
-              <a:t>disconnectNotif</a:t>
-            </a:r>
-            <a:r>
-              <a:rPr lang="en-US" altLang="zh-CN" sz="1400" dirty="0">
-                <a:latin typeface="SimSun" panose="02010600030101010101" pitchFamily="2" charset="-122"/>
-                <a:ea typeface="SimSun" panose="02010600030101010101" pitchFamily="2" charset="-122"/>
-                <a:sym typeface="Wingdings" pitchFamily="2" charset="2"/>
-              </a:rPr>
-              <a:t>()</a:t>
-            </a:r>
-            <a:r>
-              <a:rPr lang="zh-CN" altLang="en-US" sz="1400" dirty="0">
-                <a:latin typeface="SimSun" panose="02010600030101010101" pitchFamily="2" charset="-122"/>
-                <a:ea typeface="SimSun" panose="02010600030101010101" pitchFamily="2" charset="-122"/>
-                <a:sym typeface="Wingdings" pitchFamily="2" charset="2"/>
-              </a:rPr>
-              <a:t>可以用来跟踪连接。</a:t>
-            </a:r>
-            <a:endParaRPr lang="en-US" altLang="zh-CN" sz="1400" dirty="0">
-              <a:latin typeface="SimSun" panose="02010600030101010101" pitchFamily="2" charset="-122"/>
-              <a:ea typeface="SimSun" panose="02010600030101010101" pitchFamily="2" charset="-122"/>
-              <a:sym typeface="Wingdings" pitchFamily="2" charset="2"/>
-            </a:endParaRPr>
-          </a:p>
-          <a:p>
-            <a:endParaRPr lang="zh-CN" altLang="en-US" sz="1400" dirty="0">
-              <a:latin typeface="SimSun" panose="02010600030101010101" pitchFamily="2" charset="-122"/>
-              <a:ea typeface="SimSun" panose="02010600030101010101" pitchFamily="2" charset="-122"/>
-              <a:sym typeface="Wingdings" pitchFamily="2" charset="2"/>
-            </a:endParaRPr>
-          </a:p>
-          <a:p>
-            <a:r>
-              <a:rPr lang="zh-CN" altLang="en-US" sz="1400" dirty="0">
-                <a:latin typeface="SimSun" panose="02010600030101010101" pitchFamily="2" charset="-122"/>
-                <a:ea typeface="SimSun" panose="02010600030101010101" pitchFamily="2" charset="-122"/>
-                <a:sym typeface="Wingdings" pitchFamily="2" charset="2"/>
-              </a:rPr>
-              <a:t>对象树都是通过</a:t>
-            </a:r>
-            <a:r>
-              <a:rPr lang="en" altLang="zh-CN" sz="1400" dirty="0" err="1">
-                <a:latin typeface="SimSun" panose="02010600030101010101" pitchFamily="2" charset="-122"/>
-                <a:ea typeface="SimSun" panose="02010600030101010101" pitchFamily="2" charset="-122"/>
-                <a:sym typeface="Wingdings" pitchFamily="2" charset="2"/>
-              </a:rPr>
-              <a:t>QObject</a:t>
-            </a:r>
-            <a:r>
-              <a:rPr lang="en" altLang="zh-CN" sz="1400" dirty="0">
-                <a:latin typeface="SimSun" panose="02010600030101010101" pitchFamily="2" charset="-122"/>
-                <a:ea typeface="SimSun" panose="02010600030101010101" pitchFamily="2" charset="-122"/>
-                <a:sym typeface="Wingdings" pitchFamily="2" charset="2"/>
-              </a:rPr>
-              <a:t> </a:t>
-            </a:r>
-            <a:r>
-              <a:rPr lang="zh-CN" altLang="en-US" sz="1400" dirty="0">
-                <a:latin typeface="SimSun" panose="02010600030101010101" pitchFamily="2" charset="-122"/>
-                <a:ea typeface="SimSun" panose="02010600030101010101" pitchFamily="2" charset="-122"/>
-                <a:sym typeface="Wingdings" pitchFamily="2" charset="2"/>
-              </a:rPr>
-              <a:t>组织起来的，当以一个对象作为父类创建一个新的对象时，这个新对象会被自动加入到父类的 </a:t>
-            </a:r>
-            <a:r>
-              <a:rPr lang="en" altLang="zh-CN" sz="1400" dirty="0">
-                <a:latin typeface="SimSun" panose="02010600030101010101" pitchFamily="2" charset="-122"/>
-                <a:ea typeface="SimSun" panose="02010600030101010101" pitchFamily="2" charset="-122"/>
-                <a:sym typeface="Wingdings" pitchFamily="2" charset="2"/>
-              </a:rPr>
-              <a:t>children</a:t>
-            </a:r>
-            <a:r>
-              <a:rPr lang="en-US" altLang="zh-CN" sz="1400" dirty="0">
-                <a:latin typeface="SimSun" panose="02010600030101010101" pitchFamily="2" charset="-122"/>
-                <a:ea typeface="SimSun" panose="02010600030101010101" pitchFamily="2" charset="-122"/>
-                <a:sym typeface="Wingdings" pitchFamily="2" charset="2"/>
-              </a:rPr>
-              <a:t>()</a:t>
-            </a:r>
-            <a:r>
-              <a:rPr lang="en" altLang="zh-CN" sz="1400" dirty="0">
-                <a:latin typeface="SimSun" panose="02010600030101010101" pitchFamily="2" charset="-122"/>
-                <a:ea typeface="SimSun" panose="02010600030101010101" pitchFamily="2" charset="-122"/>
-                <a:sym typeface="Wingdings" pitchFamily="2" charset="2"/>
-              </a:rPr>
-              <a:t> </a:t>
-            </a:r>
-            <a:r>
-              <a:rPr lang="zh-CN" altLang="en-US" sz="1400" dirty="0">
-                <a:latin typeface="SimSun" panose="02010600030101010101" pitchFamily="2" charset="-122"/>
-                <a:ea typeface="SimSun" panose="02010600030101010101" pitchFamily="2" charset="-122"/>
-                <a:sym typeface="Wingdings" pitchFamily="2" charset="2"/>
-              </a:rPr>
-              <a:t>队列中。这个父类有子类的所有权。能够在</a:t>
-            </a:r>
-            <a:r>
-              <a:rPr lang="zh-CN" altLang="en-US" sz="1400" dirty="0">
-                <a:solidFill>
-                  <a:srgbClr val="5E90C4"/>
-                </a:solidFill>
-                <a:latin typeface="SimSun" panose="02010600030101010101" pitchFamily="2" charset="-122"/>
-                <a:ea typeface="SimSun" panose="02010600030101010101" pitchFamily="2" charset="-122"/>
-                <a:sym typeface="Wingdings" pitchFamily="2" charset="2"/>
-              </a:rPr>
-              <a:t>父类的析构函数中自动删除子类</a:t>
-            </a:r>
-            <a:r>
-              <a:rPr lang="zh-CN" altLang="en-US" sz="1400" dirty="0">
-                <a:latin typeface="SimSun" panose="02010600030101010101" pitchFamily="2" charset="-122"/>
-                <a:ea typeface="SimSun" panose="02010600030101010101" pitchFamily="2" charset="-122"/>
-                <a:sym typeface="Wingdings" pitchFamily="2" charset="2"/>
-              </a:rPr>
-              <a:t>。可以通过</a:t>
-            </a:r>
-            <a:r>
-              <a:rPr lang="en" altLang="zh-CN" sz="1400" dirty="0" err="1">
-                <a:latin typeface="SimSun" panose="02010600030101010101" pitchFamily="2" charset="-122"/>
-                <a:ea typeface="SimSun" panose="02010600030101010101" pitchFamily="2" charset="-122"/>
-                <a:sym typeface="Wingdings" pitchFamily="2" charset="2"/>
-              </a:rPr>
-              <a:t>findChild</a:t>
-            </a:r>
-            <a:r>
-              <a:rPr lang="en-US" altLang="zh-CN" sz="1400" dirty="0">
-                <a:latin typeface="SimSun" panose="02010600030101010101" pitchFamily="2" charset="-122"/>
-                <a:ea typeface="SimSun" panose="02010600030101010101" pitchFamily="2" charset="-122"/>
-                <a:sym typeface="Wingdings" pitchFamily="2" charset="2"/>
-              </a:rPr>
-              <a:t>()</a:t>
-            </a:r>
-            <a:r>
-              <a:rPr lang="zh-CN" altLang="en-US" sz="1400" dirty="0">
-                <a:latin typeface="SimSun" panose="02010600030101010101" pitchFamily="2" charset="-122"/>
-                <a:ea typeface="SimSun" panose="02010600030101010101" pitchFamily="2" charset="-122"/>
-                <a:sym typeface="Wingdings" pitchFamily="2" charset="2"/>
-              </a:rPr>
-              <a:t>和</a:t>
-            </a:r>
-            <a:r>
-              <a:rPr lang="en" altLang="zh-CN" sz="1400" dirty="0" err="1">
-                <a:latin typeface="SimSun" panose="02010600030101010101" pitchFamily="2" charset="-122"/>
-                <a:ea typeface="SimSun" panose="02010600030101010101" pitchFamily="2" charset="-122"/>
-                <a:sym typeface="Wingdings" pitchFamily="2" charset="2"/>
-              </a:rPr>
-              <a:t>findChildren</a:t>
-            </a:r>
-            <a:r>
-              <a:rPr lang="en-US" altLang="zh-CN" sz="1400" dirty="0">
-                <a:latin typeface="SimSun" panose="02010600030101010101" pitchFamily="2" charset="-122"/>
-                <a:ea typeface="SimSun" panose="02010600030101010101" pitchFamily="2" charset="-122"/>
-                <a:sym typeface="Wingdings" pitchFamily="2" charset="2"/>
-              </a:rPr>
-              <a:t>()</a:t>
-            </a:r>
-            <a:r>
-              <a:rPr lang="zh-CN" altLang="en-US" sz="1400" dirty="0">
-                <a:latin typeface="SimSun" panose="02010600030101010101" pitchFamily="2" charset="-122"/>
-                <a:ea typeface="SimSun" panose="02010600030101010101" pitchFamily="2" charset="-122"/>
-                <a:sym typeface="Wingdings" pitchFamily="2" charset="2"/>
-              </a:rPr>
-              <a:t>函数来寻找子类。</a:t>
-            </a:r>
-            <a:endParaRPr lang="en-US" altLang="zh-CN" sz="1400" dirty="0">
-              <a:latin typeface="SimSun" panose="02010600030101010101" pitchFamily="2" charset="-122"/>
-              <a:ea typeface="SimSun" panose="02010600030101010101" pitchFamily="2" charset="-122"/>
-              <a:sym typeface="Wingdings" pitchFamily="2" charset="2"/>
-            </a:endParaRPr>
-          </a:p>
-          <a:p>
-            <a:endParaRPr lang="zh-CN" altLang="en-US" sz="1400" dirty="0">
-              <a:latin typeface="SimSun" panose="02010600030101010101" pitchFamily="2" charset="-122"/>
-              <a:ea typeface="SimSun" panose="02010600030101010101" pitchFamily="2" charset="-122"/>
-              <a:sym typeface="Wingdings" pitchFamily="2" charset="2"/>
-            </a:endParaRPr>
-          </a:p>
-          <a:p>
-            <a:r>
-              <a:rPr lang="zh-CN" altLang="en-US" sz="1400" dirty="0">
-                <a:latin typeface="SimSun" panose="02010600030101010101" pitchFamily="2" charset="-122"/>
-                <a:ea typeface="SimSun" panose="02010600030101010101" pitchFamily="2" charset="-122"/>
-                <a:sym typeface="Wingdings" pitchFamily="2" charset="2"/>
-              </a:rPr>
-              <a:t>每个对象都一个对象名称</a:t>
-            </a:r>
-            <a:r>
-              <a:rPr lang="en" altLang="zh-CN" sz="1400" dirty="0" err="1">
-                <a:latin typeface="SimSun" panose="02010600030101010101" pitchFamily="2" charset="-122"/>
-                <a:ea typeface="SimSun" panose="02010600030101010101" pitchFamily="2" charset="-122"/>
-                <a:sym typeface="Wingdings" pitchFamily="2" charset="2"/>
-              </a:rPr>
-              <a:t>objectNam</a:t>
-            </a:r>
-            <a:r>
-              <a:rPr lang="en-US" altLang="zh-CN" sz="1400" dirty="0">
-                <a:latin typeface="SimSun" panose="02010600030101010101" pitchFamily="2" charset="-122"/>
-                <a:ea typeface="SimSun" panose="02010600030101010101" pitchFamily="2" charset="-122"/>
-                <a:sym typeface="Wingdings" pitchFamily="2" charset="2"/>
-              </a:rPr>
-              <a:t>e()</a:t>
-            </a:r>
-            <a:r>
-              <a:rPr lang="zh-CN" altLang="en" sz="1400" dirty="0">
-                <a:latin typeface="SimSun" panose="02010600030101010101" pitchFamily="2" charset="-122"/>
-                <a:ea typeface="SimSun" panose="02010600030101010101" pitchFamily="2" charset="-122"/>
-                <a:sym typeface="Wingdings" pitchFamily="2" charset="2"/>
-              </a:rPr>
-              <a:t>，</a:t>
-            </a:r>
-            <a:r>
-              <a:rPr lang="zh-CN" altLang="en-US" sz="1400" dirty="0">
-                <a:latin typeface="SimSun" panose="02010600030101010101" pitchFamily="2" charset="-122"/>
-                <a:ea typeface="SimSun" panose="02010600030101010101" pitchFamily="2" charset="-122"/>
-                <a:sym typeface="Wingdings" pitchFamily="2" charset="2"/>
-              </a:rPr>
-              <a:t>而且它的类名也可以通过</a:t>
-            </a:r>
-            <a:r>
-              <a:rPr lang="en" altLang="zh-CN" sz="1400" dirty="0" err="1">
-                <a:latin typeface="SimSun" panose="02010600030101010101" pitchFamily="2" charset="-122"/>
-                <a:ea typeface="SimSun" panose="02010600030101010101" pitchFamily="2" charset="-122"/>
-                <a:sym typeface="Wingdings" pitchFamily="2" charset="2"/>
-              </a:rPr>
-              <a:t>metaObjec</a:t>
-            </a:r>
-            <a:r>
-              <a:rPr lang="en-US" altLang="zh-CN" sz="1400" dirty="0">
-                <a:latin typeface="SimSun" panose="02010600030101010101" pitchFamily="2" charset="-122"/>
-                <a:ea typeface="SimSun" panose="02010600030101010101" pitchFamily="2" charset="-122"/>
-                <a:sym typeface="Wingdings" pitchFamily="2" charset="2"/>
-              </a:rPr>
-              <a:t>()</a:t>
-            </a:r>
-            <a:r>
-              <a:rPr lang="zh-CN" altLang="en-US" sz="1400" dirty="0">
-                <a:latin typeface="SimSun" panose="02010600030101010101" pitchFamily="2" charset="-122"/>
-                <a:ea typeface="SimSun" panose="02010600030101010101" pitchFamily="2" charset="-122"/>
-                <a:sym typeface="Wingdings" pitchFamily="2" charset="2"/>
-              </a:rPr>
-              <a:t>函数。你可以通过</a:t>
-            </a:r>
-            <a:r>
-              <a:rPr lang="en" altLang="zh-CN" sz="1400" dirty="0">
-                <a:latin typeface="SimSun" panose="02010600030101010101" pitchFamily="2" charset="-122"/>
-                <a:ea typeface="SimSun" panose="02010600030101010101" pitchFamily="2" charset="-122"/>
-                <a:sym typeface="Wingdings" pitchFamily="2" charset="2"/>
-              </a:rPr>
-              <a:t>inherits(</a:t>
-            </a:r>
-            <a:r>
-              <a:rPr lang="en-US" altLang="zh-CN" sz="1400" dirty="0">
-                <a:latin typeface="SimSun" panose="02010600030101010101" pitchFamily="2" charset="-122"/>
-                <a:ea typeface="SimSun" panose="02010600030101010101" pitchFamily="2" charset="-122"/>
-                <a:sym typeface="Wingdings" pitchFamily="2" charset="2"/>
-              </a:rPr>
-              <a:t>)</a:t>
-            </a:r>
-            <a:r>
-              <a:rPr lang="en" altLang="zh-CN" sz="1400" dirty="0">
-                <a:latin typeface="SimSun" panose="02010600030101010101" pitchFamily="2" charset="-122"/>
-                <a:ea typeface="SimSun" panose="02010600030101010101" pitchFamily="2" charset="-122"/>
-                <a:sym typeface="Wingdings" pitchFamily="2" charset="2"/>
-              </a:rPr>
-              <a:t> </a:t>
-            </a:r>
-            <a:r>
-              <a:rPr lang="zh-CN" altLang="en-US" sz="1400" dirty="0">
-                <a:latin typeface="SimSun" panose="02010600030101010101" pitchFamily="2" charset="-122"/>
-                <a:ea typeface="SimSun" panose="02010600030101010101" pitchFamily="2" charset="-122"/>
-                <a:sym typeface="Wingdings" pitchFamily="2" charset="2"/>
-              </a:rPr>
-              <a:t>函数来决定一个类是否继承其他的类。当一个对象被删除时，它会发射</a:t>
-            </a:r>
-            <a:r>
-              <a:rPr lang="en" altLang="zh-CN" sz="1400" dirty="0" err="1">
-                <a:latin typeface="SimSun" panose="02010600030101010101" pitchFamily="2" charset="-122"/>
-                <a:ea typeface="SimSun" panose="02010600030101010101" pitchFamily="2" charset="-122"/>
-                <a:sym typeface="Wingdings" pitchFamily="2" charset="2"/>
-              </a:rPr>
-              <a:t>destory</a:t>
-            </a:r>
-            <a:r>
-              <a:rPr lang="en-US" altLang="zh-CN" sz="1400" dirty="0">
-                <a:latin typeface="SimSun" panose="02010600030101010101" pitchFamily="2" charset="-122"/>
-                <a:ea typeface="SimSun" panose="02010600030101010101" pitchFamily="2" charset="-122"/>
-                <a:sym typeface="Wingdings" pitchFamily="2" charset="2"/>
-              </a:rPr>
-              <a:t>()</a:t>
-            </a:r>
-            <a:r>
-              <a:rPr lang="en" altLang="zh-CN" sz="1400" dirty="0">
-                <a:latin typeface="SimSun" panose="02010600030101010101" pitchFamily="2" charset="-122"/>
-                <a:ea typeface="SimSun" panose="02010600030101010101" pitchFamily="2" charset="-122"/>
-                <a:sym typeface="Wingdings" pitchFamily="2" charset="2"/>
-              </a:rPr>
-              <a:t> </a:t>
-            </a:r>
-            <a:r>
-              <a:rPr lang="zh-CN" altLang="en-US" sz="1400" dirty="0">
-                <a:latin typeface="SimSun" panose="02010600030101010101" pitchFamily="2" charset="-122"/>
-                <a:ea typeface="SimSun" panose="02010600030101010101" pitchFamily="2" charset="-122"/>
-                <a:sym typeface="Wingdings" pitchFamily="2" charset="2"/>
-              </a:rPr>
-              <a:t>信号，你可以抓住这个信号避免某些事情。</a:t>
-            </a:r>
-            <a:endParaRPr lang="en-US" altLang="zh-CN" sz="1400" dirty="0">
-              <a:latin typeface="SimSun" panose="02010600030101010101" pitchFamily="2" charset="-122"/>
-              <a:ea typeface="SimSun" panose="02010600030101010101" pitchFamily="2" charset="-122"/>
-              <a:sym typeface="Wingdings" pitchFamily="2" charset="2"/>
-            </a:endParaRPr>
-          </a:p>
-          <a:p>
-            <a:endParaRPr lang="zh-CN" altLang="en-US" sz="1400" dirty="0">
-              <a:latin typeface="SimSun" panose="02010600030101010101" pitchFamily="2" charset="-122"/>
-              <a:ea typeface="SimSun" panose="02010600030101010101" pitchFamily="2" charset="-122"/>
-              <a:sym typeface="Wingdings" pitchFamily="2" charset="2"/>
-            </a:endParaRPr>
-          </a:p>
-          <a:p>
-            <a:r>
-              <a:rPr lang="zh-CN" altLang="en-US" sz="1400" dirty="0">
-                <a:latin typeface="SimSun" panose="02010600030101010101" pitchFamily="2" charset="-122"/>
-                <a:ea typeface="SimSun" panose="02010600030101010101" pitchFamily="2" charset="-122"/>
-                <a:sym typeface="Wingdings" pitchFamily="2" charset="2"/>
-              </a:rPr>
-              <a:t>对象可以通过</a:t>
-            </a:r>
-            <a:r>
-              <a:rPr lang="en" altLang="zh-CN" sz="1400" dirty="0">
-                <a:latin typeface="SimSun" panose="02010600030101010101" pitchFamily="2" charset="-122"/>
-                <a:ea typeface="SimSun" panose="02010600030101010101" pitchFamily="2" charset="-122"/>
-                <a:sym typeface="Wingdings" pitchFamily="2" charset="2"/>
-              </a:rPr>
-              <a:t>event(</a:t>
-            </a:r>
-            <a:r>
-              <a:rPr lang="en-US" altLang="zh-CN" sz="1400" dirty="0">
-                <a:latin typeface="SimSun" panose="02010600030101010101" pitchFamily="2" charset="-122"/>
-                <a:ea typeface="SimSun" panose="02010600030101010101" pitchFamily="2" charset="-122"/>
-                <a:sym typeface="Wingdings" pitchFamily="2" charset="2"/>
-              </a:rPr>
-              <a:t>)</a:t>
-            </a:r>
-            <a:r>
-              <a:rPr lang="zh-CN" altLang="en-US" sz="1400" dirty="0">
-                <a:latin typeface="SimSun" panose="02010600030101010101" pitchFamily="2" charset="-122"/>
-                <a:ea typeface="SimSun" panose="02010600030101010101" pitchFamily="2" charset="-122"/>
-                <a:sym typeface="Wingdings" pitchFamily="2" charset="2"/>
-              </a:rPr>
-              <a:t>函数来接收事件以及过滤来自其他对象的事件。就好比</a:t>
-            </a:r>
-            <a:r>
-              <a:rPr lang="en" altLang="zh-CN" sz="1400" dirty="0" err="1">
-                <a:latin typeface="SimSun" panose="02010600030101010101" pitchFamily="2" charset="-122"/>
-                <a:ea typeface="SimSun" panose="02010600030101010101" pitchFamily="2" charset="-122"/>
-                <a:sym typeface="Wingdings" pitchFamily="2" charset="2"/>
-              </a:rPr>
-              <a:t>installEventFiter</a:t>
-            </a:r>
-            <a:r>
-              <a:rPr lang="en-US" altLang="zh-CN" sz="1400" dirty="0">
-                <a:latin typeface="SimSun" panose="02010600030101010101" pitchFamily="2" charset="-122"/>
-                <a:ea typeface="SimSun" panose="02010600030101010101" pitchFamily="2" charset="-122"/>
-                <a:sym typeface="Wingdings" pitchFamily="2" charset="2"/>
-              </a:rPr>
-              <a:t>()</a:t>
-            </a:r>
-            <a:r>
-              <a:rPr lang="zh-CN" altLang="en-US" sz="1400" dirty="0">
-                <a:latin typeface="SimSun" panose="02010600030101010101" pitchFamily="2" charset="-122"/>
-                <a:ea typeface="SimSun" panose="02010600030101010101" pitchFamily="2" charset="-122"/>
-                <a:sym typeface="Wingdings" pitchFamily="2" charset="2"/>
-              </a:rPr>
-              <a:t>函数和</a:t>
-            </a:r>
-            <a:r>
-              <a:rPr lang="en" altLang="zh-CN" sz="1400" dirty="0" err="1">
-                <a:latin typeface="SimSun" panose="02010600030101010101" pitchFamily="2" charset="-122"/>
-                <a:ea typeface="SimSun" panose="02010600030101010101" pitchFamily="2" charset="-122"/>
-                <a:sym typeface="Wingdings" pitchFamily="2" charset="2"/>
-              </a:rPr>
-              <a:t>eventFilter</a:t>
-            </a:r>
-            <a:r>
-              <a:rPr lang="en-US" altLang="zh-CN" sz="1400" dirty="0">
-                <a:latin typeface="SimSun" panose="02010600030101010101" pitchFamily="2" charset="-122"/>
-                <a:ea typeface="SimSun" panose="02010600030101010101" pitchFamily="2" charset="-122"/>
-                <a:sym typeface="Wingdings" pitchFamily="2" charset="2"/>
-              </a:rPr>
-              <a:t>()</a:t>
-            </a:r>
-            <a:r>
-              <a:rPr lang="zh-CN" altLang="en-US" sz="1400" dirty="0">
-                <a:latin typeface="SimSun" panose="02010600030101010101" pitchFamily="2" charset="-122"/>
-                <a:ea typeface="SimSun" panose="02010600030101010101" pitchFamily="2" charset="-122"/>
-                <a:sym typeface="Wingdings" pitchFamily="2" charset="2"/>
-              </a:rPr>
-              <a:t>函数。</a:t>
-            </a:r>
-            <a:r>
-              <a:rPr lang="en" altLang="zh-CN" sz="1400" dirty="0" err="1">
-                <a:solidFill>
-                  <a:srgbClr val="C00000"/>
-                </a:solidFill>
-                <a:latin typeface="SimSun" panose="02010600030101010101" pitchFamily="2" charset="-122"/>
-                <a:ea typeface="SimSun" panose="02010600030101010101" pitchFamily="2" charset="-122"/>
-                <a:sym typeface="Wingdings" pitchFamily="2" charset="2"/>
-              </a:rPr>
-              <a:t>childEvent</a:t>
-            </a:r>
-            <a:r>
-              <a:rPr lang="en-US" altLang="zh-CN" sz="1400" dirty="0">
-                <a:solidFill>
-                  <a:srgbClr val="C00000"/>
-                </a:solidFill>
-                <a:latin typeface="SimSun" panose="02010600030101010101" pitchFamily="2" charset="-122"/>
-                <a:ea typeface="SimSun" panose="02010600030101010101" pitchFamily="2" charset="-122"/>
-                <a:sym typeface="Wingdings" pitchFamily="2" charset="2"/>
-              </a:rPr>
-              <a:t>()</a:t>
-            </a:r>
-            <a:r>
-              <a:rPr lang="zh-CN" altLang="en-US" sz="1400" dirty="0">
-                <a:solidFill>
-                  <a:srgbClr val="C00000"/>
-                </a:solidFill>
-                <a:latin typeface="SimSun" panose="02010600030101010101" pitchFamily="2" charset="-122"/>
-                <a:ea typeface="SimSun" panose="02010600030101010101" pitchFamily="2" charset="-122"/>
-                <a:sym typeface="Wingdings" pitchFamily="2" charset="2"/>
-              </a:rPr>
-              <a:t>函数能够重载实现子对象的事件</a:t>
-            </a:r>
-            <a:r>
-              <a:rPr lang="zh-CN" altLang="en-US" sz="1400" dirty="0">
-                <a:latin typeface="SimSun" panose="02010600030101010101" pitchFamily="2" charset="-122"/>
-                <a:ea typeface="SimSun" panose="02010600030101010101" pitchFamily="2" charset="-122"/>
-                <a:sym typeface="Wingdings" pitchFamily="2" charset="2"/>
-              </a:rPr>
-              <a:t>。</a:t>
-            </a:r>
-            <a:endParaRPr lang="en-US" altLang="zh-CN" sz="1400" dirty="0">
-              <a:latin typeface="SimSun" panose="02010600030101010101" pitchFamily="2" charset="-122"/>
-              <a:ea typeface="SimSun" panose="02010600030101010101" pitchFamily="2" charset="-122"/>
-              <a:sym typeface="Wingdings" pitchFamily="2" charset="2"/>
-            </a:endParaRPr>
-          </a:p>
-          <a:p>
-            <a:endParaRPr lang="zh-CN" altLang="en-US" sz="1400" dirty="0">
-              <a:latin typeface="SimSun" panose="02010600030101010101" pitchFamily="2" charset="-122"/>
-              <a:ea typeface="SimSun" panose="02010600030101010101" pitchFamily="2" charset="-122"/>
-              <a:sym typeface="Wingdings" pitchFamily="2" charset="2"/>
-            </a:endParaRPr>
-          </a:p>
-          <a:p>
-            <a:r>
-              <a:rPr lang="en" altLang="zh-CN" sz="1400" dirty="0" err="1">
-                <a:latin typeface="SimSun" panose="02010600030101010101" pitchFamily="2" charset="-122"/>
-                <a:ea typeface="SimSun" panose="02010600030101010101" pitchFamily="2" charset="-122"/>
-                <a:sym typeface="Wingdings" pitchFamily="2" charset="2"/>
-              </a:rPr>
-              <a:t>QObject</a:t>
-            </a:r>
-            <a:r>
-              <a:rPr lang="zh-CN" altLang="en-US" sz="1400" dirty="0">
-                <a:latin typeface="SimSun" panose="02010600030101010101" pitchFamily="2" charset="-122"/>
-                <a:ea typeface="SimSun" panose="02010600030101010101" pitchFamily="2" charset="-122"/>
-                <a:sym typeface="Wingdings" pitchFamily="2" charset="2"/>
-              </a:rPr>
-              <a:t>还提供了基本的时间支持，</a:t>
-            </a:r>
-            <a:r>
-              <a:rPr lang="en" altLang="zh-CN" sz="1400" dirty="0" err="1">
-                <a:latin typeface="SimSun" panose="02010600030101010101" pitchFamily="2" charset="-122"/>
-                <a:ea typeface="SimSun" panose="02010600030101010101" pitchFamily="2" charset="-122"/>
-                <a:sym typeface="Wingdings" pitchFamily="2" charset="2"/>
-              </a:rPr>
-              <a:t>QTimer</a:t>
-            </a:r>
-            <a:r>
-              <a:rPr lang="zh-CN" altLang="en-US" sz="1400" dirty="0">
-                <a:latin typeface="SimSun" panose="02010600030101010101" pitchFamily="2" charset="-122"/>
-                <a:ea typeface="SimSun" panose="02010600030101010101" pitchFamily="2" charset="-122"/>
-                <a:sym typeface="Wingdings" pitchFamily="2" charset="2"/>
-              </a:rPr>
-              <a:t>类 提高了更高层次的时间支持。</a:t>
-            </a:r>
-            <a:endParaRPr lang="en-US" altLang="zh-CN" sz="1400" dirty="0">
-              <a:latin typeface="SimSun" panose="02010600030101010101" pitchFamily="2" charset="-122"/>
-              <a:ea typeface="SimSun" panose="02010600030101010101" pitchFamily="2" charset="-122"/>
-              <a:sym typeface="Wingdings" pitchFamily="2" charset="2"/>
-            </a:endParaRPr>
-          </a:p>
-          <a:p>
-            <a:endParaRPr lang="zh-CN" altLang="en-US" sz="1400" dirty="0">
-              <a:latin typeface="SimSun" panose="02010600030101010101" pitchFamily="2" charset="-122"/>
-              <a:ea typeface="SimSun" panose="02010600030101010101" pitchFamily="2" charset="-122"/>
-              <a:sym typeface="Wingdings" pitchFamily="2" charset="2"/>
-            </a:endParaRPr>
-          </a:p>
-          <a:p>
-            <a:r>
-              <a:rPr lang="zh-CN" altLang="en-US" sz="1400" dirty="0">
-                <a:latin typeface="SimSun" panose="02010600030101010101" pitchFamily="2" charset="-122"/>
-                <a:ea typeface="SimSun" panose="02010600030101010101" pitchFamily="2" charset="-122"/>
-                <a:sym typeface="Wingdings" pitchFamily="2" charset="2"/>
-              </a:rPr>
-              <a:t>任何对象要实现信号与槽机制，</a:t>
-            </a:r>
-            <a:r>
-              <a:rPr lang="en" altLang="zh-CN" sz="1400" dirty="0">
-                <a:latin typeface="SimSun" panose="02010600030101010101" pitchFamily="2" charset="-122"/>
-                <a:ea typeface="SimSun" panose="02010600030101010101" pitchFamily="2" charset="-122"/>
-                <a:sym typeface="Wingdings" pitchFamily="2" charset="2"/>
-              </a:rPr>
-              <a:t>Q_OB</a:t>
-            </a:r>
-            <a:r>
-              <a:rPr lang="en-US" altLang="zh-CN" sz="1400" dirty="0">
-                <a:latin typeface="SimSun" panose="02010600030101010101" pitchFamily="2" charset="-122"/>
-                <a:ea typeface="SimSun" panose="02010600030101010101" pitchFamily="2" charset="-122"/>
-                <a:sym typeface="Wingdings" pitchFamily="2" charset="2"/>
-              </a:rPr>
-              <a:t>J</a:t>
-            </a:r>
-            <a:r>
-              <a:rPr lang="en" altLang="zh-CN" sz="1400" dirty="0">
-                <a:latin typeface="SimSun" panose="02010600030101010101" pitchFamily="2" charset="-122"/>
-                <a:ea typeface="SimSun" panose="02010600030101010101" pitchFamily="2" charset="-122"/>
-                <a:sym typeface="Wingdings" pitchFamily="2" charset="2"/>
-              </a:rPr>
-              <a:t>ECT </a:t>
-            </a:r>
-            <a:r>
-              <a:rPr lang="zh-CN" altLang="en-US" sz="1400" dirty="0">
-                <a:latin typeface="SimSun" panose="02010600030101010101" pitchFamily="2" charset="-122"/>
-                <a:ea typeface="SimSun" panose="02010600030101010101" pitchFamily="2" charset="-122"/>
-                <a:sym typeface="Wingdings" pitchFamily="2" charset="2"/>
-              </a:rPr>
-              <a:t>宏都是强制的。你也需要在源原件上运行元对象编译器。不管是否真正用到信号与槽机制，最好</a:t>
-            </a:r>
-            <a:r>
-              <a:rPr lang="zh-CN" altLang="en-US" sz="1400" dirty="0">
-                <a:solidFill>
-                  <a:srgbClr val="5E90C4"/>
-                </a:solidFill>
-                <a:latin typeface="SimSun" panose="02010600030101010101" pitchFamily="2" charset="-122"/>
-                <a:ea typeface="SimSun" panose="02010600030101010101" pitchFamily="2" charset="-122"/>
-                <a:sym typeface="Wingdings" pitchFamily="2" charset="2"/>
-              </a:rPr>
-              <a:t>在所有</a:t>
-            </a:r>
-            <a:r>
-              <a:rPr lang="en" altLang="zh-CN" sz="1400" dirty="0" err="1">
-                <a:solidFill>
-                  <a:srgbClr val="5E90C4"/>
-                </a:solidFill>
-                <a:latin typeface="SimSun" panose="02010600030101010101" pitchFamily="2" charset="-122"/>
-                <a:ea typeface="SimSun" panose="02010600030101010101" pitchFamily="2" charset="-122"/>
-                <a:sym typeface="Wingdings" pitchFamily="2" charset="2"/>
-              </a:rPr>
-              <a:t>QObject</a:t>
-            </a:r>
-            <a:r>
-              <a:rPr lang="zh-CN" altLang="en-US" sz="1400" dirty="0">
-                <a:solidFill>
-                  <a:srgbClr val="5E90C4"/>
-                </a:solidFill>
-                <a:latin typeface="SimSun" panose="02010600030101010101" pitchFamily="2" charset="-122"/>
-                <a:ea typeface="SimSun" panose="02010600030101010101" pitchFamily="2" charset="-122"/>
-                <a:sym typeface="Wingdings" pitchFamily="2" charset="2"/>
-              </a:rPr>
-              <a:t>子类使用</a:t>
-            </a:r>
-            <a:r>
-              <a:rPr lang="en" altLang="zh-CN" sz="1400" dirty="0">
-                <a:solidFill>
-                  <a:srgbClr val="5E90C4"/>
-                </a:solidFill>
-                <a:latin typeface="SimSun" panose="02010600030101010101" pitchFamily="2" charset="-122"/>
-                <a:ea typeface="SimSun" panose="02010600030101010101" pitchFamily="2" charset="-122"/>
-                <a:sym typeface="Wingdings" pitchFamily="2" charset="2"/>
-              </a:rPr>
-              <a:t>Q_OBJECT</a:t>
-            </a:r>
-            <a:r>
-              <a:rPr lang="zh-CN" altLang="en-US" sz="1400" dirty="0">
-                <a:solidFill>
-                  <a:srgbClr val="5E90C4"/>
-                </a:solidFill>
-                <a:latin typeface="SimSun" panose="02010600030101010101" pitchFamily="2" charset="-122"/>
-                <a:ea typeface="SimSun" panose="02010600030101010101" pitchFamily="2" charset="-122"/>
-                <a:sym typeface="Wingdings" pitchFamily="2" charset="2"/>
-              </a:rPr>
-              <a:t>宏</a:t>
-            </a:r>
-            <a:r>
-              <a:rPr lang="zh-CN" altLang="en-US" sz="1400" dirty="0">
-                <a:latin typeface="SimSun" panose="02010600030101010101" pitchFamily="2" charset="-122"/>
-                <a:ea typeface="SimSun" panose="02010600030101010101" pitchFamily="2" charset="-122"/>
-                <a:sym typeface="Wingdings" pitchFamily="2" charset="2"/>
-              </a:rPr>
-              <a:t>，以避免出现一些不必要的错误。</a:t>
-            </a:r>
-            <a:endParaRPr lang="en-US" altLang="zh-CN" sz="1400" dirty="0">
-              <a:latin typeface="SimSun" panose="02010600030101010101" pitchFamily="2" charset="-122"/>
-              <a:ea typeface="SimSun" panose="02010600030101010101" pitchFamily="2" charset="-122"/>
-              <a:sym typeface="Wingdings" pitchFamily="2" charset="2"/>
-            </a:endParaRPr>
-          </a:p>
-          <a:p>
-            <a:endParaRPr lang="zh-CN" altLang="en-US" sz="1400" dirty="0">
-              <a:latin typeface="SimSun" panose="02010600030101010101" pitchFamily="2" charset="-122"/>
-              <a:ea typeface="SimSun" panose="02010600030101010101" pitchFamily="2" charset="-122"/>
-              <a:sym typeface="Wingdings" pitchFamily="2" charset="2"/>
-            </a:endParaRPr>
-          </a:p>
-          <a:p>
-            <a:r>
-              <a:rPr lang="zh-CN" altLang="en-US" sz="1400" dirty="0">
-                <a:latin typeface="SimSun" panose="02010600030101010101" pitchFamily="2" charset="-122"/>
-                <a:ea typeface="SimSun" panose="02010600030101010101" pitchFamily="2" charset="-122"/>
-                <a:sym typeface="Wingdings" pitchFamily="2" charset="2"/>
-              </a:rPr>
-              <a:t>所有的</a:t>
-            </a:r>
-            <a:r>
-              <a:rPr lang="en" altLang="zh-CN" sz="1400" dirty="0">
-                <a:latin typeface="SimSun" panose="02010600030101010101" pitchFamily="2" charset="-122"/>
-                <a:ea typeface="SimSun" panose="02010600030101010101" pitchFamily="2" charset="-122"/>
-                <a:sym typeface="Wingdings" pitchFamily="2" charset="2"/>
-              </a:rPr>
-              <a:t>Qt widgets </a:t>
-            </a:r>
-            <a:r>
-              <a:rPr lang="zh-CN" altLang="en-US" sz="1400" dirty="0">
-                <a:latin typeface="SimSun" panose="02010600030101010101" pitchFamily="2" charset="-122"/>
-                <a:ea typeface="SimSun" panose="02010600030101010101" pitchFamily="2" charset="-122"/>
-                <a:sym typeface="Wingdings" pitchFamily="2" charset="2"/>
-              </a:rPr>
-              <a:t>都是基础</a:t>
-            </a:r>
-            <a:r>
-              <a:rPr lang="en" altLang="zh-CN" sz="1400" dirty="0" err="1">
-                <a:latin typeface="SimSun" panose="02010600030101010101" pitchFamily="2" charset="-122"/>
-                <a:ea typeface="SimSun" panose="02010600030101010101" pitchFamily="2" charset="-122"/>
-                <a:sym typeface="Wingdings" pitchFamily="2" charset="2"/>
-              </a:rPr>
-              <a:t>QObject</a:t>
-            </a:r>
-            <a:r>
-              <a:rPr lang="zh-CN" altLang="en" sz="1400" dirty="0">
-                <a:latin typeface="SimSun" panose="02010600030101010101" pitchFamily="2" charset="-122"/>
-                <a:ea typeface="SimSun" panose="02010600030101010101" pitchFamily="2" charset="-122"/>
-                <a:sym typeface="Wingdings" pitchFamily="2" charset="2"/>
-              </a:rPr>
-              <a:t>。</a:t>
-            </a:r>
-            <a:r>
-              <a:rPr lang="zh-CN" altLang="en-US" sz="1400" dirty="0">
-                <a:latin typeface="SimSun" panose="02010600030101010101" pitchFamily="2" charset="-122"/>
-                <a:ea typeface="SimSun" panose="02010600030101010101" pitchFamily="2" charset="-122"/>
-                <a:sym typeface="Wingdings" pitchFamily="2" charset="2"/>
-              </a:rPr>
-              <a:t>如果一个对象是</a:t>
-            </a:r>
-            <a:r>
-              <a:rPr lang="en" altLang="zh-CN" sz="1400" dirty="0">
-                <a:latin typeface="SimSun" panose="02010600030101010101" pitchFamily="2" charset="-122"/>
-                <a:ea typeface="SimSun" panose="02010600030101010101" pitchFamily="2" charset="-122"/>
-                <a:sym typeface="Wingdings" pitchFamily="2" charset="2"/>
-              </a:rPr>
-              <a:t>widget,</a:t>
-            </a:r>
-            <a:r>
-              <a:rPr lang="zh-CN" altLang="en-US" sz="1400" dirty="0">
-                <a:latin typeface="SimSun" panose="02010600030101010101" pitchFamily="2" charset="-122"/>
-                <a:ea typeface="SimSun" panose="02010600030101010101" pitchFamily="2" charset="-122"/>
-                <a:sym typeface="Wingdings" pitchFamily="2" charset="2"/>
-              </a:rPr>
-              <a:t>那么</a:t>
-            </a:r>
-            <a:r>
-              <a:rPr lang="en" altLang="zh-CN" sz="1400" dirty="0" err="1">
-                <a:latin typeface="SimSun" panose="02010600030101010101" pitchFamily="2" charset="-122"/>
-                <a:ea typeface="SimSun" panose="02010600030101010101" pitchFamily="2" charset="-122"/>
-                <a:sym typeface="Wingdings" pitchFamily="2" charset="2"/>
-              </a:rPr>
-              <a:t>isWidgetType</a:t>
-            </a:r>
-            <a:r>
-              <a:rPr lang="en-US" altLang="zh-CN" sz="1400" dirty="0">
-                <a:latin typeface="SimSun" panose="02010600030101010101" pitchFamily="2" charset="-122"/>
-                <a:ea typeface="SimSun" panose="02010600030101010101" pitchFamily="2" charset="-122"/>
-                <a:sym typeface="Wingdings" pitchFamily="2" charset="2"/>
-              </a:rPr>
-              <a:t>()</a:t>
-            </a:r>
-            <a:r>
-              <a:rPr lang="zh-CN" altLang="en-US" sz="1400" dirty="0">
-                <a:latin typeface="SimSun" panose="02010600030101010101" pitchFamily="2" charset="-122"/>
-                <a:ea typeface="SimSun" panose="02010600030101010101" pitchFamily="2" charset="-122"/>
-                <a:sym typeface="Wingdings" pitchFamily="2" charset="2"/>
-              </a:rPr>
-              <a:t>函数就能判断出。</a:t>
-            </a:r>
-            <a:endParaRPr lang="en-US" altLang="zh-CN" sz="1400" dirty="0">
-              <a:latin typeface="SimSun" panose="02010600030101010101" pitchFamily="2" charset="-122"/>
-              <a:ea typeface="SimSun" panose="02010600030101010101" pitchFamily="2" charset="-122"/>
-              <a:sym typeface="Wingdings" pitchFamily="2" charset="2"/>
-            </a:endParaRPr>
+              <a:rPr lang="zh-CN" altLang="en-US" sz="1600" b="0" i="0" dirty="0">
+                <a:effectLst/>
+                <a:latin typeface="-apple-system"/>
+              </a:rPr>
+              <a:t>将接收消息函数和</a:t>
+            </a:r>
+            <a:r>
+              <a:rPr lang="en" altLang="zh-CN" sz="1600" b="0" i="0" dirty="0" err="1">
+                <a:effectLst/>
+                <a:latin typeface="-apple-system"/>
+              </a:rPr>
+              <a:t>UdpSocket</a:t>
+            </a:r>
+            <a:r>
+              <a:rPr lang="zh-CN" altLang="en-US" sz="1600" b="0" i="0" dirty="0">
+                <a:effectLst/>
+                <a:latin typeface="-apple-system"/>
+              </a:rPr>
+              <a:t>对象做关联</a:t>
+            </a:r>
+          </a:p>
+          <a:p>
+            <a:pPr algn="l">
+              <a:buFont typeface="Arial" panose="020B0604020202020204" pitchFamily="34" charset="0"/>
+              <a:buChar char="•"/>
+            </a:pPr>
+            <a:r>
+              <a:rPr lang="zh-CN" altLang="en-US" sz="1600" b="0" i="0" dirty="0">
+                <a:effectLst/>
+                <a:latin typeface="-apple-system"/>
+              </a:rPr>
+              <a:t>第四步：在接收消息槽函数当中调用</a:t>
+            </a:r>
+            <a:r>
+              <a:rPr lang="en" altLang="zh-CN" sz="1600" b="0" i="0" dirty="0" err="1">
+                <a:effectLst/>
+                <a:latin typeface="-apple-system"/>
+              </a:rPr>
+              <a:t>readDatagram</a:t>
+            </a:r>
+            <a:r>
+              <a:rPr lang="zh-CN" altLang="en-US" sz="1600" b="0" i="0" dirty="0">
+                <a:effectLst/>
+                <a:latin typeface="-apple-system"/>
+              </a:rPr>
+              <a:t>接收消息</a:t>
+            </a:r>
           </a:p>
         </p:txBody>
       </p:sp>
@@ -15237,7 +16035,7 @@
         </p:nvSpPr>
         <p:spPr>
           <a:xfrm>
-            <a:off x="4759645" y="695093"/>
+            <a:off x="5305557" y="695092"/>
             <a:ext cx="2479355" cy="276999"/>
           </a:xfrm>
           <a:prstGeom prst="rect">
@@ -15252,14 +16050,14 @@
           <a:lstStyle/>
           <a:p>
             <a:r>
-              <a:rPr kumimoji="1" lang="en-US" altLang="zh-CN" sz="1200" dirty="0">
+              <a:rPr kumimoji="1" lang="zh-CN" altLang="en" sz="1200" dirty="0">
                 <a:solidFill>
                   <a:srgbClr val="5E90C4"/>
                 </a:solidFill>
                 <a:latin typeface="Microsoft YaHei" panose="020B0503020204020204" pitchFamily="34" charset="-122"/>
                 <a:ea typeface="Microsoft YaHei" panose="020B0503020204020204" pitchFamily="34" charset="-122"/>
               </a:rPr>
-              <a:t>1</a:t>
+              <a:t>续</a:t>
             </a:r>
             <a:r>
               <a:rPr kumimoji="1" lang="zh-CN" altLang="en-US" sz="1200" dirty="0">
@@ -15269,7 +16067,7 @@
                 <a:latin typeface="Microsoft YaHei" panose="020B0503020204020204" pitchFamily="34" charset="-122"/>
                 <a:ea typeface="Microsoft YaHei" panose="020B0503020204020204" pitchFamily="34" charset="-122"/>
               </a:rPr>
-              <a:t>、</a:t>
+              <a:t>上一个</a:t>
             </a:r>
             <a:r>
               <a:rPr kumimoji="1" lang="en-US" altLang="zh-CN" sz="1200" dirty="0">
@@ -15279,1274 +16077,22 @@
                 <a:latin typeface="Microsoft YaHei" panose="020B0503020204020204" pitchFamily="34" charset="-122"/>
                 <a:ea typeface="Microsoft YaHei" panose="020B0503020204020204" pitchFamily="34" charset="-122"/>
               </a:rPr>
-              <a:t>2</a:t>
-            </a:r>
-            <a:r>
-              <a:rPr kumimoji="1" lang="zh-CN" altLang="en-US" sz="1200" dirty="0">
-                <a:solidFill>
-                  <a:srgbClr val="5E90C4"/>
-                </a:solidFill>
-                <a:latin typeface="Microsoft YaHei" panose="020B0503020204020204" pitchFamily="34" charset="-122"/>
-                <a:ea typeface="Microsoft YaHei" panose="020B0503020204020204" pitchFamily="34" charset="-122"/>
-              </a:rPr>
-              <a:t>、</a:t>
-            </a:r>
-            <a:r>
-              <a:rPr kumimoji="1" lang="en-US" altLang="zh-CN" sz="1200" dirty="0">
-                <a:solidFill>
-                  <a:srgbClr val="5E90C4"/>
-                </a:solidFill>
-                <a:latin typeface="Microsoft YaHei" panose="020B0503020204020204" pitchFamily="34" charset="-122"/>
-                <a:ea typeface="Microsoft YaHei" panose="020B0503020204020204" pitchFamily="34" charset="-122"/>
-              </a:rPr>
-              <a:t>3</a:t>
-            </a:r>
-            <a:r>
-              <a:rPr kumimoji="1" lang="zh-CN" altLang="en-US" sz="1200" dirty="0">
-                <a:solidFill>
-                  <a:srgbClr val="5E90C4"/>
-                </a:solidFill>
-                <a:latin typeface="Microsoft YaHei" panose="020B0503020204020204" pitchFamily="34" charset="-122"/>
-                <a:ea typeface="Microsoft YaHei" panose="020B0503020204020204" pitchFamily="34" charset="-122"/>
-              </a:rPr>
-              <a:t>题在上一个</a:t>
-            </a:r>
-            <a:r>
-              <a:rPr kumimoji="1" lang="en-US" altLang="zh-CN" sz="1200" dirty="0">
-                <a:solidFill>
-                  <a:srgbClr val="5E90C4"/>
-                </a:solidFill>
-                <a:latin typeface="Microsoft YaHei" panose="020B0503020204020204" pitchFamily="34" charset="-122"/>
-                <a:ea typeface="Microsoft YaHei" panose="020B0503020204020204" pitchFamily="34" charset="-122"/>
-              </a:rPr>
               <a:t>ppt</a:t>
             </a:r>
-            <a:r>
-              <a:rPr kumimoji="1" lang="zh-CN" altLang="en-US" sz="1200" dirty="0">
-                <a:solidFill>
-                  <a:srgbClr val="5E90C4"/>
-                </a:solidFill>
-                <a:latin typeface="Microsoft YaHei" panose="020B0503020204020204" pitchFamily="34" charset="-122"/>
-                <a:ea typeface="Microsoft YaHei" panose="020B0503020204020204" pitchFamily="34" charset="-122"/>
-              </a:rPr>
-              <a:t>中</a:t>
-            </a:r>
+            <a:endParaRPr kumimoji="1" lang="zh-CN" altLang="en-US" sz="1200" dirty="0">
+              <a:solidFill>
+                <a:srgbClr val="5E90C4"/>
+              </a:solidFill>
+              <a:latin typeface="Microsoft YaHei" panose="020B0503020204020204" pitchFamily="34" charset="-122"/>
+              <a:ea typeface="Microsoft YaHei" panose="020B0503020204020204" pitchFamily="34" charset="-122"/>
+            </a:endParaRPr>
           </a:p>
         </p:txBody>
       </p:sp>
     </p:spTree>
     <p:extLst>
       <p:ext uri="{BB962C8B-B14F-4D97-AF65-F5344CB8AC3E}">
-        <p14:creationId xmlns:p14="http://schemas.microsoft.com/office/powerpoint/2010/main" val="1047687587"/>
-      </p:ext>
-    </p:extLst>
-  </p:cSld>
-  <p:clrMapOvr>
-    <a:masterClrMapping/>
-  </p:clrMapOvr>
-</p:sld>
-</file>
-
-<file path=ppt/slides/slide8.xml><?xml version="1.0" encoding="utf-8"?>
-<p:sld xmlns:a="http://schemas.openxmlformats.org/drawingml/2006/main" xmlns:r="http://schemas.openxmlformats.org/officeDocument/2006/relationships" xmlns:p="http://schemas.openxmlformats.org/presentationml/2006/main">
-  <p:cSld>
-    <p:spTree>
-      <p:nvGrpSpPr>
-        <p:cNvPr id="1" name="">
-          <a:extLst>
-            <a:ext uri="{FF2B5EF4-FFF2-40B4-BE49-F238E27FC236}">
-              <a16:creationId xmlns:a16="http://schemas.microsoft.com/office/drawing/2014/main" id="{FF061CD9-0A30-6CD9-12D0-27FE8F6797F2}"/>
-            </a:ext>
-          </a:extLst>
-        </p:cNvPr>
-        <p:cNvGrpSpPr/>
-        <p:nvPr/>
-      </p:nvGrpSpPr>
-      <p:grpSpPr>
-        <a:xfrm>
-          <a:off x="0" y="0"/>
-          <a:ext cx="0" cy="0"/>
-          <a:chOff x="0" y="0"/>
-          <a:chExt cx="0" cy="0"/>
-        </a:xfrm>
-      </p:grpSpPr>
-      <p:sp>
-        <p:nvSpPr>
-          <p:cNvPr id="6" name="圆角矩形 5">
-            <a:extLst>
-              <a:ext uri="{FF2B5EF4-FFF2-40B4-BE49-F238E27FC236}">
-                <a16:creationId xmlns:a16="http://schemas.microsoft.com/office/drawing/2014/main" id="{CE7E39DB-BE64-BB0D-1C61-7D978FCE9B94}"/>
-              </a:ext>
-            </a:extLst>
-          </p:cNvPr>
-          <p:cNvSpPr/>
-          <p:nvPr/>
-        </p:nvSpPr>
-        <p:spPr>
-          <a:xfrm>
-            <a:off x="4759644" y="696925"/>
-            <a:ext cx="2015229" cy="275166"/>
-          </a:xfrm>
-          <a:prstGeom prst="roundRect">
-            <a:avLst/>
-          </a:prstGeom>
-          <a:solidFill>
-            <a:srgbClr val="D7D7D7"/>
-          </a:solidFill>
-          <a:ln>
-            <a:noFill/>
-          </a:ln>
-        </p:spPr>
-        <p:style>
-          <a:lnRef idx="2">
-            <a:schemeClr val="accent1">
-              <a:shade val="15000"/>
-            </a:schemeClr>
-          </a:lnRef>
-          <a:fillRef idx="1">
-            <a:schemeClr val="accent1"/>
-          </a:fillRef>
-          <a:effectRef idx="0">
-            <a:schemeClr val="accent1"/>
-          </a:effectRef>
-          <a:fontRef idx="minor">
-            <a:schemeClr val="lt1"/>
-          </a:fontRef>
-        </p:style>
-        <p:txBody>
-          <a:bodyPr rtlCol="0" anchor="ctr"/>
-          <a:lstStyle/>
-          <a:p>
-            <a:pPr algn="ctr"/>
-            <a:endParaRPr kumimoji="1" lang="zh-CN" altLang="en-US"/>
-          </a:p>
-        </p:txBody>
-      </p:sp>
-      <p:cxnSp>
-        <p:nvCxnSpPr>
-          <p:cNvPr id="11" name="直接连接符 10">
-            <a:extLst>
-              <a:ext uri="{FF2B5EF4-FFF2-40B4-BE49-F238E27FC236}">
-                <a16:creationId xmlns:a16="http://schemas.microsoft.com/office/drawing/2014/main" id="{213184C1-44B5-DD8B-9A8E-663B47E083A3}"/>
-              </a:ext>
-            </a:extLst>
-          </p:cNvPr>
-          <p:cNvCxnSpPr>
-            <a:cxnSpLocks/>
-          </p:cNvCxnSpPr>
-          <p:nvPr/>
-        </p:nvCxnSpPr>
-        <p:spPr>
-          <a:xfrm>
-            <a:off x="12300558" y="3429000"/>
-            <a:ext cx="0" cy="0"/>
-          </a:xfrm>
-          <a:prstGeom prst="line">
-            <a:avLst/>
-          </a:prstGeom>
-          <a:ln w="12700">
-            <a:solidFill>
-              <a:schemeClr val="bg2">
-                <a:lumMod val="90000"/>
-              </a:schemeClr>
-            </a:solidFill>
-            <a:prstDash val="solid"/>
-          </a:ln>
-        </p:spPr>
-        <p:style>
-          <a:lnRef idx="1">
-            <a:schemeClr val="accent1"/>
-          </a:lnRef>
-          <a:fillRef idx="0">
-            <a:schemeClr val="accent1"/>
-          </a:fillRef>
-          <a:effectRef idx="0">
-            <a:schemeClr val="accent1"/>
-          </a:effectRef>
-          <a:fontRef idx="minor">
-            <a:schemeClr val="tx1"/>
-          </a:fontRef>
-        </p:style>
-      </p:cxnSp>
-      <p:sp>
-        <p:nvSpPr>
-          <p:cNvPr id="161" name="文本框 160">
-            <a:extLst>
-              <a:ext uri="{FF2B5EF4-FFF2-40B4-BE49-F238E27FC236}">
-                <a16:creationId xmlns:a16="http://schemas.microsoft.com/office/drawing/2014/main" id="{002560BA-8B4B-90C2-B4C5-E224A17C5E0E}"/>
-              </a:ext>
-            </a:extLst>
-          </p:cNvPr>
-          <p:cNvSpPr txBox="1"/>
-          <p:nvPr/>
-        </p:nvSpPr>
-        <p:spPr>
-          <a:xfrm>
-            <a:off x="11821886" y="-1005840"/>
-            <a:ext cx="184731" cy="369332"/>
-          </a:xfrm>
-          <a:prstGeom prst="rect">
-            <a:avLst/>
-          </a:prstGeom>
-          <a:noFill/>
-        </p:spPr>
-        <p:txBody>
-          <a:bodyPr wrap="none" rtlCol="0">
-            <a:spAutoFit/>
-          </a:bodyPr>
-          <a:lstStyle/>
-          <a:p>
-            <a:endParaRPr kumimoji="1" lang="zh-CN" altLang="en-US" dirty="0"/>
-          </a:p>
-        </p:txBody>
-      </p:sp>
-      <p:cxnSp>
-        <p:nvCxnSpPr>
-          <p:cNvPr id="133" name="直线连接符 132">
-            <a:extLst>
-              <a:ext uri="{FF2B5EF4-FFF2-40B4-BE49-F238E27FC236}">
-                <a16:creationId xmlns:a16="http://schemas.microsoft.com/office/drawing/2014/main" id="{74054EF5-548D-7EB3-33F9-76EB71657A52}"/>
-              </a:ext>
-            </a:extLst>
-          </p:cNvPr>
-          <p:cNvCxnSpPr>
-            <a:cxnSpLocks/>
-          </p:cNvCxnSpPr>
-          <p:nvPr/>
-        </p:nvCxnSpPr>
-        <p:spPr>
-          <a:xfrm>
-            <a:off x="885944" y="672398"/>
-            <a:ext cx="11318582" cy="0"/>
-          </a:xfrm>
-          <a:prstGeom prst="line">
-            <a:avLst/>
-          </a:prstGeom>
-          <a:ln w="12700">
-            <a:solidFill>
-              <a:schemeClr val="dk1">
-                <a:alpha val="12101"/>
-              </a:schemeClr>
-            </a:solidFill>
-          </a:ln>
-        </p:spPr>
-        <p:style>
-          <a:lnRef idx="3">
-            <a:schemeClr val="dk1"/>
-          </a:lnRef>
-          <a:fillRef idx="0">
-            <a:schemeClr val="dk1"/>
-          </a:fillRef>
-          <a:effectRef idx="2">
-            <a:schemeClr val="dk1"/>
-          </a:effectRef>
-          <a:fontRef idx="minor">
-            <a:schemeClr val="tx1"/>
-          </a:fontRef>
-        </p:style>
-      </p:cxnSp>
-      <p:grpSp>
-        <p:nvGrpSpPr>
-          <p:cNvPr id="10" name="组合 9">
-            <a:extLst>
-              <a:ext uri="{FF2B5EF4-FFF2-40B4-BE49-F238E27FC236}">
-                <a16:creationId xmlns:a16="http://schemas.microsoft.com/office/drawing/2014/main" id="{90F5ED27-6693-7A15-3F8A-711CC1846D3D}"/>
-              </a:ext>
-            </a:extLst>
-          </p:cNvPr>
-          <p:cNvGrpSpPr/>
-          <p:nvPr/>
-        </p:nvGrpSpPr>
-        <p:grpSpPr>
-          <a:xfrm>
-            <a:off x="921" y="-1"/>
-            <a:ext cx="1080000" cy="1080000"/>
-            <a:chOff x="1961262" y="1945984"/>
-            <a:chExt cx="769993" cy="755608"/>
-          </a:xfrm>
-        </p:grpSpPr>
-        <p:sp>
-          <p:nvSpPr>
-            <p:cNvPr id="12" name="圆角矩形 11">
-              <a:extLst>
-                <a:ext uri="{FF2B5EF4-FFF2-40B4-BE49-F238E27FC236}">
-                  <a16:creationId xmlns:a16="http://schemas.microsoft.com/office/drawing/2014/main" id="{3F1A1B02-2F65-266F-8446-646AAB3C2E69}"/>
-                </a:ext>
-              </a:extLst>
-            </p:cNvPr>
-            <p:cNvSpPr/>
-            <p:nvPr/>
-          </p:nvSpPr>
-          <p:spPr>
-            <a:xfrm>
-              <a:off x="2175611" y="1945984"/>
-              <a:ext cx="555644" cy="555644"/>
-            </a:xfrm>
-            <a:prstGeom prst="roundRect">
-              <a:avLst/>
-            </a:prstGeom>
-            <a:solidFill>
-              <a:srgbClr val="5B2387"/>
-            </a:solidFill>
-            <a:ln>
-              <a:noFill/>
-            </a:ln>
-          </p:spPr>
-          <p:style>
-            <a:lnRef idx="2">
-              <a:schemeClr val="accent1">
-                <a:shade val="15000"/>
-              </a:schemeClr>
-            </a:lnRef>
-            <a:fillRef idx="1">
-              <a:schemeClr val="accent1"/>
-            </a:fillRef>
-            <a:effectRef idx="0">
-              <a:schemeClr val="accent1"/>
-            </a:effectRef>
-            <a:fontRef idx="minor">
-              <a:schemeClr val="lt1"/>
-            </a:fontRef>
-          </p:style>
-          <p:txBody>
-            <a:bodyPr rtlCol="0" anchor="ctr"/>
-            <a:lstStyle/>
-            <a:p>
-              <a:pPr algn="ctr"/>
-              <a:endParaRPr kumimoji="1" lang="zh-CN" altLang="en-US" dirty="0"/>
-            </a:p>
-          </p:txBody>
-        </p:sp>
-        <p:grpSp>
-          <p:nvGrpSpPr>
-            <p:cNvPr id="13" name="组合 12">
-              <a:extLst>
-                <a:ext uri="{FF2B5EF4-FFF2-40B4-BE49-F238E27FC236}">
-                  <a16:creationId xmlns:a16="http://schemas.microsoft.com/office/drawing/2014/main" id="{6211E98B-8C2D-EB13-035B-CCD00B5BE110}"/>
-                </a:ext>
-              </a:extLst>
-            </p:cNvPr>
-            <p:cNvGrpSpPr/>
-            <p:nvPr/>
-          </p:nvGrpSpPr>
-          <p:grpSpPr>
-            <a:xfrm>
-              <a:off x="1961262" y="2031453"/>
-              <a:ext cx="670139" cy="670139"/>
-              <a:chOff x="3861672" y="1879053"/>
-              <a:chExt cx="670139" cy="670139"/>
-            </a:xfrm>
-          </p:grpSpPr>
-          <p:sp>
-            <p:nvSpPr>
-              <p:cNvPr id="14" name="泪珠形 13">
-                <a:extLst>
-                  <a:ext uri="{FF2B5EF4-FFF2-40B4-BE49-F238E27FC236}">
-                    <a16:creationId xmlns:a16="http://schemas.microsoft.com/office/drawing/2014/main" id="{AEDFA575-2EE8-A58B-0A31-45E0C1E13093}"/>
-                  </a:ext>
-                </a:extLst>
-              </p:cNvPr>
-              <p:cNvSpPr/>
-              <p:nvPr/>
-            </p:nvSpPr>
-            <p:spPr>
-              <a:xfrm>
-                <a:off x="3861672" y="1879053"/>
-                <a:ext cx="670139" cy="670139"/>
-              </a:xfrm>
-              <a:prstGeom prst="teardrop">
-                <a:avLst/>
-              </a:prstGeom>
-              <a:solidFill>
-                <a:srgbClr val="D9D9D9"/>
-              </a:solidFill>
-              <a:ln>
-                <a:noFill/>
-              </a:ln>
-            </p:spPr>
-            <p:style>
-              <a:lnRef idx="2">
-                <a:schemeClr val="accent1">
-                  <a:shade val="15000"/>
-                </a:schemeClr>
-              </a:lnRef>
-              <a:fillRef idx="1">
-                <a:schemeClr val="accent1"/>
-              </a:fillRef>
-              <a:effectRef idx="0">
-                <a:schemeClr val="accent1"/>
-              </a:effectRef>
-              <a:fontRef idx="minor">
-                <a:schemeClr val="lt1"/>
-              </a:fontRef>
-            </p:style>
-            <p:txBody>
-              <a:bodyPr rtlCol="0" anchor="ctr"/>
-              <a:lstStyle/>
-              <a:p>
-                <a:pPr algn="ctr"/>
-                <a:endParaRPr kumimoji="1" lang="zh-CN" altLang="en-US" dirty="0"/>
-              </a:p>
-            </p:txBody>
-          </p:sp>
-          <p:grpSp>
-            <p:nvGrpSpPr>
-              <p:cNvPr id="15" name="组合 14">
-                <a:extLst>
-                  <a:ext uri="{FF2B5EF4-FFF2-40B4-BE49-F238E27FC236}">
-                    <a16:creationId xmlns:a16="http://schemas.microsoft.com/office/drawing/2014/main" id="{219EE840-049F-9829-9EA9-7E0604C40BD8}"/>
-                  </a:ext>
-                </a:extLst>
-              </p:cNvPr>
-              <p:cNvGrpSpPr/>
-              <p:nvPr/>
-            </p:nvGrpSpPr>
-            <p:grpSpPr>
-              <a:xfrm flipH="1">
-                <a:off x="4045451" y="2008598"/>
-                <a:ext cx="352684" cy="358820"/>
-                <a:chOff x="4799431" y="1979028"/>
-                <a:chExt cx="418686" cy="425970"/>
-              </a:xfrm>
-              <a:solidFill>
-                <a:srgbClr val="8F7DAE"/>
-              </a:solidFill>
-            </p:grpSpPr>
-            <p:sp>
-              <p:nvSpPr>
-                <p:cNvPr id="16" name="矩形 15">
-                  <a:extLst>
-                    <a:ext uri="{FF2B5EF4-FFF2-40B4-BE49-F238E27FC236}">
-                      <a16:creationId xmlns:a16="http://schemas.microsoft.com/office/drawing/2014/main" id="{6C76B908-225D-E167-A153-2A0FE1AFAA1F}"/>
-                    </a:ext>
-                  </a:extLst>
-                </p:cNvPr>
-                <p:cNvSpPr/>
-                <p:nvPr/>
-              </p:nvSpPr>
-              <p:spPr>
-                <a:xfrm flipH="1">
-                  <a:off x="4799432" y="1979111"/>
-                  <a:ext cx="159585" cy="425887"/>
-                </a:xfrm>
-                <a:prstGeom prst="rect">
-                  <a:avLst/>
-                </a:prstGeom>
-                <a:solidFill>
-                  <a:srgbClr val="5B2287"/>
-                </a:solidFill>
-                <a:ln>
-                  <a:noFill/>
-                </a:ln>
-              </p:spPr>
-              <p:style>
-                <a:lnRef idx="2">
-                  <a:schemeClr val="accent1">
-                    <a:shade val="15000"/>
-                  </a:schemeClr>
-                </a:lnRef>
-                <a:fillRef idx="1">
-                  <a:schemeClr val="accent1"/>
-                </a:fillRef>
-                <a:effectRef idx="0">
-                  <a:schemeClr val="accent1"/>
-                </a:effectRef>
-                <a:fontRef idx="minor">
-                  <a:schemeClr val="lt1"/>
-                </a:fontRef>
-              </p:style>
-              <p:txBody>
-                <a:bodyPr rtlCol="0" anchor="ctr"/>
-                <a:lstStyle/>
-                <a:p>
-                  <a:pPr algn="ctr"/>
-                  <a:endParaRPr lang="zh-CN" altLang="en-US"/>
-                </a:p>
-              </p:txBody>
-            </p:sp>
-            <p:sp>
-              <p:nvSpPr>
-                <p:cNvPr id="17" name="矩形 16">
-                  <a:extLst>
-                    <a:ext uri="{FF2B5EF4-FFF2-40B4-BE49-F238E27FC236}">
-                      <a16:creationId xmlns:a16="http://schemas.microsoft.com/office/drawing/2014/main" id="{68488021-1E43-3D1D-B1A1-334C4C447A21}"/>
-                    </a:ext>
-                  </a:extLst>
-                </p:cNvPr>
-                <p:cNvSpPr/>
-                <p:nvPr/>
-              </p:nvSpPr>
-              <p:spPr>
-                <a:xfrm rot="5400000">
-                  <a:off x="4927353" y="1988890"/>
-                  <a:ext cx="162842" cy="418685"/>
-                </a:xfrm>
-                <a:prstGeom prst="rect">
-                  <a:avLst/>
-                </a:prstGeom>
-                <a:solidFill>
-                  <a:srgbClr val="5B2287"/>
-                </a:solidFill>
-                <a:ln>
-                  <a:noFill/>
-                </a:ln>
-              </p:spPr>
-              <p:style>
-                <a:lnRef idx="2">
-                  <a:schemeClr val="accent1">
-                    <a:shade val="15000"/>
-                  </a:schemeClr>
-                </a:lnRef>
-                <a:fillRef idx="1">
-                  <a:schemeClr val="accent1"/>
-                </a:fillRef>
-                <a:effectRef idx="0">
-                  <a:schemeClr val="accent1"/>
-                </a:effectRef>
-                <a:fontRef idx="minor">
-                  <a:schemeClr val="lt1"/>
-                </a:fontRef>
-              </p:style>
-              <p:txBody>
-                <a:bodyPr rtlCol="0" anchor="ctr"/>
-                <a:lstStyle/>
-                <a:p>
-                  <a:pPr algn="ctr"/>
-                  <a:endParaRPr lang="zh-CN" altLang="en-US" dirty="0">
-                    <a:solidFill>
-                      <a:srgbClr val="5B2287"/>
-                    </a:solidFill>
-                  </a:endParaRPr>
-                </a:p>
-              </p:txBody>
-            </p:sp>
-            <p:sp>
-              <p:nvSpPr>
-                <p:cNvPr id="18" name="矩形 17">
-                  <a:extLst>
-                    <a:ext uri="{FF2B5EF4-FFF2-40B4-BE49-F238E27FC236}">
-                      <a16:creationId xmlns:a16="http://schemas.microsoft.com/office/drawing/2014/main" id="{BC45A6D0-C372-858D-96DC-076937B61566}"/>
-                    </a:ext>
-                  </a:extLst>
-                </p:cNvPr>
-                <p:cNvSpPr/>
-                <p:nvPr/>
-              </p:nvSpPr>
-              <p:spPr>
-                <a:xfrm flipH="1">
-                  <a:off x="5058532" y="1979028"/>
-                  <a:ext cx="159585" cy="425887"/>
-                </a:xfrm>
-                <a:prstGeom prst="rect">
-                  <a:avLst/>
-                </a:prstGeom>
-                <a:solidFill>
-                  <a:srgbClr val="5B2287"/>
-                </a:solidFill>
-                <a:ln>
-                  <a:noFill/>
-                </a:ln>
-              </p:spPr>
-              <p:style>
-                <a:lnRef idx="2">
-                  <a:schemeClr val="accent1">
-                    <a:shade val="15000"/>
-                  </a:schemeClr>
-                </a:lnRef>
-                <a:fillRef idx="1">
-                  <a:schemeClr val="accent1"/>
-                </a:fillRef>
-                <a:effectRef idx="0">
-                  <a:schemeClr val="accent1"/>
-                </a:effectRef>
-                <a:fontRef idx="minor">
-                  <a:schemeClr val="lt1"/>
-                </a:fontRef>
-              </p:style>
-              <p:txBody>
-                <a:bodyPr rtlCol="0" anchor="ctr"/>
-                <a:lstStyle/>
-                <a:p>
-                  <a:pPr algn="ctr"/>
-                  <a:endParaRPr lang="zh-CN" altLang="en-US"/>
-                </a:p>
-              </p:txBody>
-            </p:sp>
-          </p:grpSp>
-        </p:grpSp>
-      </p:grpSp>
-      <p:sp>
-        <p:nvSpPr>
-          <p:cNvPr id="140" name="矩形 139">
-            <a:extLst>
-              <a:ext uri="{FF2B5EF4-FFF2-40B4-BE49-F238E27FC236}">
-                <a16:creationId xmlns:a16="http://schemas.microsoft.com/office/drawing/2014/main" id="{E6DAFAF6-F4BF-66E9-350B-6B6182CE274F}"/>
-              </a:ext>
-            </a:extLst>
-          </p:cNvPr>
-          <p:cNvSpPr/>
-          <p:nvPr/>
-        </p:nvSpPr>
-        <p:spPr>
-          <a:xfrm>
-            <a:off x="1095946" y="0"/>
-            <a:ext cx="5000054" cy="672397"/>
-          </a:xfrm>
-          <a:prstGeom prst="rect">
-            <a:avLst/>
-          </a:prstGeom>
-          <a:noFill/>
-          <a:ln>
-            <a:noFill/>
-          </a:ln>
-        </p:spPr>
-        <p:style>
-          <a:lnRef idx="2">
-            <a:schemeClr val="accent1">
-              <a:shade val="15000"/>
-            </a:schemeClr>
-          </a:lnRef>
-          <a:fillRef idx="1">
-            <a:schemeClr val="accent1"/>
-          </a:fillRef>
-          <a:effectRef idx="0">
-            <a:schemeClr val="accent1"/>
-          </a:effectRef>
-          <a:fontRef idx="minor">
-            <a:schemeClr val="lt1"/>
-          </a:fontRef>
-        </p:style>
-        <p:txBody>
-          <a:bodyPr rtlCol="0" anchor="ctr"/>
-          <a:lstStyle/>
-          <a:p>
-            <a:r>
-              <a:rPr kumimoji="1" lang="en-US" altLang="zh-CN" sz="2400" b="1" dirty="0">
-                <a:solidFill>
-                  <a:schemeClr val="tx1"/>
-                </a:solidFill>
-                <a:latin typeface="Microsoft YaHei" panose="020B0503020204020204" pitchFamily="34" charset="-122"/>
-                <a:ea typeface="Microsoft YaHei" panose="020B0503020204020204" pitchFamily="34" charset="-122"/>
-              </a:rPr>
-              <a:t>Qt</a:t>
-            </a:r>
-            <a:r>
-              <a:rPr kumimoji="1" lang="zh-CN" altLang="en-US" sz="2400" b="1" dirty="0">
-                <a:solidFill>
-                  <a:schemeClr val="tx1"/>
-                </a:solidFill>
-                <a:latin typeface="Microsoft YaHei" panose="020B0503020204020204" pitchFamily="34" charset="-122"/>
-                <a:ea typeface="Microsoft YaHei" panose="020B0503020204020204" pitchFamily="34" charset="-122"/>
-              </a:rPr>
-              <a:t>面试题</a:t>
-            </a:r>
-          </a:p>
-        </p:txBody>
-      </p:sp>
-      <p:grpSp>
-        <p:nvGrpSpPr>
-          <p:cNvPr id="36" name="组合 35">
-            <a:extLst>
-              <a:ext uri="{FF2B5EF4-FFF2-40B4-BE49-F238E27FC236}">
-                <a16:creationId xmlns:a16="http://schemas.microsoft.com/office/drawing/2014/main" id="{CD7B44F4-B5B7-1173-7BDA-2B092CA651BF}"/>
-              </a:ext>
-            </a:extLst>
-          </p:cNvPr>
-          <p:cNvGrpSpPr/>
-          <p:nvPr/>
-        </p:nvGrpSpPr>
-        <p:grpSpPr>
-          <a:xfrm>
-            <a:off x="10549541" y="113182"/>
-            <a:ext cx="1656318" cy="456027"/>
-            <a:chOff x="10549541" y="113182"/>
-            <a:chExt cx="1656318" cy="456027"/>
-          </a:xfrm>
-          <a:solidFill>
-            <a:srgbClr val="5B2287"/>
-          </a:solidFill>
-        </p:grpSpPr>
-        <p:sp>
-          <p:nvSpPr>
-            <p:cNvPr id="19" name="矩形 18">
-              <a:extLst>
-                <a:ext uri="{FF2B5EF4-FFF2-40B4-BE49-F238E27FC236}">
-                  <a16:creationId xmlns:a16="http://schemas.microsoft.com/office/drawing/2014/main" id="{B5A7CD73-384F-07B1-364B-9D62A7E89F32}"/>
-                </a:ext>
-              </a:extLst>
-            </p:cNvPr>
-            <p:cNvSpPr/>
-            <p:nvPr/>
-          </p:nvSpPr>
-          <p:spPr>
-            <a:xfrm>
-              <a:off x="10709854" y="117618"/>
-              <a:ext cx="1496005" cy="451591"/>
-            </a:xfrm>
-            <a:prstGeom prst="rect">
-              <a:avLst/>
-            </a:prstGeom>
-            <a:grpFill/>
-            <a:ln>
-              <a:noFill/>
-            </a:ln>
-          </p:spPr>
-          <p:style>
-            <a:lnRef idx="2">
-              <a:schemeClr val="accent1">
-                <a:shade val="15000"/>
-              </a:schemeClr>
-            </a:lnRef>
-            <a:fillRef idx="1">
-              <a:schemeClr val="accent1"/>
-            </a:fillRef>
-            <a:effectRef idx="0">
-              <a:schemeClr val="accent1"/>
-            </a:effectRef>
-            <a:fontRef idx="minor">
-              <a:schemeClr val="lt1"/>
-            </a:fontRef>
-          </p:style>
-          <p:txBody>
-            <a:bodyPr rtlCol="0" anchor="ctr"/>
-            <a:lstStyle/>
-            <a:p>
-              <a:pPr algn="ctr"/>
-              <a:endParaRPr kumimoji="1" lang="zh-CN" altLang="en-US"/>
-            </a:p>
-          </p:txBody>
-        </p:sp>
-        <p:sp>
-          <p:nvSpPr>
-            <p:cNvPr id="20" name="文本框 19">
-              <a:extLst>
-                <a:ext uri="{FF2B5EF4-FFF2-40B4-BE49-F238E27FC236}">
-                  <a16:creationId xmlns:a16="http://schemas.microsoft.com/office/drawing/2014/main" id="{8F9F0BDD-464F-68D7-D50F-B7DE4B271AB8}"/>
-                </a:ext>
-              </a:extLst>
-            </p:cNvPr>
-            <p:cNvSpPr txBox="1"/>
-            <p:nvPr/>
-          </p:nvSpPr>
-          <p:spPr>
-            <a:xfrm>
-              <a:off x="10811435" y="131697"/>
-              <a:ext cx="1280160" cy="415498"/>
-            </a:xfrm>
-            <a:prstGeom prst="rect">
-              <a:avLst/>
-            </a:prstGeom>
-            <a:grpFill/>
-          </p:spPr>
-          <p:txBody>
-            <a:bodyPr wrap="square" rtlCol="0">
-              <a:spAutoFit/>
-            </a:bodyPr>
-            <a:lstStyle/>
-            <a:p>
-              <a:pPr algn="ctr"/>
-              <a:r>
-                <a:rPr lang="en-US" altLang="zh-CN" sz="2100" dirty="0">
-                  <a:solidFill>
-                    <a:srgbClr val="D9D9D9"/>
-                  </a:solidFill>
-                  <a:latin typeface="微软雅黑" panose="020B0503020204020204" pitchFamily="34" charset="-122"/>
-                  <a:ea typeface="微软雅黑" panose="020B0503020204020204" pitchFamily="34" charset="-122"/>
-                </a:rPr>
-                <a:t>@</a:t>
-              </a:r>
-              <a:r>
-                <a:rPr lang="zh-CN" altLang="en-US" sz="2100" dirty="0">
-                  <a:solidFill>
-                    <a:srgbClr val="D9D9D9"/>
-                  </a:solidFill>
-                  <a:latin typeface="微软雅黑" panose="020B0503020204020204" pitchFamily="34" charset="-122"/>
-                  <a:ea typeface="微软雅黑" panose="020B0503020204020204" pitchFamily="34" charset="-122"/>
-                </a:rPr>
-                <a:t>木如知</a:t>
-              </a:r>
-            </a:p>
-          </p:txBody>
-        </p:sp>
-        <p:sp>
-          <p:nvSpPr>
-            <p:cNvPr id="29" name="矩形 28">
-              <a:extLst>
-                <a:ext uri="{FF2B5EF4-FFF2-40B4-BE49-F238E27FC236}">
-                  <a16:creationId xmlns:a16="http://schemas.microsoft.com/office/drawing/2014/main" id="{DEE57AEC-C7AD-A6AC-093B-AE472A687A02}"/>
-                </a:ext>
-              </a:extLst>
-            </p:cNvPr>
-            <p:cNvSpPr/>
-            <p:nvPr/>
-          </p:nvSpPr>
-          <p:spPr>
-            <a:xfrm>
-              <a:off x="10549541" y="113182"/>
-              <a:ext cx="108000" cy="451591"/>
-            </a:xfrm>
-            <a:prstGeom prst="rect">
-              <a:avLst/>
-            </a:prstGeom>
-            <a:grpFill/>
-            <a:ln>
-              <a:noFill/>
-            </a:ln>
-          </p:spPr>
-          <p:style>
-            <a:lnRef idx="2">
-              <a:schemeClr val="accent1">
-                <a:shade val="15000"/>
-              </a:schemeClr>
-            </a:lnRef>
-            <a:fillRef idx="1">
-              <a:schemeClr val="accent1"/>
-            </a:fillRef>
-            <a:effectRef idx="0">
-              <a:schemeClr val="accent1"/>
-            </a:effectRef>
-            <a:fontRef idx="minor">
-              <a:schemeClr val="lt1"/>
-            </a:fontRef>
-          </p:style>
-          <p:txBody>
-            <a:bodyPr rtlCol="0" anchor="ctr"/>
-            <a:lstStyle/>
-            <a:p>
-              <a:pPr algn="ctr"/>
-              <a:endParaRPr kumimoji="1" lang="zh-CN" altLang="en-US"/>
-            </a:p>
-          </p:txBody>
-        </p:sp>
-      </p:grpSp>
-      <p:sp>
-        <p:nvSpPr>
-          <p:cNvPr id="38" name="圆角矩形 37">
-            <a:extLst>
-              <a:ext uri="{FF2B5EF4-FFF2-40B4-BE49-F238E27FC236}">
-                <a16:creationId xmlns:a16="http://schemas.microsoft.com/office/drawing/2014/main" id="{BA49D46E-10B5-CA52-A9C9-4489D965885B}"/>
-              </a:ext>
-            </a:extLst>
-          </p:cNvPr>
-          <p:cNvSpPr/>
-          <p:nvPr/>
-        </p:nvSpPr>
-        <p:spPr>
-          <a:xfrm>
-            <a:off x="165100" y="1020323"/>
-            <a:ext cx="11841517" cy="5638211"/>
-          </a:xfrm>
-          <a:prstGeom prst="roundRect">
-            <a:avLst/>
-          </a:prstGeom>
-          <a:noFill/>
-          <a:ln>
-            <a:solidFill>
-              <a:schemeClr val="tx1"/>
-            </a:solidFill>
-            <a:prstDash val="dash"/>
-          </a:ln>
-        </p:spPr>
-        <p:style>
-          <a:lnRef idx="2">
-            <a:schemeClr val="accent1">
-              <a:shade val="15000"/>
-            </a:schemeClr>
-          </a:lnRef>
-          <a:fillRef idx="1">
-            <a:schemeClr val="accent1"/>
-          </a:fillRef>
-          <a:effectRef idx="0">
-            <a:schemeClr val="accent1"/>
-          </a:effectRef>
-          <a:fontRef idx="minor">
-            <a:schemeClr val="lt1"/>
-          </a:fontRef>
-        </p:style>
-        <p:txBody>
-          <a:bodyPr rtlCol="0" anchor="ctr"/>
-          <a:lstStyle/>
-          <a:p>
-            <a:pPr algn="ctr"/>
-            <a:endParaRPr kumimoji="1" lang="zh-CN" altLang="en-US"/>
-          </a:p>
-        </p:txBody>
-      </p:sp>
-      <p:sp>
-        <p:nvSpPr>
-          <p:cNvPr id="2" name="文本框 1">
-            <a:extLst>
-              <a:ext uri="{FF2B5EF4-FFF2-40B4-BE49-F238E27FC236}">
-                <a16:creationId xmlns:a16="http://schemas.microsoft.com/office/drawing/2014/main" id="{D2900210-40B7-6759-F6B3-B64A6DD22ACF}"/>
-              </a:ext>
-            </a:extLst>
-          </p:cNvPr>
-          <p:cNvSpPr txBox="1"/>
-          <p:nvPr/>
-        </p:nvSpPr>
-        <p:spPr>
-          <a:xfrm>
-            <a:off x="5743980" y="6658538"/>
-            <a:ext cx="612668" cy="215444"/>
-          </a:xfrm>
-          <a:prstGeom prst="rect">
-            <a:avLst/>
-          </a:prstGeom>
-          <a:noFill/>
-        </p:spPr>
-        <p:txBody>
-          <a:bodyPr wrap="none" rtlCol="0">
-            <a:spAutoFit/>
-          </a:bodyPr>
-          <a:lstStyle/>
-          <a:p>
-            <a:r>
-              <a:rPr lang="en-US" altLang="zh-CN" sz="800" dirty="0">
-                <a:solidFill>
-                  <a:schemeClr val="bg2">
-                    <a:lumMod val="90000"/>
-                  </a:schemeClr>
-                </a:solidFill>
-              </a:rPr>
-              <a:t>@</a:t>
-            </a:r>
-            <a:r>
-              <a:rPr lang="zh-CN" altLang="en-US" sz="800" dirty="0">
-                <a:solidFill>
-                  <a:schemeClr val="bg2">
-                    <a:lumMod val="90000"/>
-                  </a:schemeClr>
-                </a:solidFill>
-              </a:rPr>
-              <a:t>木如知</a:t>
-            </a:r>
-          </a:p>
-        </p:txBody>
-      </p:sp>
-      <p:sp>
-        <p:nvSpPr>
-          <p:cNvPr id="3" name="文本框 2">
-            <a:extLst>
-              <a:ext uri="{FF2B5EF4-FFF2-40B4-BE49-F238E27FC236}">
-                <a16:creationId xmlns:a16="http://schemas.microsoft.com/office/drawing/2014/main" id="{CD53DA27-33D9-8583-2E17-7D43A1D86DEA}"/>
-              </a:ext>
-            </a:extLst>
-          </p:cNvPr>
-          <p:cNvSpPr txBox="1"/>
-          <p:nvPr/>
-        </p:nvSpPr>
-        <p:spPr>
-          <a:xfrm>
-            <a:off x="753368" y="1280135"/>
-            <a:ext cx="10169772" cy="1323439"/>
-          </a:xfrm>
-          <a:prstGeom prst="rect">
-            <a:avLst/>
-          </a:prstGeom>
-          <a:noFill/>
-        </p:spPr>
-        <p:txBody>
-          <a:bodyPr wrap="none" rtlCol="0">
-            <a:spAutoFit/>
-          </a:bodyPr>
-          <a:lstStyle/>
-          <a:p>
-            <a:r>
-              <a:rPr kumimoji="1" lang="en-US" altLang="zh-CN" sz="4000" b="1" dirty="0">
-                <a:latin typeface="Microsoft YaHei" panose="020B0503020204020204" pitchFamily="34" charset="-122"/>
-                <a:ea typeface="Microsoft YaHei" panose="020B0503020204020204" pitchFamily="34" charset="-122"/>
-              </a:rPr>
-              <a:t>10</a:t>
-            </a:r>
-            <a:r>
-              <a:rPr kumimoji="1" lang="zh-CN" altLang="en-US" sz="4000" b="1" dirty="0">
-                <a:latin typeface="Microsoft YaHei" panose="020B0503020204020204" pitchFamily="34" charset="-122"/>
-                <a:ea typeface="Microsoft YaHei" panose="020B0503020204020204" pitchFamily="34" charset="-122"/>
-              </a:rPr>
-              <a:t>、</a:t>
-            </a:r>
-            <a:r>
-              <a:rPr kumimoji="1" lang="en-US" altLang="zh-CN" sz="4000" b="1" dirty="0">
-                <a:latin typeface="Microsoft YaHei" panose="020B0503020204020204" pitchFamily="34" charset="-122"/>
-                <a:ea typeface="Microsoft YaHei" panose="020B0503020204020204" pitchFamily="34" charset="-122"/>
-              </a:rPr>
-              <a:t>Qt</a:t>
-            </a:r>
-            <a:r>
-              <a:rPr kumimoji="1" lang="zh-CN" altLang="en-US" sz="4000" b="1" dirty="0">
-                <a:latin typeface="Microsoft YaHei" panose="020B0503020204020204" pitchFamily="34" charset="-122"/>
-                <a:ea typeface="Microsoft YaHei" panose="020B0503020204020204" pitchFamily="34" charset="-122"/>
-              </a:rPr>
-              <a:t>自定义一个信号槽，触发这个信号，</a:t>
-            </a:r>
-          </a:p>
-          <a:p>
-            <a:r>
-              <a:rPr kumimoji="1" lang="en-US" altLang="zh-CN" sz="4000" b="1" dirty="0">
-                <a:latin typeface="Microsoft YaHei" panose="020B0503020204020204" pitchFamily="34" charset="-122"/>
-                <a:ea typeface="Microsoft YaHei" panose="020B0503020204020204" pitchFamily="34" charset="-122"/>
-              </a:rPr>
-              <a:t>Qt</a:t>
-            </a:r>
-            <a:r>
-              <a:rPr kumimoji="1" lang="zh-CN" altLang="en-US" sz="4000" b="1" dirty="0">
-                <a:latin typeface="Microsoft YaHei" panose="020B0503020204020204" pitchFamily="34" charset="-122"/>
-                <a:ea typeface="Microsoft YaHei" panose="020B0503020204020204" pitchFamily="34" charset="-122"/>
-              </a:rPr>
-              <a:t>多个信号如何关联一并处理；</a:t>
-            </a:r>
-          </a:p>
-        </p:txBody>
-      </p:sp>
-      <p:sp>
-        <p:nvSpPr>
-          <p:cNvPr id="4" name="文本框 3">
-            <a:extLst>
-              <a:ext uri="{FF2B5EF4-FFF2-40B4-BE49-F238E27FC236}">
-                <a16:creationId xmlns:a16="http://schemas.microsoft.com/office/drawing/2014/main" id="{CBB2A18A-B39F-8DB9-085B-36C53CD6C8BC}"/>
-              </a:ext>
-            </a:extLst>
-          </p:cNvPr>
-          <p:cNvSpPr txBox="1"/>
-          <p:nvPr/>
-        </p:nvSpPr>
-        <p:spPr>
-          <a:xfrm>
-            <a:off x="753368" y="3307614"/>
-            <a:ext cx="11253249" cy="1323439"/>
-          </a:xfrm>
-          <a:prstGeom prst="rect">
-            <a:avLst/>
-          </a:prstGeom>
-          <a:noFill/>
-        </p:spPr>
-        <p:txBody>
-          <a:bodyPr wrap="square" rtlCol="0">
-            <a:spAutoFit/>
-          </a:bodyPr>
-          <a:lstStyle/>
-          <a:p>
-            <a:r>
-              <a:rPr lang="zh-CN" altLang="en-US" sz="1600" dirty="0">
-                <a:latin typeface="SimSun" panose="02010600030101010101" pitchFamily="2" charset="-122"/>
-                <a:ea typeface="SimSun" panose="02010600030101010101" pitchFamily="2" charset="-122"/>
-                <a:sym typeface="Wingdings" pitchFamily="2" charset="2"/>
-              </a:rPr>
-              <a:t>第一种方法：</a:t>
-            </a:r>
-          </a:p>
-          <a:p>
-            <a:r>
-              <a:rPr lang="zh-CN" altLang="en-US" sz="1600" dirty="0">
-                <a:latin typeface="SimSun" panose="02010600030101010101" pitchFamily="2" charset="-122"/>
-                <a:ea typeface="SimSun" panose="02010600030101010101" pitchFamily="2" charset="-122"/>
-                <a:sym typeface="Wingdings" pitchFamily="2" charset="2"/>
-              </a:rPr>
-              <a:t>在发送信号时，也发送</a:t>
-            </a:r>
-            <a:r>
-              <a:rPr lang="en-US" altLang="zh-CN" sz="1600" dirty="0">
-                <a:latin typeface="SimSun" panose="02010600030101010101" pitchFamily="2" charset="-122"/>
-                <a:ea typeface="SimSun" panose="02010600030101010101" pitchFamily="2" charset="-122"/>
-                <a:sym typeface="Wingdings" pitchFamily="2" charset="2"/>
-              </a:rPr>
-              <a:t>—</a:t>
-            </a:r>
-            <a:r>
-              <a:rPr lang="zh-CN" altLang="en-US" sz="1600" dirty="0">
-                <a:latin typeface="SimSun" panose="02010600030101010101" pitchFamily="2" charset="-122"/>
-                <a:ea typeface="SimSun" panose="02010600030101010101" pitchFamily="2" charset="-122"/>
-                <a:sym typeface="Wingdings" pitchFamily="2" charset="2"/>
-              </a:rPr>
-              <a:t>个</a:t>
-            </a:r>
-            <a:r>
-              <a:rPr lang="en" altLang="zh-CN" sz="1600" dirty="0">
-                <a:latin typeface="SimSun" panose="02010600030101010101" pitchFamily="2" charset="-122"/>
-                <a:ea typeface="SimSun" panose="02010600030101010101" pitchFamily="2" charset="-122"/>
-                <a:sym typeface="Wingdings" pitchFamily="2" charset="2"/>
-              </a:rPr>
-              <a:t>int</a:t>
-            </a:r>
-            <a:r>
-              <a:rPr lang="zh-CN" altLang="en-US" sz="1600" dirty="0">
-                <a:latin typeface="SimSun" panose="02010600030101010101" pitchFamily="2" charset="-122"/>
-                <a:ea typeface="SimSun" panose="02010600030101010101" pitchFamily="2" charset="-122"/>
-                <a:sym typeface="Wingdings" pitchFamily="2" charset="2"/>
-              </a:rPr>
-              <a:t>类型数字，或者说标志，这样在槽函数触发是可以知道是哪个信号发出的；</a:t>
-            </a:r>
-          </a:p>
-          <a:p>
-            <a:endParaRPr lang="en-US" altLang="zh-CN" sz="1600" dirty="0">
-              <a:latin typeface="SimSun" panose="02010600030101010101" pitchFamily="2" charset="-122"/>
-              <a:ea typeface="SimSun" panose="02010600030101010101" pitchFamily="2" charset="-122"/>
-              <a:sym typeface="Wingdings" pitchFamily="2" charset="2"/>
-            </a:endParaRPr>
-          </a:p>
-          <a:p>
-            <a:r>
-              <a:rPr lang="zh-CN" altLang="en-US" sz="1600" dirty="0">
-                <a:latin typeface="SimSun" panose="02010600030101010101" pitchFamily="2" charset="-122"/>
-                <a:ea typeface="SimSun" panose="02010600030101010101" pitchFamily="2" charset="-122"/>
-                <a:sym typeface="Wingdings" pitchFamily="2" charset="2"/>
-              </a:rPr>
-              <a:t>第二种方法：</a:t>
-            </a:r>
-            <a:endParaRPr lang="en-US" altLang="zh-CN" sz="1600" dirty="0">
-              <a:latin typeface="SimSun" panose="02010600030101010101" pitchFamily="2" charset="-122"/>
-              <a:ea typeface="SimSun" panose="02010600030101010101" pitchFamily="2" charset="-122"/>
-              <a:sym typeface="Wingdings" pitchFamily="2" charset="2"/>
-            </a:endParaRPr>
-          </a:p>
-          <a:p>
-            <a:r>
-              <a:rPr lang="zh-CN" altLang="en-US" sz="1600" dirty="0">
-                <a:latin typeface="SimSun" panose="02010600030101010101" pitchFamily="2" charset="-122"/>
-                <a:ea typeface="SimSun" panose="02010600030101010101" pitchFamily="2" charset="-122"/>
-                <a:sym typeface="Wingdings" pitchFamily="2" charset="2"/>
-              </a:rPr>
-              <a:t>在槽函数内有获取发送信号的函数，通过</a:t>
-            </a:r>
-            <a:r>
-              <a:rPr lang="en-US" altLang="zh-CN" sz="1600" dirty="0">
-                <a:latin typeface="SimSun" panose="02010600030101010101" pitchFamily="2" charset="-122"/>
-                <a:ea typeface="SimSun" panose="02010600030101010101" pitchFamily="2" charset="-122"/>
-                <a:sym typeface="Wingdings" pitchFamily="2" charset="2"/>
-              </a:rPr>
-              <a:t>sender()</a:t>
-            </a:r>
-            <a:r>
-              <a:rPr lang="zh-CN" altLang="en-US" sz="1600" dirty="0">
-                <a:latin typeface="SimSun" panose="02010600030101010101" pitchFamily="2" charset="-122"/>
-                <a:ea typeface="SimSun" panose="02010600030101010101" pitchFamily="2" charset="-122"/>
-                <a:sym typeface="Wingdings" pitchFamily="2" charset="2"/>
-              </a:rPr>
-              <a:t>函数获取发送信号。</a:t>
-            </a:r>
-            <a:endParaRPr lang="en-US" altLang="zh-CN" sz="1600" dirty="0">
-              <a:latin typeface="SimSun" panose="02010600030101010101" pitchFamily="2" charset="-122"/>
-              <a:ea typeface="SimSun" panose="02010600030101010101" pitchFamily="2" charset="-122"/>
-              <a:sym typeface="Wingdings" pitchFamily="2" charset="2"/>
-            </a:endParaRPr>
-          </a:p>
-        </p:txBody>
-      </p:sp>
-      <p:sp>
-        <p:nvSpPr>
-          <p:cNvPr id="5" name="文本框 4">
-            <a:extLst>
-              <a:ext uri="{FF2B5EF4-FFF2-40B4-BE49-F238E27FC236}">
-                <a16:creationId xmlns:a16="http://schemas.microsoft.com/office/drawing/2014/main" id="{14F871ED-B0E0-7CCA-999C-D373DBB508F6}"/>
-              </a:ext>
-            </a:extLst>
-          </p:cNvPr>
-          <p:cNvSpPr txBox="1"/>
-          <p:nvPr/>
-        </p:nvSpPr>
-        <p:spPr>
-          <a:xfrm>
-            <a:off x="4759645" y="695093"/>
-            <a:ext cx="2479355" cy="276999"/>
-          </a:xfrm>
-          <a:prstGeom prst="rect">
-            <a:avLst/>
-          </a:prstGeom>
-          <a:noFill/>
-        </p:spPr>
-        <p:txBody>
-          <a:bodyPr wrap="square" rtlCol="0">
-            <a:spAutoFit/>
-          </a:bodyPr>
-          <a:lstStyle/>
-          <a:p>
-            <a:r>
-              <a:rPr kumimoji="1" lang="en-US" altLang="zh-CN" sz="1200" dirty="0">
-                <a:solidFill>
-                  <a:srgbClr val="5E90C4"/>
-                </a:solidFill>
-                <a:latin typeface="Microsoft YaHei" panose="020B0503020204020204" pitchFamily="34" charset="-122"/>
-                <a:ea typeface="Microsoft YaHei" panose="020B0503020204020204" pitchFamily="34" charset="-122"/>
-              </a:rPr>
-              <a:t>1</a:t>
-            </a:r>
-            <a:r>
-              <a:rPr kumimoji="1" lang="zh-CN" altLang="en-US" sz="1200" dirty="0">
-                <a:solidFill>
-                  <a:srgbClr val="5E90C4"/>
-                </a:solidFill>
-                <a:latin typeface="Microsoft YaHei" panose="020B0503020204020204" pitchFamily="34" charset="-122"/>
-                <a:ea typeface="Microsoft YaHei" panose="020B0503020204020204" pitchFamily="34" charset="-122"/>
-              </a:rPr>
-              <a:t>、</a:t>
-            </a:r>
-            <a:r>
-              <a:rPr kumimoji="1" lang="en-US" altLang="zh-CN" sz="1200" dirty="0">
-                <a:solidFill>
-                  <a:srgbClr val="5E90C4"/>
-                </a:solidFill>
-                <a:latin typeface="Microsoft YaHei" panose="020B0503020204020204" pitchFamily="34" charset="-122"/>
-                <a:ea typeface="Microsoft YaHei" panose="020B0503020204020204" pitchFamily="34" charset="-122"/>
-              </a:rPr>
-              <a:t>2</a:t>
-            </a:r>
-            <a:r>
-              <a:rPr kumimoji="1" lang="zh-CN" altLang="en-US" sz="1200" dirty="0">
-                <a:solidFill>
-                  <a:srgbClr val="5E90C4"/>
-                </a:solidFill>
-                <a:latin typeface="Microsoft YaHei" panose="020B0503020204020204" pitchFamily="34" charset="-122"/>
-                <a:ea typeface="Microsoft YaHei" panose="020B0503020204020204" pitchFamily="34" charset="-122"/>
-              </a:rPr>
-              <a:t>、</a:t>
-            </a:r>
-            <a:r>
-              <a:rPr kumimoji="1" lang="en-US" altLang="zh-CN" sz="1200" dirty="0">
-                <a:solidFill>
-                  <a:srgbClr val="5E90C4"/>
-                </a:solidFill>
-                <a:latin typeface="Microsoft YaHei" panose="020B0503020204020204" pitchFamily="34" charset="-122"/>
-                <a:ea typeface="Microsoft YaHei" panose="020B0503020204020204" pitchFamily="34" charset="-122"/>
-              </a:rPr>
-              <a:t>3</a:t>
-            </a:r>
-            <a:r>
-              <a:rPr kumimoji="1" lang="zh-CN" altLang="en-US" sz="1200" dirty="0">
-                <a:solidFill>
-                  <a:srgbClr val="5E90C4"/>
-                </a:solidFill>
-                <a:latin typeface="Microsoft YaHei" panose="020B0503020204020204" pitchFamily="34" charset="-122"/>
-                <a:ea typeface="Microsoft YaHei" panose="020B0503020204020204" pitchFamily="34" charset="-122"/>
-              </a:rPr>
-              <a:t>题在上一个</a:t>
-            </a:r>
-            <a:r>
-              <a:rPr kumimoji="1" lang="en-US" altLang="zh-CN" sz="1200" dirty="0">
-                <a:solidFill>
-                  <a:srgbClr val="5E90C4"/>
-                </a:solidFill>
-                <a:latin typeface="Microsoft YaHei" panose="020B0503020204020204" pitchFamily="34" charset="-122"/>
-                <a:ea typeface="Microsoft YaHei" panose="020B0503020204020204" pitchFamily="34" charset="-122"/>
-              </a:rPr>
-              <a:t>ppt</a:t>
-            </a:r>
-            <a:r>
-              <a:rPr kumimoji="1" lang="zh-CN" altLang="en-US" sz="1200" dirty="0">
-                <a:solidFill>
-                  <a:srgbClr val="5E90C4"/>
-                </a:solidFill>
-                <a:latin typeface="Microsoft YaHei" panose="020B0503020204020204" pitchFamily="34" charset="-122"/>
-                <a:ea typeface="Microsoft YaHei" panose="020B0503020204020204" pitchFamily="34" charset="-122"/>
-              </a:rPr>
-              <a:t>中</a:t>
-            </a:r>
-          </a:p>
-        </p:txBody>
-      </p:sp>
-    </p:spTree>
-    <p:extLst>
-      <p:ext uri="{BB962C8B-B14F-4D97-AF65-F5344CB8AC3E}">
-        <p14:creationId xmlns:p14="http://schemas.microsoft.com/office/powerpoint/2010/main" val="3293606571"/>
+        <p14:creationId xmlns:p14="http://schemas.microsoft.com/office/powerpoint/2010/main" val="1218939831"/>
       </p:ext>
     </p:extLst>
   </p:cSld>
